--- a/Documentation/Demo 4 documents/Demo 4 Slideshow.pptx
+++ b/Documentation/Demo 4 documents/Demo 4 Slideshow.pptx
@@ -270,7 +270,7 @@
           <a:p>
             <a:fld id="{76E5B84D-D061-483E-84D4-FDF00078B9A9}" type="datetimeFigureOut">
               <a:rPr lang="en-US" smtClean="0"/>
-              <a:t>9/22/2023</a:t>
+              <a:t>9/25/2023</a:t>
             </a:fld>
             <a:endParaRPr lang="en-US" dirty="0"/>
           </a:p>
@@ -468,7 +468,7 @@
           <a:p>
             <a:fld id="{76E5B84D-D061-483E-84D4-FDF00078B9A9}" type="datetimeFigureOut">
               <a:rPr lang="en-US" smtClean="0"/>
-              <a:t>9/22/2023</a:t>
+              <a:t>9/25/2023</a:t>
             </a:fld>
             <a:endParaRPr lang="en-US" dirty="0"/>
           </a:p>
@@ -676,7 +676,7 @@
           <a:p>
             <a:fld id="{76E5B84D-D061-483E-84D4-FDF00078B9A9}" type="datetimeFigureOut">
               <a:rPr lang="en-US" smtClean="0"/>
-              <a:t>9/22/2023</a:t>
+              <a:t>9/25/2023</a:t>
             </a:fld>
             <a:endParaRPr lang="en-US" dirty="0"/>
           </a:p>
@@ -874,7 +874,7 @@
           <a:p>
             <a:fld id="{76E5B84D-D061-483E-84D4-FDF00078B9A9}" type="datetimeFigureOut">
               <a:rPr lang="en-US" smtClean="0"/>
-              <a:t>9/22/2023</a:t>
+              <a:t>9/25/2023</a:t>
             </a:fld>
             <a:endParaRPr lang="en-US" dirty="0"/>
           </a:p>
@@ -1149,7 +1149,7 @@
           <a:p>
             <a:fld id="{76E5B84D-D061-483E-84D4-FDF00078B9A9}" type="datetimeFigureOut">
               <a:rPr lang="en-US" smtClean="0"/>
-              <a:t>9/22/2023</a:t>
+              <a:t>9/25/2023</a:t>
             </a:fld>
             <a:endParaRPr lang="en-US" dirty="0"/>
           </a:p>
@@ -1414,7 +1414,7 @@
           <a:p>
             <a:fld id="{76E5B84D-D061-483E-84D4-FDF00078B9A9}" type="datetimeFigureOut">
               <a:rPr lang="en-US" smtClean="0"/>
-              <a:t>9/22/2023</a:t>
+              <a:t>9/25/2023</a:t>
             </a:fld>
             <a:endParaRPr lang="en-US" dirty="0"/>
           </a:p>
@@ -1826,7 +1826,7 @@
           <a:p>
             <a:fld id="{76E5B84D-D061-483E-84D4-FDF00078B9A9}" type="datetimeFigureOut">
               <a:rPr lang="en-US" smtClean="0"/>
-              <a:t>9/22/2023</a:t>
+              <a:t>9/25/2023</a:t>
             </a:fld>
             <a:endParaRPr lang="en-US" dirty="0"/>
           </a:p>
@@ -1967,7 +1967,7 @@
           <a:p>
             <a:fld id="{76E5B84D-D061-483E-84D4-FDF00078B9A9}" type="datetimeFigureOut">
               <a:rPr lang="en-US" smtClean="0"/>
-              <a:t>9/22/2023</a:t>
+              <a:t>9/25/2023</a:t>
             </a:fld>
             <a:endParaRPr lang="en-US" dirty="0"/>
           </a:p>
@@ -2080,7 +2080,7 @@
           <a:p>
             <a:fld id="{76E5B84D-D061-483E-84D4-FDF00078B9A9}" type="datetimeFigureOut">
               <a:rPr lang="en-US" smtClean="0"/>
-              <a:t>9/22/2023</a:t>
+              <a:t>9/25/2023</a:t>
             </a:fld>
             <a:endParaRPr lang="en-US" dirty="0"/>
           </a:p>
@@ -2440,7 +2440,7 @@
           <a:p>
             <a:fld id="{76E5B84D-D061-483E-84D4-FDF00078B9A9}" type="datetimeFigureOut">
               <a:rPr lang="en-US" smtClean="0"/>
-              <a:t>9/22/2023</a:t>
+              <a:t>9/25/2023</a:t>
             </a:fld>
             <a:endParaRPr lang="en-US" dirty="0"/>
           </a:p>
@@ -2686,7 +2686,7 @@
           <a:p>
             <a:fld id="{76E5B84D-D061-483E-84D4-FDF00078B9A9}" type="datetimeFigureOut">
               <a:rPr lang="en-US" smtClean="0"/>
-              <a:t>9/22/2023</a:t>
+              <a:t>9/25/2023</a:t>
             </a:fld>
             <a:endParaRPr lang="en-US" dirty="0"/>
           </a:p>
@@ -16370,6 +16370,42 @@
           </a:prstGeom>
         </p:spPr>
       </p:pic>
+      <p:pic>
+        <p:nvPicPr>
+          <p:cNvPr id="6" name="Picture 5" descr="A diagram of a computer system&#10;&#10;Description automatically generated with medium confidence">
+            <a:extLst>
+              <a:ext uri="{FF2B5EF4-FFF2-40B4-BE49-F238E27FC236}">
+                <a16:creationId xmlns:a16="http://schemas.microsoft.com/office/drawing/2014/main" id="{90FC5FC3-8EF7-16AC-6953-0B20F2BA4A84}"/>
+              </a:ext>
+            </a:extLst>
+          </p:cNvPr>
+          <p:cNvPicPr>
+            <a:picLocks noChangeAspect="1"/>
+          </p:cNvPicPr>
+          <p:nvPr/>
+        </p:nvPicPr>
+        <p:blipFill>
+          <a:blip r:embed="rId3">
+            <a:extLst>
+              <a:ext uri="{28A0092B-C50C-407E-A947-70E740481C1C}">
+                <a14:useLocalDpi xmlns:a14="http://schemas.microsoft.com/office/drawing/2010/main" val="0"/>
+              </a:ext>
+            </a:extLst>
+          </a:blip>
+          <a:stretch>
+            <a:fillRect/>
+          </a:stretch>
+        </p:blipFill>
+        <p:spPr>
+          <a:xfrm>
+            <a:off x="295581" y="605743"/>
+            <a:ext cx="7704000" cy="3812274"/>
+          </a:xfrm>
+          <a:prstGeom prst="rect">
+            <a:avLst/>
+          </a:prstGeom>
+        </p:spPr>
+      </p:pic>
       <p:cxnSp>
         <p:nvCxnSpPr>
           <p:cNvPr id="15" name="Straight Arrow Connector 14">
@@ -16414,42 +16450,6 @@
           </a:fontRef>
         </p:style>
       </p:cxnSp>
-      <p:pic>
-        <p:nvPicPr>
-          <p:cNvPr id="6" name="Picture 5" descr="A diagram of a computer system&#10;&#10;Description automatically generated with medium confidence">
-            <a:extLst>
-              <a:ext uri="{FF2B5EF4-FFF2-40B4-BE49-F238E27FC236}">
-                <a16:creationId xmlns:a16="http://schemas.microsoft.com/office/drawing/2014/main" id="{90FC5FC3-8EF7-16AC-6953-0B20F2BA4A84}"/>
-              </a:ext>
-            </a:extLst>
-          </p:cNvPr>
-          <p:cNvPicPr>
-            <a:picLocks noChangeAspect="1"/>
-          </p:cNvPicPr>
-          <p:nvPr/>
-        </p:nvPicPr>
-        <p:blipFill>
-          <a:blip r:embed="rId3">
-            <a:extLst>
-              <a:ext uri="{28A0092B-C50C-407E-A947-70E740481C1C}">
-                <a14:useLocalDpi xmlns:a14="http://schemas.microsoft.com/office/drawing/2010/main" val="0"/>
-              </a:ext>
-            </a:extLst>
-          </a:blip>
-          <a:stretch>
-            <a:fillRect/>
-          </a:stretch>
-        </p:blipFill>
-        <p:spPr>
-          <a:xfrm>
-            <a:off x="295581" y="605743"/>
-            <a:ext cx="7704000" cy="3812274"/>
-          </a:xfrm>
-          <a:prstGeom prst="rect">
-            <a:avLst/>
-          </a:prstGeom>
-        </p:spPr>
-      </p:pic>
     </p:spTree>
     <p:extLst>
       <p:ext uri="{BB962C8B-B14F-4D97-AF65-F5344CB8AC3E}">
@@ -17767,7 +17767,7 @@
         <p:spPr>
           <a:xfrm>
             <a:off x="1738967" y="1834355"/>
-            <a:ext cx="9730549" cy="2308324"/>
+            <a:ext cx="9730549" cy="2585323"/>
           </a:xfrm>
           <a:prstGeom prst="rect">
             <a:avLst/>
@@ -17805,6 +17805,20 @@
                 </a:solidFill>
               </a:rPr>
               <a:t>Simply click on the timeslot to receive directions</a:t>
+            </a:r>
+          </a:p>
+          <a:p>
+            <a:pPr marL="742950" lvl="1" indent="-285750">
+              <a:buFont typeface="Arial" panose="020B0604020202020204" pitchFamily="34" charset="0"/>
+              <a:buChar char="•"/>
+            </a:pPr>
+            <a:r>
+              <a:rPr lang="en-ZA" dirty="0">
+                <a:solidFill>
+                  <a:schemeClr val="bg1"/>
+                </a:solidFill>
+              </a:rPr>
+              <a:t>Choose from any of your modules posted venues</a:t>
             </a:r>
           </a:p>
           <a:p>
@@ -21747,7 +21761,7 @@
         </p:nvSpPr>
         <p:spPr>
           <a:xfrm>
-            <a:off x="2164044" y="131279"/>
+            <a:off x="2164044" y="206626"/>
             <a:ext cx="8126062" cy="830997"/>
           </a:xfrm>
           <a:prstGeom prst="rect">
@@ -21893,8 +21907,8 @@
         </p:nvSpPr>
         <p:spPr>
           <a:xfrm>
-            <a:off x="2135830" y="1028343"/>
-            <a:ext cx="8712642" cy="1200329"/>
+            <a:off x="2164044" y="1131102"/>
+            <a:ext cx="6702476" cy="923330"/>
           </a:xfrm>
           <a:prstGeom prst="rect">
             <a:avLst/>
@@ -21931,33 +21945,70 @@
                   <a:schemeClr val="bg1"/>
                 </a:solidFill>
               </a:rPr>
-              <a:t>Say something about performance &amp; availability measurement/test</a:t>
+              <a:t>Say something about performance</a:t>
             </a:r>
           </a:p>
           <a:p>
-            <a:pPr lvl="1"/>
+            <a:pPr marL="742950" lvl="1" indent="-285750">
+              <a:buFont typeface="Arial" panose="020B0604020202020204" pitchFamily="34" charset="0"/>
+              <a:buChar char="•"/>
+            </a:pPr>
             <a:r>
               <a:rPr lang="en-ZA" dirty="0">
                 <a:solidFill>
                   <a:schemeClr val="bg1"/>
                 </a:solidFill>
               </a:rPr>
-              <a:t>*Perhaps a screenshot or two of measurements for those</a:t>
-            </a:r>
-          </a:p>
-          <a:p>
-            <a:pPr lvl="1"/>
-            <a:r>
-              <a:rPr lang="en-ZA" dirty="0">
-                <a:solidFill>
-                  <a:schemeClr val="bg1"/>
-                </a:solidFill>
-              </a:rPr>
-              <a:t>Above**</a:t>
+              <a:t>Uptime measured using uptime robot, over 99.9%</a:t>
             </a:r>
           </a:p>
         </p:txBody>
       </p:sp>
+      <p:pic>
+        <p:nvPicPr>
+          <p:cNvPr id="1026" name="Picture 2">
+            <a:extLst>
+              <a:ext uri="{FF2B5EF4-FFF2-40B4-BE49-F238E27FC236}">
+                <a16:creationId xmlns:a16="http://schemas.microsoft.com/office/drawing/2014/main" id="{12CCDC33-A5FC-E04A-0C59-A349E2B47328}"/>
+              </a:ext>
+            </a:extLst>
+          </p:cNvPr>
+          <p:cNvPicPr>
+            <a:picLocks noChangeAspect="1" noChangeArrowheads="1"/>
+          </p:cNvPicPr>
+          <p:nvPr/>
+        </p:nvPicPr>
+        <p:blipFill rotWithShape="1">
+          <a:blip r:embed="rId4">
+            <a:extLst>
+              <a:ext uri="{28A0092B-C50C-407E-A947-70E740481C1C}">
+                <a14:useLocalDpi xmlns:a14="http://schemas.microsoft.com/office/drawing/2010/main" val="0"/>
+              </a:ext>
+            </a:extLst>
+          </a:blip>
+          <a:srcRect t="21747" r="3207"/>
+          <a:stretch/>
+        </p:blipFill>
+        <p:spPr bwMode="auto">
+          <a:xfrm>
+            <a:off x="130410" y="2465120"/>
+            <a:ext cx="7460920" cy="3400856"/>
+          </a:xfrm>
+          <a:prstGeom prst="rect">
+            <a:avLst/>
+          </a:prstGeom>
+          <a:noFill/>
+          <a:extLst>
+            <a:ext uri="{909E8E84-426E-40DD-AFC4-6F175D3DCCD1}">
+              <a14:hiddenFill xmlns:a14="http://schemas.microsoft.com/office/drawing/2010/main">
+                <a:solidFill>
+                  <a:srgbClr val="FFFFFF"/>
+                </a:solidFill>
+              </a14:hiddenFill>
+            </a:ext>
+          </a:extLst>
+        </p:spPr>
+      </p:pic>
     </p:spTree>
     <p:extLst>
       <p:ext uri="{BB962C8B-B14F-4D97-AF65-F5344CB8AC3E}">
@@ -23352,7 +23403,7 @@
                 </a:solidFill>
                 <a:latin typeface="Montserrat"/>
               </a:rPr>
-              <a:t>Injection prevention</a:t>
+              <a:t>Injection and XSS prevention</a:t>
             </a:r>
             <a:endParaRPr kumimoji="0" lang="en-ZA" sz="1800" b="0" i="0" u="none" strike="noStrike" kern="1200" cap="none" spc="0" normalizeH="0" baseline="0" noProof="0" dirty="0">
               <a:ln>

--- a/Documentation/Demo 4 documents/Demo 4 Slideshow.pptx
+++ b/Documentation/Demo 4 documents/Demo 4 Slideshow.pptx
@@ -270,7 +270,7 @@
           <a:p>
             <a:fld id="{76E5B84D-D061-483E-84D4-FDF00078B9A9}" type="datetimeFigureOut">
               <a:rPr lang="en-US" smtClean="0"/>
-              <a:t>9/25/2023</a:t>
+              <a:t>9/26/2023</a:t>
             </a:fld>
             <a:endParaRPr lang="en-US" dirty="0"/>
           </a:p>
@@ -468,7 +468,7 @@
           <a:p>
             <a:fld id="{76E5B84D-D061-483E-84D4-FDF00078B9A9}" type="datetimeFigureOut">
               <a:rPr lang="en-US" smtClean="0"/>
-              <a:t>9/25/2023</a:t>
+              <a:t>9/26/2023</a:t>
             </a:fld>
             <a:endParaRPr lang="en-US" dirty="0"/>
           </a:p>
@@ -676,7 +676,7 @@
           <a:p>
             <a:fld id="{76E5B84D-D061-483E-84D4-FDF00078B9A9}" type="datetimeFigureOut">
               <a:rPr lang="en-US" smtClean="0"/>
-              <a:t>9/25/2023</a:t>
+              <a:t>9/26/2023</a:t>
             </a:fld>
             <a:endParaRPr lang="en-US" dirty="0"/>
           </a:p>
@@ -874,7 +874,7 @@
           <a:p>
             <a:fld id="{76E5B84D-D061-483E-84D4-FDF00078B9A9}" type="datetimeFigureOut">
               <a:rPr lang="en-US" smtClean="0"/>
-              <a:t>9/25/2023</a:t>
+              <a:t>9/26/2023</a:t>
             </a:fld>
             <a:endParaRPr lang="en-US" dirty="0"/>
           </a:p>
@@ -1149,7 +1149,7 @@
           <a:p>
             <a:fld id="{76E5B84D-D061-483E-84D4-FDF00078B9A9}" type="datetimeFigureOut">
               <a:rPr lang="en-US" smtClean="0"/>
-              <a:t>9/25/2023</a:t>
+              <a:t>9/26/2023</a:t>
             </a:fld>
             <a:endParaRPr lang="en-US" dirty="0"/>
           </a:p>
@@ -1414,7 +1414,7 @@
           <a:p>
             <a:fld id="{76E5B84D-D061-483E-84D4-FDF00078B9A9}" type="datetimeFigureOut">
               <a:rPr lang="en-US" smtClean="0"/>
-              <a:t>9/25/2023</a:t>
+              <a:t>9/26/2023</a:t>
             </a:fld>
             <a:endParaRPr lang="en-US" dirty="0"/>
           </a:p>
@@ -1826,7 +1826,7 @@
           <a:p>
             <a:fld id="{76E5B84D-D061-483E-84D4-FDF00078B9A9}" type="datetimeFigureOut">
               <a:rPr lang="en-US" smtClean="0"/>
-              <a:t>9/25/2023</a:t>
+              <a:t>9/26/2023</a:t>
             </a:fld>
             <a:endParaRPr lang="en-US" dirty="0"/>
           </a:p>
@@ -1967,7 +1967,7 @@
           <a:p>
             <a:fld id="{76E5B84D-D061-483E-84D4-FDF00078B9A9}" type="datetimeFigureOut">
               <a:rPr lang="en-US" smtClean="0"/>
-              <a:t>9/25/2023</a:t>
+              <a:t>9/26/2023</a:t>
             </a:fld>
             <a:endParaRPr lang="en-US" dirty="0"/>
           </a:p>
@@ -2080,7 +2080,7 @@
           <a:p>
             <a:fld id="{76E5B84D-D061-483E-84D4-FDF00078B9A9}" type="datetimeFigureOut">
               <a:rPr lang="en-US" smtClean="0"/>
-              <a:t>9/25/2023</a:t>
+              <a:t>9/26/2023</a:t>
             </a:fld>
             <a:endParaRPr lang="en-US" dirty="0"/>
           </a:p>
@@ -2440,7 +2440,7 @@
           <a:p>
             <a:fld id="{76E5B84D-D061-483E-84D4-FDF00078B9A9}" type="datetimeFigureOut">
               <a:rPr lang="en-US" smtClean="0"/>
-              <a:t>9/25/2023</a:t>
+              <a:t>9/26/2023</a:t>
             </a:fld>
             <a:endParaRPr lang="en-US" dirty="0"/>
           </a:p>
@@ -2686,7 +2686,7 @@
           <a:p>
             <a:fld id="{76E5B84D-D061-483E-84D4-FDF00078B9A9}" type="datetimeFigureOut">
               <a:rPr lang="en-US" smtClean="0"/>
-              <a:t>9/25/2023</a:t>
+              <a:t>9/26/2023</a:t>
             </a:fld>
             <a:endParaRPr lang="en-US" dirty="0"/>
           </a:p>
@@ -6235,7 +6235,26 @@
                 <a:effectLst/>
                 <a:latin typeface="Sorts Mill Goudy"/>
               </a:rPr>
-              <a:t>- Weekly meeting with the Matthew and Nataizya on Wednesdays</a:t>
+              <a:t>- Weekly meeting with </a:t>
+            </a:r>
+            <a:r>
+              <a:rPr lang="en-GB" sz="2100" dirty="0">
+                <a:solidFill>
+                  <a:srgbClr val="E3E3E5"/>
+                </a:solidFill>
+                <a:latin typeface="Sorts Mill Goudy"/>
+              </a:rPr>
+              <a:t>clients</a:t>
+            </a:r>
+            <a:r>
+              <a:rPr lang="en-GB" sz="2100" b="0" i="0" u="none" strike="noStrike" dirty="0">
+                <a:solidFill>
+                  <a:srgbClr val="E3E3E5"/>
+                </a:solidFill>
+                <a:effectLst/>
+                <a:latin typeface="Sorts Mill Goudy"/>
+              </a:rPr>
+              <a:t> on Wednesdays</a:t>
             </a:r>
             <a:endParaRPr lang="en-GB" sz="1260" b="0" i="0" u="none" strike="noStrike" dirty="0">
               <a:solidFill>
@@ -6284,7 +6303,7 @@
                 <a:effectLst/>
                 <a:latin typeface="Sorts Mill Goudy"/>
               </a:rPr>
-              <a:t>Project feedback meetings with the other lecturer mentors when necessary</a:t>
+              <a:t>Project feedback meetings with the other lecturers when necessary</a:t>
             </a:r>
             <a:endParaRPr lang="en-GB" sz="1260" b="0" i="0" u="none" strike="noStrike" dirty="0">
               <a:solidFill>
@@ -10445,7 +10464,7 @@
                   </a:solidFill>
                   <a:latin typeface="Montserrat" panose="00000500000000000000" pitchFamily="2" charset="0"/>
                 </a:rPr>
-                <a:t>Lecturers will be able to schedule reminders for important events like exams and project due dates, as well as notify them of assignment extensions.</a:t>
+                <a:t>Lecturers will be able to send reminders for important events like exams and project due dates, as well as notify them of assignment extensions.</a:t>
               </a:r>
             </a:p>
           </p:txBody>
@@ -17744,7 +17763,7 @@
         </p:blipFill>
         <p:spPr>
           <a:xfrm>
-            <a:off x="3331436" y="5734757"/>
+            <a:off x="3051517" y="6177664"/>
             <a:ext cx="158510" cy="158510"/>
           </a:xfrm>
           <a:prstGeom prst="rect">
@@ -17766,8 +17785,8 @@
         </p:nvSpPr>
         <p:spPr>
           <a:xfrm>
-            <a:off x="1738967" y="1834355"/>
-            <a:ext cx="9730549" cy="2585323"/>
+            <a:off x="1607687" y="1773236"/>
+            <a:ext cx="9730549" cy="3970318"/>
           </a:xfrm>
           <a:prstGeom prst="rect">
             <a:avLst/>
@@ -17804,20 +17823,6 @@
                   <a:schemeClr val="bg1"/>
                 </a:solidFill>
               </a:rPr>
-              <a:t>Simply click on the timeslot to receive directions</a:t>
-            </a:r>
-          </a:p>
-          <a:p>
-            <a:pPr marL="742950" lvl="1" indent="-285750">
-              <a:buFont typeface="Arial" panose="020B0604020202020204" pitchFamily="34" charset="0"/>
-              <a:buChar char="•"/>
-            </a:pPr>
-            <a:r>
-              <a:rPr lang="en-ZA" dirty="0">
-                <a:solidFill>
-                  <a:schemeClr val="bg1"/>
-                </a:solidFill>
-              </a:rPr>
               <a:t>Choose from any of your modules posted venues</a:t>
             </a:r>
           </a:p>
@@ -17872,10 +17877,56 @@
             </a:r>
           </a:p>
           <a:p>
+            <a:pPr marL="742950" lvl="1" indent="-285750">
+              <a:buFont typeface="Arial" panose="020B0604020202020204" pitchFamily="34" charset="0"/>
+              <a:buChar char="•"/>
+            </a:pPr>
+            <a:endParaRPr lang="en-ZA" dirty="0">
+              <a:solidFill>
+                <a:schemeClr val="bg1"/>
+              </a:solidFill>
+            </a:endParaRPr>
+          </a:p>
+          <a:p>
             <a:pPr marL="285750" indent="-285750">
               <a:buFont typeface="Wingdings" panose="05000000000000000000" pitchFamily="2" charset="2"/>
               <a:buChar char="Ø"/>
             </a:pPr>
+            <a:r>
+              <a:rPr lang="en-ZA" dirty="0">
+                <a:solidFill>
+                  <a:schemeClr val="bg1"/>
+                </a:solidFill>
+              </a:rPr>
+              <a:t>Highlight clashes for ease of timetable creation</a:t>
+            </a:r>
+          </a:p>
+          <a:p>
+            <a:pPr marL="285750" indent="-285750">
+              <a:buFont typeface="Wingdings" panose="05000000000000000000" pitchFamily="2" charset="2"/>
+              <a:buChar char="Ø"/>
+            </a:pPr>
+            <a:endParaRPr lang="en-ZA" dirty="0">
+              <a:solidFill>
+                <a:schemeClr val="bg1"/>
+              </a:solidFill>
+            </a:endParaRPr>
+          </a:p>
+          <a:p>
+            <a:pPr marL="285750" indent="-285750">
+              <a:buFont typeface="Wingdings" panose="05000000000000000000" pitchFamily="2" charset="2"/>
+              <a:buChar char="Ø"/>
+            </a:pPr>
+            <a:r>
+              <a:rPr lang="en-ZA" dirty="0">
+                <a:solidFill>
+                  <a:schemeClr val="bg1"/>
+                </a:solidFill>
+              </a:rPr>
+              <a:t>Security: Highly secure role-based access</a:t>
+            </a:r>
+          </a:p>
+          <a:p>
             <a:endParaRPr lang="en-ZA" dirty="0">
               <a:solidFill>
                 <a:schemeClr val="bg1"/>
@@ -17894,6 +17945,31 @@
                 </a:solidFill>
               </a:rPr>
               <a:t>Lecturers can see stats of how many students successfully received notifications</a:t>
+            </a:r>
+          </a:p>
+          <a:p>
+            <a:pPr marL="285750" indent="-285750">
+              <a:buFont typeface="Wingdings" panose="05000000000000000000" pitchFamily="2" charset="2"/>
+              <a:buChar char="Ø"/>
+            </a:pPr>
+            <a:endParaRPr lang="en-ZA" dirty="0">
+              <a:solidFill>
+                <a:schemeClr val="bg1"/>
+              </a:solidFill>
+            </a:endParaRPr>
+          </a:p>
+          <a:p>
+            <a:pPr marL="285750" indent="-285750">
+              <a:buFont typeface="Wingdings" panose="05000000000000000000" pitchFamily="2" charset="2"/>
+              <a:buChar char="Ø"/>
+            </a:pPr>
+            <a:r>
+              <a:rPr lang="en-ZA" dirty="0">
+                <a:solidFill>
+                  <a:schemeClr val="bg1"/>
+                </a:solidFill>
+              </a:rPr>
+              <a:t>Highly useable interface</a:t>
             </a:r>
           </a:p>
         </p:txBody>
@@ -21761,7 +21837,7 @@
         </p:nvSpPr>
         <p:spPr>
           <a:xfrm>
-            <a:off x="2164044" y="206626"/>
+            <a:off x="2164044" y="218746"/>
             <a:ext cx="8126062" cy="830997"/>
           </a:xfrm>
           <a:prstGeom prst="rect">
@@ -21810,26 +21886,6 @@
               </a:rPr>
               <a:t>Quality Assurance</a:t>
             </a:r>
-            <a:endParaRPr kumimoji="0" lang="en-US" sz="4800" b="1" i="0" u="none" strike="noStrike" kern="1200" cap="none" spc="0" normalizeH="0" baseline="0" noProof="0" dirty="0">
-              <a:ln>
-                <a:solidFill>
-                  <a:schemeClr val="bg2">
-                    <a:lumMod val="50000"/>
-                  </a:schemeClr>
-                </a:solidFill>
-              </a:ln>
-              <a:solidFill>
-                <a:prstClr val="white">
-                  <a:lumMod val="95000"/>
-                </a:prstClr>
-              </a:solidFill>
-              <a:effectLst/>
-              <a:uLnTx/>
-              <a:uFillTx/>
-              <a:latin typeface="Tw Cen MT" panose="020B0602020104020603" pitchFamily="34" charset="0"/>
-              <a:ea typeface="+mn-ea"/>
-              <a:cs typeface="+mn-cs"/>
-            </a:endParaRPr>
           </a:p>
         </p:txBody>
       </p:sp>
@@ -23258,7 +23314,7 @@
         <p:spPr>
           <a:xfrm>
             <a:off x="2164044" y="1428807"/>
-            <a:ext cx="7547259" cy="4247317"/>
+            <a:ext cx="7040710" cy="4247317"/>
           </a:xfrm>
           <a:prstGeom prst="rect">
             <a:avLst/>
@@ -23637,7 +23693,7 @@
                 <a:ea typeface="+mn-ea"/>
                 <a:cs typeface="+mn-cs"/>
               </a:rPr>
-              <a:t>Thorough unit tests and code coverage</a:t>
+              <a:t>Thorough unit tests and code coverage </a:t>
             </a:r>
           </a:p>
           <a:p>
@@ -23778,24 +23834,16 @@
                 <a:ea typeface="+mn-ea"/>
                 <a:cs typeface="+mn-cs"/>
               </a:rPr>
-              <a:t>Feedback from Matthew and </a:t>
+              <a:t>Feedback from </a:t>
             </a:r>
             <a:r>
-              <a:rPr kumimoji="0" lang="en-ZA" sz="1800" b="0" i="0" u="none" strike="noStrike" kern="1200" cap="none" spc="0" normalizeH="0" baseline="0" noProof="0" dirty="0" err="1">
-                <a:ln>
-                  <a:noFill/>
-                </a:ln>
+              <a:rPr lang="en-ZA" dirty="0">
                 <a:solidFill>
                   <a:prstClr val="white"/>
                 </a:solidFill>
-                <a:effectLst/>
-                <a:uLnTx/>
-                <a:uFillTx/>
                 <a:latin typeface="Montserrat"/>
-                <a:ea typeface="+mn-ea"/>
-                <a:cs typeface="+mn-cs"/>
               </a:rPr>
-              <a:t>Nataizya</a:t>
+              <a:t>Clients</a:t>
             </a:r>
             <a:endParaRPr kumimoji="0" lang="en-ZA" sz="1800" b="0" i="0" u="none" strike="noStrike" kern="1200" cap="none" spc="0" normalizeH="0" baseline="0" noProof="0" dirty="0">
               <a:ln>
@@ -23845,7 +23893,7 @@
                 <a:ea typeface="+mn-ea"/>
                 <a:cs typeface="+mn-cs"/>
               </a:rPr>
-              <a:t>Feedback from small useability tests carried out on peers</a:t>
+              <a:t>Feedback from useability tests carried out on peers</a:t>
             </a:r>
           </a:p>
           <a:p>

--- a/Documentation/Demo 4 documents/Demo 4 Slideshow.pptx
+++ b/Documentation/Demo 4 documents/Demo 4 Slideshow.pptx
@@ -13,10 +13,12 @@
     <p:sldId id="317" r:id="rId7"/>
     <p:sldId id="324" r:id="rId8"/>
     <p:sldId id="325" r:id="rId9"/>
-    <p:sldId id="328" r:id="rId10"/>
-    <p:sldId id="323" r:id="rId11"/>
-    <p:sldId id="300" r:id="rId12"/>
-    <p:sldId id="305" r:id="rId13"/>
+    <p:sldId id="329" r:id="rId10"/>
+    <p:sldId id="330" r:id="rId11"/>
+    <p:sldId id="328" r:id="rId12"/>
+    <p:sldId id="323" r:id="rId13"/>
+    <p:sldId id="300" r:id="rId14"/>
+    <p:sldId id="305" r:id="rId15"/>
   </p:sldIdLst>
   <p:sldSz cx="12192000" cy="6858000"/>
   <p:notesSz cx="6858000" cy="9144000"/>
@@ -4605,6 +4607,3205 @@
       </p:grpSpPr>
       <p:sp>
         <p:nvSpPr>
+          <p:cNvPr id="6" name="Oval 5">
+            <a:extLst>
+              <a:ext uri="{FF2B5EF4-FFF2-40B4-BE49-F238E27FC236}">
+                <a16:creationId xmlns:a16="http://schemas.microsoft.com/office/drawing/2014/main" id="{0A4ABBFC-76A7-4FC2-A983-AB55DB1BF542}"/>
+              </a:ext>
+            </a:extLst>
+          </p:cNvPr>
+          <p:cNvSpPr/>
+          <p:nvPr/>
+        </p:nvSpPr>
+        <p:spPr>
+          <a:xfrm>
+            <a:off x="1032025" y="673184"/>
+            <a:ext cx="262560" cy="262560"/>
+          </a:xfrm>
+          <a:prstGeom prst="ellipse">
+            <a:avLst/>
+          </a:prstGeom>
+          <a:solidFill>
+            <a:schemeClr val="bg1"/>
+          </a:solidFill>
+          <a:ln>
+            <a:noFill/>
+          </a:ln>
+        </p:spPr>
+        <p:style>
+          <a:lnRef idx="2">
+            <a:schemeClr val="accent1">
+              <a:shade val="50000"/>
+            </a:schemeClr>
+          </a:lnRef>
+          <a:fillRef idx="1">
+            <a:schemeClr val="accent1"/>
+          </a:fillRef>
+          <a:effectRef idx="0">
+            <a:schemeClr val="accent1"/>
+          </a:effectRef>
+          <a:fontRef idx="minor">
+            <a:schemeClr val="lt1"/>
+          </a:fontRef>
+        </p:style>
+        <p:txBody>
+          <a:bodyPr rtlCol="0" anchor="ctr"/>
+          <a:lstStyle/>
+          <a:p>
+            <a:pPr marL="0" marR="0" lvl="0" indent="0" algn="ctr" defTabSz="914400" rtl="0" eaLnBrk="1" fontAlgn="auto" latinLnBrk="0" hangingPunct="1">
+              <a:lnSpc>
+                <a:spcPct val="100000"/>
+              </a:lnSpc>
+              <a:spcBef>
+                <a:spcPts val="0"/>
+              </a:spcBef>
+              <a:spcAft>
+                <a:spcPts val="0"/>
+              </a:spcAft>
+              <a:buClrTx/>
+              <a:buSzTx/>
+              <a:buFontTx/>
+              <a:buNone/>
+              <a:tabLst/>
+              <a:defRPr/>
+            </a:pPr>
+            <a:endParaRPr kumimoji="0" lang="en-US" sz="1800" b="0" i="0" u="none" strike="noStrike" kern="1200" cap="none" spc="0" normalizeH="0" baseline="0" noProof="0" dirty="0">
+              <a:ln>
+                <a:noFill/>
+              </a:ln>
+              <a:solidFill>
+                <a:prstClr val="white"/>
+              </a:solidFill>
+              <a:effectLst/>
+              <a:uLnTx/>
+              <a:uFillTx/>
+              <a:latin typeface="Montserrat"/>
+              <a:ea typeface="+mn-ea"/>
+              <a:cs typeface="+mn-cs"/>
+            </a:endParaRPr>
+          </a:p>
+        </p:txBody>
+      </p:sp>
+      <p:sp>
+        <p:nvSpPr>
+          <p:cNvPr id="8" name="Freeform: Shape 7">
+            <a:extLst>
+              <a:ext uri="{FF2B5EF4-FFF2-40B4-BE49-F238E27FC236}">
+                <a16:creationId xmlns:a16="http://schemas.microsoft.com/office/drawing/2014/main" id="{D05ED739-895E-49AA-BBA0-0E1AEE15D56F}"/>
+              </a:ext>
+            </a:extLst>
+          </p:cNvPr>
+          <p:cNvSpPr/>
+          <p:nvPr/>
+        </p:nvSpPr>
+        <p:spPr>
+          <a:xfrm rot="10800000">
+            <a:off x="-871" y="6204894"/>
+            <a:ext cx="131280" cy="262560"/>
+          </a:xfrm>
+          <a:custGeom>
+            <a:avLst/>
+            <a:gdLst>
+              <a:gd name="connsiteX0" fmla="*/ 131280 w 131280"/>
+              <a:gd name="connsiteY0" fmla="*/ 0 h 262560"/>
+              <a:gd name="connsiteX1" fmla="*/ 131280 w 131280"/>
+              <a:gd name="connsiteY1" fmla="*/ 262560 h 262560"/>
+              <a:gd name="connsiteX2" fmla="*/ 0 w 131280"/>
+              <a:gd name="connsiteY2" fmla="*/ 131280 h 262560"/>
+              <a:gd name="connsiteX3" fmla="*/ 131280 w 131280"/>
+              <a:gd name="connsiteY3" fmla="*/ 0 h 262560"/>
+            </a:gdLst>
+            <a:ahLst/>
+            <a:cxnLst>
+              <a:cxn ang="0">
+                <a:pos x="connsiteX0" y="connsiteY0"/>
+              </a:cxn>
+              <a:cxn ang="0">
+                <a:pos x="connsiteX1" y="connsiteY1"/>
+              </a:cxn>
+              <a:cxn ang="0">
+                <a:pos x="connsiteX2" y="connsiteY2"/>
+              </a:cxn>
+              <a:cxn ang="0">
+                <a:pos x="connsiteX3" y="connsiteY3"/>
+              </a:cxn>
+            </a:cxnLst>
+            <a:rect l="l" t="t" r="r" b="b"/>
+            <a:pathLst>
+              <a:path w="131280" h="262560">
+                <a:moveTo>
+                  <a:pt x="131280" y="0"/>
+                </a:moveTo>
+                <a:lnTo>
+                  <a:pt x="131280" y="262560"/>
+                </a:lnTo>
+                <a:cubicBezTo>
+                  <a:pt x="58776" y="262560"/>
+                  <a:pt x="0" y="203784"/>
+                  <a:pt x="0" y="131280"/>
+                </a:cubicBezTo>
+                <a:cubicBezTo>
+                  <a:pt x="0" y="58776"/>
+                  <a:pt x="58776" y="0"/>
+                  <a:pt x="131280" y="0"/>
+                </a:cubicBezTo>
+                <a:close/>
+              </a:path>
+            </a:pathLst>
+          </a:custGeom>
+          <a:solidFill>
+            <a:schemeClr val="bg1"/>
+          </a:solidFill>
+          <a:ln>
+            <a:noFill/>
+          </a:ln>
+        </p:spPr>
+        <p:style>
+          <a:lnRef idx="2">
+            <a:schemeClr val="accent1">
+              <a:shade val="50000"/>
+            </a:schemeClr>
+          </a:lnRef>
+          <a:fillRef idx="1">
+            <a:schemeClr val="accent1"/>
+          </a:fillRef>
+          <a:effectRef idx="0">
+            <a:schemeClr val="accent1"/>
+          </a:effectRef>
+          <a:fontRef idx="minor">
+            <a:schemeClr val="lt1"/>
+          </a:fontRef>
+        </p:style>
+        <p:txBody>
+          <a:bodyPr wrap="square" rtlCol="0" anchor="ctr">
+            <a:noAutofit/>
+          </a:bodyPr>
+          <a:lstStyle/>
+          <a:p>
+            <a:pPr marL="0" marR="0" lvl="0" indent="0" algn="ctr" defTabSz="914400" rtl="0" eaLnBrk="1" fontAlgn="auto" latinLnBrk="0" hangingPunct="1">
+              <a:lnSpc>
+                <a:spcPct val="100000"/>
+              </a:lnSpc>
+              <a:spcBef>
+                <a:spcPts val="0"/>
+              </a:spcBef>
+              <a:spcAft>
+                <a:spcPts val="0"/>
+              </a:spcAft>
+              <a:buClrTx/>
+              <a:buSzTx/>
+              <a:buFontTx/>
+              <a:buNone/>
+              <a:tabLst/>
+              <a:defRPr/>
+            </a:pPr>
+            <a:endParaRPr kumimoji="0" lang="en-US" sz="1800" b="0" i="0" u="none" strike="noStrike" kern="1200" cap="none" spc="0" normalizeH="0" baseline="0" noProof="0" dirty="0">
+              <a:ln>
+                <a:noFill/>
+              </a:ln>
+              <a:solidFill>
+                <a:prstClr val="white"/>
+              </a:solidFill>
+              <a:effectLst/>
+              <a:uLnTx/>
+              <a:uFillTx/>
+              <a:latin typeface="Montserrat"/>
+              <a:ea typeface="+mn-ea"/>
+              <a:cs typeface="+mn-cs"/>
+            </a:endParaRPr>
+          </a:p>
+        </p:txBody>
+      </p:sp>
+      <p:sp>
+        <p:nvSpPr>
+          <p:cNvPr id="9" name="Freeform: Shape 8">
+            <a:extLst>
+              <a:ext uri="{FF2B5EF4-FFF2-40B4-BE49-F238E27FC236}">
+                <a16:creationId xmlns:a16="http://schemas.microsoft.com/office/drawing/2014/main" id="{D5447901-BA28-476E-94BF-5425985FA436}"/>
+              </a:ext>
+            </a:extLst>
+          </p:cNvPr>
+          <p:cNvSpPr/>
+          <p:nvPr/>
+        </p:nvSpPr>
+        <p:spPr>
+          <a:xfrm rot="10800000">
+            <a:off x="-871" y="1863642"/>
+            <a:ext cx="131280" cy="262560"/>
+          </a:xfrm>
+          <a:custGeom>
+            <a:avLst/>
+            <a:gdLst>
+              <a:gd name="connsiteX0" fmla="*/ 131280 w 131280"/>
+              <a:gd name="connsiteY0" fmla="*/ 0 h 262560"/>
+              <a:gd name="connsiteX1" fmla="*/ 131280 w 131280"/>
+              <a:gd name="connsiteY1" fmla="*/ 262560 h 262560"/>
+              <a:gd name="connsiteX2" fmla="*/ 0 w 131280"/>
+              <a:gd name="connsiteY2" fmla="*/ 131280 h 262560"/>
+              <a:gd name="connsiteX3" fmla="*/ 131280 w 131280"/>
+              <a:gd name="connsiteY3" fmla="*/ 0 h 262560"/>
+            </a:gdLst>
+            <a:ahLst/>
+            <a:cxnLst>
+              <a:cxn ang="0">
+                <a:pos x="connsiteX0" y="connsiteY0"/>
+              </a:cxn>
+              <a:cxn ang="0">
+                <a:pos x="connsiteX1" y="connsiteY1"/>
+              </a:cxn>
+              <a:cxn ang="0">
+                <a:pos x="connsiteX2" y="connsiteY2"/>
+              </a:cxn>
+              <a:cxn ang="0">
+                <a:pos x="connsiteX3" y="connsiteY3"/>
+              </a:cxn>
+            </a:cxnLst>
+            <a:rect l="l" t="t" r="r" b="b"/>
+            <a:pathLst>
+              <a:path w="131280" h="262560">
+                <a:moveTo>
+                  <a:pt x="131280" y="0"/>
+                </a:moveTo>
+                <a:lnTo>
+                  <a:pt x="131280" y="262560"/>
+                </a:lnTo>
+                <a:cubicBezTo>
+                  <a:pt x="58776" y="262560"/>
+                  <a:pt x="0" y="203784"/>
+                  <a:pt x="0" y="131280"/>
+                </a:cubicBezTo>
+                <a:cubicBezTo>
+                  <a:pt x="0" y="58776"/>
+                  <a:pt x="58776" y="0"/>
+                  <a:pt x="131280" y="0"/>
+                </a:cubicBezTo>
+                <a:close/>
+              </a:path>
+            </a:pathLst>
+          </a:custGeom>
+          <a:solidFill>
+            <a:schemeClr val="bg2">
+              <a:lumMod val="25000"/>
+            </a:schemeClr>
+          </a:solidFill>
+          <a:ln>
+            <a:noFill/>
+          </a:ln>
+        </p:spPr>
+        <p:style>
+          <a:lnRef idx="2">
+            <a:schemeClr val="accent1">
+              <a:shade val="50000"/>
+            </a:schemeClr>
+          </a:lnRef>
+          <a:fillRef idx="1">
+            <a:schemeClr val="accent1"/>
+          </a:fillRef>
+          <a:effectRef idx="0">
+            <a:schemeClr val="accent1"/>
+          </a:effectRef>
+          <a:fontRef idx="minor">
+            <a:schemeClr val="lt1"/>
+          </a:fontRef>
+        </p:style>
+        <p:txBody>
+          <a:bodyPr wrap="square" rtlCol="0" anchor="ctr">
+            <a:noAutofit/>
+          </a:bodyPr>
+          <a:lstStyle/>
+          <a:p>
+            <a:pPr marL="0" marR="0" lvl="0" indent="0" algn="ctr" defTabSz="914400" rtl="0" eaLnBrk="1" fontAlgn="auto" latinLnBrk="0" hangingPunct="1">
+              <a:lnSpc>
+                <a:spcPct val="100000"/>
+              </a:lnSpc>
+              <a:spcBef>
+                <a:spcPts val="0"/>
+              </a:spcBef>
+              <a:spcAft>
+                <a:spcPts val="0"/>
+              </a:spcAft>
+              <a:buClrTx/>
+              <a:buSzTx/>
+              <a:buFontTx/>
+              <a:buNone/>
+              <a:tabLst/>
+              <a:defRPr/>
+            </a:pPr>
+            <a:endParaRPr kumimoji="0" lang="en-US" sz="1800" b="0" i="0" u="none" strike="noStrike" kern="1200" cap="none" spc="0" normalizeH="0" baseline="0" noProof="0" dirty="0">
+              <a:ln>
+                <a:noFill/>
+              </a:ln>
+              <a:solidFill>
+                <a:prstClr val="white"/>
+              </a:solidFill>
+              <a:effectLst/>
+              <a:uLnTx/>
+              <a:uFillTx/>
+              <a:latin typeface="Montserrat"/>
+              <a:ea typeface="+mn-ea"/>
+              <a:cs typeface="+mn-cs"/>
+            </a:endParaRPr>
+          </a:p>
+        </p:txBody>
+      </p:sp>
+      <p:sp>
+        <p:nvSpPr>
+          <p:cNvPr id="10" name="Oval 9">
+            <a:extLst>
+              <a:ext uri="{FF2B5EF4-FFF2-40B4-BE49-F238E27FC236}">
+                <a16:creationId xmlns:a16="http://schemas.microsoft.com/office/drawing/2014/main" id="{B9732762-70FC-44FD-8026-6FC1020853A9}"/>
+              </a:ext>
+            </a:extLst>
+          </p:cNvPr>
+          <p:cNvSpPr/>
+          <p:nvPr/>
+        </p:nvSpPr>
+        <p:spPr>
+          <a:xfrm>
+            <a:off x="10848472" y="3340062"/>
+            <a:ext cx="158168" cy="158168"/>
+          </a:xfrm>
+          <a:prstGeom prst="ellipse">
+            <a:avLst/>
+          </a:prstGeom>
+          <a:solidFill>
+            <a:schemeClr val="bg2">
+              <a:lumMod val="25000"/>
+            </a:schemeClr>
+          </a:solidFill>
+          <a:ln>
+            <a:noFill/>
+          </a:ln>
+        </p:spPr>
+        <p:style>
+          <a:lnRef idx="2">
+            <a:schemeClr val="accent1">
+              <a:shade val="50000"/>
+            </a:schemeClr>
+          </a:lnRef>
+          <a:fillRef idx="1">
+            <a:schemeClr val="accent1"/>
+          </a:fillRef>
+          <a:effectRef idx="0">
+            <a:schemeClr val="accent1"/>
+          </a:effectRef>
+          <a:fontRef idx="minor">
+            <a:schemeClr val="lt1"/>
+          </a:fontRef>
+        </p:style>
+        <p:txBody>
+          <a:bodyPr rtlCol="0" anchor="ctr"/>
+          <a:lstStyle/>
+          <a:p>
+            <a:pPr marL="0" marR="0" lvl="0" indent="0" algn="ctr" defTabSz="914400" rtl="0" eaLnBrk="1" fontAlgn="auto" latinLnBrk="0" hangingPunct="1">
+              <a:lnSpc>
+                <a:spcPct val="100000"/>
+              </a:lnSpc>
+              <a:spcBef>
+                <a:spcPts val="0"/>
+              </a:spcBef>
+              <a:spcAft>
+                <a:spcPts val="0"/>
+              </a:spcAft>
+              <a:buClrTx/>
+              <a:buSzTx/>
+              <a:buFontTx/>
+              <a:buNone/>
+              <a:tabLst/>
+              <a:defRPr/>
+            </a:pPr>
+            <a:endParaRPr kumimoji="0" lang="en-US" sz="1800" b="0" i="0" u="none" strike="noStrike" kern="1200" cap="none" spc="0" normalizeH="0" baseline="0" noProof="0" dirty="0">
+              <a:ln>
+                <a:noFill/>
+              </a:ln>
+              <a:solidFill>
+                <a:prstClr val="white"/>
+              </a:solidFill>
+              <a:effectLst/>
+              <a:uLnTx/>
+              <a:uFillTx/>
+              <a:latin typeface="Montserrat"/>
+              <a:ea typeface="+mn-ea"/>
+              <a:cs typeface="+mn-cs"/>
+            </a:endParaRPr>
+          </a:p>
+        </p:txBody>
+      </p:sp>
+      <p:sp>
+        <p:nvSpPr>
+          <p:cNvPr id="11" name="Oval 10">
+            <a:extLst>
+              <a:ext uri="{FF2B5EF4-FFF2-40B4-BE49-F238E27FC236}">
+                <a16:creationId xmlns:a16="http://schemas.microsoft.com/office/drawing/2014/main" id="{7EA21643-1E5D-4645-8448-B1E8F9598926}"/>
+              </a:ext>
+            </a:extLst>
+          </p:cNvPr>
+          <p:cNvSpPr/>
+          <p:nvPr/>
+        </p:nvSpPr>
+        <p:spPr>
+          <a:xfrm>
+            <a:off x="10949025" y="673184"/>
+            <a:ext cx="158168" cy="158168"/>
+          </a:xfrm>
+          <a:prstGeom prst="ellipse">
+            <a:avLst/>
+          </a:prstGeom>
+          <a:solidFill>
+            <a:schemeClr val="bg2">
+              <a:lumMod val="25000"/>
+            </a:schemeClr>
+          </a:solidFill>
+          <a:ln>
+            <a:noFill/>
+          </a:ln>
+        </p:spPr>
+        <p:style>
+          <a:lnRef idx="2">
+            <a:schemeClr val="accent1">
+              <a:shade val="50000"/>
+            </a:schemeClr>
+          </a:lnRef>
+          <a:fillRef idx="1">
+            <a:schemeClr val="accent1"/>
+          </a:fillRef>
+          <a:effectRef idx="0">
+            <a:schemeClr val="accent1"/>
+          </a:effectRef>
+          <a:fontRef idx="minor">
+            <a:schemeClr val="lt1"/>
+          </a:fontRef>
+        </p:style>
+        <p:txBody>
+          <a:bodyPr rtlCol="0" anchor="ctr"/>
+          <a:lstStyle/>
+          <a:p>
+            <a:pPr marL="0" marR="0" lvl="0" indent="0" algn="ctr" defTabSz="914400" rtl="0" eaLnBrk="1" fontAlgn="auto" latinLnBrk="0" hangingPunct="1">
+              <a:lnSpc>
+                <a:spcPct val="100000"/>
+              </a:lnSpc>
+              <a:spcBef>
+                <a:spcPts val="0"/>
+              </a:spcBef>
+              <a:spcAft>
+                <a:spcPts val="0"/>
+              </a:spcAft>
+              <a:buClrTx/>
+              <a:buSzTx/>
+              <a:buFontTx/>
+              <a:buNone/>
+              <a:tabLst/>
+              <a:defRPr/>
+            </a:pPr>
+            <a:endParaRPr kumimoji="0" lang="en-US" sz="1800" b="0" i="0" u="none" strike="noStrike" kern="1200" cap="none" spc="0" normalizeH="0" baseline="0" noProof="0" dirty="0">
+              <a:ln>
+                <a:noFill/>
+              </a:ln>
+              <a:solidFill>
+                <a:prstClr val="white"/>
+              </a:solidFill>
+              <a:effectLst/>
+              <a:uLnTx/>
+              <a:uFillTx/>
+              <a:latin typeface="Montserrat"/>
+              <a:ea typeface="+mn-ea"/>
+              <a:cs typeface="+mn-cs"/>
+            </a:endParaRPr>
+          </a:p>
+        </p:txBody>
+      </p:sp>
+      <p:sp>
+        <p:nvSpPr>
+          <p:cNvPr id="12" name="Oval 11">
+            <a:extLst>
+              <a:ext uri="{FF2B5EF4-FFF2-40B4-BE49-F238E27FC236}">
+                <a16:creationId xmlns:a16="http://schemas.microsoft.com/office/drawing/2014/main" id="{6F762BF8-9D33-4F22-8C8B-794D95486038}"/>
+              </a:ext>
+            </a:extLst>
+          </p:cNvPr>
+          <p:cNvSpPr/>
+          <p:nvPr/>
+        </p:nvSpPr>
+        <p:spPr>
+          <a:xfrm>
+            <a:off x="11206956" y="5933756"/>
+            <a:ext cx="262560" cy="262560"/>
+          </a:xfrm>
+          <a:prstGeom prst="ellipse">
+            <a:avLst/>
+          </a:prstGeom>
+          <a:solidFill>
+            <a:schemeClr val="bg1"/>
+          </a:solidFill>
+          <a:ln>
+            <a:noFill/>
+          </a:ln>
+        </p:spPr>
+        <p:style>
+          <a:lnRef idx="2">
+            <a:schemeClr val="accent1">
+              <a:shade val="50000"/>
+            </a:schemeClr>
+          </a:lnRef>
+          <a:fillRef idx="1">
+            <a:schemeClr val="accent1"/>
+          </a:fillRef>
+          <a:effectRef idx="0">
+            <a:schemeClr val="accent1"/>
+          </a:effectRef>
+          <a:fontRef idx="minor">
+            <a:schemeClr val="lt1"/>
+          </a:fontRef>
+        </p:style>
+        <p:txBody>
+          <a:bodyPr rtlCol="0" anchor="ctr"/>
+          <a:lstStyle/>
+          <a:p>
+            <a:pPr marL="0" marR="0" lvl="0" indent="0" algn="ctr" defTabSz="914400" rtl="0" eaLnBrk="1" fontAlgn="auto" latinLnBrk="0" hangingPunct="1">
+              <a:lnSpc>
+                <a:spcPct val="100000"/>
+              </a:lnSpc>
+              <a:spcBef>
+                <a:spcPts val="0"/>
+              </a:spcBef>
+              <a:spcAft>
+                <a:spcPts val="0"/>
+              </a:spcAft>
+              <a:buClrTx/>
+              <a:buSzTx/>
+              <a:buFontTx/>
+              <a:buNone/>
+              <a:tabLst/>
+              <a:defRPr/>
+            </a:pPr>
+            <a:endParaRPr kumimoji="0" lang="en-US" sz="1800" b="0" i="0" u="none" strike="noStrike" kern="1200" cap="none" spc="0" normalizeH="0" baseline="0" noProof="0" dirty="0">
+              <a:ln>
+                <a:noFill/>
+              </a:ln>
+              <a:solidFill>
+                <a:prstClr val="white"/>
+              </a:solidFill>
+              <a:effectLst/>
+              <a:uLnTx/>
+              <a:uFillTx/>
+              <a:latin typeface="Montserrat"/>
+              <a:ea typeface="+mn-ea"/>
+              <a:cs typeface="+mn-cs"/>
+            </a:endParaRPr>
+          </a:p>
+        </p:txBody>
+      </p:sp>
+      <p:sp>
+        <p:nvSpPr>
+          <p:cNvPr id="13" name="Oval 12">
+            <a:extLst>
+              <a:ext uri="{FF2B5EF4-FFF2-40B4-BE49-F238E27FC236}">
+                <a16:creationId xmlns:a16="http://schemas.microsoft.com/office/drawing/2014/main" id="{5338BC99-AC7D-49D4-B253-9BECC4D02BD7}"/>
+              </a:ext>
+            </a:extLst>
+          </p:cNvPr>
+          <p:cNvSpPr/>
+          <p:nvPr/>
+        </p:nvSpPr>
+        <p:spPr>
+          <a:xfrm>
+            <a:off x="9896676" y="804464"/>
+            <a:ext cx="262560" cy="262560"/>
+          </a:xfrm>
+          <a:prstGeom prst="ellipse">
+            <a:avLst/>
+          </a:prstGeom>
+          <a:solidFill>
+            <a:schemeClr val="bg1"/>
+          </a:solidFill>
+          <a:ln>
+            <a:noFill/>
+          </a:ln>
+        </p:spPr>
+        <p:style>
+          <a:lnRef idx="2">
+            <a:schemeClr val="accent1">
+              <a:shade val="50000"/>
+            </a:schemeClr>
+          </a:lnRef>
+          <a:fillRef idx="1">
+            <a:schemeClr val="accent1"/>
+          </a:fillRef>
+          <a:effectRef idx="0">
+            <a:schemeClr val="accent1"/>
+          </a:effectRef>
+          <a:fontRef idx="minor">
+            <a:schemeClr val="lt1"/>
+          </a:fontRef>
+        </p:style>
+        <p:txBody>
+          <a:bodyPr rtlCol="0" anchor="ctr"/>
+          <a:lstStyle/>
+          <a:p>
+            <a:pPr marL="0" marR="0" lvl="0" indent="0" algn="ctr" defTabSz="914400" rtl="0" eaLnBrk="1" fontAlgn="auto" latinLnBrk="0" hangingPunct="1">
+              <a:lnSpc>
+                <a:spcPct val="100000"/>
+              </a:lnSpc>
+              <a:spcBef>
+                <a:spcPts val="0"/>
+              </a:spcBef>
+              <a:spcAft>
+                <a:spcPts val="0"/>
+              </a:spcAft>
+              <a:buClrTx/>
+              <a:buSzTx/>
+              <a:buFontTx/>
+              <a:buNone/>
+              <a:tabLst/>
+              <a:defRPr/>
+            </a:pPr>
+            <a:endParaRPr kumimoji="0" lang="en-US" sz="1800" b="0" i="0" u="none" strike="noStrike" kern="1200" cap="none" spc="0" normalizeH="0" baseline="0" noProof="0" dirty="0">
+              <a:ln>
+                <a:noFill/>
+              </a:ln>
+              <a:solidFill>
+                <a:prstClr val="white"/>
+              </a:solidFill>
+              <a:effectLst/>
+              <a:uLnTx/>
+              <a:uFillTx/>
+              <a:latin typeface="Montserrat"/>
+              <a:ea typeface="+mn-ea"/>
+              <a:cs typeface="+mn-cs"/>
+            </a:endParaRPr>
+          </a:p>
+        </p:txBody>
+      </p:sp>
+      <p:sp>
+        <p:nvSpPr>
+          <p:cNvPr id="14" name="Freeform: Shape 13">
+            <a:extLst>
+              <a:ext uri="{FF2B5EF4-FFF2-40B4-BE49-F238E27FC236}">
+                <a16:creationId xmlns:a16="http://schemas.microsoft.com/office/drawing/2014/main" id="{A685EDDA-22C7-44D4-9D0C-9FC0D2D7D692}"/>
+              </a:ext>
+            </a:extLst>
+          </p:cNvPr>
+          <p:cNvSpPr/>
+          <p:nvPr/>
+        </p:nvSpPr>
+        <p:spPr>
+          <a:xfrm>
+            <a:off x="12056564" y="5480994"/>
+            <a:ext cx="131280" cy="262560"/>
+          </a:xfrm>
+          <a:custGeom>
+            <a:avLst/>
+            <a:gdLst>
+              <a:gd name="connsiteX0" fmla="*/ 131280 w 131280"/>
+              <a:gd name="connsiteY0" fmla="*/ 0 h 262560"/>
+              <a:gd name="connsiteX1" fmla="*/ 131280 w 131280"/>
+              <a:gd name="connsiteY1" fmla="*/ 262560 h 262560"/>
+              <a:gd name="connsiteX2" fmla="*/ 0 w 131280"/>
+              <a:gd name="connsiteY2" fmla="*/ 131280 h 262560"/>
+              <a:gd name="connsiteX3" fmla="*/ 131280 w 131280"/>
+              <a:gd name="connsiteY3" fmla="*/ 0 h 262560"/>
+            </a:gdLst>
+            <a:ahLst/>
+            <a:cxnLst>
+              <a:cxn ang="0">
+                <a:pos x="connsiteX0" y="connsiteY0"/>
+              </a:cxn>
+              <a:cxn ang="0">
+                <a:pos x="connsiteX1" y="connsiteY1"/>
+              </a:cxn>
+              <a:cxn ang="0">
+                <a:pos x="connsiteX2" y="connsiteY2"/>
+              </a:cxn>
+              <a:cxn ang="0">
+                <a:pos x="connsiteX3" y="connsiteY3"/>
+              </a:cxn>
+            </a:cxnLst>
+            <a:rect l="l" t="t" r="r" b="b"/>
+            <a:pathLst>
+              <a:path w="131280" h="262560">
+                <a:moveTo>
+                  <a:pt x="131280" y="0"/>
+                </a:moveTo>
+                <a:lnTo>
+                  <a:pt x="131280" y="262560"/>
+                </a:lnTo>
+                <a:cubicBezTo>
+                  <a:pt x="58776" y="262560"/>
+                  <a:pt x="0" y="203784"/>
+                  <a:pt x="0" y="131280"/>
+                </a:cubicBezTo>
+                <a:cubicBezTo>
+                  <a:pt x="0" y="58776"/>
+                  <a:pt x="58776" y="0"/>
+                  <a:pt x="131280" y="0"/>
+                </a:cubicBezTo>
+                <a:close/>
+              </a:path>
+            </a:pathLst>
+          </a:custGeom>
+          <a:solidFill>
+            <a:schemeClr val="bg2">
+              <a:lumMod val="25000"/>
+            </a:schemeClr>
+          </a:solidFill>
+          <a:ln>
+            <a:noFill/>
+          </a:ln>
+        </p:spPr>
+        <p:style>
+          <a:lnRef idx="2">
+            <a:schemeClr val="accent1">
+              <a:shade val="50000"/>
+            </a:schemeClr>
+          </a:lnRef>
+          <a:fillRef idx="1">
+            <a:schemeClr val="accent1"/>
+          </a:fillRef>
+          <a:effectRef idx="0">
+            <a:schemeClr val="accent1"/>
+          </a:effectRef>
+          <a:fontRef idx="minor">
+            <a:schemeClr val="lt1"/>
+          </a:fontRef>
+        </p:style>
+        <p:txBody>
+          <a:bodyPr wrap="square" rtlCol="0" anchor="ctr">
+            <a:noAutofit/>
+          </a:bodyPr>
+          <a:lstStyle/>
+          <a:p>
+            <a:pPr marL="0" marR="0" lvl="0" indent="0" algn="ctr" defTabSz="914400" rtl="0" eaLnBrk="1" fontAlgn="auto" latinLnBrk="0" hangingPunct="1">
+              <a:lnSpc>
+                <a:spcPct val="100000"/>
+              </a:lnSpc>
+              <a:spcBef>
+                <a:spcPts val="0"/>
+              </a:spcBef>
+              <a:spcAft>
+                <a:spcPts val="0"/>
+              </a:spcAft>
+              <a:buClrTx/>
+              <a:buSzTx/>
+              <a:buFontTx/>
+              <a:buNone/>
+              <a:tabLst/>
+              <a:defRPr/>
+            </a:pPr>
+            <a:endParaRPr kumimoji="0" lang="en-US" sz="1800" b="0" i="0" u="none" strike="noStrike" kern="1200" cap="none" spc="0" normalizeH="0" baseline="0" noProof="0" dirty="0">
+              <a:ln>
+                <a:noFill/>
+              </a:ln>
+              <a:solidFill>
+                <a:prstClr val="white"/>
+              </a:solidFill>
+              <a:effectLst/>
+              <a:uLnTx/>
+              <a:uFillTx/>
+              <a:latin typeface="Montserrat"/>
+              <a:ea typeface="+mn-ea"/>
+              <a:cs typeface="+mn-cs"/>
+            </a:endParaRPr>
+          </a:p>
+        </p:txBody>
+      </p:sp>
+      <p:sp>
+        <p:nvSpPr>
+          <p:cNvPr id="15" name="Freeform: Shape 14">
+            <a:extLst>
+              <a:ext uri="{FF2B5EF4-FFF2-40B4-BE49-F238E27FC236}">
+                <a16:creationId xmlns:a16="http://schemas.microsoft.com/office/drawing/2014/main" id="{BA9721E0-EABB-414E-915A-D5E788EA85AB}"/>
+              </a:ext>
+            </a:extLst>
+          </p:cNvPr>
+          <p:cNvSpPr/>
+          <p:nvPr/>
+        </p:nvSpPr>
+        <p:spPr>
+          <a:xfrm>
+            <a:off x="12066089" y="1139742"/>
+            <a:ext cx="131280" cy="262560"/>
+          </a:xfrm>
+          <a:custGeom>
+            <a:avLst/>
+            <a:gdLst>
+              <a:gd name="connsiteX0" fmla="*/ 131280 w 131280"/>
+              <a:gd name="connsiteY0" fmla="*/ 0 h 262560"/>
+              <a:gd name="connsiteX1" fmla="*/ 131280 w 131280"/>
+              <a:gd name="connsiteY1" fmla="*/ 262560 h 262560"/>
+              <a:gd name="connsiteX2" fmla="*/ 0 w 131280"/>
+              <a:gd name="connsiteY2" fmla="*/ 131280 h 262560"/>
+              <a:gd name="connsiteX3" fmla="*/ 131280 w 131280"/>
+              <a:gd name="connsiteY3" fmla="*/ 0 h 262560"/>
+            </a:gdLst>
+            <a:ahLst/>
+            <a:cxnLst>
+              <a:cxn ang="0">
+                <a:pos x="connsiteX0" y="connsiteY0"/>
+              </a:cxn>
+              <a:cxn ang="0">
+                <a:pos x="connsiteX1" y="connsiteY1"/>
+              </a:cxn>
+              <a:cxn ang="0">
+                <a:pos x="connsiteX2" y="connsiteY2"/>
+              </a:cxn>
+              <a:cxn ang="0">
+                <a:pos x="connsiteX3" y="connsiteY3"/>
+              </a:cxn>
+            </a:cxnLst>
+            <a:rect l="l" t="t" r="r" b="b"/>
+            <a:pathLst>
+              <a:path w="131280" h="262560">
+                <a:moveTo>
+                  <a:pt x="131280" y="0"/>
+                </a:moveTo>
+                <a:lnTo>
+                  <a:pt x="131280" y="262560"/>
+                </a:lnTo>
+                <a:cubicBezTo>
+                  <a:pt x="58776" y="262560"/>
+                  <a:pt x="0" y="203784"/>
+                  <a:pt x="0" y="131280"/>
+                </a:cubicBezTo>
+                <a:cubicBezTo>
+                  <a:pt x="0" y="58776"/>
+                  <a:pt x="58776" y="0"/>
+                  <a:pt x="131280" y="0"/>
+                </a:cubicBezTo>
+                <a:close/>
+              </a:path>
+            </a:pathLst>
+          </a:custGeom>
+          <a:solidFill>
+            <a:schemeClr val="bg1"/>
+          </a:solidFill>
+          <a:ln>
+            <a:noFill/>
+          </a:ln>
+        </p:spPr>
+        <p:style>
+          <a:lnRef idx="2">
+            <a:schemeClr val="accent1">
+              <a:shade val="50000"/>
+            </a:schemeClr>
+          </a:lnRef>
+          <a:fillRef idx="1">
+            <a:schemeClr val="accent1"/>
+          </a:fillRef>
+          <a:effectRef idx="0">
+            <a:schemeClr val="accent1"/>
+          </a:effectRef>
+          <a:fontRef idx="minor">
+            <a:schemeClr val="lt1"/>
+          </a:fontRef>
+        </p:style>
+        <p:txBody>
+          <a:bodyPr wrap="square" rtlCol="0" anchor="ctr">
+            <a:noAutofit/>
+          </a:bodyPr>
+          <a:lstStyle/>
+          <a:p>
+            <a:pPr marL="0" marR="0" lvl="0" indent="0" algn="ctr" defTabSz="914400" rtl="0" eaLnBrk="1" fontAlgn="auto" latinLnBrk="0" hangingPunct="1">
+              <a:lnSpc>
+                <a:spcPct val="100000"/>
+              </a:lnSpc>
+              <a:spcBef>
+                <a:spcPts val="0"/>
+              </a:spcBef>
+              <a:spcAft>
+                <a:spcPts val="0"/>
+              </a:spcAft>
+              <a:buClrTx/>
+              <a:buSzTx/>
+              <a:buFontTx/>
+              <a:buNone/>
+              <a:tabLst/>
+              <a:defRPr/>
+            </a:pPr>
+            <a:endParaRPr kumimoji="0" lang="en-US" sz="1800" b="0" i="0" u="none" strike="noStrike" kern="1200" cap="none" spc="0" normalizeH="0" baseline="0" noProof="0" dirty="0">
+              <a:ln>
+                <a:noFill/>
+              </a:ln>
+              <a:solidFill>
+                <a:prstClr val="white"/>
+              </a:solidFill>
+              <a:effectLst/>
+              <a:uLnTx/>
+              <a:uFillTx/>
+              <a:latin typeface="Montserrat"/>
+              <a:ea typeface="+mn-ea"/>
+              <a:cs typeface="+mn-cs"/>
+            </a:endParaRPr>
+          </a:p>
+        </p:txBody>
+      </p:sp>
+      <p:sp>
+        <p:nvSpPr>
+          <p:cNvPr id="16" name="Freeform: Shape 15">
+            <a:extLst>
+              <a:ext uri="{FF2B5EF4-FFF2-40B4-BE49-F238E27FC236}">
+                <a16:creationId xmlns:a16="http://schemas.microsoft.com/office/drawing/2014/main" id="{2450B8BF-3AF3-4F9E-BF8D-2F89F9BBE510}"/>
+              </a:ext>
+            </a:extLst>
+          </p:cNvPr>
+          <p:cNvSpPr/>
+          <p:nvPr/>
+        </p:nvSpPr>
+        <p:spPr>
+          <a:xfrm rot="5400000">
+            <a:off x="6233560" y="6661080"/>
+            <a:ext cx="131280" cy="262560"/>
+          </a:xfrm>
+          <a:custGeom>
+            <a:avLst/>
+            <a:gdLst>
+              <a:gd name="connsiteX0" fmla="*/ 131280 w 131280"/>
+              <a:gd name="connsiteY0" fmla="*/ 0 h 262560"/>
+              <a:gd name="connsiteX1" fmla="*/ 131280 w 131280"/>
+              <a:gd name="connsiteY1" fmla="*/ 262560 h 262560"/>
+              <a:gd name="connsiteX2" fmla="*/ 0 w 131280"/>
+              <a:gd name="connsiteY2" fmla="*/ 131280 h 262560"/>
+              <a:gd name="connsiteX3" fmla="*/ 131280 w 131280"/>
+              <a:gd name="connsiteY3" fmla="*/ 0 h 262560"/>
+            </a:gdLst>
+            <a:ahLst/>
+            <a:cxnLst>
+              <a:cxn ang="0">
+                <a:pos x="connsiteX0" y="connsiteY0"/>
+              </a:cxn>
+              <a:cxn ang="0">
+                <a:pos x="connsiteX1" y="connsiteY1"/>
+              </a:cxn>
+              <a:cxn ang="0">
+                <a:pos x="connsiteX2" y="connsiteY2"/>
+              </a:cxn>
+              <a:cxn ang="0">
+                <a:pos x="connsiteX3" y="connsiteY3"/>
+              </a:cxn>
+            </a:cxnLst>
+            <a:rect l="l" t="t" r="r" b="b"/>
+            <a:pathLst>
+              <a:path w="131280" h="262560">
+                <a:moveTo>
+                  <a:pt x="131280" y="0"/>
+                </a:moveTo>
+                <a:lnTo>
+                  <a:pt x="131280" y="262560"/>
+                </a:lnTo>
+                <a:cubicBezTo>
+                  <a:pt x="58776" y="262560"/>
+                  <a:pt x="0" y="203784"/>
+                  <a:pt x="0" y="131280"/>
+                </a:cubicBezTo>
+                <a:cubicBezTo>
+                  <a:pt x="0" y="58776"/>
+                  <a:pt x="58776" y="0"/>
+                  <a:pt x="131280" y="0"/>
+                </a:cubicBezTo>
+                <a:close/>
+              </a:path>
+            </a:pathLst>
+          </a:custGeom>
+          <a:solidFill>
+            <a:schemeClr val="bg2">
+              <a:lumMod val="25000"/>
+            </a:schemeClr>
+          </a:solidFill>
+          <a:ln>
+            <a:noFill/>
+          </a:ln>
+        </p:spPr>
+        <p:style>
+          <a:lnRef idx="2">
+            <a:schemeClr val="accent1">
+              <a:shade val="50000"/>
+            </a:schemeClr>
+          </a:lnRef>
+          <a:fillRef idx="1">
+            <a:schemeClr val="accent1"/>
+          </a:fillRef>
+          <a:effectRef idx="0">
+            <a:schemeClr val="accent1"/>
+          </a:effectRef>
+          <a:fontRef idx="minor">
+            <a:schemeClr val="lt1"/>
+          </a:fontRef>
+        </p:style>
+        <p:txBody>
+          <a:bodyPr wrap="square" rtlCol="0" anchor="ctr">
+            <a:noAutofit/>
+          </a:bodyPr>
+          <a:lstStyle/>
+          <a:p>
+            <a:pPr marL="0" marR="0" lvl="0" indent="0" algn="ctr" defTabSz="914400" rtl="0" eaLnBrk="1" fontAlgn="auto" latinLnBrk="0" hangingPunct="1">
+              <a:lnSpc>
+                <a:spcPct val="100000"/>
+              </a:lnSpc>
+              <a:spcBef>
+                <a:spcPts val="0"/>
+              </a:spcBef>
+              <a:spcAft>
+                <a:spcPts val="0"/>
+              </a:spcAft>
+              <a:buClrTx/>
+              <a:buSzTx/>
+              <a:buFontTx/>
+              <a:buNone/>
+              <a:tabLst/>
+              <a:defRPr/>
+            </a:pPr>
+            <a:endParaRPr kumimoji="0" lang="en-US" sz="1800" b="0" i="0" u="none" strike="noStrike" kern="1200" cap="none" spc="0" normalizeH="0" baseline="0" noProof="0" dirty="0">
+              <a:ln>
+                <a:noFill/>
+              </a:ln>
+              <a:solidFill>
+                <a:prstClr val="white"/>
+              </a:solidFill>
+              <a:effectLst/>
+              <a:uLnTx/>
+              <a:uFillTx/>
+              <a:latin typeface="Montserrat"/>
+              <a:ea typeface="+mn-ea"/>
+              <a:cs typeface="+mn-cs"/>
+            </a:endParaRPr>
+          </a:p>
+        </p:txBody>
+      </p:sp>
+      <p:sp>
+        <p:nvSpPr>
+          <p:cNvPr id="55" name="TextBox 54">
+            <a:extLst>
+              <a:ext uri="{FF2B5EF4-FFF2-40B4-BE49-F238E27FC236}">
+                <a16:creationId xmlns:a16="http://schemas.microsoft.com/office/drawing/2014/main" id="{E293866C-A9ED-43DE-807A-A9F13875F9F5}"/>
+              </a:ext>
+            </a:extLst>
+          </p:cNvPr>
+          <p:cNvSpPr txBox="1"/>
+          <p:nvPr/>
+        </p:nvSpPr>
+        <p:spPr>
+          <a:xfrm>
+            <a:off x="2164044" y="218746"/>
+            <a:ext cx="8126062" cy="830997"/>
+          </a:xfrm>
+          <a:prstGeom prst="rect">
+            <a:avLst/>
+          </a:prstGeom>
+          <a:noFill/>
+        </p:spPr>
+        <p:txBody>
+          <a:bodyPr wrap="square" rtlCol="0">
+            <a:spAutoFit/>
+          </a:bodyPr>
+          <a:lstStyle/>
+          <a:p>
+            <a:pPr marL="0" marR="0" lvl="0" indent="0" algn="ctr" defTabSz="914400" rtl="0" eaLnBrk="1" fontAlgn="auto" latinLnBrk="0" hangingPunct="1">
+              <a:lnSpc>
+                <a:spcPct val="100000"/>
+              </a:lnSpc>
+              <a:spcBef>
+                <a:spcPts val="0"/>
+              </a:spcBef>
+              <a:spcAft>
+                <a:spcPts val="0"/>
+              </a:spcAft>
+              <a:buClrTx/>
+              <a:buSzTx/>
+              <a:buFontTx/>
+              <a:buNone/>
+              <a:tabLst/>
+              <a:defRPr/>
+            </a:pPr>
+            <a:r>
+              <a:rPr kumimoji="0" lang="en-US" sz="4800" b="1" i="0" u="none" strike="noStrike" kern="1200" cap="none" spc="0" normalizeH="0" baseline="0" noProof="0" dirty="0">
+                <a:ln>
+                  <a:solidFill>
+                    <a:srgbClr val="E7E6E6">
+                      <a:lumMod val="50000"/>
+                    </a:srgbClr>
+                  </a:solidFill>
+                </a:ln>
+                <a:solidFill>
+                  <a:prstClr val="white">
+                    <a:lumMod val="95000"/>
+                  </a:prstClr>
+                </a:solidFill>
+                <a:effectLst/>
+                <a:uLnTx/>
+                <a:uFillTx/>
+                <a:latin typeface="Tw Cen MT" panose="020B0602020104020603" pitchFamily="34" charset="0"/>
+                <a:ea typeface="+mn-ea"/>
+                <a:cs typeface="+mn-cs"/>
+              </a:rPr>
+              <a:t>Quality Assurance</a:t>
+            </a:r>
+          </a:p>
+        </p:txBody>
+      </p:sp>
+      <p:pic>
+        <p:nvPicPr>
+          <p:cNvPr id="18" name="Picture 17">
+            <a:extLst>
+              <a:ext uri="{FF2B5EF4-FFF2-40B4-BE49-F238E27FC236}">
+                <a16:creationId xmlns:a16="http://schemas.microsoft.com/office/drawing/2014/main" id="{769BD99E-ED02-7BEF-4E49-81DCDA9F72F9}"/>
+              </a:ext>
+            </a:extLst>
+          </p:cNvPr>
+          <p:cNvPicPr>
+            <a:picLocks noChangeAspect="1"/>
+          </p:cNvPicPr>
+          <p:nvPr/>
+        </p:nvPicPr>
+        <p:blipFill>
+          <a:blip r:embed="rId2"/>
+          <a:stretch>
+            <a:fillRect/>
+          </a:stretch>
+        </p:blipFill>
+        <p:spPr>
+          <a:xfrm>
+            <a:off x="769874" y="3986797"/>
+            <a:ext cx="262151" cy="268247"/>
+          </a:xfrm>
+          <a:prstGeom prst="rect">
+            <a:avLst/>
+          </a:prstGeom>
+        </p:spPr>
+      </p:pic>
+      <p:pic>
+        <p:nvPicPr>
+          <p:cNvPr id="19" name="Picture 18">
+            <a:extLst>
+              <a:ext uri="{FF2B5EF4-FFF2-40B4-BE49-F238E27FC236}">
+                <a16:creationId xmlns:a16="http://schemas.microsoft.com/office/drawing/2014/main" id="{192B6CDB-EE5C-C43F-F439-D844EDC58453}"/>
+              </a:ext>
+            </a:extLst>
+          </p:cNvPr>
+          <p:cNvPicPr>
+            <a:picLocks noChangeAspect="1"/>
+          </p:cNvPicPr>
+          <p:nvPr/>
+        </p:nvPicPr>
+        <p:blipFill>
+          <a:blip r:embed="rId3"/>
+          <a:stretch>
+            <a:fillRect/>
+          </a:stretch>
+        </p:blipFill>
+        <p:spPr>
+          <a:xfrm>
+            <a:off x="1645130" y="5514280"/>
+            <a:ext cx="158510" cy="158510"/>
+          </a:xfrm>
+          <a:prstGeom prst="rect">
+            <a:avLst/>
+          </a:prstGeom>
+        </p:spPr>
+      </p:pic>
+      <p:sp>
+        <p:nvSpPr>
+          <p:cNvPr id="17" name="TextBox 16">
+            <a:extLst>
+              <a:ext uri="{FF2B5EF4-FFF2-40B4-BE49-F238E27FC236}">
+                <a16:creationId xmlns:a16="http://schemas.microsoft.com/office/drawing/2014/main" id="{55CBF261-CB5F-5F18-DB07-D4E0CF9A7D72}"/>
+              </a:ext>
+            </a:extLst>
+          </p:cNvPr>
+          <p:cNvSpPr txBox="1"/>
+          <p:nvPr/>
+        </p:nvSpPr>
+        <p:spPr>
+          <a:xfrm>
+            <a:off x="1905865" y="1243349"/>
+            <a:ext cx="4719562" cy="369332"/>
+          </a:xfrm>
+          <a:prstGeom prst="rect">
+            <a:avLst/>
+          </a:prstGeom>
+          <a:noFill/>
+        </p:spPr>
+        <p:txBody>
+          <a:bodyPr wrap="none" rtlCol="0">
+            <a:spAutoFit/>
+          </a:bodyPr>
+          <a:lstStyle/>
+          <a:p>
+            <a:pPr marL="285750" marR="0" lvl="0" indent="-285750" algn="l" defTabSz="914400" rtl="0" eaLnBrk="1" fontAlgn="auto" latinLnBrk="0" hangingPunct="1">
+              <a:lnSpc>
+                <a:spcPct val="100000"/>
+              </a:lnSpc>
+              <a:spcBef>
+                <a:spcPts val="0"/>
+              </a:spcBef>
+              <a:spcAft>
+                <a:spcPts val="0"/>
+              </a:spcAft>
+              <a:buClrTx/>
+              <a:buSzTx/>
+              <a:buFont typeface="Wingdings" panose="05000000000000000000" pitchFamily="2" charset="2"/>
+              <a:buChar char="Ø"/>
+              <a:tabLst/>
+              <a:defRPr/>
+            </a:pPr>
+            <a:r>
+              <a:rPr kumimoji="0" lang="en-ZA" sz="1800" b="0" i="0" u="none" strike="noStrike" kern="1200" cap="none" spc="0" normalizeH="0" baseline="0" noProof="0" dirty="0">
+                <a:ln>
+                  <a:noFill/>
+                </a:ln>
+                <a:solidFill>
+                  <a:prstClr val="white"/>
+                </a:solidFill>
+                <a:effectLst/>
+                <a:uLnTx/>
+                <a:uFillTx/>
+                <a:latin typeface="Montserrat"/>
+                <a:ea typeface="+mn-ea"/>
+                <a:cs typeface="+mn-cs"/>
+              </a:rPr>
+              <a:t>Code coverage is currently at 80.67%</a:t>
+            </a:r>
+          </a:p>
+        </p:txBody>
+      </p:sp>
+      <p:pic>
+        <p:nvPicPr>
+          <p:cNvPr id="4" name="Picture 3" descr="A screenshot of a graph&#10;&#10;Description automatically generated">
+            <a:extLst>
+              <a:ext uri="{FF2B5EF4-FFF2-40B4-BE49-F238E27FC236}">
+                <a16:creationId xmlns:a16="http://schemas.microsoft.com/office/drawing/2014/main" id="{0E61F668-5756-D40C-4440-CA2E38DD9DC0}"/>
+              </a:ext>
+            </a:extLst>
+          </p:cNvPr>
+          <p:cNvPicPr>
+            <a:picLocks noChangeAspect="1"/>
+          </p:cNvPicPr>
+          <p:nvPr/>
+        </p:nvPicPr>
+        <p:blipFill>
+          <a:blip r:embed="rId4">
+            <a:extLst>
+              <a:ext uri="{28A0092B-C50C-407E-A947-70E740481C1C}">
+                <a14:useLocalDpi xmlns:a14="http://schemas.microsoft.com/office/drawing/2010/main" val="0"/>
+              </a:ext>
+            </a:extLst>
+          </a:blip>
+          <a:stretch>
+            <a:fillRect/>
+          </a:stretch>
+        </p:blipFill>
+        <p:spPr>
+          <a:xfrm>
+            <a:off x="1905865" y="1822210"/>
+            <a:ext cx="8786669" cy="4331180"/>
+          </a:xfrm>
+          <a:prstGeom prst="rect">
+            <a:avLst/>
+          </a:prstGeom>
+        </p:spPr>
+      </p:pic>
+    </p:spTree>
+    <p:extLst>
+      <p:ext uri="{BB962C8B-B14F-4D97-AF65-F5344CB8AC3E}">
+        <p14:creationId xmlns:p14="http://schemas.microsoft.com/office/powerpoint/2010/main" val="1512265563"/>
+      </p:ext>
+    </p:extLst>
+  </p:cSld>
+  <p:clrMapOvr>
+    <a:masterClrMapping/>
+  </p:clrMapOvr>
+</p:sld>
+</file>
+
+<file path=ppt/slides/slide11.xml><?xml version="1.0" encoding="utf-8"?>
+<p:sld xmlns:a="http://schemas.openxmlformats.org/drawingml/2006/main" xmlns:r="http://schemas.openxmlformats.org/officeDocument/2006/relationships" xmlns:p="http://schemas.openxmlformats.org/presentationml/2006/main">
+  <p:cSld>
+    <p:bg>
+      <p:bgPr>
+        <a:solidFill>
+          <a:srgbClr val="DE283B"/>
+        </a:solidFill>
+        <a:effectLst/>
+      </p:bgPr>
+    </p:bg>
+    <p:spTree>
+      <p:nvGrpSpPr>
+        <p:cNvPr id="1" name=""/>
+        <p:cNvGrpSpPr/>
+        <p:nvPr/>
+      </p:nvGrpSpPr>
+      <p:grpSpPr>
+        <a:xfrm>
+          <a:off x="0" y="0"/>
+          <a:ext cx="0" cy="0"/>
+          <a:chOff x="0" y="0"/>
+          <a:chExt cx="0" cy="0"/>
+        </a:xfrm>
+      </p:grpSpPr>
+      <p:sp>
+        <p:nvSpPr>
+          <p:cNvPr id="6" name="Oval 5">
+            <a:extLst>
+              <a:ext uri="{FF2B5EF4-FFF2-40B4-BE49-F238E27FC236}">
+                <a16:creationId xmlns:a16="http://schemas.microsoft.com/office/drawing/2014/main" id="{0A4ABBFC-76A7-4FC2-A983-AB55DB1BF542}"/>
+              </a:ext>
+            </a:extLst>
+          </p:cNvPr>
+          <p:cNvSpPr/>
+          <p:nvPr/>
+        </p:nvSpPr>
+        <p:spPr>
+          <a:xfrm>
+            <a:off x="1032025" y="673184"/>
+            <a:ext cx="262560" cy="262560"/>
+          </a:xfrm>
+          <a:prstGeom prst="ellipse">
+            <a:avLst/>
+          </a:prstGeom>
+          <a:solidFill>
+            <a:schemeClr val="bg1"/>
+          </a:solidFill>
+          <a:ln>
+            <a:noFill/>
+          </a:ln>
+        </p:spPr>
+        <p:style>
+          <a:lnRef idx="2">
+            <a:schemeClr val="accent1">
+              <a:shade val="50000"/>
+            </a:schemeClr>
+          </a:lnRef>
+          <a:fillRef idx="1">
+            <a:schemeClr val="accent1"/>
+          </a:fillRef>
+          <a:effectRef idx="0">
+            <a:schemeClr val="accent1"/>
+          </a:effectRef>
+          <a:fontRef idx="minor">
+            <a:schemeClr val="lt1"/>
+          </a:fontRef>
+        </p:style>
+        <p:txBody>
+          <a:bodyPr rtlCol="0" anchor="ctr"/>
+          <a:lstStyle/>
+          <a:p>
+            <a:pPr marL="0" marR="0" lvl="0" indent="0" algn="ctr" defTabSz="914400" rtl="0" eaLnBrk="1" fontAlgn="auto" latinLnBrk="0" hangingPunct="1">
+              <a:lnSpc>
+                <a:spcPct val="100000"/>
+              </a:lnSpc>
+              <a:spcBef>
+                <a:spcPts val="0"/>
+              </a:spcBef>
+              <a:spcAft>
+                <a:spcPts val="0"/>
+              </a:spcAft>
+              <a:buClrTx/>
+              <a:buSzTx/>
+              <a:buFontTx/>
+              <a:buNone/>
+              <a:tabLst/>
+              <a:defRPr/>
+            </a:pPr>
+            <a:endParaRPr kumimoji="0" lang="en-US" sz="1800" b="0" i="0" u="none" strike="noStrike" kern="1200" cap="none" spc="0" normalizeH="0" baseline="0" noProof="0" dirty="0">
+              <a:ln>
+                <a:noFill/>
+              </a:ln>
+              <a:solidFill>
+                <a:prstClr val="white"/>
+              </a:solidFill>
+              <a:effectLst/>
+              <a:uLnTx/>
+              <a:uFillTx/>
+              <a:latin typeface="Montserrat"/>
+              <a:ea typeface="+mn-ea"/>
+              <a:cs typeface="+mn-cs"/>
+            </a:endParaRPr>
+          </a:p>
+        </p:txBody>
+      </p:sp>
+      <p:sp>
+        <p:nvSpPr>
+          <p:cNvPr id="8" name="Freeform: Shape 7">
+            <a:extLst>
+              <a:ext uri="{FF2B5EF4-FFF2-40B4-BE49-F238E27FC236}">
+                <a16:creationId xmlns:a16="http://schemas.microsoft.com/office/drawing/2014/main" id="{D05ED739-895E-49AA-BBA0-0E1AEE15D56F}"/>
+              </a:ext>
+            </a:extLst>
+          </p:cNvPr>
+          <p:cNvSpPr/>
+          <p:nvPr/>
+        </p:nvSpPr>
+        <p:spPr>
+          <a:xfrm rot="10800000">
+            <a:off x="-871" y="6204894"/>
+            <a:ext cx="131280" cy="262560"/>
+          </a:xfrm>
+          <a:custGeom>
+            <a:avLst/>
+            <a:gdLst>
+              <a:gd name="connsiteX0" fmla="*/ 131280 w 131280"/>
+              <a:gd name="connsiteY0" fmla="*/ 0 h 262560"/>
+              <a:gd name="connsiteX1" fmla="*/ 131280 w 131280"/>
+              <a:gd name="connsiteY1" fmla="*/ 262560 h 262560"/>
+              <a:gd name="connsiteX2" fmla="*/ 0 w 131280"/>
+              <a:gd name="connsiteY2" fmla="*/ 131280 h 262560"/>
+              <a:gd name="connsiteX3" fmla="*/ 131280 w 131280"/>
+              <a:gd name="connsiteY3" fmla="*/ 0 h 262560"/>
+            </a:gdLst>
+            <a:ahLst/>
+            <a:cxnLst>
+              <a:cxn ang="0">
+                <a:pos x="connsiteX0" y="connsiteY0"/>
+              </a:cxn>
+              <a:cxn ang="0">
+                <a:pos x="connsiteX1" y="connsiteY1"/>
+              </a:cxn>
+              <a:cxn ang="0">
+                <a:pos x="connsiteX2" y="connsiteY2"/>
+              </a:cxn>
+              <a:cxn ang="0">
+                <a:pos x="connsiteX3" y="connsiteY3"/>
+              </a:cxn>
+            </a:cxnLst>
+            <a:rect l="l" t="t" r="r" b="b"/>
+            <a:pathLst>
+              <a:path w="131280" h="262560">
+                <a:moveTo>
+                  <a:pt x="131280" y="0"/>
+                </a:moveTo>
+                <a:lnTo>
+                  <a:pt x="131280" y="262560"/>
+                </a:lnTo>
+                <a:cubicBezTo>
+                  <a:pt x="58776" y="262560"/>
+                  <a:pt x="0" y="203784"/>
+                  <a:pt x="0" y="131280"/>
+                </a:cubicBezTo>
+                <a:cubicBezTo>
+                  <a:pt x="0" y="58776"/>
+                  <a:pt x="58776" y="0"/>
+                  <a:pt x="131280" y="0"/>
+                </a:cubicBezTo>
+                <a:close/>
+              </a:path>
+            </a:pathLst>
+          </a:custGeom>
+          <a:solidFill>
+            <a:schemeClr val="bg1"/>
+          </a:solidFill>
+          <a:ln>
+            <a:noFill/>
+          </a:ln>
+        </p:spPr>
+        <p:style>
+          <a:lnRef idx="2">
+            <a:schemeClr val="accent1">
+              <a:shade val="50000"/>
+            </a:schemeClr>
+          </a:lnRef>
+          <a:fillRef idx="1">
+            <a:schemeClr val="accent1"/>
+          </a:fillRef>
+          <a:effectRef idx="0">
+            <a:schemeClr val="accent1"/>
+          </a:effectRef>
+          <a:fontRef idx="minor">
+            <a:schemeClr val="lt1"/>
+          </a:fontRef>
+        </p:style>
+        <p:txBody>
+          <a:bodyPr wrap="square" rtlCol="0" anchor="ctr">
+            <a:noAutofit/>
+          </a:bodyPr>
+          <a:lstStyle/>
+          <a:p>
+            <a:pPr marL="0" marR="0" lvl="0" indent="0" algn="ctr" defTabSz="914400" rtl="0" eaLnBrk="1" fontAlgn="auto" latinLnBrk="0" hangingPunct="1">
+              <a:lnSpc>
+                <a:spcPct val="100000"/>
+              </a:lnSpc>
+              <a:spcBef>
+                <a:spcPts val="0"/>
+              </a:spcBef>
+              <a:spcAft>
+                <a:spcPts val="0"/>
+              </a:spcAft>
+              <a:buClrTx/>
+              <a:buSzTx/>
+              <a:buFontTx/>
+              <a:buNone/>
+              <a:tabLst/>
+              <a:defRPr/>
+            </a:pPr>
+            <a:endParaRPr kumimoji="0" lang="en-US" sz="1800" b="0" i="0" u="none" strike="noStrike" kern="1200" cap="none" spc="0" normalizeH="0" baseline="0" noProof="0" dirty="0">
+              <a:ln>
+                <a:noFill/>
+              </a:ln>
+              <a:solidFill>
+                <a:prstClr val="white"/>
+              </a:solidFill>
+              <a:effectLst/>
+              <a:uLnTx/>
+              <a:uFillTx/>
+              <a:latin typeface="Montserrat"/>
+              <a:ea typeface="+mn-ea"/>
+              <a:cs typeface="+mn-cs"/>
+            </a:endParaRPr>
+          </a:p>
+        </p:txBody>
+      </p:sp>
+      <p:sp>
+        <p:nvSpPr>
+          <p:cNvPr id="9" name="Freeform: Shape 8">
+            <a:extLst>
+              <a:ext uri="{FF2B5EF4-FFF2-40B4-BE49-F238E27FC236}">
+                <a16:creationId xmlns:a16="http://schemas.microsoft.com/office/drawing/2014/main" id="{D5447901-BA28-476E-94BF-5425985FA436}"/>
+              </a:ext>
+            </a:extLst>
+          </p:cNvPr>
+          <p:cNvSpPr/>
+          <p:nvPr/>
+        </p:nvSpPr>
+        <p:spPr>
+          <a:xfrm rot="10800000">
+            <a:off x="-871" y="1863642"/>
+            <a:ext cx="131280" cy="262560"/>
+          </a:xfrm>
+          <a:custGeom>
+            <a:avLst/>
+            <a:gdLst>
+              <a:gd name="connsiteX0" fmla="*/ 131280 w 131280"/>
+              <a:gd name="connsiteY0" fmla="*/ 0 h 262560"/>
+              <a:gd name="connsiteX1" fmla="*/ 131280 w 131280"/>
+              <a:gd name="connsiteY1" fmla="*/ 262560 h 262560"/>
+              <a:gd name="connsiteX2" fmla="*/ 0 w 131280"/>
+              <a:gd name="connsiteY2" fmla="*/ 131280 h 262560"/>
+              <a:gd name="connsiteX3" fmla="*/ 131280 w 131280"/>
+              <a:gd name="connsiteY3" fmla="*/ 0 h 262560"/>
+            </a:gdLst>
+            <a:ahLst/>
+            <a:cxnLst>
+              <a:cxn ang="0">
+                <a:pos x="connsiteX0" y="connsiteY0"/>
+              </a:cxn>
+              <a:cxn ang="0">
+                <a:pos x="connsiteX1" y="connsiteY1"/>
+              </a:cxn>
+              <a:cxn ang="0">
+                <a:pos x="connsiteX2" y="connsiteY2"/>
+              </a:cxn>
+              <a:cxn ang="0">
+                <a:pos x="connsiteX3" y="connsiteY3"/>
+              </a:cxn>
+            </a:cxnLst>
+            <a:rect l="l" t="t" r="r" b="b"/>
+            <a:pathLst>
+              <a:path w="131280" h="262560">
+                <a:moveTo>
+                  <a:pt x="131280" y="0"/>
+                </a:moveTo>
+                <a:lnTo>
+                  <a:pt x="131280" y="262560"/>
+                </a:lnTo>
+                <a:cubicBezTo>
+                  <a:pt x="58776" y="262560"/>
+                  <a:pt x="0" y="203784"/>
+                  <a:pt x="0" y="131280"/>
+                </a:cubicBezTo>
+                <a:cubicBezTo>
+                  <a:pt x="0" y="58776"/>
+                  <a:pt x="58776" y="0"/>
+                  <a:pt x="131280" y="0"/>
+                </a:cubicBezTo>
+                <a:close/>
+              </a:path>
+            </a:pathLst>
+          </a:custGeom>
+          <a:solidFill>
+            <a:schemeClr val="bg2">
+              <a:lumMod val="25000"/>
+            </a:schemeClr>
+          </a:solidFill>
+          <a:ln>
+            <a:noFill/>
+          </a:ln>
+        </p:spPr>
+        <p:style>
+          <a:lnRef idx="2">
+            <a:schemeClr val="accent1">
+              <a:shade val="50000"/>
+            </a:schemeClr>
+          </a:lnRef>
+          <a:fillRef idx="1">
+            <a:schemeClr val="accent1"/>
+          </a:fillRef>
+          <a:effectRef idx="0">
+            <a:schemeClr val="accent1"/>
+          </a:effectRef>
+          <a:fontRef idx="minor">
+            <a:schemeClr val="lt1"/>
+          </a:fontRef>
+        </p:style>
+        <p:txBody>
+          <a:bodyPr wrap="square" rtlCol="0" anchor="ctr">
+            <a:noAutofit/>
+          </a:bodyPr>
+          <a:lstStyle/>
+          <a:p>
+            <a:pPr marL="0" marR="0" lvl="0" indent="0" algn="ctr" defTabSz="914400" rtl="0" eaLnBrk="1" fontAlgn="auto" latinLnBrk="0" hangingPunct="1">
+              <a:lnSpc>
+                <a:spcPct val="100000"/>
+              </a:lnSpc>
+              <a:spcBef>
+                <a:spcPts val="0"/>
+              </a:spcBef>
+              <a:spcAft>
+                <a:spcPts val="0"/>
+              </a:spcAft>
+              <a:buClrTx/>
+              <a:buSzTx/>
+              <a:buFontTx/>
+              <a:buNone/>
+              <a:tabLst/>
+              <a:defRPr/>
+            </a:pPr>
+            <a:endParaRPr kumimoji="0" lang="en-US" sz="1800" b="0" i="0" u="none" strike="noStrike" kern="1200" cap="none" spc="0" normalizeH="0" baseline="0" noProof="0" dirty="0">
+              <a:ln>
+                <a:noFill/>
+              </a:ln>
+              <a:solidFill>
+                <a:prstClr val="white"/>
+              </a:solidFill>
+              <a:effectLst/>
+              <a:uLnTx/>
+              <a:uFillTx/>
+              <a:latin typeface="Montserrat"/>
+              <a:ea typeface="+mn-ea"/>
+              <a:cs typeface="+mn-cs"/>
+            </a:endParaRPr>
+          </a:p>
+        </p:txBody>
+      </p:sp>
+      <p:sp>
+        <p:nvSpPr>
+          <p:cNvPr id="10" name="Oval 9">
+            <a:extLst>
+              <a:ext uri="{FF2B5EF4-FFF2-40B4-BE49-F238E27FC236}">
+                <a16:creationId xmlns:a16="http://schemas.microsoft.com/office/drawing/2014/main" id="{B9732762-70FC-44FD-8026-6FC1020853A9}"/>
+              </a:ext>
+            </a:extLst>
+          </p:cNvPr>
+          <p:cNvSpPr/>
+          <p:nvPr/>
+        </p:nvSpPr>
+        <p:spPr>
+          <a:xfrm>
+            <a:off x="10848472" y="3340062"/>
+            <a:ext cx="158168" cy="158168"/>
+          </a:xfrm>
+          <a:prstGeom prst="ellipse">
+            <a:avLst/>
+          </a:prstGeom>
+          <a:solidFill>
+            <a:schemeClr val="bg2">
+              <a:lumMod val="25000"/>
+            </a:schemeClr>
+          </a:solidFill>
+          <a:ln>
+            <a:noFill/>
+          </a:ln>
+        </p:spPr>
+        <p:style>
+          <a:lnRef idx="2">
+            <a:schemeClr val="accent1">
+              <a:shade val="50000"/>
+            </a:schemeClr>
+          </a:lnRef>
+          <a:fillRef idx="1">
+            <a:schemeClr val="accent1"/>
+          </a:fillRef>
+          <a:effectRef idx="0">
+            <a:schemeClr val="accent1"/>
+          </a:effectRef>
+          <a:fontRef idx="minor">
+            <a:schemeClr val="lt1"/>
+          </a:fontRef>
+        </p:style>
+        <p:txBody>
+          <a:bodyPr rtlCol="0" anchor="ctr"/>
+          <a:lstStyle/>
+          <a:p>
+            <a:pPr marL="0" marR="0" lvl="0" indent="0" algn="ctr" defTabSz="914400" rtl="0" eaLnBrk="1" fontAlgn="auto" latinLnBrk="0" hangingPunct="1">
+              <a:lnSpc>
+                <a:spcPct val="100000"/>
+              </a:lnSpc>
+              <a:spcBef>
+                <a:spcPts val="0"/>
+              </a:spcBef>
+              <a:spcAft>
+                <a:spcPts val="0"/>
+              </a:spcAft>
+              <a:buClrTx/>
+              <a:buSzTx/>
+              <a:buFontTx/>
+              <a:buNone/>
+              <a:tabLst/>
+              <a:defRPr/>
+            </a:pPr>
+            <a:endParaRPr kumimoji="0" lang="en-US" sz="1800" b="0" i="0" u="none" strike="noStrike" kern="1200" cap="none" spc="0" normalizeH="0" baseline="0" noProof="0" dirty="0">
+              <a:ln>
+                <a:noFill/>
+              </a:ln>
+              <a:solidFill>
+                <a:prstClr val="white"/>
+              </a:solidFill>
+              <a:effectLst/>
+              <a:uLnTx/>
+              <a:uFillTx/>
+              <a:latin typeface="Montserrat"/>
+              <a:ea typeface="+mn-ea"/>
+              <a:cs typeface="+mn-cs"/>
+            </a:endParaRPr>
+          </a:p>
+        </p:txBody>
+      </p:sp>
+      <p:sp>
+        <p:nvSpPr>
+          <p:cNvPr id="11" name="Oval 10">
+            <a:extLst>
+              <a:ext uri="{FF2B5EF4-FFF2-40B4-BE49-F238E27FC236}">
+                <a16:creationId xmlns:a16="http://schemas.microsoft.com/office/drawing/2014/main" id="{7EA21643-1E5D-4645-8448-B1E8F9598926}"/>
+              </a:ext>
+            </a:extLst>
+          </p:cNvPr>
+          <p:cNvSpPr/>
+          <p:nvPr/>
+        </p:nvSpPr>
+        <p:spPr>
+          <a:xfrm>
+            <a:off x="10949025" y="673184"/>
+            <a:ext cx="158168" cy="158168"/>
+          </a:xfrm>
+          <a:prstGeom prst="ellipse">
+            <a:avLst/>
+          </a:prstGeom>
+          <a:solidFill>
+            <a:schemeClr val="bg2">
+              <a:lumMod val="25000"/>
+            </a:schemeClr>
+          </a:solidFill>
+          <a:ln>
+            <a:noFill/>
+          </a:ln>
+        </p:spPr>
+        <p:style>
+          <a:lnRef idx="2">
+            <a:schemeClr val="accent1">
+              <a:shade val="50000"/>
+            </a:schemeClr>
+          </a:lnRef>
+          <a:fillRef idx="1">
+            <a:schemeClr val="accent1"/>
+          </a:fillRef>
+          <a:effectRef idx="0">
+            <a:schemeClr val="accent1"/>
+          </a:effectRef>
+          <a:fontRef idx="minor">
+            <a:schemeClr val="lt1"/>
+          </a:fontRef>
+        </p:style>
+        <p:txBody>
+          <a:bodyPr rtlCol="0" anchor="ctr"/>
+          <a:lstStyle/>
+          <a:p>
+            <a:pPr marL="0" marR="0" lvl="0" indent="0" algn="ctr" defTabSz="914400" rtl="0" eaLnBrk="1" fontAlgn="auto" latinLnBrk="0" hangingPunct="1">
+              <a:lnSpc>
+                <a:spcPct val="100000"/>
+              </a:lnSpc>
+              <a:spcBef>
+                <a:spcPts val="0"/>
+              </a:spcBef>
+              <a:spcAft>
+                <a:spcPts val="0"/>
+              </a:spcAft>
+              <a:buClrTx/>
+              <a:buSzTx/>
+              <a:buFontTx/>
+              <a:buNone/>
+              <a:tabLst/>
+              <a:defRPr/>
+            </a:pPr>
+            <a:endParaRPr kumimoji="0" lang="en-US" sz="1800" b="0" i="0" u="none" strike="noStrike" kern="1200" cap="none" spc="0" normalizeH="0" baseline="0" noProof="0" dirty="0">
+              <a:ln>
+                <a:noFill/>
+              </a:ln>
+              <a:solidFill>
+                <a:prstClr val="white"/>
+              </a:solidFill>
+              <a:effectLst/>
+              <a:uLnTx/>
+              <a:uFillTx/>
+              <a:latin typeface="Montserrat"/>
+              <a:ea typeface="+mn-ea"/>
+              <a:cs typeface="+mn-cs"/>
+            </a:endParaRPr>
+          </a:p>
+        </p:txBody>
+      </p:sp>
+      <p:sp>
+        <p:nvSpPr>
+          <p:cNvPr id="12" name="Oval 11">
+            <a:extLst>
+              <a:ext uri="{FF2B5EF4-FFF2-40B4-BE49-F238E27FC236}">
+                <a16:creationId xmlns:a16="http://schemas.microsoft.com/office/drawing/2014/main" id="{6F762BF8-9D33-4F22-8C8B-794D95486038}"/>
+              </a:ext>
+            </a:extLst>
+          </p:cNvPr>
+          <p:cNvSpPr/>
+          <p:nvPr/>
+        </p:nvSpPr>
+        <p:spPr>
+          <a:xfrm>
+            <a:off x="11206956" y="5933756"/>
+            <a:ext cx="262560" cy="262560"/>
+          </a:xfrm>
+          <a:prstGeom prst="ellipse">
+            <a:avLst/>
+          </a:prstGeom>
+          <a:solidFill>
+            <a:schemeClr val="bg1"/>
+          </a:solidFill>
+          <a:ln>
+            <a:noFill/>
+          </a:ln>
+        </p:spPr>
+        <p:style>
+          <a:lnRef idx="2">
+            <a:schemeClr val="accent1">
+              <a:shade val="50000"/>
+            </a:schemeClr>
+          </a:lnRef>
+          <a:fillRef idx="1">
+            <a:schemeClr val="accent1"/>
+          </a:fillRef>
+          <a:effectRef idx="0">
+            <a:schemeClr val="accent1"/>
+          </a:effectRef>
+          <a:fontRef idx="minor">
+            <a:schemeClr val="lt1"/>
+          </a:fontRef>
+        </p:style>
+        <p:txBody>
+          <a:bodyPr rtlCol="0" anchor="ctr"/>
+          <a:lstStyle/>
+          <a:p>
+            <a:pPr marL="0" marR="0" lvl="0" indent="0" algn="ctr" defTabSz="914400" rtl="0" eaLnBrk="1" fontAlgn="auto" latinLnBrk="0" hangingPunct="1">
+              <a:lnSpc>
+                <a:spcPct val="100000"/>
+              </a:lnSpc>
+              <a:spcBef>
+                <a:spcPts val="0"/>
+              </a:spcBef>
+              <a:spcAft>
+                <a:spcPts val="0"/>
+              </a:spcAft>
+              <a:buClrTx/>
+              <a:buSzTx/>
+              <a:buFontTx/>
+              <a:buNone/>
+              <a:tabLst/>
+              <a:defRPr/>
+            </a:pPr>
+            <a:endParaRPr kumimoji="0" lang="en-US" sz="1800" b="0" i="0" u="none" strike="noStrike" kern="1200" cap="none" spc="0" normalizeH="0" baseline="0" noProof="0" dirty="0">
+              <a:ln>
+                <a:noFill/>
+              </a:ln>
+              <a:solidFill>
+                <a:prstClr val="white"/>
+              </a:solidFill>
+              <a:effectLst/>
+              <a:uLnTx/>
+              <a:uFillTx/>
+              <a:latin typeface="Montserrat"/>
+              <a:ea typeface="+mn-ea"/>
+              <a:cs typeface="+mn-cs"/>
+            </a:endParaRPr>
+          </a:p>
+        </p:txBody>
+      </p:sp>
+      <p:sp>
+        <p:nvSpPr>
+          <p:cNvPr id="13" name="Oval 12">
+            <a:extLst>
+              <a:ext uri="{FF2B5EF4-FFF2-40B4-BE49-F238E27FC236}">
+                <a16:creationId xmlns:a16="http://schemas.microsoft.com/office/drawing/2014/main" id="{5338BC99-AC7D-49D4-B253-9BECC4D02BD7}"/>
+              </a:ext>
+            </a:extLst>
+          </p:cNvPr>
+          <p:cNvSpPr/>
+          <p:nvPr/>
+        </p:nvSpPr>
+        <p:spPr>
+          <a:xfrm>
+            <a:off x="9896676" y="804464"/>
+            <a:ext cx="262560" cy="262560"/>
+          </a:xfrm>
+          <a:prstGeom prst="ellipse">
+            <a:avLst/>
+          </a:prstGeom>
+          <a:solidFill>
+            <a:schemeClr val="bg1"/>
+          </a:solidFill>
+          <a:ln>
+            <a:noFill/>
+          </a:ln>
+        </p:spPr>
+        <p:style>
+          <a:lnRef idx="2">
+            <a:schemeClr val="accent1">
+              <a:shade val="50000"/>
+            </a:schemeClr>
+          </a:lnRef>
+          <a:fillRef idx="1">
+            <a:schemeClr val="accent1"/>
+          </a:fillRef>
+          <a:effectRef idx="0">
+            <a:schemeClr val="accent1"/>
+          </a:effectRef>
+          <a:fontRef idx="minor">
+            <a:schemeClr val="lt1"/>
+          </a:fontRef>
+        </p:style>
+        <p:txBody>
+          <a:bodyPr rtlCol="0" anchor="ctr"/>
+          <a:lstStyle/>
+          <a:p>
+            <a:pPr marL="0" marR="0" lvl="0" indent="0" algn="ctr" defTabSz="914400" rtl="0" eaLnBrk="1" fontAlgn="auto" latinLnBrk="0" hangingPunct="1">
+              <a:lnSpc>
+                <a:spcPct val="100000"/>
+              </a:lnSpc>
+              <a:spcBef>
+                <a:spcPts val="0"/>
+              </a:spcBef>
+              <a:spcAft>
+                <a:spcPts val="0"/>
+              </a:spcAft>
+              <a:buClrTx/>
+              <a:buSzTx/>
+              <a:buFontTx/>
+              <a:buNone/>
+              <a:tabLst/>
+              <a:defRPr/>
+            </a:pPr>
+            <a:endParaRPr kumimoji="0" lang="en-US" sz="1800" b="0" i="0" u="none" strike="noStrike" kern="1200" cap="none" spc="0" normalizeH="0" baseline="0" noProof="0" dirty="0">
+              <a:ln>
+                <a:noFill/>
+              </a:ln>
+              <a:solidFill>
+                <a:prstClr val="white"/>
+              </a:solidFill>
+              <a:effectLst/>
+              <a:uLnTx/>
+              <a:uFillTx/>
+              <a:latin typeface="Montserrat"/>
+              <a:ea typeface="+mn-ea"/>
+              <a:cs typeface="+mn-cs"/>
+            </a:endParaRPr>
+          </a:p>
+        </p:txBody>
+      </p:sp>
+      <p:sp>
+        <p:nvSpPr>
+          <p:cNvPr id="14" name="Freeform: Shape 13">
+            <a:extLst>
+              <a:ext uri="{FF2B5EF4-FFF2-40B4-BE49-F238E27FC236}">
+                <a16:creationId xmlns:a16="http://schemas.microsoft.com/office/drawing/2014/main" id="{A685EDDA-22C7-44D4-9D0C-9FC0D2D7D692}"/>
+              </a:ext>
+            </a:extLst>
+          </p:cNvPr>
+          <p:cNvSpPr/>
+          <p:nvPr/>
+        </p:nvSpPr>
+        <p:spPr>
+          <a:xfrm>
+            <a:off x="12056564" y="5480994"/>
+            <a:ext cx="131280" cy="262560"/>
+          </a:xfrm>
+          <a:custGeom>
+            <a:avLst/>
+            <a:gdLst>
+              <a:gd name="connsiteX0" fmla="*/ 131280 w 131280"/>
+              <a:gd name="connsiteY0" fmla="*/ 0 h 262560"/>
+              <a:gd name="connsiteX1" fmla="*/ 131280 w 131280"/>
+              <a:gd name="connsiteY1" fmla="*/ 262560 h 262560"/>
+              <a:gd name="connsiteX2" fmla="*/ 0 w 131280"/>
+              <a:gd name="connsiteY2" fmla="*/ 131280 h 262560"/>
+              <a:gd name="connsiteX3" fmla="*/ 131280 w 131280"/>
+              <a:gd name="connsiteY3" fmla="*/ 0 h 262560"/>
+            </a:gdLst>
+            <a:ahLst/>
+            <a:cxnLst>
+              <a:cxn ang="0">
+                <a:pos x="connsiteX0" y="connsiteY0"/>
+              </a:cxn>
+              <a:cxn ang="0">
+                <a:pos x="connsiteX1" y="connsiteY1"/>
+              </a:cxn>
+              <a:cxn ang="0">
+                <a:pos x="connsiteX2" y="connsiteY2"/>
+              </a:cxn>
+              <a:cxn ang="0">
+                <a:pos x="connsiteX3" y="connsiteY3"/>
+              </a:cxn>
+            </a:cxnLst>
+            <a:rect l="l" t="t" r="r" b="b"/>
+            <a:pathLst>
+              <a:path w="131280" h="262560">
+                <a:moveTo>
+                  <a:pt x="131280" y="0"/>
+                </a:moveTo>
+                <a:lnTo>
+                  <a:pt x="131280" y="262560"/>
+                </a:lnTo>
+                <a:cubicBezTo>
+                  <a:pt x="58776" y="262560"/>
+                  <a:pt x="0" y="203784"/>
+                  <a:pt x="0" y="131280"/>
+                </a:cubicBezTo>
+                <a:cubicBezTo>
+                  <a:pt x="0" y="58776"/>
+                  <a:pt x="58776" y="0"/>
+                  <a:pt x="131280" y="0"/>
+                </a:cubicBezTo>
+                <a:close/>
+              </a:path>
+            </a:pathLst>
+          </a:custGeom>
+          <a:solidFill>
+            <a:schemeClr val="bg2">
+              <a:lumMod val="25000"/>
+            </a:schemeClr>
+          </a:solidFill>
+          <a:ln>
+            <a:noFill/>
+          </a:ln>
+        </p:spPr>
+        <p:style>
+          <a:lnRef idx="2">
+            <a:schemeClr val="accent1">
+              <a:shade val="50000"/>
+            </a:schemeClr>
+          </a:lnRef>
+          <a:fillRef idx="1">
+            <a:schemeClr val="accent1"/>
+          </a:fillRef>
+          <a:effectRef idx="0">
+            <a:schemeClr val="accent1"/>
+          </a:effectRef>
+          <a:fontRef idx="minor">
+            <a:schemeClr val="lt1"/>
+          </a:fontRef>
+        </p:style>
+        <p:txBody>
+          <a:bodyPr wrap="square" rtlCol="0" anchor="ctr">
+            <a:noAutofit/>
+          </a:bodyPr>
+          <a:lstStyle/>
+          <a:p>
+            <a:pPr marL="0" marR="0" lvl="0" indent="0" algn="ctr" defTabSz="914400" rtl="0" eaLnBrk="1" fontAlgn="auto" latinLnBrk="0" hangingPunct="1">
+              <a:lnSpc>
+                <a:spcPct val="100000"/>
+              </a:lnSpc>
+              <a:spcBef>
+                <a:spcPts val="0"/>
+              </a:spcBef>
+              <a:spcAft>
+                <a:spcPts val="0"/>
+              </a:spcAft>
+              <a:buClrTx/>
+              <a:buSzTx/>
+              <a:buFontTx/>
+              <a:buNone/>
+              <a:tabLst/>
+              <a:defRPr/>
+            </a:pPr>
+            <a:endParaRPr kumimoji="0" lang="en-US" sz="1800" b="0" i="0" u="none" strike="noStrike" kern="1200" cap="none" spc="0" normalizeH="0" baseline="0" noProof="0" dirty="0">
+              <a:ln>
+                <a:noFill/>
+              </a:ln>
+              <a:solidFill>
+                <a:prstClr val="white"/>
+              </a:solidFill>
+              <a:effectLst/>
+              <a:uLnTx/>
+              <a:uFillTx/>
+              <a:latin typeface="Montserrat"/>
+              <a:ea typeface="+mn-ea"/>
+              <a:cs typeface="+mn-cs"/>
+            </a:endParaRPr>
+          </a:p>
+        </p:txBody>
+      </p:sp>
+      <p:sp>
+        <p:nvSpPr>
+          <p:cNvPr id="15" name="Freeform: Shape 14">
+            <a:extLst>
+              <a:ext uri="{FF2B5EF4-FFF2-40B4-BE49-F238E27FC236}">
+                <a16:creationId xmlns:a16="http://schemas.microsoft.com/office/drawing/2014/main" id="{BA9721E0-EABB-414E-915A-D5E788EA85AB}"/>
+              </a:ext>
+            </a:extLst>
+          </p:cNvPr>
+          <p:cNvSpPr/>
+          <p:nvPr/>
+        </p:nvSpPr>
+        <p:spPr>
+          <a:xfrm>
+            <a:off x="12066089" y="1139742"/>
+            <a:ext cx="131280" cy="262560"/>
+          </a:xfrm>
+          <a:custGeom>
+            <a:avLst/>
+            <a:gdLst>
+              <a:gd name="connsiteX0" fmla="*/ 131280 w 131280"/>
+              <a:gd name="connsiteY0" fmla="*/ 0 h 262560"/>
+              <a:gd name="connsiteX1" fmla="*/ 131280 w 131280"/>
+              <a:gd name="connsiteY1" fmla="*/ 262560 h 262560"/>
+              <a:gd name="connsiteX2" fmla="*/ 0 w 131280"/>
+              <a:gd name="connsiteY2" fmla="*/ 131280 h 262560"/>
+              <a:gd name="connsiteX3" fmla="*/ 131280 w 131280"/>
+              <a:gd name="connsiteY3" fmla="*/ 0 h 262560"/>
+            </a:gdLst>
+            <a:ahLst/>
+            <a:cxnLst>
+              <a:cxn ang="0">
+                <a:pos x="connsiteX0" y="connsiteY0"/>
+              </a:cxn>
+              <a:cxn ang="0">
+                <a:pos x="connsiteX1" y="connsiteY1"/>
+              </a:cxn>
+              <a:cxn ang="0">
+                <a:pos x="connsiteX2" y="connsiteY2"/>
+              </a:cxn>
+              <a:cxn ang="0">
+                <a:pos x="connsiteX3" y="connsiteY3"/>
+              </a:cxn>
+            </a:cxnLst>
+            <a:rect l="l" t="t" r="r" b="b"/>
+            <a:pathLst>
+              <a:path w="131280" h="262560">
+                <a:moveTo>
+                  <a:pt x="131280" y="0"/>
+                </a:moveTo>
+                <a:lnTo>
+                  <a:pt x="131280" y="262560"/>
+                </a:lnTo>
+                <a:cubicBezTo>
+                  <a:pt x="58776" y="262560"/>
+                  <a:pt x="0" y="203784"/>
+                  <a:pt x="0" y="131280"/>
+                </a:cubicBezTo>
+                <a:cubicBezTo>
+                  <a:pt x="0" y="58776"/>
+                  <a:pt x="58776" y="0"/>
+                  <a:pt x="131280" y="0"/>
+                </a:cubicBezTo>
+                <a:close/>
+              </a:path>
+            </a:pathLst>
+          </a:custGeom>
+          <a:solidFill>
+            <a:schemeClr val="bg1"/>
+          </a:solidFill>
+          <a:ln>
+            <a:noFill/>
+          </a:ln>
+        </p:spPr>
+        <p:style>
+          <a:lnRef idx="2">
+            <a:schemeClr val="accent1">
+              <a:shade val="50000"/>
+            </a:schemeClr>
+          </a:lnRef>
+          <a:fillRef idx="1">
+            <a:schemeClr val="accent1"/>
+          </a:fillRef>
+          <a:effectRef idx="0">
+            <a:schemeClr val="accent1"/>
+          </a:effectRef>
+          <a:fontRef idx="minor">
+            <a:schemeClr val="lt1"/>
+          </a:fontRef>
+        </p:style>
+        <p:txBody>
+          <a:bodyPr wrap="square" rtlCol="0" anchor="ctr">
+            <a:noAutofit/>
+          </a:bodyPr>
+          <a:lstStyle/>
+          <a:p>
+            <a:pPr marL="0" marR="0" lvl="0" indent="0" algn="ctr" defTabSz="914400" rtl="0" eaLnBrk="1" fontAlgn="auto" latinLnBrk="0" hangingPunct="1">
+              <a:lnSpc>
+                <a:spcPct val="100000"/>
+              </a:lnSpc>
+              <a:spcBef>
+                <a:spcPts val="0"/>
+              </a:spcBef>
+              <a:spcAft>
+                <a:spcPts val="0"/>
+              </a:spcAft>
+              <a:buClrTx/>
+              <a:buSzTx/>
+              <a:buFontTx/>
+              <a:buNone/>
+              <a:tabLst/>
+              <a:defRPr/>
+            </a:pPr>
+            <a:endParaRPr kumimoji="0" lang="en-US" sz="1800" b="0" i="0" u="none" strike="noStrike" kern="1200" cap="none" spc="0" normalizeH="0" baseline="0" noProof="0" dirty="0">
+              <a:ln>
+                <a:noFill/>
+              </a:ln>
+              <a:solidFill>
+                <a:prstClr val="white"/>
+              </a:solidFill>
+              <a:effectLst/>
+              <a:uLnTx/>
+              <a:uFillTx/>
+              <a:latin typeface="Montserrat"/>
+              <a:ea typeface="+mn-ea"/>
+              <a:cs typeface="+mn-cs"/>
+            </a:endParaRPr>
+          </a:p>
+        </p:txBody>
+      </p:sp>
+      <p:sp>
+        <p:nvSpPr>
+          <p:cNvPr id="16" name="Freeform: Shape 15">
+            <a:extLst>
+              <a:ext uri="{FF2B5EF4-FFF2-40B4-BE49-F238E27FC236}">
+                <a16:creationId xmlns:a16="http://schemas.microsoft.com/office/drawing/2014/main" id="{2450B8BF-3AF3-4F9E-BF8D-2F89F9BBE510}"/>
+              </a:ext>
+            </a:extLst>
+          </p:cNvPr>
+          <p:cNvSpPr/>
+          <p:nvPr/>
+        </p:nvSpPr>
+        <p:spPr>
+          <a:xfrm rot="5400000">
+            <a:off x="6233560" y="6661080"/>
+            <a:ext cx="131280" cy="262560"/>
+          </a:xfrm>
+          <a:custGeom>
+            <a:avLst/>
+            <a:gdLst>
+              <a:gd name="connsiteX0" fmla="*/ 131280 w 131280"/>
+              <a:gd name="connsiteY0" fmla="*/ 0 h 262560"/>
+              <a:gd name="connsiteX1" fmla="*/ 131280 w 131280"/>
+              <a:gd name="connsiteY1" fmla="*/ 262560 h 262560"/>
+              <a:gd name="connsiteX2" fmla="*/ 0 w 131280"/>
+              <a:gd name="connsiteY2" fmla="*/ 131280 h 262560"/>
+              <a:gd name="connsiteX3" fmla="*/ 131280 w 131280"/>
+              <a:gd name="connsiteY3" fmla="*/ 0 h 262560"/>
+            </a:gdLst>
+            <a:ahLst/>
+            <a:cxnLst>
+              <a:cxn ang="0">
+                <a:pos x="connsiteX0" y="connsiteY0"/>
+              </a:cxn>
+              <a:cxn ang="0">
+                <a:pos x="connsiteX1" y="connsiteY1"/>
+              </a:cxn>
+              <a:cxn ang="0">
+                <a:pos x="connsiteX2" y="connsiteY2"/>
+              </a:cxn>
+              <a:cxn ang="0">
+                <a:pos x="connsiteX3" y="connsiteY3"/>
+              </a:cxn>
+            </a:cxnLst>
+            <a:rect l="l" t="t" r="r" b="b"/>
+            <a:pathLst>
+              <a:path w="131280" h="262560">
+                <a:moveTo>
+                  <a:pt x="131280" y="0"/>
+                </a:moveTo>
+                <a:lnTo>
+                  <a:pt x="131280" y="262560"/>
+                </a:lnTo>
+                <a:cubicBezTo>
+                  <a:pt x="58776" y="262560"/>
+                  <a:pt x="0" y="203784"/>
+                  <a:pt x="0" y="131280"/>
+                </a:cubicBezTo>
+                <a:cubicBezTo>
+                  <a:pt x="0" y="58776"/>
+                  <a:pt x="58776" y="0"/>
+                  <a:pt x="131280" y="0"/>
+                </a:cubicBezTo>
+                <a:close/>
+              </a:path>
+            </a:pathLst>
+          </a:custGeom>
+          <a:solidFill>
+            <a:schemeClr val="bg2">
+              <a:lumMod val="25000"/>
+            </a:schemeClr>
+          </a:solidFill>
+          <a:ln>
+            <a:noFill/>
+          </a:ln>
+        </p:spPr>
+        <p:style>
+          <a:lnRef idx="2">
+            <a:schemeClr val="accent1">
+              <a:shade val="50000"/>
+            </a:schemeClr>
+          </a:lnRef>
+          <a:fillRef idx="1">
+            <a:schemeClr val="accent1"/>
+          </a:fillRef>
+          <a:effectRef idx="0">
+            <a:schemeClr val="accent1"/>
+          </a:effectRef>
+          <a:fontRef idx="minor">
+            <a:schemeClr val="lt1"/>
+          </a:fontRef>
+        </p:style>
+        <p:txBody>
+          <a:bodyPr wrap="square" rtlCol="0" anchor="ctr">
+            <a:noAutofit/>
+          </a:bodyPr>
+          <a:lstStyle/>
+          <a:p>
+            <a:pPr marL="0" marR="0" lvl="0" indent="0" algn="ctr" defTabSz="914400" rtl="0" eaLnBrk="1" fontAlgn="auto" latinLnBrk="0" hangingPunct="1">
+              <a:lnSpc>
+                <a:spcPct val="100000"/>
+              </a:lnSpc>
+              <a:spcBef>
+                <a:spcPts val="0"/>
+              </a:spcBef>
+              <a:spcAft>
+                <a:spcPts val="0"/>
+              </a:spcAft>
+              <a:buClrTx/>
+              <a:buSzTx/>
+              <a:buFontTx/>
+              <a:buNone/>
+              <a:tabLst/>
+              <a:defRPr/>
+            </a:pPr>
+            <a:endParaRPr kumimoji="0" lang="en-US" sz="1800" b="0" i="0" u="none" strike="noStrike" kern="1200" cap="none" spc="0" normalizeH="0" baseline="0" noProof="0" dirty="0">
+              <a:ln>
+                <a:noFill/>
+              </a:ln>
+              <a:solidFill>
+                <a:prstClr val="white"/>
+              </a:solidFill>
+              <a:effectLst/>
+              <a:uLnTx/>
+              <a:uFillTx/>
+              <a:latin typeface="Montserrat"/>
+              <a:ea typeface="+mn-ea"/>
+              <a:cs typeface="+mn-cs"/>
+            </a:endParaRPr>
+          </a:p>
+        </p:txBody>
+      </p:sp>
+      <p:sp>
+        <p:nvSpPr>
+          <p:cNvPr id="55" name="TextBox 54">
+            <a:extLst>
+              <a:ext uri="{FF2B5EF4-FFF2-40B4-BE49-F238E27FC236}">
+                <a16:creationId xmlns:a16="http://schemas.microsoft.com/office/drawing/2014/main" id="{E293866C-A9ED-43DE-807A-A9F13875F9F5}"/>
+              </a:ext>
+            </a:extLst>
+          </p:cNvPr>
+          <p:cNvSpPr txBox="1"/>
+          <p:nvPr/>
+        </p:nvSpPr>
+        <p:spPr>
+          <a:xfrm>
+            <a:off x="2164044" y="131279"/>
+            <a:ext cx="8126062" cy="830997"/>
+          </a:xfrm>
+          <a:prstGeom prst="rect">
+            <a:avLst/>
+          </a:prstGeom>
+          <a:noFill/>
+        </p:spPr>
+        <p:txBody>
+          <a:bodyPr wrap="square" rtlCol="0">
+            <a:spAutoFit/>
+          </a:bodyPr>
+          <a:lstStyle/>
+          <a:p>
+            <a:pPr marL="0" marR="0" lvl="0" indent="0" algn="ctr" defTabSz="914400" rtl="0" eaLnBrk="1" fontAlgn="auto" latinLnBrk="0" hangingPunct="1">
+              <a:lnSpc>
+                <a:spcPct val="100000"/>
+              </a:lnSpc>
+              <a:spcBef>
+                <a:spcPts val="0"/>
+              </a:spcBef>
+              <a:spcAft>
+                <a:spcPts val="0"/>
+              </a:spcAft>
+              <a:buClrTx/>
+              <a:buSzTx/>
+              <a:buFontTx/>
+              <a:buNone/>
+              <a:tabLst/>
+              <a:defRPr/>
+            </a:pPr>
+            <a:r>
+              <a:rPr kumimoji="0" lang="en-US" sz="4800" b="1" i="0" u="none" strike="noStrike" kern="1200" cap="none" spc="0" normalizeH="0" baseline="0" noProof="0" dirty="0">
+                <a:ln>
+                  <a:solidFill>
+                    <a:schemeClr val="bg2">
+                      <a:lumMod val="50000"/>
+                    </a:schemeClr>
+                  </a:solidFill>
+                </a:ln>
+                <a:solidFill>
+                  <a:prstClr val="white">
+                    <a:lumMod val="95000"/>
+                  </a:prstClr>
+                </a:solidFill>
+                <a:effectLst/>
+                <a:uLnTx/>
+                <a:uFillTx/>
+                <a:latin typeface="Tw Cen MT" panose="020B0602020104020603" pitchFamily="34" charset="0"/>
+                <a:ea typeface="+mn-ea"/>
+                <a:cs typeface="+mn-cs"/>
+              </a:rPr>
+              <a:t>Quality Assurance</a:t>
+            </a:r>
+          </a:p>
+        </p:txBody>
+      </p:sp>
+      <p:pic>
+        <p:nvPicPr>
+          <p:cNvPr id="18" name="Picture 17">
+            <a:extLst>
+              <a:ext uri="{FF2B5EF4-FFF2-40B4-BE49-F238E27FC236}">
+                <a16:creationId xmlns:a16="http://schemas.microsoft.com/office/drawing/2014/main" id="{769BD99E-ED02-7BEF-4E49-81DCDA9F72F9}"/>
+              </a:ext>
+            </a:extLst>
+          </p:cNvPr>
+          <p:cNvPicPr>
+            <a:picLocks noChangeAspect="1"/>
+          </p:cNvPicPr>
+          <p:nvPr/>
+        </p:nvPicPr>
+        <p:blipFill>
+          <a:blip r:embed="rId2"/>
+          <a:stretch>
+            <a:fillRect/>
+          </a:stretch>
+        </p:blipFill>
+        <p:spPr>
+          <a:xfrm>
+            <a:off x="769874" y="3986797"/>
+            <a:ext cx="262151" cy="268247"/>
+          </a:xfrm>
+          <a:prstGeom prst="rect">
+            <a:avLst/>
+          </a:prstGeom>
+        </p:spPr>
+      </p:pic>
+      <p:pic>
+        <p:nvPicPr>
+          <p:cNvPr id="19" name="Picture 18">
+            <a:extLst>
+              <a:ext uri="{FF2B5EF4-FFF2-40B4-BE49-F238E27FC236}">
+                <a16:creationId xmlns:a16="http://schemas.microsoft.com/office/drawing/2014/main" id="{192B6CDB-EE5C-C43F-F439-D844EDC58453}"/>
+              </a:ext>
+            </a:extLst>
+          </p:cNvPr>
+          <p:cNvPicPr>
+            <a:picLocks noChangeAspect="1"/>
+          </p:cNvPicPr>
+          <p:nvPr/>
+        </p:nvPicPr>
+        <p:blipFill>
+          <a:blip r:embed="rId3"/>
+          <a:stretch>
+            <a:fillRect/>
+          </a:stretch>
+        </p:blipFill>
+        <p:spPr>
+          <a:xfrm>
+            <a:off x="1645130" y="5514280"/>
+            <a:ext cx="158510" cy="158510"/>
+          </a:xfrm>
+          <a:prstGeom prst="rect">
+            <a:avLst/>
+          </a:prstGeom>
+        </p:spPr>
+      </p:pic>
+      <p:sp>
+        <p:nvSpPr>
+          <p:cNvPr id="17" name="TextBox 16">
+            <a:extLst>
+              <a:ext uri="{FF2B5EF4-FFF2-40B4-BE49-F238E27FC236}">
+                <a16:creationId xmlns:a16="http://schemas.microsoft.com/office/drawing/2014/main" id="{55CBF261-CB5F-5F18-DB07-D4E0CF9A7D72}"/>
+              </a:ext>
+            </a:extLst>
+          </p:cNvPr>
+          <p:cNvSpPr txBox="1"/>
+          <p:nvPr/>
+        </p:nvSpPr>
+        <p:spPr>
+          <a:xfrm>
+            <a:off x="2164044" y="1428807"/>
+            <a:ext cx="7040710" cy="4247317"/>
+          </a:xfrm>
+          <a:prstGeom prst="rect">
+            <a:avLst/>
+          </a:prstGeom>
+          <a:noFill/>
+        </p:spPr>
+        <p:txBody>
+          <a:bodyPr wrap="none" rtlCol="0">
+            <a:spAutoFit/>
+          </a:bodyPr>
+          <a:lstStyle/>
+          <a:p>
+            <a:pPr marL="285750" marR="0" lvl="0" indent="-285750" algn="l" defTabSz="914400" rtl="0" eaLnBrk="1" fontAlgn="auto" latinLnBrk="0" hangingPunct="1">
+              <a:lnSpc>
+                <a:spcPct val="100000"/>
+              </a:lnSpc>
+              <a:spcBef>
+                <a:spcPts val="0"/>
+              </a:spcBef>
+              <a:spcAft>
+                <a:spcPts val="0"/>
+              </a:spcAft>
+              <a:buClrTx/>
+              <a:buSzTx/>
+              <a:buFont typeface="Wingdings" panose="05000000000000000000" pitchFamily="2" charset="2"/>
+              <a:buChar char="Ø"/>
+              <a:tabLst/>
+              <a:defRPr/>
+            </a:pPr>
+            <a:r>
+              <a:rPr kumimoji="0" lang="en-ZA" sz="1800" b="0" i="0" u="none" strike="noStrike" kern="1200" cap="none" spc="0" normalizeH="0" baseline="0" noProof="0" dirty="0">
+                <a:ln>
+                  <a:noFill/>
+                </a:ln>
+                <a:solidFill>
+                  <a:prstClr val="white"/>
+                </a:solidFill>
+                <a:effectLst/>
+                <a:uLnTx/>
+                <a:uFillTx/>
+                <a:latin typeface="Montserrat"/>
+                <a:ea typeface="+mn-ea"/>
+                <a:cs typeface="+mn-cs"/>
+              </a:rPr>
+              <a:t>Security</a:t>
+            </a:r>
+          </a:p>
+          <a:p>
+            <a:pPr marL="742950" marR="0" lvl="1" indent="-285750" algn="l" defTabSz="914400" rtl="0" eaLnBrk="1" fontAlgn="auto" latinLnBrk="0" hangingPunct="1">
+              <a:lnSpc>
+                <a:spcPct val="100000"/>
+              </a:lnSpc>
+              <a:spcBef>
+                <a:spcPts val="0"/>
+              </a:spcBef>
+              <a:spcAft>
+                <a:spcPts val="0"/>
+              </a:spcAft>
+              <a:buClrTx/>
+              <a:buSzTx/>
+              <a:buFont typeface="Arial" panose="020B0604020202020204" pitchFamily="34" charset="0"/>
+              <a:buChar char="•"/>
+              <a:tabLst/>
+              <a:defRPr/>
+            </a:pPr>
+            <a:r>
+              <a:rPr kumimoji="0" lang="en-ZA" sz="1800" b="0" i="0" u="none" strike="noStrike" kern="1200" cap="none" spc="0" normalizeH="0" baseline="0" noProof="0" dirty="0">
+                <a:ln>
+                  <a:noFill/>
+                </a:ln>
+                <a:solidFill>
+                  <a:prstClr val="white"/>
+                </a:solidFill>
+                <a:effectLst/>
+                <a:uLnTx/>
+                <a:uFillTx/>
+                <a:latin typeface="Montserrat"/>
+                <a:ea typeface="+mn-ea"/>
+                <a:cs typeface="+mn-cs"/>
+              </a:rPr>
+              <a:t>Encryption in transit (HTTPS) and at rest</a:t>
+            </a:r>
+          </a:p>
+          <a:p>
+            <a:pPr marL="742950" marR="0" lvl="1" indent="-285750" algn="l" defTabSz="914400" rtl="0" eaLnBrk="1" fontAlgn="auto" latinLnBrk="0" hangingPunct="1">
+              <a:lnSpc>
+                <a:spcPct val="100000"/>
+              </a:lnSpc>
+              <a:spcBef>
+                <a:spcPts val="0"/>
+              </a:spcBef>
+              <a:spcAft>
+                <a:spcPts val="0"/>
+              </a:spcAft>
+              <a:buClrTx/>
+              <a:buSzTx/>
+              <a:buFont typeface="Arial" panose="020B0604020202020204" pitchFamily="34" charset="0"/>
+              <a:buChar char="•"/>
+              <a:tabLst/>
+              <a:defRPr/>
+            </a:pPr>
+            <a:r>
+              <a:rPr kumimoji="0" lang="en-ZA" sz="1800" b="0" i="0" u="none" strike="noStrike" kern="1200" cap="none" spc="0" normalizeH="0" baseline="0" noProof="0" dirty="0">
+                <a:ln>
+                  <a:noFill/>
+                </a:ln>
+                <a:solidFill>
+                  <a:prstClr val="white"/>
+                </a:solidFill>
+                <a:effectLst/>
+                <a:uLnTx/>
+                <a:uFillTx/>
+                <a:latin typeface="Montserrat"/>
+                <a:ea typeface="+mn-ea"/>
+                <a:cs typeface="+mn-cs"/>
+              </a:rPr>
+              <a:t>Role Based Access with protected routes</a:t>
+            </a:r>
+          </a:p>
+          <a:p>
+            <a:pPr marL="742950" marR="0" lvl="1" indent="-285750" algn="l" defTabSz="914400" rtl="0" eaLnBrk="1" fontAlgn="auto" latinLnBrk="0" hangingPunct="1">
+              <a:lnSpc>
+                <a:spcPct val="100000"/>
+              </a:lnSpc>
+              <a:spcBef>
+                <a:spcPts val="0"/>
+              </a:spcBef>
+              <a:spcAft>
+                <a:spcPts val="0"/>
+              </a:spcAft>
+              <a:buClrTx/>
+              <a:buSzTx/>
+              <a:buFont typeface="Arial" panose="020B0604020202020204" pitchFamily="34" charset="0"/>
+              <a:buChar char="•"/>
+              <a:tabLst/>
+              <a:defRPr/>
+            </a:pPr>
+            <a:r>
+              <a:rPr lang="en-ZA" dirty="0">
+                <a:solidFill>
+                  <a:prstClr val="white"/>
+                </a:solidFill>
+                <a:latin typeface="Montserrat"/>
+              </a:rPr>
+              <a:t>Injection and XSS prevention</a:t>
+            </a:r>
+            <a:endParaRPr kumimoji="0" lang="en-ZA" sz="1800" b="0" i="0" u="none" strike="noStrike" kern="1200" cap="none" spc="0" normalizeH="0" baseline="0" noProof="0" dirty="0">
+              <a:ln>
+                <a:noFill/>
+              </a:ln>
+              <a:solidFill>
+                <a:prstClr val="white"/>
+              </a:solidFill>
+              <a:effectLst/>
+              <a:uLnTx/>
+              <a:uFillTx/>
+              <a:latin typeface="Montserrat"/>
+              <a:ea typeface="+mn-ea"/>
+              <a:cs typeface="+mn-cs"/>
+            </a:endParaRPr>
+          </a:p>
+          <a:p>
+            <a:pPr marL="742950" marR="0" lvl="1" indent="-285750" algn="l" defTabSz="914400" rtl="0" eaLnBrk="1" fontAlgn="auto" latinLnBrk="0" hangingPunct="1">
+              <a:lnSpc>
+                <a:spcPct val="100000"/>
+              </a:lnSpc>
+              <a:spcBef>
+                <a:spcPts val="0"/>
+              </a:spcBef>
+              <a:spcAft>
+                <a:spcPts val="0"/>
+              </a:spcAft>
+              <a:buClrTx/>
+              <a:buSzTx/>
+              <a:buFont typeface="Arial" panose="020B0604020202020204" pitchFamily="34" charset="0"/>
+              <a:buChar char="•"/>
+              <a:tabLst/>
+              <a:defRPr/>
+            </a:pPr>
+            <a:r>
+              <a:rPr kumimoji="0" lang="en-ZA" sz="1800" b="0" i="0" u="none" strike="noStrike" kern="1200" cap="none" spc="0" normalizeH="0" baseline="0" noProof="0" dirty="0">
+                <a:ln>
+                  <a:noFill/>
+                </a:ln>
+                <a:solidFill>
+                  <a:prstClr val="white"/>
+                </a:solidFill>
+                <a:effectLst/>
+                <a:uLnTx/>
+                <a:uFillTx/>
+                <a:latin typeface="Montserrat"/>
+                <a:ea typeface="+mn-ea"/>
+                <a:cs typeface="+mn-cs"/>
+              </a:rPr>
+              <a:t>JSON </a:t>
+            </a:r>
+            <a:r>
+              <a:rPr lang="en-ZA" dirty="0">
+                <a:solidFill>
+                  <a:prstClr val="white"/>
+                </a:solidFill>
+                <a:latin typeface="Montserrat"/>
+              </a:rPr>
+              <a:t>W</a:t>
+            </a:r>
+            <a:r>
+              <a:rPr kumimoji="0" lang="en-ZA" sz="1800" b="0" i="0" u="none" strike="noStrike" kern="1200" cap="none" spc="0" normalizeH="0" baseline="0" noProof="0" dirty="0" err="1">
+                <a:ln>
+                  <a:noFill/>
+                </a:ln>
+                <a:solidFill>
+                  <a:prstClr val="white"/>
+                </a:solidFill>
+                <a:effectLst/>
+                <a:uLnTx/>
+                <a:uFillTx/>
+                <a:latin typeface="Montserrat"/>
+                <a:ea typeface="+mn-ea"/>
+                <a:cs typeface="+mn-cs"/>
+              </a:rPr>
+              <a:t>eb</a:t>
+            </a:r>
+            <a:r>
+              <a:rPr kumimoji="0" lang="en-ZA" sz="1800" b="0" i="0" u="none" strike="noStrike" kern="1200" cap="none" spc="0" normalizeH="0" baseline="0" noProof="0" dirty="0">
+                <a:ln>
+                  <a:noFill/>
+                </a:ln>
+                <a:solidFill>
+                  <a:prstClr val="white"/>
+                </a:solidFill>
+                <a:effectLst/>
+                <a:uLnTx/>
+                <a:uFillTx/>
+                <a:latin typeface="Montserrat"/>
+                <a:ea typeface="+mn-ea"/>
+                <a:cs typeface="+mn-cs"/>
+              </a:rPr>
+              <a:t> Tokens </a:t>
+            </a:r>
+          </a:p>
+          <a:p>
+            <a:pPr marL="742950" marR="0" lvl="1" indent="-285750" algn="l" defTabSz="914400" rtl="0" eaLnBrk="1" fontAlgn="auto" latinLnBrk="0" hangingPunct="1">
+              <a:lnSpc>
+                <a:spcPct val="100000"/>
+              </a:lnSpc>
+              <a:spcBef>
+                <a:spcPts val="0"/>
+              </a:spcBef>
+              <a:spcAft>
+                <a:spcPts val="0"/>
+              </a:spcAft>
+              <a:buClrTx/>
+              <a:buSzTx/>
+              <a:buFont typeface="Arial" panose="020B0604020202020204" pitchFamily="34" charset="0"/>
+              <a:buChar char="•"/>
+              <a:tabLst/>
+              <a:defRPr/>
+            </a:pPr>
+            <a:endParaRPr kumimoji="0" lang="en-ZA" sz="1800" b="0" i="0" u="none" strike="noStrike" kern="1200" cap="none" spc="0" normalizeH="0" baseline="0" noProof="0" dirty="0">
+              <a:ln>
+                <a:noFill/>
+              </a:ln>
+              <a:solidFill>
+                <a:prstClr val="white"/>
+              </a:solidFill>
+              <a:effectLst/>
+              <a:uLnTx/>
+              <a:uFillTx/>
+              <a:latin typeface="Montserrat"/>
+              <a:ea typeface="+mn-ea"/>
+              <a:cs typeface="+mn-cs"/>
+            </a:endParaRPr>
+          </a:p>
+          <a:p>
+            <a:pPr marL="285750" marR="0" lvl="0" indent="-285750" algn="l" defTabSz="914400" rtl="0" eaLnBrk="1" fontAlgn="auto" latinLnBrk="0" hangingPunct="1">
+              <a:lnSpc>
+                <a:spcPct val="100000"/>
+              </a:lnSpc>
+              <a:spcBef>
+                <a:spcPts val="0"/>
+              </a:spcBef>
+              <a:spcAft>
+                <a:spcPts val="0"/>
+              </a:spcAft>
+              <a:buClrTx/>
+              <a:buSzTx/>
+              <a:buFont typeface="Wingdings" panose="05000000000000000000" pitchFamily="2" charset="2"/>
+              <a:buChar char="Ø"/>
+              <a:tabLst/>
+              <a:defRPr/>
+            </a:pPr>
+            <a:r>
+              <a:rPr kumimoji="0" lang="en-ZA" sz="1800" b="0" i="0" u="none" strike="noStrike" kern="1200" cap="none" spc="0" normalizeH="0" baseline="0" noProof="0" dirty="0">
+                <a:ln>
+                  <a:noFill/>
+                </a:ln>
+                <a:solidFill>
+                  <a:prstClr val="white"/>
+                </a:solidFill>
+                <a:effectLst/>
+                <a:uLnTx/>
+                <a:uFillTx/>
+                <a:latin typeface="Montserrat"/>
+                <a:ea typeface="+mn-ea"/>
+                <a:cs typeface="+mn-cs"/>
+              </a:rPr>
+              <a:t>Maintainability</a:t>
+            </a:r>
+          </a:p>
+          <a:p>
+            <a:pPr marL="742950" marR="0" lvl="1" indent="-285750" algn="l" defTabSz="914400" rtl="0" eaLnBrk="1" fontAlgn="auto" latinLnBrk="0" hangingPunct="1">
+              <a:lnSpc>
+                <a:spcPct val="100000"/>
+              </a:lnSpc>
+              <a:spcBef>
+                <a:spcPts val="0"/>
+              </a:spcBef>
+              <a:spcAft>
+                <a:spcPts val="0"/>
+              </a:spcAft>
+              <a:buClrTx/>
+              <a:buSzTx/>
+              <a:buFont typeface="Arial" panose="020B0604020202020204" pitchFamily="34" charset="0"/>
+              <a:buChar char="•"/>
+              <a:tabLst/>
+              <a:defRPr/>
+            </a:pPr>
+            <a:r>
+              <a:rPr kumimoji="0" lang="en-ZA" sz="1800" b="0" i="0" u="none" strike="noStrike" kern="1200" cap="none" spc="0" normalizeH="0" baseline="0" noProof="0" dirty="0">
+                <a:ln>
+                  <a:noFill/>
+                </a:ln>
+                <a:solidFill>
+                  <a:prstClr val="white"/>
+                </a:solidFill>
+                <a:effectLst/>
+                <a:uLnTx/>
+                <a:uFillTx/>
+                <a:latin typeface="Montserrat"/>
+                <a:ea typeface="+mn-ea"/>
+                <a:cs typeface="+mn-cs"/>
+              </a:rPr>
+              <a:t>Component based architecture</a:t>
+            </a:r>
+          </a:p>
+          <a:p>
+            <a:pPr marL="742950" marR="0" lvl="1" indent="-285750" algn="l" defTabSz="914400" rtl="0" eaLnBrk="1" fontAlgn="auto" latinLnBrk="0" hangingPunct="1">
+              <a:lnSpc>
+                <a:spcPct val="100000"/>
+              </a:lnSpc>
+              <a:spcBef>
+                <a:spcPts val="0"/>
+              </a:spcBef>
+              <a:spcAft>
+                <a:spcPts val="0"/>
+              </a:spcAft>
+              <a:buClrTx/>
+              <a:buSzTx/>
+              <a:buFont typeface="Arial" panose="020B0604020202020204" pitchFamily="34" charset="0"/>
+              <a:buChar char="•"/>
+              <a:tabLst/>
+              <a:defRPr/>
+            </a:pPr>
+            <a:r>
+              <a:rPr kumimoji="0" lang="en-ZA" sz="1800" b="0" i="0" u="none" strike="noStrike" kern="1200" cap="none" spc="0" normalizeH="0" baseline="0" noProof="0" dirty="0">
+                <a:ln>
+                  <a:noFill/>
+                </a:ln>
+                <a:solidFill>
+                  <a:prstClr val="white"/>
+                </a:solidFill>
+                <a:effectLst/>
+                <a:uLnTx/>
+                <a:uFillTx/>
+                <a:latin typeface="Montserrat"/>
+                <a:ea typeface="+mn-ea"/>
+                <a:cs typeface="+mn-cs"/>
+              </a:rPr>
+              <a:t>Thorough unit tests and code coverage </a:t>
+            </a:r>
+          </a:p>
+          <a:p>
+            <a:pPr marL="742950" marR="0" lvl="1" indent="-285750" algn="l" defTabSz="914400" rtl="0" eaLnBrk="1" fontAlgn="auto" latinLnBrk="0" hangingPunct="1">
+              <a:lnSpc>
+                <a:spcPct val="100000"/>
+              </a:lnSpc>
+              <a:spcBef>
+                <a:spcPts val="0"/>
+              </a:spcBef>
+              <a:spcAft>
+                <a:spcPts val="0"/>
+              </a:spcAft>
+              <a:buClrTx/>
+              <a:buSzTx/>
+              <a:buFont typeface="Arial" panose="020B0604020202020204" pitchFamily="34" charset="0"/>
+              <a:buChar char="•"/>
+              <a:tabLst/>
+              <a:defRPr/>
+            </a:pPr>
+            <a:r>
+              <a:rPr kumimoji="0" lang="en-ZA" sz="1800" b="0" i="0" u="none" strike="noStrike" kern="1200" cap="none" spc="0" normalizeH="0" baseline="0" noProof="0" dirty="0">
+                <a:ln>
+                  <a:noFill/>
+                </a:ln>
+                <a:solidFill>
+                  <a:prstClr val="white"/>
+                </a:solidFill>
+                <a:effectLst/>
+                <a:uLnTx/>
+                <a:uFillTx/>
+                <a:latin typeface="Montserrat"/>
+                <a:ea typeface="+mn-ea"/>
+                <a:cs typeface="+mn-cs"/>
+              </a:rPr>
+              <a:t>Uniform variable naming conventions</a:t>
+            </a:r>
+          </a:p>
+          <a:p>
+            <a:pPr marL="742950" marR="0" lvl="1" indent="-285750" algn="l" defTabSz="914400" rtl="0" eaLnBrk="1" fontAlgn="auto" latinLnBrk="0" hangingPunct="1">
+              <a:lnSpc>
+                <a:spcPct val="100000"/>
+              </a:lnSpc>
+              <a:spcBef>
+                <a:spcPts val="0"/>
+              </a:spcBef>
+              <a:spcAft>
+                <a:spcPts val="0"/>
+              </a:spcAft>
+              <a:buClrTx/>
+              <a:buSzTx/>
+              <a:buFont typeface="Arial" panose="020B0604020202020204" pitchFamily="34" charset="0"/>
+              <a:buChar char="•"/>
+              <a:tabLst/>
+              <a:defRPr/>
+            </a:pPr>
+            <a:endParaRPr kumimoji="0" lang="en-ZA" sz="1800" b="0" i="0" u="none" strike="noStrike" kern="1200" cap="none" spc="0" normalizeH="0" baseline="0" noProof="0" dirty="0">
+              <a:ln>
+                <a:noFill/>
+              </a:ln>
+              <a:solidFill>
+                <a:prstClr val="white"/>
+              </a:solidFill>
+              <a:effectLst/>
+              <a:uLnTx/>
+              <a:uFillTx/>
+              <a:latin typeface="Montserrat"/>
+              <a:ea typeface="+mn-ea"/>
+              <a:cs typeface="+mn-cs"/>
+            </a:endParaRPr>
+          </a:p>
+          <a:p>
+            <a:pPr marL="285750" marR="0" lvl="0" indent="-285750" algn="l" defTabSz="914400" rtl="0" eaLnBrk="1" fontAlgn="auto" latinLnBrk="0" hangingPunct="1">
+              <a:lnSpc>
+                <a:spcPct val="100000"/>
+              </a:lnSpc>
+              <a:spcBef>
+                <a:spcPts val="0"/>
+              </a:spcBef>
+              <a:spcAft>
+                <a:spcPts val="0"/>
+              </a:spcAft>
+              <a:buClrTx/>
+              <a:buSzTx/>
+              <a:buFont typeface="Wingdings" panose="05000000000000000000" pitchFamily="2" charset="2"/>
+              <a:buChar char="Ø"/>
+              <a:tabLst/>
+              <a:defRPr/>
+            </a:pPr>
+            <a:r>
+              <a:rPr kumimoji="0" lang="en-ZA" sz="1800" b="0" i="0" u="none" strike="noStrike" kern="1200" cap="none" spc="0" normalizeH="0" baseline="0" noProof="0" dirty="0">
+                <a:ln>
+                  <a:noFill/>
+                </a:ln>
+                <a:solidFill>
+                  <a:prstClr val="white"/>
+                </a:solidFill>
+                <a:effectLst/>
+                <a:uLnTx/>
+                <a:uFillTx/>
+                <a:latin typeface="Montserrat"/>
+                <a:ea typeface="+mn-ea"/>
+                <a:cs typeface="+mn-cs"/>
+              </a:rPr>
+              <a:t>Useability</a:t>
+            </a:r>
+          </a:p>
+          <a:p>
+            <a:pPr marL="742950" marR="0" lvl="1" indent="-285750" algn="l" defTabSz="914400" rtl="0" eaLnBrk="1" fontAlgn="auto" latinLnBrk="0" hangingPunct="1">
+              <a:lnSpc>
+                <a:spcPct val="100000"/>
+              </a:lnSpc>
+              <a:spcBef>
+                <a:spcPts val="0"/>
+              </a:spcBef>
+              <a:spcAft>
+                <a:spcPts val="0"/>
+              </a:spcAft>
+              <a:buClrTx/>
+              <a:buSzTx/>
+              <a:buFont typeface="Arial" panose="020B0604020202020204" pitchFamily="34" charset="0"/>
+              <a:buChar char="•"/>
+              <a:tabLst/>
+              <a:defRPr/>
+            </a:pPr>
+            <a:r>
+              <a:rPr kumimoji="0" lang="en-ZA" sz="1800" b="0" i="0" u="none" strike="noStrike" kern="1200" cap="none" spc="0" normalizeH="0" baseline="0" noProof="0" dirty="0">
+                <a:ln>
+                  <a:noFill/>
+                </a:ln>
+                <a:solidFill>
+                  <a:prstClr val="white"/>
+                </a:solidFill>
+                <a:effectLst/>
+                <a:uLnTx/>
+                <a:uFillTx/>
+                <a:latin typeface="Montserrat"/>
+                <a:ea typeface="+mn-ea"/>
+                <a:cs typeface="+mn-cs"/>
+              </a:rPr>
+              <a:t>Feedback from </a:t>
+            </a:r>
+            <a:r>
+              <a:rPr lang="en-ZA" dirty="0">
+                <a:solidFill>
+                  <a:prstClr val="white"/>
+                </a:solidFill>
+                <a:latin typeface="Montserrat"/>
+              </a:rPr>
+              <a:t>Clients</a:t>
+            </a:r>
+            <a:endParaRPr kumimoji="0" lang="en-ZA" sz="1800" b="0" i="0" u="none" strike="noStrike" kern="1200" cap="none" spc="0" normalizeH="0" baseline="0" noProof="0" dirty="0">
+              <a:ln>
+                <a:noFill/>
+              </a:ln>
+              <a:solidFill>
+                <a:prstClr val="white"/>
+              </a:solidFill>
+              <a:effectLst/>
+              <a:uLnTx/>
+              <a:uFillTx/>
+              <a:latin typeface="Montserrat"/>
+              <a:ea typeface="+mn-ea"/>
+              <a:cs typeface="+mn-cs"/>
+            </a:endParaRPr>
+          </a:p>
+          <a:p>
+            <a:pPr marL="742950" marR="0" lvl="1" indent="-285750" algn="l" defTabSz="914400" rtl="0" eaLnBrk="1" fontAlgn="auto" latinLnBrk="0" hangingPunct="1">
+              <a:lnSpc>
+                <a:spcPct val="100000"/>
+              </a:lnSpc>
+              <a:spcBef>
+                <a:spcPts val="0"/>
+              </a:spcBef>
+              <a:spcAft>
+                <a:spcPts val="0"/>
+              </a:spcAft>
+              <a:buClrTx/>
+              <a:buSzTx/>
+              <a:buFont typeface="Arial" panose="020B0604020202020204" pitchFamily="34" charset="0"/>
+              <a:buChar char="•"/>
+              <a:tabLst/>
+              <a:defRPr/>
+            </a:pPr>
+            <a:r>
+              <a:rPr kumimoji="0" lang="en-ZA" sz="1800" b="0" i="0" u="none" strike="noStrike" kern="1200" cap="none" spc="0" normalizeH="0" baseline="0" noProof="0" dirty="0">
+                <a:ln>
+                  <a:noFill/>
+                </a:ln>
+                <a:solidFill>
+                  <a:prstClr val="white"/>
+                </a:solidFill>
+                <a:effectLst/>
+                <a:uLnTx/>
+                <a:uFillTx/>
+                <a:latin typeface="Montserrat"/>
+                <a:ea typeface="+mn-ea"/>
+                <a:cs typeface="+mn-cs"/>
+              </a:rPr>
+              <a:t>Feedback from useability tests carried out on peers</a:t>
+            </a:r>
+          </a:p>
+          <a:p>
+            <a:pPr marR="0" lvl="0" algn="l" defTabSz="914400" rtl="0" eaLnBrk="1" fontAlgn="auto" latinLnBrk="0" hangingPunct="1">
+              <a:lnSpc>
+                <a:spcPct val="100000"/>
+              </a:lnSpc>
+              <a:spcBef>
+                <a:spcPts val="0"/>
+              </a:spcBef>
+              <a:spcAft>
+                <a:spcPts val="0"/>
+              </a:spcAft>
+              <a:buClrTx/>
+              <a:buSzTx/>
+              <a:tabLst/>
+              <a:defRPr/>
+            </a:pPr>
+            <a:endParaRPr kumimoji="0" lang="en-ZA" sz="1800" b="0" i="0" u="none" strike="noStrike" kern="1200" cap="none" spc="0" normalizeH="0" baseline="0" noProof="0" dirty="0">
+              <a:ln>
+                <a:noFill/>
+              </a:ln>
+              <a:solidFill>
+                <a:prstClr val="white"/>
+              </a:solidFill>
+              <a:effectLst/>
+              <a:uLnTx/>
+              <a:uFillTx/>
+              <a:latin typeface="Montserrat"/>
+              <a:ea typeface="+mn-ea"/>
+              <a:cs typeface="+mn-cs"/>
+            </a:endParaRPr>
+          </a:p>
+        </p:txBody>
+      </p:sp>
+    </p:spTree>
+    <p:extLst>
+      <p:ext uri="{BB962C8B-B14F-4D97-AF65-F5344CB8AC3E}">
+        <p14:creationId xmlns:p14="http://schemas.microsoft.com/office/powerpoint/2010/main" val="2132177623"/>
+      </p:ext>
+    </p:extLst>
+  </p:cSld>
+  <p:clrMapOvr>
+    <a:masterClrMapping/>
+  </p:clrMapOvr>
+</p:sld>
+</file>
+
+<file path=ppt/slides/slide12.xml><?xml version="1.0" encoding="utf-8"?>
+<p:sld xmlns:a="http://schemas.openxmlformats.org/drawingml/2006/main" xmlns:r="http://schemas.openxmlformats.org/officeDocument/2006/relationships" xmlns:p="http://schemas.openxmlformats.org/presentationml/2006/main">
+  <p:cSld>
+    <p:bg>
+      <p:bgPr>
+        <a:solidFill>
+          <a:srgbClr val="DE283B"/>
+        </a:solidFill>
+        <a:effectLst/>
+      </p:bgPr>
+    </p:bg>
+    <p:spTree>
+      <p:nvGrpSpPr>
+        <p:cNvPr id="1" name=""/>
+        <p:cNvGrpSpPr/>
+        <p:nvPr/>
+      </p:nvGrpSpPr>
+      <p:grpSpPr>
+        <a:xfrm>
+          <a:off x="0" y="0"/>
+          <a:ext cx="0" cy="0"/>
+          <a:chOff x="0" y="0"/>
+          <a:chExt cx="0" cy="0"/>
+        </a:xfrm>
+      </p:grpSpPr>
+      <p:sp>
+        <p:nvSpPr>
           <p:cNvPr id="5" name="Oval 4">
             <a:extLst>
               <a:ext uri="{FF2B5EF4-FFF2-40B4-BE49-F238E27FC236}">
@@ -6336,7 +9537,7 @@
 </p:sld>
 </file>
 
-<file path=ppt/slides/slide11.xml><?xml version="1.0" encoding="utf-8"?>
+<file path=ppt/slides/slide13.xml><?xml version="1.0" encoding="utf-8"?>
 <p:sld xmlns:a="http://schemas.openxmlformats.org/drawingml/2006/main" xmlns:r="http://schemas.openxmlformats.org/officeDocument/2006/relationships" xmlns:p="http://schemas.openxmlformats.org/presentationml/2006/main">
   <p:cSld>
     <p:bg>
@@ -7687,7 +10888,7 @@
 </p:sld>
 </file>
 
-<file path=ppt/slides/slide12.xml><?xml version="1.0" encoding="utf-8"?>
+<file path=ppt/slides/slide14.xml><?xml version="1.0" encoding="utf-8"?>
 <p:sld xmlns:a="http://schemas.openxmlformats.org/drawingml/2006/main" xmlns:r="http://schemas.openxmlformats.org/officeDocument/2006/relationships" xmlns:p="http://schemas.openxmlformats.org/presentationml/2006/main">
   <p:cSld>
     <p:bg>
@@ -8525,7 +11726,7 @@
         <p:spPr>
           <a:xfrm>
             <a:off x="1379220" y="1444692"/>
-            <a:ext cx="9569805" cy="830997"/>
+            <a:ext cx="9569805" cy="338554"/>
           </a:xfrm>
           <a:prstGeom prst="rect">
             <a:avLst/>
@@ -8561,19 +11762,6 @@
               <a:t> :</a:t>
             </a:r>
           </a:p>
-          <a:p>
-            <a:r>
-              <a:rPr lang="en-US" sz="1600" dirty="0">
-                <a:solidFill>
-                  <a:schemeClr val="bg1">
-                    <a:lumMod val="95000"/>
-                  </a:schemeClr>
-                </a:solidFill>
-                <a:latin typeface="Montserrat" panose="00000500000000000000" pitchFamily="2" charset="0"/>
-              </a:rPr>
-              <a:t>https://docs.google.com/document/d/1FNxalkJyS_z4un1vbU_tbjhc11ChwGCFZWnFwxdHtWs/edit?usp=sharing</a:t>
-            </a:r>
-          </a:p>
         </p:txBody>
       </p:sp>
       <p:sp>
@@ -8646,7 +11834,7 @@
         <p:spPr>
           <a:xfrm>
             <a:off x="1393921" y="2260534"/>
-            <a:ext cx="8528916" cy="830997"/>
+            <a:ext cx="8528916" cy="338554"/>
           </a:xfrm>
           <a:prstGeom prst="rect">
             <a:avLst/>
@@ -8682,19 +11870,6 @@
               <a:t>:</a:t>
             </a:r>
           </a:p>
-          <a:p>
-            <a:r>
-              <a:rPr lang="en-US" sz="1600" dirty="0">
-                <a:solidFill>
-                  <a:schemeClr val="bg1">
-                    <a:lumMod val="95000"/>
-                  </a:schemeClr>
-                </a:solidFill>
-                <a:latin typeface="Montserrat" panose="00000500000000000000" pitchFamily="2" charset="0"/>
-              </a:rPr>
-              <a:t>https://docs.google.com/document/d/1O9nSyRc4AnpJR6OemmWQ-xqq8WpFlOEMMwof24FtcZM/edit?usp=sharing</a:t>
-            </a:r>
-          </a:p>
         </p:txBody>
       </p:sp>
       <p:sp>
@@ -8712,7 +11887,7 @@
         <p:spPr>
           <a:xfrm>
             <a:off x="1397482" y="3096313"/>
-            <a:ext cx="9701085" cy="830997"/>
+            <a:ext cx="9701085" cy="338554"/>
           </a:xfrm>
           <a:prstGeom prst="rect">
             <a:avLst/>
@@ -8748,19 +11923,6 @@
               <a:t>:</a:t>
             </a:r>
           </a:p>
-          <a:p>
-            <a:r>
-              <a:rPr lang="en-US" sz="1600" dirty="0">
-                <a:solidFill>
-                  <a:schemeClr val="bg1">
-                    <a:lumMod val="95000"/>
-                  </a:schemeClr>
-                </a:solidFill>
-                <a:latin typeface="Montserrat" panose="00000500000000000000" pitchFamily="2" charset="0"/>
-              </a:rPr>
-              <a:t>https://docs.google.com/document/d/1HCZ-ZI3okxzFpxuS3s0umlZHWfhlxg080Cy9BSRCgUw/edit?usp=sharing</a:t>
-            </a:r>
-          </a:p>
         </p:txBody>
       </p:sp>
       <p:sp>
@@ -8777,8 +11939,8 @@
         </p:nvSpPr>
         <p:spPr>
           <a:xfrm>
-            <a:off x="1413844" y="5015682"/>
-            <a:ext cx="8528916" cy="830997"/>
+            <a:off x="1413844" y="4913701"/>
+            <a:ext cx="8528916" cy="338554"/>
           </a:xfrm>
           <a:prstGeom prst="rect">
             <a:avLst/>
@@ -8814,19 +11976,6 @@
               <a:t>:</a:t>
             </a:r>
           </a:p>
-          <a:p>
-            <a:r>
-              <a:rPr lang="en-US" sz="1600" dirty="0">
-                <a:solidFill>
-                  <a:schemeClr val="bg1">
-                    <a:lumMod val="95000"/>
-                  </a:schemeClr>
-                </a:solidFill>
-                <a:latin typeface="Montserrat" panose="00000500000000000000" pitchFamily="2" charset="0"/>
-              </a:rPr>
-              <a:t>https://docs.google.com/document/d/1M98t9zF3-RE-5J3o0zxaH6WkYfvV2cTc-NFutRnboNE/edit?usp=sharing</a:t>
-            </a:r>
-          </a:p>
         </p:txBody>
       </p:sp>
       <p:sp>
@@ -8844,7 +11993,7 @@
         <p:spPr>
           <a:xfrm>
             <a:off x="1379220" y="5869314"/>
-            <a:ext cx="8528916" cy="830997"/>
+            <a:ext cx="8528916" cy="338554"/>
           </a:xfrm>
           <a:prstGeom prst="rect">
             <a:avLst/>
@@ -8878,19 +12027,6 @@
                 <a:latin typeface="Montserrat" panose="00000500000000000000" pitchFamily="2" charset="0"/>
               </a:rPr>
               <a:t>:</a:t>
-            </a:r>
-          </a:p>
-          <a:p>
-            <a:r>
-              <a:rPr lang="en-US" sz="1600" dirty="0">
-                <a:solidFill>
-                  <a:schemeClr val="bg1">
-                    <a:lumMod val="95000"/>
-                  </a:schemeClr>
-                </a:solidFill>
-                <a:latin typeface="Montserrat" panose="00000500000000000000" pitchFamily="2" charset="0"/>
-              </a:rPr>
-              <a:t>https://docs.google.com/document/d/1CRYnwFSLjK_rSGJzP4HW0iUqKhk1xZOkSWiUSG46h-8/edit?usp=sharing</a:t>
             </a:r>
           </a:p>
         </p:txBody>
@@ -16199,8 +19335,8 @@
         </p:nvSpPr>
         <p:spPr>
           <a:xfrm>
-            <a:off x="2476240" y="61969"/>
-            <a:ext cx="7239519" cy="584775"/>
+            <a:off x="8000434" y="335513"/>
+            <a:ext cx="4196935" cy="584775"/>
           </a:xfrm>
           <a:prstGeom prst="rect">
             <a:avLst/>
@@ -16249,8 +19385,8 @@
         </p:nvSpPr>
         <p:spPr>
           <a:xfrm>
-            <a:off x="8248084" y="2571001"/>
-            <a:ext cx="4196935" cy="2031325"/>
+            <a:off x="8320510" y="2410596"/>
+            <a:ext cx="4196935" cy="2062103"/>
           </a:xfrm>
           <a:prstGeom prst="rect">
             <a:avLst/>
@@ -16264,7 +19400,7 @@
           <a:lstStyle/>
           <a:p>
             <a:r>
-              <a:rPr lang="en-ZA" dirty="0">
+              <a:rPr lang="en-ZA" sz="2000" dirty="0">
                 <a:solidFill>
                   <a:schemeClr val="bg1"/>
                 </a:solidFill>
@@ -16355,10 +19491,10 @@
       </p:sp>
       <p:pic>
         <p:nvPicPr>
-          <p:cNvPr id="12" name="Picture 11" descr="A diagram of a company&#10;&#10;Description automatically generated">
-            <a:extLst>
-              <a:ext uri="{FF2B5EF4-FFF2-40B4-BE49-F238E27FC236}">
-                <a16:creationId xmlns:a16="http://schemas.microsoft.com/office/drawing/2014/main" id="{58021D2F-AB2D-5F15-ACD6-FEE1E11D6A32}"/>
+          <p:cNvPr id="6" name="Picture 5" descr="A diagram of a computer system&#10;&#10;Description automatically generated with medium confidence">
+            <a:extLst>
+              <a:ext uri="{FF2B5EF4-FFF2-40B4-BE49-F238E27FC236}">
+                <a16:creationId xmlns:a16="http://schemas.microsoft.com/office/drawing/2014/main" id="{90FC5FC3-8EF7-16AC-6953-0B20F2BA4A84}"/>
               </a:ext>
             </a:extLst>
           </p:cNvPr>
@@ -16381,20 +19517,23 @@
         </p:blipFill>
         <p:spPr>
           <a:xfrm>
-            <a:off x="295581" y="4439792"/>
-            <a:ext cx="7704853" cy="2367515"/>
+            <a:off x="363675" y="57448"/>
+            <a:ext cx="7527113" cy="3724743"/>
           </a:xfrm>
           <a:prstGeom prst="rect">
             <a:avLst/>
           </a:prstGeom>
+          <a:ln>
+            <a:noFill/>
+          </a:ln>
         </p:spPr>
       </p:pic>
       <p:pic>
         <p:nvPicPr>
-          <p:cNvPr id="6" name="Picture 5" descr="A diagram of a computer system&#10;&#10;Description automatically generated with medium confidence">
-            <a:extLst>
-              <a:ext uri="{FF2B5EF4-FFF2-40B4-BE49-F238E27FC236}">
-                <a16:creationId xmlns:a16="http://schemas.microsoft.com/office/drawing/2014/main" id="{90FC5FC3-8EF7-16AC-6953-0B20F2BA4A84}"/>
+          <p:cNvPr id="4" name="Picture 3" descr="A computer screen shot of a diagram&#10;&#10;Description automatically generated">
+            <a:extLst>
+              <a:ext uri="{FF2B5EF4-FFF2-40B4-BE49-F238E27FC236}">
+                <a16:creationId xmlns:a16="http://schemas.microsoft.com/office/drawing/2014/main" id="{C6B7AB75-C10B-BBCB-4235-A74E99C363A3}"/>
               </a:ext>
             </a:extLst>
           </p:cNvPr>
@@ -16417,8 +19556,8 @@
         </p:blipFill>
         <p:spPr>
           <a:xfrm>
-            <a:off x="295581" y="605743"/>
-            <a:ext cx="7704000" cy="3812274"/>
+            <a:off x="1193687" y="3894234"/>
+            <a:ext cx="5500460" cy="2906318"/>
           </a:xfrm>
           <a:prstGeom prst="rect">
             <a:avLst/>
@@ -16441,8 +19580,8 @@
         </p:nvCxnSpPr>
         <p:spPr>
           <a:xfrm>
-            <a:off x="5395913" y="3718560"/>
-            <a:ext cx="0" cy="884029"/>
+            <a:off x="5531822" y="3158490"/>
+            <a:ext cx="0" cy="1184910"/>
           </a:xfrm>
           <a:prstGeom prst="straightConnector1">
             <a:avLst/>
@@ -16469,6 +19608,116 @@
           </a:fontRef>
         </p:style>
       </p:cxnSp>
+      <p:sp>
+        <p:nvSpPr>
+          <p:cNvPr id="9" name="Oval 8">
+            <a:extLst>
+              <a:ext uri="{FF2B5EF4-FFF2-40B4-BE49-F238E27FC236}">
+                <a16:creationId xmlns:a16="http://schemas.microsoft.com/office/drawing/2014/main" id="{9A3877EE-3A3F-A9DA-C007-DFC83C4FE4FD}"/>
+              </a:ext>
+            </a:extLst>
+          </p:cNvPr>
+          <p:cNvSpPr/>
+          <p:nvPr/>
+        </p:nvSpPr>
+        <p:spPr>
+          <a:xfrm>
+            <a:off x="8320510" y="5151794"/>
+            <a:ext cx="262560" cy="262560"/>
+          </a:xfrm>
+          <a:prstGeom prst="ellipse">
+            <a:avLst/>
+          </a:prstGeom>
+          <a:solidFill>
+            <a:schemeClr val="bg1"/>
+          </a:solidFill>
+          <a:ln>
+            <a:noFill/>
+          </a:ln>
+        </p:spPr>
+        <p:style>
+          <a:lnRef idx="2">
+            <a:schemeClr val="accent1">
+              <a:shade val="50000"/>
+            </a:schemeClr>
+          </a:lnRef>
+          <a:fillRef idx="1">
+            <a:schemeClr val="accent1"/>
+          </a:fillRef>
+          <a:effectRef idx="0">
+            <a:schemeClr val="accent1"/>
+          </a:effectRef>
+          <a:fontRef idx="minor">
+            <a:schemeClr val="lt1"/>
+          </a:fontRef>
+        </p:style>
+        <p:txBody>
+          <a:bodyPr rtlCol="0" anchor="ctr"/>
+          <a:lstStyle/>
+          <a:p>
+            <a:pPr algn="ctr"/>
+            <a:endParaRPr lang="en-US" dirty="0">
+              <a:latin typeface="+mj-lt"/>
+            </a:endParaRPr>
+          </a:p>
+        </p:txBody>
+      </p:sp>
+      <p:sp>
+        <p:nvSpPr>
+          <p:cNvPr id="14" name="Oval 13">
+            <a:extLst>
+              <a:ext uri="{FF2B5EF4-FFF2-40B4-BE49-F238E27FC236}">
+                <a16:creationId xmlns:a16="http://schemas.microsoft.com/office/drawing/2014/main" id="{E2E579AF-5246-AFD5-B460-FA414C38FA39}"/>
+              </a:ext>
+            </a:extLst>
+          </p:cNvPr>
+          <p:cNvSpPr/>
+          <p:nvPr/>
+        </p:nvSpPr>
+        <p:spPr>
+          <a:xfrm>
+            <a:off x="9373101" y="1410323"/>
+            <a:ext cx="265421" cy="222534"/>
+          </a:xfrm>
+          <a:prstGeom prst="ellipse">
+            <a:avLst/>
+          </a:prstGeom>
+          <a:solidFill>
+            <a:schemeClr val="bg2">
+              <a:lumMod val="25000"/>
+            </a:schemeClr>
+          </a:solidFill>
+          <a:ln>
+            <a:noFill/>
+          </a:ln>
+        </p:spPr>
+        <p:style>
+          <a:lnRef idx="2">
+            <a:schemeClr val="accent1">
+              <a:shade val="50000"/>
+            </a:schemeClr>
+          </a:lnRef>
+          <a:fillRef idx="1">
+            <a:schemeClr val="accent1"/>
+          </a:fillRef>
+          <a:effectRef idx="0">
+            <a:schemeClr val="accent1"/>
+          </a:effectRef>
+          <a:fontRef idx="minor">
+            <a:schemeClr val="lt1"/>
+          </a:fontRef>
+        </p:style>
+        <p:txBody>
+          <a:bodyPr rtlCol="0" anchor="ctr"/>
+          <a:lstStyle/>
+          <a:p>
+            <a:pPr algn="ctr"/>
+            <a:endParaRPr lang="en-US" dirty="0">
+              <a:latin typeface="+mj-lt"/>
+            </a:endParaRPr>
+          </a:p>
+        </p:txBody>
+      </p:sp>
     </p:spTree>
     <p:extLst>
       <p:ext uri="{BB962C8B-B14F-4D97-AF65-F5344CB8AC3E}">
@@ -17785,7 +21034,7 @@
         </p:nvSpPr>
         <p:spPr>
           <a:xfrm>
-            <a:off x="1607687" y="1773236"/>
+            <a:off x="1751408" y="1670162"/>
             <a:ext cx="9730549" cy="3970318"/>
           </a:xfrm>
           <a:prstGeom prst="rect">
@@ -20528,7 +23777,7 @@
         </p:nvSpPr>
         <p:spPr>
           <a:xfrm>
-            <a:off x="2164044" y="131279"/>
+            <a:off x="2164044" y="355"/>
             <a:ext cx="8126062" cy="830997"/>
           </a:xfrm>
           <a:prstGeom prst="rect">
@@ -20720,6 +23969,42 @@
           </a:prstGeom>
         </p:spPr>
       </p:pic>
+      <p:pic>
+        <p:nvPicPr>
+          <p:cNvPr id="17" name="Picture 16" descr="A screenshot of a computer diagram&#10;&#10;Description automatically generated">
+            <a:extLst>
+              <a:ext uri="{FF2B5EF4-FFF2-40B4-BE49-F238E27FC236}">
+                <a16:creationId xmlns:a16="http://schemas.microsoft.com/office/drawing/2014/main" id="{08404BB3-34F0-7EA1-2D5B-417FC90BAB67}"/>
+              </a:ext>
+            </a:extLst>
+          </p:cNvPr>
+          <p:cNvPicPr>
+            <a:picLocks noChangeAspect="1"/>
+          </p:cNvPicPr>
+          <p:nvPr/>
+        </p:nvPicPr>
+        <p:blipFill>
+          <a:blip r:embed="rId4">
+            <a:extLst>
+              <a:ext uri="{28A0092B-C50C-407E-A947-70E740481C1C}">
+                <a14:useLocalDpi xmlns:a14="http://schemas.microsoft.com/office/drawing/2010/main" val="0"/>
+              </a:ext>
+            </a:extLst>
+          </a:blip>
+          <a:stretch>
+            <a:fillRect/>
+          </a:stretch>
+        </p:blipFill>
+        <p:spPr>
+          <a:xfrm>
+            <a:off x="3258225" y="877563"/>
+            <a:ext cx="5381922" cy="5788187"/>
+          </a:xfrm>
+          <a:prstGeom prst="rect">
+            <a:avLst/>
+          </a:prstGeom>
+        </p:spPr>
+      </p:pic>
     </p:spTree>
     <p:extLst>
       <p:ext uri="{BB962C8B-B14F-4D97-AF65-F5344CB8AC3E}">
@@ -21964,7 +25249,7 @@
         <p:spPr>
           <a:xfrm>
             <a:off x="2164044" y="1131102"/>
-            <a:ext cx="6702476" cy="923330"/>
+            <a:ext cx="7040710" cy="923330"/>
           </a:xfrm>
           <a:prstGeom prst="rect">
             <a:avLst/>
@@ -21996,13 +25281,20 @@
               <a:buChar char="•"/>
             </a:pPr>
             <a:r>
-              <a:rPr lang="en-ZA" dirty="0">
+              <a:rPr lang="en-GB" sz="1800" b="0" i="0" u="none" strike="noStrike" dirty="0">
                 <a:solidFill>
                   <a:schemeClr val="bg1"/>
                 </a:solidFill>
+                <a:effectLst/>
+                <a:latin typeface="Arial" panose="020B0604020202020204" pitchFamily="34" charset="0"/>
               </a:rPr>
-              <a:t>Say something about performance</a:t>
+              <a:t>Used lighthouse performance testing from google</a:t>
             </a:r>
+            <a:endParaRPr lang="en-ZA" dirty="0">
+              <a:solidFill>
+                <a:schemeClr val="bg1"/>
+              </a:solidFill>
+            </a:endParaRPr>
           </a:p>
           <a:p>
             <a:pPr marL="742950" lvl="1" indent="-285750">
@@ -22015,7 +25307,7 @@
                   <a:schemeClr val="bg1"/>
                 </a:solidFill>
               </a:rPr>
-              <a:t>Uptime measured using uptime robot, over 99.9%</a:t>
+              <a:t>Uptime measured using uptime robot, well over 99%</a:t>
             </a:r>
           </a:p>
         </p:txBody>
@@ -22047,8 +25339,8 @@
         </p:blipFill>
         <p:spPr bwMode="auto">
           <a:xfrm>
-            <a:off x="130410" y="2465120"/>
-            <a:ext cx="7460920" cy="3400856"/>
+            <a:off x="1925403" y="2439153"/>
+            <a:ext cx="8485034" cy="3867670"/>
           </a:xfrm>
           <a:prstGeom prst="rect">
             <a:avLst/>
@@ -23182,7 +26474,7 @@
         </p:nvSpPr>
         <p:spPr>
           <a:xfrm>
-            <a:off x="2164044" y="131279"/>
+            <a:off x="2164044" y="218746"/>
             <a:ext cx="8126062" cy="830997"/>
           </a:xfrm>
           <a:prstGeom prst="rect">
@@ -23217,9 +26509,9 @@
               <a:rPr kumimoji="0" lang="en-US" sz="4800" b="1" i="0" u="none" strike="noStrike" kern="1200" cap="none" spc="0" normalizeH="0" baseline="0" noProof="0" dirty="0">
                 <a:ln>
                   <a:solidFill>
-                    <a:schemeClr val="bg2">
+                    <a:srgbClr val="E7E6E6">
                       <a:lumMod val="50000"/>
-                    </a:schemeClr>
+                    </a:srgbClr>
                   </a:solidFill>
                 </a:ln>
                 <a:solidFill>
@@ -23313,8 +26605,8 @@
         </p:nvSpPr>
         <p:spPr>
           <a:xfrm>
-            <a:off x="2164044" y="1428807"/>
-            <a:ext cx="7040710" cy="4247317"/>
+            <a:off x="2164044" y="1131102"/>
+            <a:ext cx="7040710" cy="923330"/>
           </a:xfrm>
           <a:prstGeom prst="rect">
             <a:avLst/>
@@ -23359,7 +26651,36 @@
                 <a:ea typeface="+mn-ea"/>
                 <a:cs typeface="+mn-cs"/>
               </a:rPr>
-              <a:t>Security</a:t>
+              <a:t>Performance and Availability</a:t>
+            </a:r>
+          </a:p>
+          <a:p>
+            <a:pPr marL="742950" marR="0" lvl="1" indent="-285750" algn="l" defTabSz="914400" rtl="0" eaLnBrk="1" fontAlgn="auto" latinLnBrk="0" hangingPunct="1">
+              <a:lnSpc>
+                <a:spcPct val="100000"/>
+              </a:lnSpc>
+              <a:spcBef>
+                <a:spcPts val="0"/>
+              </a:spcBef>
+              <a:spcAft>
+                <a:spcPts val="0"/>
+              </a:spcAft>
+              <a:buClrTx/>
+              <a:buSzTx/>
+              <a:buFont typeface="Arial" panose="020B0604020202020204" pitchFamily="34" charset="0"/>
+              <a:buChar char="•"/>
+              <a:tabLst/>
+              <a:defRPr/>
+            </a:pPr>
+            <a:r>
+              <a:rPr lang="en-GB" sz="1800" b="0" i="0" u="none" strike="noStrike" dirty="0">
+                <a:solidFill>
+                  <a:schemeClr val="bg1"/>
+                </a:solidFill>
+                <a:effectLst/>
+                <a:latin typeface="Arial" panose="020B0604020202020204" pitchFamily="34" charset="0"/>
+              </a:rPr>
+              <a:t>Used lighthouse performance testing from google</a:t>
             </a:r>
           </a:p>
           <a:p>
@@ -23395,544 +26716,86 @@
                 <a:ea typeface="+mn-ea"/>
                 <a:cs typeface="+mn-cs"/>
               </a:rPr>
-              <a:t>Encryption in transit (HTTPS) and at rest</a:t>
+              <a:t>Uptime measured using uptime robot, well over 99%</a:t>
             </a:r>
-          </a:p>
-          <a:p>
-            <a:pPr marL="742950" marR="0" lvl="1" indent="-285750" algn="l" defTabSz="914400" rtl="0" eaLnBrk="1" fontAlgn="auto" latinLnBrk="0" hangingPunct="1">
-              <a:lnSpc>
-                <a:spcPct val="100000"/>
-              </a:lnSpc>
-              <a:spcBef>
-                <a:spcPts val="0"/>
-              </a:spcBef>
-              <a:spcAft>
-                <a:spcPts val="0"/>
-              </a:spcAft>
-              <a:buClrTx/>
-              <a:buSzTx/>
-              <a:buFont typeface="Arial" panose="020B0604020202020204" pitchFamily="34" charset="0"/>
-              <a:buChar char="•"/>
-              <a:tabLst/>
-              <a:defRPr/>
-            </a:pPr>
-            <a:r>
-              <a:rPr kumimoji="0" lang="en-ZA" sz="1800" b="0" i="0" u="none" strike="noStrike" kern="1200" cap="none" spc="0" normalizeH="0" baseline="0" noProof="0" dirty="0">
-                <a:ln>
-                  <a:noFill/>
-                </a:ln>
-                <a:solidFill>
-                  <a:prstClr val="white"/>
-                </a:solidFill>
-                <a:effectLst/>
-                <a:uLnTx/>
-                <a:uFillTx/>
-                <a:latin typeface="Montserrat"/>
-                <a:ea typeface="+mn-ea"/>
-                <a:cs typeface="+mn-cs"/>
-              </a:rPr>
-              <a:t>Role Based Access with protected routes</a:t>
-            </a:r>
-          </a:p>
-          <a:p>
-            <a:pPr marL="742950" marR="0" lvl="1" indent="-285750" algn="l" defTabSz="914400" rtl="0" eaLnBrk="1" fontAlgn="auto" latinLnBrk="0" hangingPunct="1">
-              <a:lnSpc>
-                <a:spcPct val="100000"/>
-              </a:lnSpc>
-              <a:spcBef>
-                <a:spcPts val="0"/>
-              </a:spcBef>
-              <a:spcAft>
-                <a:spcPts val="0"/>
-              </a:spcAft>
-              <a:buClrTx/>
-              <a:buSzTx/>
-              <a:buFont typeface="Arial" panose="020B0604020202020204" pitchFamily="34" charset="0"/>
-              <a:buChar char="•"/>
-              <a:tabLst/>
-              <a:defRPr/>
-            </a:pPr>
-            <a:r>
-              <a:rPr lang="en-ZA" dirty="0">
-                <a:solidFill>
-                  <a:prstClr val="white"/>
-                </a:solidFill>
-                <a:latin typeface="Montserrat"/>
-              </a:rPr>
-              <a:t>Injection and XSS prevention</a:t>
-            </a:r>
-            <a:endParaRPr kumimoji="0" lang="en-ZA" sz="1800" b="0" i="0" u="none" strike="noStrike" kern="1200" cap="none" spc="0" normalizeH="0" baseline="0" noProof="0" dirty="0">
-              <a:ln>
-                <a:noFill/>
-              </a:ln>
-              <a:solidFill>
-                <a:prstClr val="white"/>
-              </a:solidFill>
-              <a:effectLst/>
-              <a:uLnTx/>
-              <a:uFillTx/>
-              <a:latin typeface="Montserrat"/>
-              <a:ea typeface="+mn-ea"/>
-              <a:cs typeface="+mn-cs"/>
-            </a:endParaRPr>
-          </a:p>
-          <a:p>
-            <a:pPr marL="742950" marR="0" lvl="1" indent="-285750" algn="l" defTabSz="914400" rtl="0" eaLnBrk="1" fontAlgn="auto" latinLnBrk="0" hangingPunct="1">
-              <a:lnSpc>
-                <a:spcPct val="100000"/>
-              </a:lnSpc>
-              <a:spcBef>
-                <a:spcPts val="0"/>
-              </a:spcBef>
-              <a:spcAft>
-                <a:spcPts val="0"/>
-              </a:spcAft>
-              <a:buClrTx/>
-              <a:buSzTx/>
-              <a:buFont typeface="Arial" panose="020B0604020202020204" pitchFamily="34" charset="0"/>
-              <a:buChar char="•"/>
-              <a:tabLst/>
-              <a:defRPr/>
-            </a:pPr>
-            <a:r>
-              <a:rPr kumimoji="0" lang="en-ZA" sz="1800" b="0" i="0" u="none" strike="noStrike" kern="1200" cap="none" spc="0" normalizeH="0" baseline="0" noProof="0" dirty="0">
-                <a:ln>
-                  <a:noFill/>
-                </a:ln>
-                <a:solidFill>
-                  <a:prstClr val="white"/>
-                </a:solidFill>
-                <a:effectLst/>
-                <a:uLnTx/>
-                <a:uFillTx/>
-                <a:latin typeface="Montserrat"/>
-                <a:ea typeface="+mn-ea"/>
-                <a:cs typeface="+mn-cs"/>
-              </a:rPr>
-              <a:t>JSON </a:t>
-            </a:r>
-            <a:r>
-              <a:rPr lang="en-ZA" dirty="0">
-                <a:solidFill>
-                  <a:prstClr val="white"/>
-                </a:solidFill>
-                <a:latin typeface="Montserrat"/>
-              </a:rPr>
-              <a:t>W</a:t>
-            </a:r>
-            <a:r>
-              <a:rPr kumimoji="0" lang="en-ZA" sz="1800" b="0" i="0" u="none" strike="noStrike" kern="1200" cap="none" spc="0" normalizeH="0" baseline="0" noProof="0" dirty="0" err="1">
-                <a:ln>
-                  <a:noFill/>
-                </a:ln>
-                <a:solidFill>
-                  <a:prstClr val="white"/>
-                </a:solidFill>
-                <a:effectLst/>
-                <a:uLnTx/>
-                <a:uFillTx/>
-                <a:latin typeface="Montserrat"/>
-                <a:ea typeface="+mn-ea"/>
-                <a:cs typeface="+mn-cs"/>
-              </a:rPr>
-              <a:t>eb</a:t>
-            </a:r>
-            <a:r>
-              <a:rPr kumimoji="0" lang="en-ZA" sz="1800" b="0" i="0" u="none" strike="noStrike" kern="1200" cap="none" spc="0" normalizeH="0" baseline="0" noProof="0" dirty="0">
-                <a:ln>
-                  <a:noFill/>
-                </a:ln>
-                <a:solidFill>
-                  <a:prstClr val="white"/>
-                </a:solidFill>
-                <a:effectLst/>
-                <a:uLnTx/>
-                <a:uFillTx/>
-                <a:latin typeface="Montserrat"/>
-                <a:ea typeface="+mn-ea"/>
-                <a:cs typeface="+mn-cs"/>
-              </a:rPr>
-              <a:t> Tokens </a:t>
-            </a:r>
-          </a:p>
-          <a:p>
-            <a:pPr marL="742950" marR="0" lvl="1" indent="-285750" algn="l" defTabSz="914400" rtl="0" eaLnBrk="1" fontAlgn="auto" latinLnBrk="0" hangingPunct="1">
-              <a:lnSpc>
-                <a:spcPct val="100000"/>
-              </a:lnSpc>
-              <a:spcBef>
-                <a:spcPts val="0"/>
-              </a:spcBef>
-              <a:spcAft>
-                <a:spcPts val="0"/>
-              </a:spcAft>
-              <a:buClrTx/>
-              <a:buSzTx/>
-              <a:buFont typeface="Arial" panose="020B0604020202020204" pitchFamily="34" charset="0"/>
-              <a:buChar char="•"/>
-              <a:tabLst/>
-              <a:defRPr/>
-            </a:pPr>
-            <a:endParaRPr kumimoji="0" lang="en-ZA" sz="1800" b="0" i="0" u="none" strike="noStrike" kern="1200" cap="none" spc="0" normalizeH="0" baseline="0" noProof="0" dirty="0">
-              <a:ln>
-                <a:noFill/>
-              </a:ln>
-              <a:solidFill>
-                <a:prstClr val="white"/>
-              </a:solidFill>
-              <a:effectLst/>
-              <a:uLnTx/>
-              <a:uFillTx/>
-              <a:latin typeface="Montserrat"/>
-              <a:ea typeface="+mn-ea"/>
-              <a:cs typeface="+mn-cs"/>
-            </a:endParaRPr>
-          </a:p>
-          <a:p>
-            <a:pPr marL="285750" marR="0" lvl="0" indent="-285750" algn="l" defTabSz="914400" rtl="0" eaLnBrk="1" fontAlgn="auto" latinLnBrk="0" hangingPunct="1">
-              <a:lnSpc>
-                <a:spcPct val="100000"/>
-              </a:lnSpc>
-              <a:spcBef>
-                <a:spcPts val="0"/>
-              </a:spcBef>
-              <a:spcAft>
-                <a:spcPts val="0"/>
-              </a:spcAft>
-              <a:buClrTx/>
-              <a:buSzTx/>
-              <a:buFont typeface="Wingdings" panose="05000000000000000000" pitchFamily="2" charset="2"/>
-              <a:buChar char="Ø"/>
-              <a:tabLst/>
-              <a:defRPr/>
-            </a:pPr>
-            <a:r>
-              <a:rPr kumimoji="0" lang="en-ZA" sz="1800" b="0" i="0" u="none" strike="noStrike" kern="1200" cap="none" spc="0" normalizeH="0" baseline="0" noProof="0" dirty="0">
-                <a:ln>
-                  <a:noFill/>
-                </a:ln>
-                <a:solidFill>
-                  <a:prstClr val="white"/>
-                </a:solidFill>
-                <a:effectLst/>
-                <a:uLnTx/>
-                <a:uFillTx/>
-                <a:latin typeface="Montserrat"/>
-                <a:ea typeface="+mn-ea"/>
-                <a:cs typeface="+mn-cs"/>
-              </a:rPr>
-              <a:t>Maintainability</a:t>
-            </a:r>
-          </a:p>
-          <a:p>
-            <a:pPr marL="742950" marR="0" lvl="1" indent="-285750" algn="l" defTabSz="914400" rtl="0" eaLnBrk="1" fontAlgn="auto" latinLnBrk="0" hangingPunct="1">
-              <a:lnSpc>
-                <a:spcPct val="100000"/>
-              </a:lnSpc>
-              <a:spcBef>
-                <a:spcPts val="0"/>
-              </a:spcBef>
-              <a:spcAft>
-                <a:spcPts val="0"/>
-              </a:spcAft>
-              <a:buClrTx/>
-              <a:buSzTx/>
-              <a:buFont typeface="Arial" panose="020B0604020202020204" pitchFamily="34" charset="0"/>
-              <a:buChar char="•"/>
-              <a:tabLst/>
-              <a:defRPr/>
-            </a:pPr>
-            <a:r>
-              <a:rPr kumimoji="0" lang="en-ZA" sz="1800" b="0" i="0" u="none" strike="noStrike" kern="1200" cap="none" spc="0" normalizeH="0" baseline="0" noProof="0" dirty="0">
-                <a:ln>
-                  <a:noFill/>
-                </a:ln>
-                <a:solidFill>
-                  <a:prstClr val="white"/>
-                </a:solidFill>
-                <a:effectLst/>
-                <a:uLnTx/>
-                <a:uFillTx/>
-                <a:latin typeface="Montserrat"/>
-                <a:ea typeface="+mn-ea"/>
-                <a:cs typeface="+mn-cs"/>
-              </a:rPr>
-              <a:t>Component based architecture</a:t>
-            </a:r>
-          </a:p>
-          <a:p>
-            <a:pPr marL="742950" marR="0" lvl="1" indent="-285750" algn="l" defTabSz="914400" rtl="0" eaLnBrk="1" fontAlgn="auto" latinLnBrk="0" hangingPunct="1">
-              <a:lnSpc>
-                <a:spcPct val="100000"/>
-              </a:lnSpc>
-              <a:spcBef>
-                <a:spcPts val="0"/>
-              </a:spcBef>
-              <a:spcAft>
-                <a:spcPts val="0"/>
-              </a:spcAft>
-              <a:buClrTx/>
-              <a:buSzTx/>
-              <a:buFont typeface="Arial" panose="020B0604020202020204" pitchFamily="34" charset="0"/>
-              <a:buChar char="•"/>
-              <a:tabLst/>
-              <a:defRPr/>
-            </a:pPr>
-            <a:r>
-              <a:rPr kumimoji="0" lang="en-ZA" sz="1800" b="0" i="0" u="none" strike="noStrike" kern="1200" cap="none" spc="0" normalizeH="0" baseline="0" noProof="0" dirty="0">
-                <a:ln>
-                  <a:noFill/>
-                </a:ln>
-                <a:solidFill>
-                  <a:prstClr val="white"/>
-                </a:solidFill>
-                <a:effectLst/>
-                <a:uLnTx/>
-                <a:uFillTx/>
-                <a:latin typeface="Montserrat"/>
-                <a:ea typeface="+mn-ea"/>
-                <a:cs typeface="+mn-cs"/>
-              </a:rPr>
-              <a:t>Thorough unit tests and code coverage </a:t>
-            </a:r>
-          </a:p>
-          <a:p>
-            <a:pPr marL="742950" marR="0" lvl="1" indent="-285750" algn="l" defTabSz="914400" rtl="0" eaLnBrk="1" fontAlgn="auto" latinLnBrk="0" hangingPunct="1">
-              <a:lnSpc>
-                <a:spcPct val="100000"/>
-              </a:lnSpc>
-              <a:spcBef>
-                <a:spcPts val="0"/>
-              </a:spcBef>
-              <a:spcAft>
-                <a:spcPts val="0"/>
-              </a:spcAft>
-              <a:buClrTx/>
-              <a:buSzTx/>
-              <a:buFont typeface="Arial" panose="020B0604020202020204" pitchFamily="34" charset="0"/>
-              <a:buChar char="•"/>
-              <a:tabLst/>
-              <a:defRPr/>
-            </a:pPr>
-            <a:r>
-              <a:rPr kumimoji="0" lang="en-ZA" sz="1800" b="0" i="0" u="none" strike="noStrike" kern="1200" cap="none" spc="0" normalizeH="0" baseline="0" noProof="0" dirty="0">
-                <a:ln>
-                  <a:noFill/>
-                </a:ln>
-                <a:solidFill>
-                  <a:prstClr val="white"/>
-                </a:solidFill>
-                <a:effectLst/>
-                <a:uLnTx/>
-                <a:uFillTx/>
-                <a:latin typeface="Montserrat"/>
-                <a:ea typeface="+mn-ea"/>
-                <a:cs typeface="+mn-cs"/>
-              </a:rPr>
-              <a:t>Uniform variable naming conventions</a:t>
-            </a:r>
-          </a:p>
-          <a:p>
-            <a:pPr marL="742950" marR="0" lvl="1" indent="-285750" algn="l" defTabSz="914400" rtl="0" eaLnBrk="1" fontAlgn="auto" latinLnBrk="0" hangingPunct="1">
-              <a:lnSpc>
-                <a:spcPct val="100000"/>
-              </a:lnSpc>
-              <a:spcBef>
-                <a:spcPts val="0"/>
-              </a:spcBef>
-              <a:spcAft>
-                <a:spcPts val="0"/>
-              </a:spcAft>
-              <a:buClrTx/>
-              <a:buSzTx/>
-              <a:buFont typeface="Arial" panose="020B0604020202020204" pitchFamily="34" charset="0"/>
-              <a:buChar char="•"/>
-              <a:tabLst/>
-              <a:defRPr/>
-            </a:pPr>
-            <a:endParaRPr kumimoji="0" lang="en-ZA" sz="1800" b="0" i="0" u="none" strike="noStrike" kern="1200" cap="none" spc="0" normalizeH="0" baseline="0" noProof="0" dirty="0">
-              <a:ln>
-                <a:noFill/>
-              </a:ln>
-              <a:solidFill>
-                <a:prstClr val="white"/>
-              </a:solidFill>
-              <a:effectLst/>
-              <a:uLnTx/>
-              <a:uFillTx/>
-              <a:latin typeface="Montserrat"/>
-              <a:ea typeface="+mn-ea"/>
-              <a:cs typeface="+mn-cs"/>
-            </a:endParaRPr>
-          </a:p>
-          <a:p>
-            <a:pPr marL="285750" marR="0" lvl="0" indent="-285750" algn="l" defTabSz="914400" rtl="0" eaLnBrk="1" fontAlgn="auto" latinLnBrk="0" hangingPunct="1">
-              <a:lnSpc>
-                <a:spcPct val="100000"/>
-              </a:lnSpc>
-              <a:spcBef>
-                <a:spcPts val="0"/>
-              </a:spcBef>
-              <a:spcAft>
-                <a:spcPts val="0"/>
-              </a:spcAft>
-              <a:buClrTx/>
-              <a:buSzTx/>
-              <a:buFont typeface="Wingdings" panose="05000000000000000000" pitchFamily="2" charset="2"/>
-              <a:buChar char="Ø"/>
-              <a:tabLst/>
-              <a:defRPr/>
-            </a:pPr>
-            <a:r>
-              <a:rPr kumimoji="0" lang="en-ZA" sz="1800" b="0" i="0" u="none" strike="noStrike" kern="1200" cap="none" spc="0" normalizeH="0" baseline="0" noProof="0" dirty="0">
-                <a:ln>
-                  <a:noFill/>
-                </a:ln>
-                <a:solidFill>
-                  <a:prstClr val="white"/>
-                </a:solidFill>
-                <a:effectLst/>
-                <a:uLnTx/>
-                <a:uFillTx/>
-                <a:latin typeface="Montserrat"/>
-                <a:ea typeface="+mn-ea"/>
-                <a:cs typeface="+mn-cs"/>
-              </a:rPr>
-              <a:t>Useability</a:t>
-            </a:r>
-          </a:p>
-          <a:p>
-            <a:pPr marL="742950" marR="0" lvl="1" indent="-285750" algn="l" defTabSz="914400" rtl="0" eaLnBrk="1" fontAlgn="auto" latinLnBrk="0" hangingPunct="1">
-              <a:lnSpc>
-                <a:spcPct val="100000"/>
-              </a:lnSpc>
-              <a:spcBef>
-                <a:spcPts val="0"/>
-              </a:spcBef>
-              <a:spcAft>
-                <a:spcPts val="0"/>
-              </a:spcAft>
-              <a:buClrTx/>
-              <a:buSzTx/>
-              <a:buFont typeface="Arial" panose="020B0604020202020204" pitchFamily="34" charset="0"/>
-              <a:buChar char="•"/>
-              <a:tabLst/>
-              <a:defRPr/>
-            </a:pPr>
-            <a:r>
-              <a:rPr kumimoji="0" lang="en-ZA" sz="1800" b="0" i="0" u="none" strike="noStrike" kern="1200" cap="none" spc="0" normalizeH="0" baseline="0" noProof="0" dirty="0">
-                <a:ln>
-                  <a:noFill/>
-                </a:ln>
-                <a:solidFill>
-                  <a:prstClr val="white"/>
-                </a:solidFill>
-                <a:effectLst/>
-                <a:uLnTx/>
-                <a:uFillTx/>
-                <a:latin typeface="Montserrat"/>
-                <a:ea typeface="+mn-ea"/>
-                <a:cs typeface="+mn-cs"/>
-              </a:rPr>
-              <a:t>Feedback from </a:t>
-            </a:r>
-            <a:r>
-              <a:rPr lang="en-ZA" dirty="0">
-                <a:solidFill>
-                  <a:prstClr val="white"/>
-                </a:solidFill>
-                <a:latin typeface="Montserrat"/>
-              </a:rPr>
-              <a:t>Clients</a:t>
-            </a:r>
-            <a:endParaRPr kumimoji="0" lang="en-ZA" sz="1800" b="0" i="0" u="none" strike="noStrike" kern="1200" cap="none" spc="0" normalizeH="0" baseline="0" noProof="0" dirty="0">
-              <a:ln>
-                <a:noFill/>
-              </a:ln>
-              <a:solidFill>
-                <a:prstClr val="white"/>
-              </a:solidFill>
-              <a:effectLst/>
-              <a:uLnTx/>
-              <a:uFillTx/>
-              <a:latin typeface="Montserrat"/>
-              <a:ea typeface="+mn-ea"/>
-              <a:cs typeface="+mn-cs"/>
-            </a:endParaRPr>
-          </a:p>
-          <a:p>
-            <a:pPr marL="742950" marR="0" lvl="1" indent="-285750" algn="l" defTabSz="914400" rtl="0" eaLnBrk="1" fontAlgn="auto" latinLnBrk="0" hangingPunct="1">
-              <a:lnSpc>
-                <a:spcPct val="100000"/>
-              </a:lnSpc>
-              <a:spcBef>
-                <a:spcPts val="0"/>
-              </a:spcBef>
-              <a:spcAft>
-                <a:spcPts val="0"/>
-              </a:spcAft>
-              <a:buClrTx/>
-              <a:buSzTx/>
-              <a:buFont typeface="Arial" panose="020B0604020202020204" pitchFamily="34" charset="0"/>
-              <a:buChar char="•"/>
-              <a:tabLst/>
-              <a:defRPr/>
-            </a:pPr>
-            <a:r>
-              <a:rPr kumimoji="0" lang="en-ZA" sz="1800" b="0" i="0" u="none" strike="noStrike" kern="1200" cap="none" spc="0" normalizeH="0" baseline="0" noProof="0" dirty="0">
-                <a:ln>
-                  <a:noFill/>
-                </a:ln>
-                <a:solidFill>
-                  <a:prstClr val="white"/>
-                </a:solidFill>
-                <a:effectLst/>
-                <a:uLnTx/>
-                <a:uFillTx/>
-                <a:latin typeface="Montserrat"/>
-                <a:ea typeface="+mn-ea"/>
-                <a:cs typeface="+mn-cs"/>
-              </a:rPr>
-              <a:t>Feedback from useability tests carried out on peers</a:t>
-            </a:r>
-          </a:p>
-          <a:p>
-            <a:pPr marR="0" lvl="0" algn="l" defTabSz="914400" rtl="0" eaLnBrk="1" fontAlgn="auto" latinLnBrk="0" hangingPunct="1">
-              <a:lnSpc>
-                <a:spcPct val="100000"/>
-              </a:lnSpc>
-              <a:spcBef>
-                <a:spcPts val="0"/>
-              </a:spcBef>
-              <a:spcAft>
-                <a:spcPts val="0"/>
-              </a:spcAft>
-              <a:buClrTx/>
-              <a:buSzTx/>
-              <a:tabLst/>
-              <a:defRPr/>
-            </a:pPr>
-            <a:endParaRPr kumimoji="0" lang="en-ZA" sz="1800" b="0" i="0" u="none" strike="noStrike" kern="1200" cap="none" spc="0" normalizeH="0" baseline="0" noProof="0" dirty="0">
-              <a:ln>
-                <a:noFill/>
-              </a:ln>
-              <a:solidFill>
-                <a:prstClr val="white"/>
-              </a:solidFill>
-              <a:effectLst/>
-              <a:uLnTx/>
-              <a:uFillTx/>
-              <a:latin typeface="Montserrat"/>
-              <a:ea typeface="+mn-ea"/>
-              <a:cs typeface="+mn-cs"/>
-            </a:endParaRPr>
           </a:p>
         </p:txBody>
       </p:sp>
+      <p:pic>
+        <p:nvPicPr>
+          <p:cNvPr id="3" name="Picture 2" descr="A screenshot of a computer&#10;&#10;Description automatically generated">
+            <a:extLst>
+              <a:ext uri="{FF2B5EF4-FFF2-40B4-BE49-F238E27FC236}">
+                <a16:creationId xmlns:a16="http://schemas.microsoft.com/office/drawing/2014/main" id="{01DD9BAA-7391-3D56-ECF2-FDAAE51E87BA}"/>
+              </a:ext>
+            </a:extLst>
+          </p:cNvPr>
+          <p:cNvPicPr>
+            <a:picLocks noChangeAspect="1"/>
+          </p:cNvPicPr>
+          <p:nvPr/>
+        </p:nvPicPr>
+        <p:blipFill rotWithShape="1">
+          <a:blip r:embed="rId4">
+            <a:extLst>
+              <a:ext uri="{28A0092B-C50C-407E-A947-70E740481C1C}">
+                <a14:useLocalDpi xmlns:a14="http://schemas.microsoft.com/office/drawing/2010/main" val="0"/>
+              </a:ext>
+            </a:extLst>
+          </a:blip>
+          <a:srcRect l="20761" r="21757"/>
+          <a:stretch/>
+        </p:blipFill>
+        <p:spPr>
+          <a:xfrm>
+            <a:off x="676734" y="2335070"/>
+            <a:ext cx="4581525" cy="3598686"/>
+          </a:xfrm>
+          <a:prstGeom prst="rect">
+            <a:avLst/>
+          </a:prstGeom>
+        </p:spPr>
+      </p:pic>
+      <p:pic>
+        <p:nvPicPr>
+          <p:cNvPr id="5" name="Picture 4" descr="A screenshot of a computer program&#10;&#10;Description automatically generated">
+            <a:extLst>
+              <a:ext uri="{FF2B5EF4-FFF2-40B4-BE49-F238E27FC236}">
+                <a16:creationId xmlns:a16="http://schemas.microsoft.com/office/drawing/2014/main" id="{7803ED3B-420F-8897-E883-4650E8E1BD9A}"/>
+              </a:ext>
+            </a:extLst>
+          </p:cNvPr>
+          <p:cNvPicPr>
+            <a:picLocks noChangeAspect="1"/>
+          </p:cNvPicPr>
+          <p:nvPr/>
+        </p:nvPicPr>
+        <p:blipFill>
+          <a:blip r:embed="rId5">
+            <a:extLst>
+              <a:ext uri="{28A0092B-C50C-407E-A947-70E740481C1C}">
+                <a14:useLocalDpi xmlns:a14="http://schemas.microsoft.com/office/drawing/2010/main" val="0"/>
+              </a:ext>
+            </a:extLst>
+          </a:blip>
+          <a:stretch>
+            <a:fillRect/>
+          </a:stretch>
+        </p:blipFill>
+        <p:spPr>
+          <a:xfrm>
+            <a:off x="5666206" y="2456342"/>
+            <a:ext cx="6006601" cy="3329156"/>
+          </a:xfrm>
+          <a:prstGeom prst="rect">
+            <a:avLst/>
+          </a:prstGeom>
+        </p:spPr>
+      </p:pic>
     </p:spTree>
     <p:extLst>
       <p:ext uri="{BB962C8B-B14F-4D97-AF65-F5344CB8AC3E}">
-        <p14:creationId xmlns:p14="http://schemas.microsoft.com/office/powerpoint/2010/main" val="2132177623"/>
+        <p14:creationId xmlns:p14="http://schemas.microsoft.com/office/powerpoint/2010/main" val="3175618895"/>
       </p:ext>
     </p:extLst>
   </p:cSld>

--- a/Documentation/Demo 4 documents/Demo 4 Slideshow.pptx
+++ b/Documentation/Demo 4 documents/Demo 4 Slideshow.pptx
@@ -272,7 +272,7 @@
           <a:p>
             <a:fld id="{76E5B84D-D061-483E-84D4-FDF00078B9A9}" type="datetimeFigureOut">
               <a:rPr lang="en-US" smtClean="0"/>
-              <a:t>9/26/2023</a:t>
+              <a:t>9/27/2023</a:t>
             </a:fld>
             <a:endParaRPr lang="en-US" dirty="0"/>
           </a:p>
@@ -470,7 +470,7 @@
           <a:p>
             <a:fld id="{76E5B84D-D061-483E-84D4-FDF00078B9A9}" type="datetimeFigureOut">
               <a:rPr lang="en-US" smtClean="0"/>
-              <a:t>9/26/2023</a:t>
+              <a:t>9/27/2023</a:t>
             </a:fld>
             <a:endParaRPr lang="en-US" dirty="0"/>
           </a:p>
@@ -678,7 +678,7 @@
           <a:p>
             <a:fld id="{76E5B84D-D061-483E-84D4-FDF00078B9A9}" type="datetimeFigureOut">
               <a:rPr lang="en-US" smtClean="0"/>
-              <a:t>9/26/2023</a:t>
+              <a:t>9/27/2023</a:t>
             </a:fld>
             <a:endParaRPr lang="en-US" dirty="0"/>
           </a:p>
@@ -876,7 +876,7 @@
           <a:p>
             <a:fld id="{76E5B84D-D061-483E-84D4-FDF00078B9A9}" type="datetimeFigureOut">
               <a:rPr lang="en-US" smtClean="0"/>
-              <a:t>9/26/2023</a:t>
+              <a:t>9/27/2023</a:t>
             </a:fld>
             <a:endParaRPr lang="en-US" dirty="0"/>
           </a:p>
@@ -1151,7 +1151,7 @@
           <a:p>
             <a:fld id="{76E5B84D-D061-483E-84D4-FDF00078B9A9}" type="datetimeFigureOut">
               <a:rPr lang="en-US" smtClean="0"/>
-              <a:t>9/26/2023</a:t>
+              <a:t>9/27/2023</a:t>
             </a:fld>
             <a:endParaRPr lang="en-US" dirty="0"/>
           </a:p>
@@ -1416,7 +1416,7 @@
           <a:p>
             <a:fld id="{76E5B84D-D061-483E-84D4-FDF00078B9A9}" type="datetimeFigureOut">
               <a:rPr lang="en-US" smtClean="0"/>
-              <a:t>9/26/2023</a:t>
+              <a:t>9/27/2023</a:t>
             </a:fld>
             <a:endParaRPr lang="en-US" dirty="0"/>
           </a:p>
@@ -1828,7 +1828,7 @@
           <a:p>
             <a:fld id="{76E5B84D-D061-483E-84D4-FDF00078B9A9}" type="datetimeFigureOut">
               <a:rPr lang="en-US" smtClean="0"/>
-              <a:t>9/26/2023</a:t>
+              <a:t>9/27/2023</a:t>
             </a:fld>
             <a:endParaRPr lang="en-US" dirty="0"/>
           </a:p>
@@ -1969,7 +1969,7 @@
           <a:p>
             <a:fld id="{76E5B84D-D061-483E-84D4-FDF00078B9A9}" type="datetimeFigureOut">
               <a:rPr lang="en-US" smtClean="0"/>
-              <a:t>9/26/2023</a:t>
+              <a:t>9/27/2023</a:t>
             </a:fld>
             <a:endParaRPr lang="en-US" dirty="0"/>
           </a:p>
@@ -2082,7 +2082,7 @@
           <a:p>
             <a:fld id="{76E5B84D-D061-483E-84D4-FDF00078B9A9}" type="datetimeFigureOut">
               <a:rPr lang="en-US" smtClean="0"/>
-              <a:t>9/26/2023</a:t>
+              <a:t>9/27/2023</a:t>
             </a:fld>
             <a:endParaRPr lang="en-US" dirty="0"/>
           </a:p>
@@ -2442,7 +2442,7 @@
           <a:p>
             <a:fld id="{76E5B84D-D061-483E-84D4-FDF00078B9A9}" type="datetimeFigureOut">
               <a:rPr lang="en-US" smtClean="0"/>
-              <a:t>9/26/2023</a:t>
+              <a:t>9/27/2023</a:t>
             </a:fld>
             <a:endParaRPr lang="en-US" dirty="0"/>
           </a:p>
@@ -2688,7 +2688,7 @@
           <a:p>
             <a:fld id="{76E5B84D-D061-483E-84D4-FDF00078B9A9}" type="datetimeFigureOut">
               <a:rPr lang="en-US" smtClean="0"/>
-              <a:t>9/26/2023</a:t>
+              <a:t>9/27/2023</a:t>
             </a:fld>
             <a:endParaRPr lang="en-US" dirty="0"/>
           </a:p>
@@ -11675,7 +11675,7 @@
         </p:nvSpPr>
         <p:spPr>
           <a:xfrm>
-            <a:off x="1266204" y="93959"/>
+            <a:off x="1266204" y="149063"/>
             <a:ext cx="9963643" cy="830997"/>
           </a:xfrm>
           <a:prstGeom prst="rect">
@@ -11725,8 +11725,8 @@
         </p:nvSpPr>
         <p:spPr>
           <a:xfrm>
-            <a:off x="1379220" y="1444692"/>
-            <a:ext cx="9569805" cy="338554"/>
+            <a:off x="1379220" y="1794778"/>
+            <a:ext cx="9569805" cy="584775"/>
           </a:xfrm>
           <a:prstGeom prst="rect">
             <a:avLst/>
@@ -11759,7 +11759,7 @@
                 </a:solidFill>
                 <a:latin typeface="Montserrat" panose="00000500000000000000" pitchFamily="2" charset="0"/>
               </a:rPr>
-              <a:t> :</a:t>
+              <a:t> : https://drive.google.com/file/d/1LUEg6gA2hliELFzW1Wq_hfmHdVuQjr5f/view?usp=drive_link</a:t>
             </a:r>
           </a:p>
         </p:txBody>
@@ -11778,7 +11778,7 @@
         </p:nvSpPr>
         <p:spPr>
           <a:xfrm>
-            <a:off x="1379220" y="883794"/>
+            <a:off x="1379220" y="1085387"/>
             <a:ext cx="6432320" cy="584775"/>
           </a:xfrm>
           <a:prstGeom prst="rect">
@@ -11833,8 +11833,8 @@
         </p:nvSpPr>
         <p:spPr>
           <a:xfrm>
-            <a:off x="1393921" y="2260534"/>
-            <a:ext cx="8528916" cy="338554"/>
+            <a:off x="1393921" y="2462127"/>
+            <a:ext cx="8528916" cy="584775"/>
           </a:xfrm>
           <a:prstGeom prst="rect">
             <a:avLst/>
@@ -11867,7 +11867,7 @@
                 </a:solidFill>
                 <a:latin typeface="Montserrat" panose="00000500000000000000" pitchFamily="2" charset="0"/>
               </a:rPr>
-              <a:t>:</a:t>
+              <a:t>: https://drive.google.com/file/d/11U8h3t-zTHTeaVu3NkFpXoySvkSc93KQ/view?usp=sharing</a:t>
             </a:r>
           </a:p>
         </p:txBody>
@@ -11886,8 +11886,8 @@
         </p:nvSpPr>
         <p:spPr>
           <a:xfrm>
-            <a:off x="1397482" y="3096313"/>
-            <a:ext cx="9701085" cy="338554"/>
+            <a:off x="1397482" y="3177755"/>
+            <a:ext cx="8277496" cy="584775"/>
           </a:xfrm>
           <a:prstGeom prst="rect">
             <a:avLst/>
@@ -11909,7 +11909,29 @@
                 </a:solidFill>
                 <a:latin typeface="Montserrat" panose="00000500000000000000" pitchFamily="2" charset="0"/>
               </a:rPr>
-              <a:t>Code Quality Standards</a:t>
+              <a:t>Code Quality </a:t>
+            </a:r>
+            <a:r>
+              <a:rPr lang="en-US" sz="1600" b="1" dirty="0" err="1">
+                <a:solidFill>
+                  <a:schemeClr val="bg1">
+                    <a:lumMod val="95000"/>
+                  </a:schemeClr>
+                </a:solidFill>
+                <a:latin typeface="Montserrat" panose="00000500000000000000" pitchFamily="2" charset="0"/>
+              </a:rPr>
+              <a:t>Standards</a:t>
+            </a:r>
+            <a:r>
+              <a:rPr lang="en-US" sz="1600" dirty="0" err="1">
+                <a:solidFill>
+                  <a:schemeClr val="bg1">
+                    <a:lumMod val="95000"/>
+                  </a:schemeClr>
+                </a:solidFill>
+                <a:latin typeface="Montserrat" panose="00000500000000000000" pitchFamily="2" charset="0"/>
+              </a:rPr>
+              <a:t>:https</a:t>
             </a:r>
             <a:r>
               <a:rPr lang="en-US" sz="1600" dirty="0">
@@ -11920,8 +11942,49 @@
                 </a:solidFill>
                 <a:latin typeface="Montserrat" panose="00000500000000000000" pitchFamily="2" charset="0"/>
               </a:rPr>
-              <a:t>:</a:t>
+              <a:t>://drive.google.com/file/d/1TeDSgduA9xSR-UtC5o8woWD2ebrsxQUm/</a:t>
             </a:r>
+            <a:r>
+              <a:rPr lang="en-US" sz="1600" dirty="0" err="1">
+                <a:solidFill>
+                  <a:schemeClr val="bg1">
+                    <a:lumMod val="95000"/>
+                  </a:schemeClr>
+                </a:solidFill>
+                <a:latin typeface="Montserrat" panose="00000500000000000000" pitchFamily="2" charset="0"/>
+              </a:rPr>
+              <a:t>view?usp</a:t>
+            </a:r>
+            <a:r>
+              <a:rPr lang="en-US" sz="1600" dirty="0">
+                <a:solidFill>
+                  <a:schemeClr val="bg1">
+                    <a:lumMod val="95000"/>
+                  </a:schemeClr>
+                </a:solidFill>
+                <a:latin typeface="Montserrat" panose="00000500000000000000" pitchFamily="2" charset="0"/>
+              </a:rPr>
+              <a:t>=</a:t>
+            </a:r>
+            <a:r>
+              <a:rPr lang="en-US" sz="1600" dirty="0" err="1">
+                <a:solidFill>
+                  <a:schemeClr val="bg1">
+                    <a:lumMod val="95000"/>
+                  </a:schemeClr>
+                </a:solidFill>
+                <a:latin typeface="Montserrat" panose="00000500000000000000" pitchFamily="2" charset="0"/>
+              </a:rPr>
+              <a:t>drive_link</a:t>
+            </a:r>
+            <a:endParaRPr lang="en-US" sz="1600" dirty="0">
+              <a:solidFill>
+                <a:schemeClr val="bg1">
+                  <a:lumMod val="95000"/>
+                </a:schemeClr>
+              </a:solidFill>
+              <a:latin typeface="Montserrat" panose="00000500000000000000" pitchFamily="2" charset="0"/>
+            </a:endParaRPr>
           </a:p>
         </p:txBody>
       </p:sp>
@@ -11939,8 +12002,8 @@
         </p:nvSpPr>
         <p:spPr>
           <a:xfrm>
-            <a:off x="1413844" y="4913701"/>
-            <a:ext cx="8528916" cy="338554"/>
+            <a:off x="1379220" y="4804182"/>
+            <a:ext cx="8905813" cy="830997"/>
           </a:xfrm>
           <a:prstGeom prst="rect">
             <a:avLst/>
@@ -11973,7 +12036,7 @@
                 </a:solidFill>
                 <a:latin typeface="Montserrat" panose="00000500000000000000" pitchFamily="2" charset="0"/>
               </a:rPr>
-              <a:t>:</a:t>
+              <a:t>: https://drive.google.com/file/d/1S64Oq1E8nKnvYa_C1ijCl5qf9tXQvk40/view?usp=drive_link</a:t>
             </a:r>
           </a:p>
         </p:txBody>
@@ -11992,8 +12055,8 @@
         </p:nvSpPr>
         <p:spPr>
           <a:xfrm>
-            <a:off x="1379220" y="5869314"/>
-            <a:ext cx="8528916" cy="338554"/>
+            <a:off x="1379220" y="5747395"/>
+            <a:ext cx="8528916" cy="830997"/>
           </a:xfrm>
           <a:prstGeom prst="rect">
             <a:avLst/>
@@ -12026,7 +12089,7 @@
                 </a:solidFill>
                 <a:latin typeface="Montserrat" panose="00000500000000000000" pitchFamily="2" charset="0"/>
               </a:rPr>
-              <a:t>:</a:t>
+              <a:t>: https://drive.google.com/file/d/1Mv5u7FoDHgGCEotsdpyRaIiohG9yk8dN/view?usp=drive_link</a:t>
             </a:r>
           </a:p>
         </p:txBody>
@@ -12045,8 +12108,8 @@
         </p:nvSpPr>
         <p:spPr>
           <a:xfrm>
-            <a:off x="1413844" y="3927310"/>
-            <a:ext cx="6708710" cy="369332"/>
+            <a:off x="1413844" y="3863324"/>
+            <a:ext cx="8905812" cy="861774"/>
           </a:xfrm>
           <a:prstGeom prst="rect">
             <a:avLst/>
@@ -12104,7 +12167,18 @@
                 </a:solidFill>
                 <a:latin typeface="+mj-lt"/>
               </a:rPr>
-              <a:t>Policy:</a:t>
+              <a:t>Policy: </a:t>
+            </a:r>
+            <a:r>
+              <a:rPr lang="en-ZA" sz="1600" dirty="0">
+                <a:solidFill>
+                  <a:schemeClr val="bg1">
+                    <a:lumMod val="95000"/>
+                  </a:schemeClr>
+                </a:solidFill>
+                <a:latin typeface="+mj-lt"/>
+              </a:rPr>
+              <a:t>https://drive.google.com/file/d/1hm80mRixI2nZkumoyxx1RWHM4gC5Hc5X/view?usp=drive_link</a:t>
             </a:r>
           </a:p>
         </p:txBody>

--- a/Documentation/Demo 4 documents/Demo 4 Slideshow.pptx
+++ b/Documentation/Demo 4 documents/Demo 4 Slideshow.pptx
@@ -12,10 +12,10 @@
     <p:sldId id="326" r:id="rId6"/>
     <p:sldId id="317" r:id="rId7"/>
     <p:sldId id="324" r:id="rId8"/>
-    <p:sldId id="325" r:id="rId9"/>
-    <p:sldId id="329" r:id="rId10"/>
-    <p:sldId id="330" r:id="rId11"/>
-    <p:sldId id="328" r:id="rId12"/>
+    <p:sldId id="328" r:id="rId9"/>
+    <p:sldId id="325" r:id="rId10"/>
+    <p:sldId id="329" r:id="rId11"/>
+    <p:sldId id="330" r:id="rId12"/>
     <p:sldId id="323" r:id="rId13"/>
     <p:sldId id="300" r:id="rId14"/>
     <p:sldId id="305" r:id="rId15"/>
@@ -5815,8 +5815,8 @@
         </p:nvSpPr>
         <p:spPr>
           <a:xfrm>
-            <a:off x="1905865" y="1243349"/>
-            <a:ext cx="4719562" cy="369332"/>
+            <a:off x="2164044" y="1131102"/>
+            <a:ext cx="7040710" cy="923330"/>
           </a:xfrm>
           <a:prstGeom prst="rect">
             <a:avLst/>
@@ -5861,17 +5861,117 @@
                 <a:ea typeface="+mn-ea"/>
                 <a:cs typeface="+mn-cs"/>
               </a:rPr>
-              <a:t>Code coverage is currently at 80.67%</a:t>
+              <a:t>Performance and Availability</a:t>
+            </a:r>
+          </a:p>
+          <a:p>
+            <a:pPr marL="742950" marR="0" lvl="1" indent="-285750" algn="l" defTabSz="914400" rtl="0" eaLnBrk="1" fontAlgn="auto" latinLnBrk="0" hangingPunct="1">
+              <a:lnSpc>
+                <a:spcPct val="100000"/>
+              </a:lnSpc>
+              <a:spcBef>
+                <a:spcPts val="0"/>
+              </a:spcBef>
+              <a:spcAft>
+                <a:spcPts val="0"/>
+              </a:spcAft>
+              <a:buClrTx/>
+              <a:buSzTx/>
+              <a:buFont typeface="Arial" panose="020B0604020202020204" pitchFamily="34" charset="0"/>
+              <a:buChar char="•"/>
+              <a:tabLst/>
+              <a:defRPr/>
+            </a:pPr>
+            <a:r>
+              <a:rPr lang="en-GB" sz="1800" b="0" i="0" u="none" strike="noStrike" dirty="0">
+                <a:solidFill>
+                  <a:schemeClr val="bg1"/>
+                </a:solidFill>
+                <a:effectLst/>
+                <a:latin typeface="Arial" panose="020B0604020202020204" pitchFamily="34" charset="0"/>
+              </a:rPr>
+              <a:t>Used lighthouse performance testing from google</a:t>
+            </a:r>
+          </a:p>
+          <a:p>
+            <a:pPr marL="742950" marR="0" lvl="1" indent="-285750" algn="l" defTabSz="914400" rtl="0" eaLnBrk="1" fontAlgn="auto" latinLnBrk="0" hangingPunct="1">
+              <a:lnSpc>
+                <a:spcPct val="100000"/>
+              </a:lnSpc>
+              <a:spcBef>
+                <a:spcPts val="0"/>
+              </a:spcBef>
+              <a:spcAft>
+                <a:spcPts val="0"/>
+              </a:spcAft>
+              <a:buClrTx/>
+              <a:buSzTx/>
+              <a:buFont typeface="Arial" panose="020B0604020202020204" pitchFamily="34" charset="0"/>
+              <a:buChar char="•"/>
+              <a:tabLst/>
+              <a:defRPr/>
+            </a:pPr>
+            <a:r>
+              <a:rPr kumimoji="0" lang="en-ZA" sz="1800" b="0" i="0" u="none" strike="noStrike" kern="1200" cap="none" spc="0" normalizeH="0" baseline="0" noProof="0" dirty="0">
+                <a:ln>
+                  <a:noFill/>
+                </a:ln>
+                <a:solidFill>
+                  <a:prstClr val="white"/>
+                </a:solidFill>
+                <a:effectLst/>
+                <a:uLnTx/>
+                <a:uFillTx/>
+                <a:latin typeface="Montserrat"/>
+                <a:ea typeface="+mn-ea"/>
+                <a:cs typeface="+mn-cs"/>
+              </a:rPr>
+              <a:t>Uptime measured using uptime robot, well over 99%</a:t>
             </a:r>
           </a:p>
         </p:txBody>
       </p:sp>
       <p:pic>
         <p:nvPicPr>
-          <p:cNvPr id="4" name="Picture 3" descr="A screenshot of a graph&#10;&#10;Description automatically generated">
-            <a:extLst>
-              <a:ext uri="{FF2B5EF4-FFF2-40B4-BE49-F238E27FC236}">
-                <a16:creationId xmlns:a16="http://schemas.microsoft.com/office/drawing/2014/main" id="{0E61F668-5756-D40C-4440-CA2E38DD9DC0}"/>
+          <p:cNvPr id="3" name="Picture 2" descr="A screenshot of a computer&#10;&#10;Description automatically generated">
+            <a:extLst>
+              <a:ext uri="{FF2B5EF4-FFF2-40B4-BE49-F238E27FC236}">
+                <a16:creationId xmlns:a16="http://schemas.microsoft.com/office/drawing/2014/main" id="{01DD9BAA-7391-3D56-ECF2-FDAAE51E87BA}"/>
+              </a:ext>
+            </a:extLst>
+          </p:cNvPr>
+          <p:cNvPicPr>
+            <a:picLocks noChangeAspect="1"/>
+          </p:cNvPicPr>
+          <p:nvPr/>
+        </p:nvPicPr>
+        <p:blipFill rotWithShape="1">
+          <a:blip r:embed="rId4">
+            <a:extLst>
+              <a:ext uri="{28A0092B-C50C-407E-A947-70E740481C1C}">
+                <a14:useLocalDpi xmlns:a14="http://schemas.microsoft.com/office/drawing/2010/main" val="0"/>
+              </a:ext>
+            </a:extLst>
+          </a:blip>
+          <a:srcRect l="20761" r="21757"/>
+          <a:stretch/>
+        </p:blipFill>
+        <p:spPr>
+          <a:xfrm>
+            <a:off x="676734" y="2335070"/>
+            <a:ext cx="4581525" cy="3598686"/>
+          </a:xfrm>
+          <a:prstGeom prst="rect">
+            <a:avLst/>
+          </a:prstGeom>
+        </p:spPr>
+      </p:pic>
+      <p:pic>
+        <p:nvPicPr>
+          <p:cNvPr id="5" name="Picture 4" descr="A screenshot of a computer program&#10;&#10;Description automatically generated">
+            <a:extLst>
+              <a:ext uri="{FF2B5EF4-FFF2-40B4-BE49-F238E27FC236}">
+                <a16:creationId xmlns:a16="http://schemas.microsoft.com/office/drawing/2014/main" id="{7803ED3B-420F-8897-E883-4650E8E1BD9A}"/>
               </a:ext>
             </a:extLst>
           </p:cNvPr>
@@ -5881,7 +5981,7 @@
           <p:nvPr/>
         </p:nvPicPr>
         <p:blipFill>
-          <a:blip r:embed="rId4">
+          <a:blip r:embed="rId5">
             <a:extLst>
               <a:ext uri="{28A0092B-C50C-407E-A947-70E740481C1C}">
                 <a14:useLocalDpi xmlns:a14="http://schemas.microsoft.com/office/drawing/2010/main" val="0"/>
@@ -5894,8 +5994,8 @@
         </p:blipFill>
         <p:spPr>
           <a:xfrm>
-            <a:off x="1905865" y="1822210"/>
-            <a:ext cx="8786669" cy="4331180"/>
+            <a:off x="5666206" y="2456342"/>
+            <a:ext cx="6006601" cy="3329156"/>
           </a:xfrm>
           <a:prstGeom prst="rect">
             <a:avLst/>
@@ -5905,7 +6005,7 @@
     </p:spTree>
     <p:extLst>
       <p:ext uri="{BB962C8B-B14F-4D97-AF65-F5344CB8AC3E}">
-        <p14:creationId xmlns:p14="http://schemas.microsoft.com/office/powerpoint/2010/main" val="1512265563"/>
+        <p14:creationId xmlns:p14="http://schemas.microsoft.com/office/powerpoint/2010/main" val="3175618895"/>
       </p:ext>
     </p:extLst>
   </p:cSld>
@@ -7019,7 +7119,7 @@
         </p:nvSpPr>
         <p:spPr>
           <a:xfrm>
-            <a:off x="2164044" y="131279"/>
+            <a:off x="2164044" y="218746"/>
             <a:ext cx="8126062" cy="830997"/>
           </a:xfrm>
           <a:prstGeom prst="rect">
@@ -7054,9 +7154,9 @@
               <a:rPr kumimoji="0" lang="en-US" sz="4800" b="1" i="0" u="none" strike="noStrike" kern="1200" cap="none" spc="0" normalizeH="0" baseline="0" noProof="0" dirty="0">
                 <a:ln>
                   <a:solidFill>
-                    <a:schemeClr val="bg2">
+                    <a:srgbClr val="E7E6E6">
                       <a:lumMod val="50000"/>
-                    </a:schemeClr>
+                    </a:srgbClr>
                   </a:solidFill>
                 </a:ln>
                 <a:solidFill>
@@ -7150,8 +7250,8 @@
         </p:nvSpPr>
         <p:spPr>
           <a:xfrm>
-            <a:off x="2164044" y="1428807"/>
-            <a:ext cx="7040710" cy="4247317"/>
+            <a:off x="1905865" y="1243349"/>
+            <a:ext cx="4719562" cy="369332"/>
           </a:xfrm>
           <a:prstGeom prst="rect">
             <a:avLst/>
@@ -7196,580 +7296,51 @@
                 <a:ea typeface="+mn-ea"/>
                 <a:cs typeface="+mn-cs"/>
               </a:rPr>
-              <a:t>Security</a:t>
+              <a:t>Code coverage is currently at 80.67%</a:t>
             </a:r>
-          </a:p>
-          <a:p>
-            <a:pPr marL="742950" marR="0" lvl="1" indent="-285750" algn="l" defTabSz="914400" rtl="0" eaLnBrk="1" fontAlgn="auto" latinLnBrk="0" hangingPunct="1">
-              <a:lnSpc>
-                <a:spcPct val="100000"/>
-              </a:lnSpc>
-              <a:spcBef>
-                <a:spcPts val="0"/>
-              </a:spcBef>
-              <a:spcAft>
-                <a:spcPts val="0"/>
-              </a:spcAft>
-              <a:buClrTx/>
-              <a:buSzTx/>
-              <a:buFont typeface="Arial" panose="020B0604020202020204" pitchFamily="34" charset="0"/>
-              <a:buChar char="•"/>
-              <a:tabLst/>
-              <a:defRPr/>
-            </a:pPr>
-            <a:r>
-              <a:rPr kumimoji="0" lang="en-ZA" sz="1800" b="0" i="0" u="none" strike="noStrike" kern="1200" cap="none" spc="0" normalizeH="0" baseline="0" noProof="0" dirty="0">
-                <a:ln>
-                  <a:noFill/>
-                </a:ln>
-                <a:solidFill>
-                  <a:prstClr val="white"/>
-                </a:solidFill>
-                <a:effectLst/>
-                <a:uLnTx/>
-                <a:uFillTx/>
-                <a:latin typeface="Montserrat"/>
-                <a:ea typeface="+mn-ea"/>
-                <a:cs typeface="+mn-cs"/>
-              </a:rPr>
-              <a:t>Encryption in transit (HTTPS) and at rest</a:t>
-            </a:r>
-          </a:p>
-          <a:p>
-            <a:pPr marL="742950" marR="0" lvl="1" indent="-285750" algn="l" defTabSz="914400" rtl="0" eaLnBrk="1" fontAlgn="auto" latinLnBrk="0" hangingPunct="1">
-              <a:lnSpc>
-                <a:spcPct val="100000"/>
-              </a:lnSpc>
-              <a:spcBef>
-                <a:spcPts val="0"/>
-              </a:spcBef>
-              <a:spcAft>
-                <a:spcPts val="0"/>
-              </a:spcAft>
-              <a:buClrTx/>
-              <a:buSzTx/>
-              <a:buFont typeface="Arial" panose="020B0604020202020204" pitchFamily="34" charset="0"/>
-              <a:buChar char="•"/>
-              <a:tabLst/>
-              <a:defRPr/>
-            </a:pPr>
-            <a:r>
-              <a:rPr kumimoji="0" lang="en-ZA" sz="1800" b="0" i="0" u="none" strike="noStrike" kern="1200" cap="none" spc="0" normalizeH="0" baseline="0" noProof="0" dirty="0">
-                <a:ln>
-                  <a:noFill/>
-                </a:ln>
-                <a:solidFill>
-                  <a:prstClr val="white"/>
-                </a:solidFill>
-                <a:effectLst/>
-                <a:uLnTx/>
-                <a:uFillTx/>
-                <a:latin typeface="Montserrat"/>
-                <a:ea typeface="+mn-ea"/>
-                <a:cs typeface="+mn-cs"/>
-              </a:rPr>
-              <a:t>Role Based Access with protected routes</a:t>
-            </a:r>
-          </a:p>
-          <a:p>
-            <a:pPr marL="742950" marR="0" lvl="1" indent="-285750" algn="l" defTabSz="914400" rtl="0" eaLnBrk="1" fontAlgn="auto" latinLnBrk="0" hangingPunct="1">
-              <a:lnSpc>
-                <a:spcPct val="100000"/>
-              </a:lnSpc>
-              <a:spcBef>
-                <a:spcPts val="0"/>
-              </a:spcBef>
-              <a:spcAft>
-                <a:spcPts val="0"/>
-              </a:spcAft>
-              <a:buClrTx/>
-              <a:buSzTx/>
-              <a:buFont typeface="Arial" panose="020B0604020202020204" pitchFamily="34" charset="0"/>
-              <a:buChar char="•"/>
-              <a:tabLst/>
-              <a:defRPr/>
-            </a:pPr>
-            <a:r>
-              <a:rPr lang="en-ZA" dirty="0">
-                <a:solidFill>
-                  <a:prstClr val="white"/>
-                </a:solidFill>
-                <a:latin typeface="Montserrat"/>
-              </a:rPr>
-              <a:t>Injection and XSS prevention</a:t>
-            </a:r>
-            <a:endParaRPr kumimoji="0" lang="en-ZA" sz="1800" b="0" i="0" u="none" strike="noStrike" kern="1200" cap="none" spc="0" normalizeH="0" baseline="0" noProof="0" dirty="0">
-              <a:ln>
-                <a:noFill/>
-              </a:ln>
-              <a:solidFill>
-                <a:prstClr val="white"/>
-              </a:solidFill>
-              <a:effectLst/>
-              <a:uLnTx/>
-              <a:uFillTx/>
-              <a:latin typeface="Montserrat"/>
-              <a:ea typeface="+mn-ea"/>
-              <a:cs typeface="+mn-cs"/>
-            </a:endParaRPr>
-          </a:p>
-          <a:p>
-            <a:pPr marL="742950" marR="0" lvl="1" indent="-285750" algn="l" defTabSz="914400" rtl="0" eaLnBrk="1" fontAlgn="auto" latinLnBrk="0" hangingPunct="1">
-              <a:lnSpc>
-                <a:spcPct val="100000"/>
-              </a:lnSpc>
-              <a:spcBef>
-                <a:spcPts val="0"/>
-              </a:spcBef>
-              <a:spcAft>
-                <a:spcPts val="0"/>
-              </a:spcAft>
-              <a:buClrTx/>
-              <a:buSzTx/>
-              <a:buFont typeface="Arial" panose="020B0604020202020204" pitchFamily="34" charset="0"/>
-              <a:buChar char="•"/>
-              <a:tabLst/>
-              <a:defRPr/>
-            </a:pPr>
-            <a:r>
-              <a:rPr kumimoji="0" lang="en-ZA" sz="1800" b="0" i="0" u="none" strike="noStrike" kern="1200" cap="none" spc="0" normalizeH="0" baseline="0" noProof="0" dirty="0">
-                <a:ln>
-                  <a:noFill/>
-                </a:ln>
-                <a:solidFill>
-                  <a:prstClr val="white"/>
-                </a:solidFill>
-                <a:effectLst/>
-                <a:uLnTx/>
-                <a:uFillTx/>
-                <a:latin typeface="Montserrat"/>
-                <a:ea typeface="+mn-ea"/>
-                <a:cs typeface="+mn-cs"/>
-              </a:rPr>
-              <a:t>JSON </a:t>
-            </a:r>
-            <a:r>
-              <a:rPr lang="en-ZA" dirty="0">
-                <a:solidFill>
-                  <a:prstClr val="white"/>
-                </a:solidFill>
-                <a:latin typeface="Montserrat"/>
-              </a:rPr>
-              <a:t>W</a:t>
-            </a:r>
-            <a:r>
-              <a:rPr kumimoji="0" lang="en-ZA" sz="1800" b="0" i="0" u="none" strike="noStrike" kern="1200" cap="none" spc="0" normalizeH="0" baseline="0" noProof="0" dirty="0" err="1">
-                <a:ln>
-                  <a:noFill/>
-                </a:ln>
-                <a:solidFill>
-                  <a:prstClr val="white"/>
-                </a:solidFill>
-                <a:effectLst/>
-                <a:uLnTx/>
-                <a:uFillTx/>
-                <a:latin typeface="Montserrat"/>
-                <a:ea typeface="+mn-ea"/>
-                <a:cs typeface="+mn-cs"/>
-              </a:rPr>
-              <a:t>eb</a:t>
-            </a:r>
-            <a:r>
-              <a:rPr kumimoji="0" lang="en-ZA" sz="1800" b="0" i="0" u="none" strike="noStrike" kern="1200" cap="none" spc="0" normalizeH="0" baseline="0" noProof="0" dirty="0">
-                <a:ln>
-                  <a:noFill/>
-                </a:ln>
-                <a:solidFill>
-                  <a:prstClr val="white"/>
-                </a:solidFill>
-                <a:effectLst/>
-                <a:uLnTx/>
-                <a:uFillTx/>
-                <a:latin typeface="Montserrat"/>
-                <a:ea typeface="+mn-ea"/>
-                <a:cs typeface="+mn-cs"/>
-              </a:rPr>
-              <a:t> Tokens </a:t>
-            </a:r>
-          </a:p>
-          <a:p>
-            <a:pPr marL="742950" marR="0" lvl="1" indent="-285750" algn="l" defTabSz="914400" rtl="0" eaLnBrk="1" fontAlgn="auto" latinLnBrk="0" hangingPunct="1">
-              <a:lnSpc>
-                <a:spcPct val="100000"/>
-              </a:lnSpc>
-              <a:spcBef>
-                <a:spcPts val="0"/>
-              </a:spcBef>
-              <a:spcAft>
-                <a:spcPts val="0"/>
-              </a:spcAft>
-              <a:buClrTx/>
-              <a:buSzTx/>
-              <a:buFont typeface="Arial" panose="020B0604020202020204" pitchFamily="34" charset="0"/>
-              <a:buChar char="•"/>
-              <a:tabLst/>
-              <a:defRPr/>
-            </a:pPr>
-            <a:endParaRPr kumimoji="0" lang="en-ZA" sz="1800" b="0" i="0" u="none" strike="noStrike" kern="1200" cap="none" spc="0" normalizeH="0" baseline="0" noProof="0" dirty="0">
-              <a:ln>
-                <a:noFill/>
-              </a:ln>
-              <a:solidFill>
-                <a:prstClr val="white"/>
-              </a:solidFill>
-              <a:effectLst/>
-              <a:uLnTx/>
-              <a:uFillTx/>
-              <a:latin typeface="Montserrat"/>
-              <a:ea typeface="+mn-ea"/>
-              <a:cs typeface="+mn-cs"/>
-            </a:endParaRPr>
-          </a:p>
-          <a:p>
-            <a:pPr marL="285750" marR="0" lvl="0" indent="-285750" algn="l" defTabSz="914400" rtl="0" eaLnBrk="1" fontAlgn="auto" latinLnBrk="0" hangingPunct="1">
-              <a:lnSpc>
-                <a:spcPct val="100000"/>
-              </a:lnSpc>
-              <a:spcBef>
-                <a:spcPts val="0"/>
-              </a:spcBef>
-              <a:spcAft>
-                <a:spcPts val="0"/>
-              </a:spcAft>
-              <a:buClrTx/>
-              <a:buSzTx/>
-              <a:buFont typeface="Wingdings" panose="05000000000000000000" pitchFamily="2" charset="2"/>
-              <a:buChar char="Ø"/>
-              <a:tabLst/>
-              <a:defRPr/>
-            </a:pPr>
-            <a:r>
-              <a:rPr kumimoji="0" lang="en-ZA" sz="1800" b="0" i="0" u="none" strike="noStrike" kern="1200" cap="none" spc="0" normalizeH="0" baseline="0" noProof="0" dirty="0">
-                <a:ln>
-                  <a:noFill/>
-                </a:ln>
-                <a:solidFill>
-                  <a:prstClr val="white"/>
-                </a:solidFill>
-                <a:effectLst/>
-                <a:uLnTx/>
-                <a:uFillTx/>
-                <a:latin typeface="Montserrat"/>
-                <a:ea typeface="+mn-ea"/>
-                <a:cs typeface="+mn-cs"/>
-              </a:rPr>
-              <a:t>Maintainability</a:t>
-            </a:r>
-          </a:p>
-          <a:p>
-            <a:pPr marL="742950" marR="0" lvl="1" indent="-285750" algn="l" defTabSz="914400" rtl="0" eaLnBrk="1" fontAlgn="auto" latinLnBrk="0" hangingPunct="1">
-              <a:lnSpc>
-                <a:spcPct val="100000"/>
-              </a:lnSpc>
-              <a:spcBef>
-                <a:spcPts val="0"/>
-              </a:spcBef>
-              <a:spcAft>
-                <a:spcPts val="0"/>
-              </a:spcAft>
-              <a:buClrTx/>
-              <a:buSzTx/>
-              <a:buFont typeface="Arial" panose="020B0604020202020204" pitchFamily="34" charset="0"/>
-              <a:buChar char="•"/>
-              <a:tabLst/>
-              <a:defRPr/>
-            </a:pPr>
-            <a:r>
-              <a:rPr kumimoji="0" lang="en-ZA" sz="1800" b="0" i="0" u="none" strike="noStrike" kern="1200" cap="none" spc="0" normalizeH="0" baseline="0" noProof="0" dirty="0">
-                <a:ln>
-                  <a:noFill/>
-                </a:ln>
-                <a:solidFill>
-                  <a:prstClr val="white"/>
-                </a:solidFill>
-                <a:effectLst/>
-                <a:uLnTx/>
-                <a:uFillTx/>
-                <a:latin typeface="Montserrat"/>
-                <a:ea typeface="+mn-ea"/>
-                <a:cs typeface="+mn-cs"/>
-              </a:rPr>
-              <a:t>Component based architecture</a:t>
-            </a:r>
-          </a:p>
-          <a:p>
-            <a:pPr marL="742950" marR="0" lvl="1" indent="-285750" algn="l" defTabSz="914400" rtl="0" eaLnBrk="1" fontAlgn="auto" latinLnBrk="0" hangingPunct="1">
-              <a:lnSpc>
-                <a:spcPct val="100000"/>
-              </a:lnSpc>
-              <a:spcBef>
-                <a:spcPts val="0"/>
-              </a:spcBef>
-              <a:spcAft>
-                <a:spcPts val="0"/>
-              </a:spcAft>
-              <a:buClrTx/>
-              <a:buSzTx/>
-              <a:buFont typeface="Arial" panose="020B0604020202020204" pitchFamily="34" charset="0"/>
-              <a:buChar char="•"/>
-              <a:tabLst/>
-              <a:defRPr/>
-            </a:pPr>
-            <a:r>
-              <a:rPr kumimoji="0" lang="en-ZA" sz="1800" b="0" i="0" u="none" strike="noStrike" kern="1200" cap="none" spc="0" normalizeH="0" baseline="0" noProof="0" dirty="0">
-                <a:ln>
-                  <a:noFill/>
-                </a:ln>
-                <a:solidFill>
-                  <a:prstClr val="white"/>
-                </a:solidFill>
-                <a:effectLst/>
-                <a:uLnTx/>
-                <a:uFillTx/>
-                <a:latin typeface="Montserrat"/>
-                <a:ea typeface="+mn-ea"/>
-                <a:cs typeface="+mn-cs"/>
-              </a:rPr>
-              <a:t>Thorough unit tests and code coverage </a:t>
-            </a:r>
-          </a:p>
-          <a:p>
-            <a:pPr marL="742950" marR="0" lvl="1" indent="-285750" algn="l" defTabSz="914400" rtl="0" eaLnBrk="1" fontAlgn="auto" latinLnBrk="0" hangingPunct="1">
-              <a:lnSpc>
-                <a:spcPct val="100000"/>
-              </a:lnSpc>
-              <a:spcBef>
-                <a:spcPts val="0"/>
-              </a:spcBef>
-              <a:spcAft>
-                <a:spcPts val="0"/>
-              </a:spcAft>
-              <a:buClrTx/>
-              <a:buSzTx/>
-              <a:buFont typeface="Arial" panose="020B0604020202020204" pitchFamily="34" charset="0"/>
-              <a:buChar char="•"/>
-              <a:tabLst/>
-              <a:defRPr/>
-            </a:pPr>
-            <a:r>
-              <a:rPr kumimoji="0" lang="en-ZA" sz="1800" b="0" i="0" u="none" strike="noStrike" kern="1200" cap="none" spc="0" normalizeH="0" baseline="0" noProof="0" dirty="0">
-                <a:ln>
-                  <a:noFill/>
-                </a:ln>
-                <a:solidFill>
-                  <a:prstClr val="white"/>
-                </a:solidFill>
-                <a:effectLst/>
-                <a:uLnTx/>
-                <a:uFillTx/>
-                <a:latin typeface="Montserrat"/>
-                <a:ea typeface="+mn-ea"/>
-                <a:cs typeface="+mn-cs"/>
-              </a:rPr>
-              <a:t>Uniform variable naming conventions</a:t>
-            </a:r>
-          </a:p>
-          <a:p>
-            <a:pPr marL="742950" marR="0" lvl="1" indent="-285750" algn="l" defTabSz="914400" rtl="0" eaLnBrk="1" fontAlgn="auto" latinLnBrk="0" hangingPunct="1">
-              <a:lnSpc>
-                <a:spcPct val="100000"/>
-              </a:lnSpc>
-              <a:spcBef>
-                <a:spcPts val="0"/>
-              </a:spcBef>
-              <a:spcAft>
-                <a:spcPts val="0"/>
-              </a:spcAft>
-              <a:buClrTx/>
-              <a:buSzTx/>
-              <a:buFont typeface="Arial" panose="020B0604020202020204" pitchFamily="34" charset="0"/>
-              <a:buChar char="•"/>
-              <a:tabLst/>
-              <a:defRPr/>
-            </a:pPr>
-            <a:endParaRPr kumimoji="0" lang="en-ZA" sz="1800" b="0" i="0" u="none" strike="noStrike" kern="1200" cap="none" spc="0" normalizeH="0" baseline="0" noProof="0" dirty="0">
-              <a:ln>
-                <a:noFill/>
-              </a:ln>
-              <a:solidFill>
-                <a:prstClr val="white"/>
-              </a:solidFill>
-              <a:effectLst/>
-              <a:uLnTx/>
-              <a:uFillTx/>
-              <a:latin typeface="Montserrat"/>
-              <a:ea typeface="+mn-ea"/>
-              <a:cs typeface="+mn-cs"/>
-            </a:endParaRPr>
-          </a:p>
-          <a:p>
-            <a:pPr marL="285750" marR="0" lvl="0" indent="-285750" algn="l" defTabSz="914400" rtl="0" eaLnBrk="1" fontAlgn="auto" latinLnBrk="0" hangingPunct="1">
-              <a:lnSpc>
-                <a:spcPct val="100000"/>
-              </a:lnSpc>
-              <a:spcBef>
-                <a:spcPts val="0"/>
-              </a:spcBef>
-              <a:spcAft>
-                <a:spcPts val="0"/>
-              </a:spcAft>
-              <a:buClrTx/>
-              <a:buSzTx/>
-              <a:buFont typeface="Wingdings" panose="05000000000000000000" pitchFamily="2" charset="2"/>
-              <a:buChar char="Ø"/>
-              <a:tabLst/>
-              <a:defRPr/>
-            </a:pPr>
-            <a:r>
-              <a:rPr kumimoji="0" lang="en-ZA" sz="1800" b="0" i="0" u="none" strike="noStrike" kern="1200" cap="none" spc="0" normalizeH="0" baseline="0" noProof="0" dirty="0">
-                <a:ln>
-                  <a:noFill/>
-                </a:ln>
-                <a:solidFill>
-                  <a:prstClr val="white"/>
-                </a:solidFill>
-                <a:effectLst/>
-                <a:uLnTx/>
-                <a:uFillTx/>
-                <a:latin typeface="Montserrat"/>
-                <a:ea typeface="+mn-ea"/>
-                <a:cs typeface="+mn-cs"/>
-              </a:rPr>
-              <a:t>Useability</a:t>
-            </a:r>
-          </a:p>
-          <a:p>
-            <a:pPr marL="742950" marR="0" lvl="1" indent="-285750" algn="l" defTabSz="914400" rtl="0" eaLnBrk="1" fontAlgn="auto" latinLnBrk="0" hangingPunct="1">
-              <a:lnSpc>
-                <a:spcPct val="100000"/>
-              </a:lnSpc>
-              <a:spcBef>
-                <a:spcPts val="0"/>
-              </a:spcBef>
-              <a:spcAft>
-                <a:spcPts val="0"/>
-              </a:spcAft>
-              <a:buClrTx/>
-              <a:buSzTx/>
-              <a:buFont typeface="Arial" panose="020B0604020202020204" pitchFamily="34" charset="0"/>
-              <a:buChar char="•"/>
-              <a:tabLst/>
-              <a:defRPr/>
-            </a:pPr>
-            <a:r>
-              <a:rPr kumimoji="0" lang="en-ZA" sz="1800" b="0" i="0" u="none" strike="noStrike" kern="1200" cap="none" spc="0" normalizeH="0" baseline="0" noProof="0" dirty="0">
-                <a:ln>
-                  <a:noFill/>
-                </a:ln>
-                <a:solidFill>
-                  <a:prstClr val="white"/>
-                </a:solidFill>
-                <a:effectLst/>
-                <a:uLnTx/>
-                <a:uFillTx/>
-                <a:latin typeface="Montserrat"/>
-                <a:ea typeface="+mn-ea"/>
-                <a:cs typeface="+mn-cs"/>
-              </a:rPr>
-              <a:t>Feedback from </a:t>
-            </a:r>
-            <a:r>
-              <a:rPr lang="en-ZA" dirty="0">
-                <a:solidFill>
-                  <a:prstClr val="white"/>
-                </a:solidFill>
-                <a:latin typeface="Montserrat"/>
-              </a:rPr>
-              <a:t>Clients</a:t>
-            </a:r>
-            <a:endParaRPr kumimoji="0" lang="en-ZA" sz="1800" b="0" i="0" u="none" strike="noStrike" kern="1200" cap="none" spc="0" normalizeH="0" baseline="0" noProof="0" dirty="0">
-              <a:ln>
-                <a:noFill/>
-              </a:ln>
-              <a:solidFill>
-                <a:prstClr val="white"/>
-              </a:solidFill>
-              <a:effectLst/>
-              <a:uLnTx/>
-              <a:uFillTx/>
-              <a:latin typeface="Montserrat"/>
-              <a:ea typeface="+mn-ea"/>
-              <a:cs typeface="+mn-cs"/>
-            </a:endParaRPr>
-          </a:p>
-          <a:p>
-            <a:pPr marL="742950" marR="0" lvl="1" indent="-285750" algn="l" defTabSz="914400" rtl="0" eaLnBrk="1" fontAlgn="auto" latinLnBrk="0" hangingPunct="1">
-              <a:lnSpc>
-                <a:spcPct val="100000"/>
-              </a:lnSpc>
-              <a:spcBef>
-                <a:spcPts val="0"/>
-              </a:spcBef>
-              <a:spcAft>
-                <a:spcPts val="0"/>
-              </a:spcAft>
-              <a:buClrTx/>
-              <a:buSzTx/>
-              <a:buFont typeface="Arial" panose="020B0604020202020204" pitchFamily="34" charset="0"/>
-              <a:buChar char="•"/>
-              <a:tabLst/>
-              <a:defRPr/>
-            </a:pPr>
-            <a:r>
-              <a:rPr kumimoji="0" lang="en-ZA" sz="1800" b="0" i="0" u="none" strike="noStrike" kern="1200" cap="none" spc="0" normalizeH="0" baseline="0" noProof="0" dirty="0">
-                <a:ln>
-                  <a:noFill/>
-                </a:ln>
-                <a:solidFill>
-                  <a:prstClr val="white"/>
-                </a:solidFill>
-                <a:effectLst/>
-                <a:uLnTx/>
-                <a:uFillTx/>
-                <a:latin typeface="Montserrat"/>
-                <a:ea typeface="+mn-ea"/>
-                <a:cs typeface="+mn-cs"/>
-              </a:rPr>
-              <a:t>Feedback from useability tests carried out on peers</a:t>
-            </a:r>
-          </a:p>
-          <a:p>
-            <a:pPr marR="0" lvl="0" algn="l" defTabSz="914400" rtl="0" eaLnBrk="1" fontAlgn="auto" latinLnBrk="0" hangingPunct="1">
-              <a:lnSpc>
-                <a:spcPct val="100000"/>
-              </a:lnSpc>
-              <a:spcBef>
-                <a:spcPts val="0"/>
-              </a:spcBef>
-              <a:spcAft>
-                <a:spcPts val="0"/>
-              </a:spcAft>
-              <a:buClrTx/>
-              <a:buSzTx/>
-              <a:tabLst/>
-              <a:defRPr/>
-            </a:pPr>
-            <a:endParaRPr kumimoji="0" lang="en-ZA" sz="1800" b="0" i="0" u="none" strike="noStrike" kern="1200" cap="none" spc="0" normalizeH="0" baseline="0" noProof="0" dirty="0">
-              <a:ln>
-                <a:noFill/>
-              </a:ln>
-              <a:solidFill>
-                <a:prstClr val="white"/>
-              </a:solidFill>
-              <a:effectLst/>
-              <a:uLnTx/>
-              <a:uFillTx/>
-              <a:latin typeface="Montserrat"/>
-              <a:ea typeface="+mn-ea"/>
-              <a:cs typeface="+mn-cs"/>
-            </a:endParaRPr>
           </a:p>
         </p:txBody>
       </p:sp>
+      <p:pic>
+        <p:nvPicPr>
+          <p:cNvPr id="4" name="Picture 3" descr="A screenshot of a graph&#10;&#10;Description automatically generated">
+            <a:extLst>
+              <a:ext uri="{FF2B5EF4-FFF2-40B4-BE49-F238E27FC236}">
+                <a16:creationId xmlns:a16="http://schemas.microsoft.com/office/drawing/2014/main" id="{0E61F668-5756-D40C-4440-CA2E38DD9DC0}"/>
+              </a:ext>
+            </a:extLst>
+          </p:cNvPr>
+          <p:cNvPicPr>
+            <a:picLocks noChangeAspect="1"/>
+          </p:cNvPicPr>
+          <p:nvPr/>
+        </p:nvPicPr>
+        <p:blipFill>
+          <a:blip r:embed="rId4">
+            <a:extLst>
+              <a:ext uri="{28A0092B-C50C-407E-A947-70E740481C1C}">
+                <a14:useLocalDpi xmlns:a14="http://schemas.microsoft.com/office/drawing/2010/main" val="0"/>
+              </a:ext>
+            </a:extLst>
+          </a:blip>
+          <a:stretch>
+            <a:fillRect/>
+          </a:stretch>
+        </p:blipFill>
+        <p:spPr>
+          <a:xfrm>
+            <a:off x="1905865" y="1822210"/>
+            <a:ext cx="8786669" cy="4331180"/>
+          </a:xfrm>
+          <a:prstGeom prst="rect">
+            <a:avLst/>
+          </a:prstGeom>
+        </p:spPr>
+      </p:pic>
     </p:spTree>
     <p:extLst>
       <p:ext uri="{BB962C8B-B14F-4D97-AF65-F5344CB8AC3E}">
-        <p14:creationId xmlns:p14="http://schemas.microsoft.com/office/powerpoint/2010/main" val="2132177623"/>
+        <p14:creationId xmlns:p14="http://schemas.microsoft.com/office/powerpoint/2010/main" val="1512265563"/>
       </p:ext>
     </p:extLst>
   </p:cSld>
@@ -25196,7 +24767,7 @@
         </p:nvSpPr>
         <p:spPr>
           <a:xfrm>
-            <a:off x="2164044" y="218746"/>
+            <a:off x="2164044" y="131279"/>
             <a:ext cx="8126062" cy="830997"/>
           </a:xfrm>
           <a:prstGeom prst="rect">
@@ -25228,7 +24799,7 @@
               <a:defRPr/>
             </a:pPr>
             <a:r>
-              <a:rPr lang="en-US" sz="4800" b="1" dirty="0">
+              <a:rPr kumimoji="0" lang="en-US" sz="4800" b="1" i="0" u="none" strike="noStrike" kern="1200" cap="none" spc="0" normalizeH="0" baseline="0" noProof="0" dirty="0">
                 <a:ln>
                   <a:solidFill>
                     <a:schemeClr val="bg2">
@@ -25241,7 +24812,12 @@
                     <a:lumMod val="95000"/>
                   </a:prstClr>
                 </a:solidFill>
+                <a:effectLst/>
+                <a:uLnTx/>
+                <a:uFillTx/>
                 <a:latin typeface="Tw Cen MT" panose="020B0602020104020603" pitchFamily="34" charset="0"/>
+                <a:ea typeface="+mn-ea"/>
+                <a:cs typeface="+mn-cs"/>
               </a:rPr>
               <a:t>Quality Assurance</a:t>
             </a:r>
@@ -25322,8 +24898,8 @@
         </p:nvSpPr>
         <p:spPr>
           <a:xfrm>
-            <a:off x="2164044" y="1131102"/>
-            <a:ext cx="7040710" cy="923330"/>
+            <a:off x="2164044" y="1428807"/>
+            <a:ext cx="7040710" cy="4247317"/>
           </a:xfrm>
           <a:prstGeom prst="rect">
             <a:avLst/>
@@ -25336,105 +24912,612 @@
           </a:bodyPr>
           <a:lstStyle/>
           <a:p>
-            <a:pPr marL="285750" indent="-285750">
+            <a:pPr marL="285750" marR="0" lvl="0" indent="-285750" algn="l" defTabSz="914400" rtl="0" eaLnBrk="1" fontAlgn="auto" latinLnBrk="0" hangingPunct="1">
+              <a:lnSpc>
+                <a:spcPct val="100000"/>
+              </a:lnSpc>
+              <a:spcBef>
+                <a:spcPts val="0"/>
+              </a:spcBef>
+              <a:spcAft>
+                <a:spcPts val="0"/>
+              </a:spcAft>
+              <a:buClrTx/>
+              <a:buSzTx/>
               <a:buFont typeface="Wingdings" panose="05000000000000000000" pitchFamily="2" charset="2"/>
               <a:buChar char="Ø"/>
+              <a:tabLst/>
+              <a:defRPr/>
+            </a:pPr>
+            <a:r>
+              <a:rPr kumimoji="0" lang="en-ZA" sz="1800" b="0" i="0" u="none" strike="noStrike" kern="1200" cap="none" spc="0" normalizeH="0" baseline="0" noProof="0" dirty="0">
+                <a:ln>
+                  <a:noFill/>
+                </a:ln>
+                <a:solidFill>
+                  <a:prstClr val="white"/>
+                </a:solidFill>
+                <a:effectLst/>
+                <a:uLnTx/>
+                <a:uFillTx/>
+                <a:latin typeface="Montserrat"/>
+                <a:ea typeface="+mn-ea"/>
+                <a:cs typeface="+mn-cs"/>
+              </a:rPr>
+              <a:t>Security</a:t>
+            </a:r>
+          </a:p>
+          <a:p>
+            <a:pPr marL="742950" marR="0" lvl="1" indent="-285750" algn="l" defTabSz="914400" rtl="0" eaLnBrk="1" fontAlgn="auto" latinLnBrk="0" hangingPunct="1">
+              <a:lnSpc>
+                <a:spcPct val="100000"/>
+              </a:lnSpc>
+              <a:spcBef>
+                <a:spcPts val="0"/>
+              </a:spcBef>
+              <a:spcAft>
+                <a:spcPts val="0"/>
+              </a:spcAft>
+              <a:buClrTx/>
+              <a:buSzTx/>
+              <a:buFont typeface="Arial" panose="020B0604020202020204" pitchFamily="34" charset="0"/>
+              <a:buChar char="•"/>
+              <a:tabLst/>
+              <a:defRPr/>
+            </a:pPr>
+            <a:r>
+              <a:rPr kumimoji="0" lang="en-ZA" sz="1800" b="0" i="0" u="none" strike="noStrike" kern="1200" cap="none" spc="0" normalizeH="0" baseline="0" noProof="0" dirty="0">
+                <a:ln>
+                  <a:noFill/>
+                </a:ln>
+                <a:solidFill>
+                  <a:prstClr val="white"/>
+                </a:solidFill>
+                <a:effectLst/>
+                <a:uLnTx/>
+                <a:uFillTx/>
+                <a:latin typeface="Montserrat"/>
+                <a:ea typeface="+mn-ea"/>
+                <a:cs typeface="+mn-cs"/>
+              </a:rPr>
+              <a:t>Encryption in transit (HTTPS) and at rest</a:t>
+            </a:r>
+          </a:p>
+          <a:p>
+            <a:pPr marL="742950" marR="0" lvl="1" indent="-285750" algn="l" defTabSz="914400" rtl="0" eaLnBrk="1" fontAlgn="auto" latinLnBrk="0" hangingPunct="1">
+              <a:lnSpc>
+                <a:spcPct val="100000"/>
+              </a:lnSpc>
+              <a:spcBef>
+                <a:spcPts val="0"/>
+              </a:spcBef>
+              <a:spcAft>
+                <a:spcPts val="0"/>
+              </a:spcAft>
+              <a:buClrTx/>
+              <a:buSzTx/>
+              <a:buFont typeface="Arial" panose="020B0604020202020204" pitchFamily="34" charset="0"/>
+              <a:buChar char="•"/>
+              <a:tabLst/>
+              <a:defRPr/>
+            </a:pPr>
+            <a:r>
+              <a:rPr kumimoji="0" lang="en-ZA" sz="1800" b="0" i="0" u="none" strike="noStrike" kern="1200" cap="none" spc="0" normalizeH="0" baseline="0" noProof="0" dirty="0">
+                <a:ln>
+                  <a:noFill/>
+                </a:ln>
+                <a:solidFill>
+                  <a:prstClr val="white"/>
+                </a:solidFill>
+                <a:effectLst/>
+                <a:uLnTx/>
+                <a:uFillTx/>
+                <a:latin typeface="Montserrat"/>
+                <a:ea typeface="+mn-ea"/>
+                <a:cs typeface="+mn-cs"/>
+              </a:rPr>
+              <a:t>Role Based Access with protected routes</a:t>
+            </a:r>
+          </a:p>
+          <a:p>
+            <a:pPr marL="742950" marR="0" lvl="1" indent="-285750" algn="l" defTabSz="914400" rtl="0" eaLnBrk="1" fontAlgn="auto" latinLnBrk="0" hangingPunct="1">
+              <a:lnSpc>
+                <a:spcPct val="100000"/>
+              </a:lnSpc>
+              <a:spcBef>
+                <a:spcPts val="0"/>
+              </a:spcBef>
+              <a:spcAft>
+                <a:spcPts val="0"/>
+              </a:spcAft>
+              <a:buClrTx/>
+              <a:buSzTx/>
+              <a:buFont typeface="Arial" panose="020B0604020202020204" pitchFamily="34" charset="0"/>
+              <a:buChar char="•"/>
+              <a:tabLst/>
+              <a:defRPr/>
             </a:pPr>
             <a:r>
               <a:rPr lang="en-ZA" dirty="0">
                 <a:solidFill>
-                  <a:schemeClr val="bg1"/>
+                  <a:prstClr val="white"/>
                 </a:solidFill>
+                <a:latin typeface="Montserrat"/>
               </a:rPr>
-              <a:t>Performance and Availability</a:t>
+              <a:t>Injection and XSS prevention</a:t>
             </a:r>
-          </a:p>
-          <a:p>
-            <a:pPr marL="742950" lvl="1" indent="-285750">
+            <a:endParaRPr kumimoji="0" lang="en-ZA" sz="1800" b="0" i="0" u="none" strike="noStrike" kern="1200" cap="none" spc="0" normalizeH="0" baseline="0" noProof="0" dirty="0">
+              <a:ln>
+                <a:noFill/>
+              </a:ln>
+              <a:solidFill>
+                <a:prstClr val="white"/>
+              </a:solidFill>
+              <a:effectLst/>
+              <a:uLnTx/>
+              <a:uFillTx/>
+              <a:latin typeface="Montserrat"/>
+              <a:ea typeface="+mn-ea"/>
+              <a:cs typeface="+mn-cs"/>
+            </a:endParaRPr>
+          </a:p>
+          <a:p>
+            <a:pPr marL="742950" marR="0" lvl="1" indent="-285750" algn="l" defTabSz="914400" rtl="0" eaLnBrk="1" fontAlgn="auto" latinLnBrk="0" hangingPunct="1">
+              <a:lnSpc>
+                <a:spcPct val="100000"/>
+              </a:lnSpc>
+              <a:spcBef>
+                <a:spcPts val="0"/>
+              </a:spcBef>
+              <a:spcAft>
+                <a:spcPts val="0"/>
+              </a:spcAft>
+              <a:buClrTx/>
+              <a:buSzTx/>
               <a:buFont typeface="Arial" panose="020B0604020202020204" pitchFamily="34" charset="0"/>
               <a:buChar char="•"/>
+              <a:tabLst/>
+              <a:defRPr/>
             </a:pPr>
             <a:r>
-              <a:rPr lang="en-GB" sz="1800" b="0" i="0" u="none" strike="noStrike" dirty="0">
+              <a:rPr kumimoji="0" lang="en-ZA" sz="1800" b="0" i="0" u="none" strike="noStrike" kern="1200" cap="none" spc="0" normalizeH="0" baseline="0" noProof="0" dirty="0">
+                <a:ln>
+                  <a:noFill/>
+                </a:ln>
                 <a:solidFill>
-                  <a:schemeClr val="bg1"/>
+                  <a:prstClr val="white"/>
                 </a:solidFill>
                 <a:effectLst/>
-                <a:latin typeface="Arial" panose="020B0604020202020204" pitchFamily="34" charset="0"/>
+                <a:uLnTx/>
+                <a:uFillTx/>
+                <a:latin typeface="Montserrat"/>
+                <a:ea typeface="+mn-ea"/>
+                <a:cs typeface="+mn-cs"/>
               </a:rPr>
-              <a:t>Used lighthouse performance testing from google</a:t>
+              <a:t>JSON </a:t>
             </a:r>
-            <a:endParaRPr lang="en-ZA" dirty="0">
-              <a:solidFill>
-                <a:schemeClr val="bg1"/>
-              </a:solidFill>
-            </a:endParaRPr>
-          </a:p>
-          <a:p>
-            <a:pPr marL="742950" lvl="1" indent="-285750">
-              <a:buFont typeface="Arial" panose="020B0604020202020204" pitchFamily="34" charset="0"/>
-              <a:buChar char="•"/>
-            </a:pPr>
             <a:r>
               <a:rPr lang="en-ZA" dirty="0">
                 <a:solidFill>
-                  <a:schemeClr val="bg1"/>
+                  <a:prstClr val="white"/>
                 </a:solidFill>
+                <a:latin typeface="Montserrat"/>
               </a:rPr>
-              <a:t>Uptime measured using uptime robot, well over 99%</a:t>
+              <a:t>W</a:t>
             </a:r>
+            <a:r>
+              <a:rPr kumimoji="0" lang="en-ZA" sz="1800" b="0" i="0" u="none" strike="noStrike" kern="1200" cap="none" spc="0" normalizeH="0" baseline="0" noProof="0" dirty="0" err="1">
+                <a:ln>
+                  <a:noFill/>
+                </a:ln>
+                <a:solidFill>
+                  <a:prstClr val="white"/>
+                </a:solidFill>
+                <a:effectLst/>
+                <a:uLnTx/>
+                <a:uFillTx/>
+                <a:latin typeface="Montserrat"/>
+                <a:ea typeface="+mn-ea"/>
+                <a:cs typeface="+mn-cs"/>
+              </a:rPr>
+              <a:t>eb</a:t>
+            </a:r>
+            <a:r>
+              <a:rPr kumimoji="0" lang="en-ZA" sz="1800" b="0" i="0" u="none" strike="noStrike" kern="1200" cap="none" spc="0" normalizeH="0" baseline="0" noProof="0" dirty="0">
+                <a:ln>
+                  <a:noFill/>
+                </a:ln>
+                <a:solidFill>
+                  <a:prstClr val="white"/>
+                </a:solidFill>
+                <a:effectLst/>
+                <a:uLnTx/>
+                <a:uFillTx/>
+                <a:latin typeface="Montserrat"/>
+                <a:ea typeface="+mn-ea"/>
+                <a:cs typeface="+mn-cs"/>
+              </a:rPr>
+              <a:t> Tokens </a:t>
+            </a:r>
+          </a:p>
+          <a:p>
+            <a:pPr marL="742950" marR="0" lvl="1" indent="-285750" algn="l" defTabSz="914400" rtl="0" eaLnBrk="1" fontAlgn="auto" latinLnBrk="0" hangingPunct="1">
+              <a:lnSpc>
+                <a:spcPct val="100000"/>
+              </a:lnSpc>
+              <a:spcBef>
+                <a:spcPts val="0"/>
+              </a:spcBef>
+              <a:spcAft>
+                <a:spcPts val="0"/>
+              </a:spcAft>
+              <a:buClrTx/>
+              <a:buSzTx/>
+              <a:buFont typeface="Arial" panose="020B0604020202020204" pitchFamily="34" charset="0"/>
+              <a:buChar char="•"/>
+              <a:tabLst/>
+              <a:defRPr/>
+            </a:pPr>
+            <a:endParaRPr kumimoji="0" lang="en-ZA" sz="1800" b="0" i="0" u="none" strike="noStrike" kern="1200" cap="none" spc="0" normalizeH="0" baseline="0" noProof="0" dirty="0">
+              <a:ln>
+                <a:noFill/>
+              </a:ln>
+              <a:solidFill>
+                <a:prstClr val="white"/>
+              </a:solidFill>
+              <a:effectLst/>
+              <a:uLnTx/>
+              <a:uFillTx/>
+              <a:latin typeface="Montserrat"/>
+              <a:ea typeface="+mn-ea"/>
+              <a:cs typeface="+mn-cs"/>
+            </a:endParaRPr>
+          </a:p>
+          <a:p>
+            <a:pPr marL="285750" marR="0" lvl="0" indent="-285750" algn="l" defTabSz="914400" rtl="0" eaLnBrk="1" fontAlgn="auto" latinLnBrk="0" hangingPunct="1">
+              <a:lnSpc>
+                <a:spcPct val="100000"/>
+              </a:lnSpc>
+              <a:spcBef>
+                <a:spcPts val="0"/>
+              </a:spcBef>
+              <a:spcAft>
+                <a:spcPts val="0"/>
+              </a:spcAft>
+              <a:buClrTx/>
+              <a:buSzTx/>
+              <a:buFont typeface="Wingdings" panose="05000000000000000000" pitchFamily="2" charset="2"/>
+              <a:buChar char="Ø"/>
+              <a:tabLst/>
+              <a:defRPr/>
+            </a:pPr>
+            <a:r>
+              <a:rPr kumimoji="0" lang="en-ZA" sz="1800" b="0" i="0" u="none" strike="noStrike" kern="1200" cap="none" spc="0" normalizeH="0" baseline="0" noProof="0" dirty="0">
+                <a:ln>
+                  <a:noFill/>
+                </a:ln>
+                <a:solidFill>
+                  <a:prstClr val="white"/>
+                </a:solidFill>
+                <a:effectLst/>
+                <a:uLnTx/>
+                <a:uFillTx/>
+                <a:latin typeface="Montserrat"/>
+                <a:ea typeface="+mn-ea"/>
+                <a:cs typeface="+mn-cs"/>
+              </a:rPr>
+              <a:t>Maintainability</a:t>
+            </a:r>
+          </a:p>
+          <a:p>
+            <a:pPr marL="742950" marR="0" lvl="1" indent="-285750" algn="l" defTabSz="914400" rtl="0" eaLnBrk="1" fontAlgn="auto" latinLnBrk="0" hangingPunct="1">
+              <a:lnSpc>
+                <a:spcPct val="100000"/>
+              </a:lnSpc>
+              <a:spcBef>
+                <a:spcPts val="0"/>
+              </a:spcBef>
+              <a:spcAft>
+                <a:spcPts val="0"/>
+              </a:spcAft>
+              <a:buClrTx/>
+              <a:buSzTx/>
+              <a:buFont typeface="Arial" panose="020B0604020202020204" pitchFamily="34" charset="0"/>
+              <a:buChar char="•"/>
+              <a:tabLst/>
+              <a:defRPr/>
+            </a:pPr>
+            <a:r>
+              <a:rPr kumimoji="0" lang="en-ZA" sz="1800" b="0" i="0" u="none" strike="noStrike" kern="1200" cap="none" spc="0" normalizeH="0" baseline="0" noProof="0" dirty="0">
+                <a:ln>
+                  <a:noFill/>
+                </a:ln>
+                <a:solidFill>
+                  <a:prstClr val="white"/>
+                </a:solidFill>
+                <a:effectLst/>
+                <a:uLnTx/>
+                <a:uFillTx/>
+                <a:latin typeface="Montserrat"/>
+                <a:ea typeface="+mn-ea"/>
+                <a:cs typeface="+mn-cs"/>
+              </a:rPr>
+              <a:t>Component based architecture</a:t>
+            </a:r>
+          </a:p>
+          <a:p>
+            <a:pPr marL="742950" marR="0" lvl="1" indent="-285750" algn="l" defTabSz="914400" rtl="0" eaLnBrk="1" fontAlgn="auto" latinLnBrk="0" hangingPunct="1">
+              <a:lnSpc>
+                <a:spcPct val="100000"/>
+              </a:lnSpc>
+              <a:spcBef>
+                <a:spcPts val="0"/>
+              </a:spcBef>
+              <a:spcAft>
+                <a:spcPts val="0"/>
+              </a:spcAft>
+              <a:buClrTx/>
+              <a:buSzTx/>
+              <a:buFont typeface="Arial" panose="020B0604020202020204" pitchFamily="34" charset="0"/>
+              <a:buChar char="•"/>
+              <a:tabLst/>
+              <a:defRPr/>
+            </a:pPr>
+            <a:r>
+              <a:rPr kumimoji="0" lang="en-ZA" sz="1800" b="0" i="0" u="none" strike="noStrike" kern="1200" cap="none" spc="0" normalizeH="0" baseline="0" noProof="0" dirty="0">
+                <a:ln>
+                  <a:noFill/>
+                </a:ln>
+                <a:solidFill>
+                  <a:prstClr val="white"/>
+                </a:solidFill>
+                <a:effectLst/>
+                <a:uLnTx/>
+                <a:uFillTx/>
+                <a:latin typeface="Montserrat"/>
+                <a:ea typeface="+mn-ea"/>
+                <a:cs typeface="+mn-cs"/>
+              </a:rPr>
+              <a:t>Thorough unit tests and code coverage </a:t>
+            </a:r>
+          </a:p>
+          <a:p>
+            <a:pPr marL="742950" marR="0" lvl="1" indent="-285750" algn="l" defTabSz="914400" rtl="0" eaLnBrk="1" fontAlgn="auto" latinLnBrk="0" hangingPunct="1">
+              <a:lnSpc>
+                <a:spcPct val="100000"/>
+              </a:lnSpc>
+              <a:spcBef>
+                <a:spcPts val="0"/>
+              </a:spcBef>
+              <a:spcAft>
+                <a:spcPts val="0"/>
+              </a:spcAft>
+              <a:buClrTx/>
+              <a:buSzTx/>
+              <a:buFont typeface="Arial" panose="020B0604020202020204" pitchFamily="34" charset="0"/>
+              <a:buChar char="•"/>
+              <a:tabLst/>
+              <a:defRPr/>
+            </a:pPr>
+            <a:r>
+              <a:rPr kumimoji="0" lang="en-ZA" sz="1800" b="0" i="0" u="none" strike="noStrike" kern="1200" cap="none" spc="0" normalizeH="0" baseline="0" noProof="0" dirty="0">
+                <a:ln>
+                  <a:noFill/>
+                </a:ln>
+                <a:solidFill>
+                  <a:prstClr val="white"/>
+                </a:solidFill>
+                <a:effectLst/>
+                <a:uLnTx/>
+                <a:uFillTx/>
+                <a:latin typeface="Montserrat"/>
+                <a:ea typeface="+mn-ea"/>
+                <a:cs typeface="+mn-cs"/>
+              </a:rPr>
+              <a:t>Uniform variable naming conventions</a:t>
+            </a:r>
+          </a:p>
+          <a:p>
+            <a:pPr marL="742950" marR="0" lvl="1" indent="-285750" algn="l" defTabSz="914400" rtl="0" eaLnBrk="1" fontAlgn="auto" latinLnBrk="0" hangingPunct="1">
+              <a:lnSpc>
+                <a:spcPct val="100000"/>
+              </a:lnSpc>
+              <a:spcBef>
+                <a:spcPts val="0"/>
+              </a:spcBef>
+              <a:spcAft>
+                <a:spcPts val="0"/>
+              </a:spcAft>
+              <a:buClrTx/>
+              <a:buSzTx/>
+              <a:buFont typeface="Arial" panose="020B0604020202020204" pitchFamily="34" charset="0"/>
+              <a:buChar char="•"/>
+              <a:tabLst/>
+              <a:defRPr/>
+            </a:pPr>
+            <a:endParaRPr kumimoji="0" lang="en-ZA" sz="1800" b="0" i="0" u="none" strike="noStrike" kern="1200" cap="none" spc="0" normalizeH="0" baseline="0" noProof="0" dirty="0">
+              <a:ln>
+                <a:noFill/>
+              </a:ln>
+              <a:solidFill>
+                <a:prstClr val="white"/>
+              </a:solidFill>
+              <a:effectLst/>
+              <a:uLnTx/>
+              <a:uFillTx/>
+              <a:latin typeface="Montserrat"/>
+              <a:ea typeface="+mn-ea"/>
+              <a:cs typeface="+mn-cs"/>
+            </a:endParaRPr>
+          </a:p>
+          <a:p>
+            <a:pPr marL="285750" marR="0" lvl="0" indent="-285750" algn="l" defTabSz="914400" rtl="0" eaLnBrk="1" fontAlgn="auto" latinLnBrk="0" hangingPunct="1">
+              <a:lnSpc>
+                <a:spcPct val="100000"/>
+              </a:lnSpc>
+              <a:spcBef>
+                <a:spcPts val="0"/>
+              </a:spcBef>
+              <a:spcAft>
+                <a:spcPts val="0"/>
+              </a:spcAft>
+              <a:buClrTx/>
+              <a:buSzTx/>
+              <a:buFont typeface="Wingdings" panose="05000000000000000000" pitchFamily="2" charset="2"/>
+              <a:buChar char="Ø"/>
+              <a:tabLst/>
+              <a:defRPr/>
+            </a:pPr>
+            <a:r>
+              <a:rPr kumimoji="0" lang="en-ZA" sz="1800" b="0" i="0" u="none" strike="noStrike" kern="1200" cap="none" spc="0" normalizeH="0" baseline="0" noProof="0" dirty="0">
+                <a:ln>
+                  <a:noFill/>
+                </a:ln>
+                <a:solidFill>
+                  <a:prstClr val="white"/>
+                </a:solidFill>
+                <a:effectLst/>
+                <a:uLnTx/>
+                <a:uFillTx/>
+                <a:latin typeface="Montserrat"/>
+                <a:ea typeface="+mn-ea"/>
+                <a:cs typeface="+mn-cs"/>
+              </a:rPr>
+              <a:t>Useability</a:t>
+            </a:r>
+          </a:p>
+          <a:p>
+            <a:pPr marL="742950" marR="0" lvl="1" indent="-285750" algn="l" defTabSz="914400" rtl="0" eaLnBrk="1" fontAlgn="auto" latinLnBrk="0" hangingPunct="1">
+              <a:lnSpc>
+                <a:spcPct val="100000"/>
+              </a:lnSpc>
+              <a:spcBef>
+                <a:spcPts val="0"/>
+              </a:spcBef>
+              <a:spcAft>
+                <a:spcPts val="0"/>
+              </a:spcAft>
+              <a:buClrTx/>
+              <a:buSzTx/>
+              <a:buFont typeface="Arial" panose="020B0604020202020204" pitchFamily="34" charset="0"/>
+              <a:buChar char="•"/>
+              <a:tabLst/>
+              <a:defRPr/>
+            </a:pPr>
+            <a:r>
+              <a:rPr kumimoji="0" lang="en-ZA" sz="1800" b="0" i="0" u="none" strike="noStrike" kern="1200" cap="none" spc="0" normalizeH="0" baseline="0" noProof="0" dirty="0">
+                <a:ln>
+                  <a:noFill/>
+                </a:ln>
+                <a:solidFill>
+                  <a:prstClr val="white"/>
+                </a:solidFill>
+                <a:effectLst/>
+                <a:uLnTx/>
+                <a:uFillTx/>
+                <a:latin typeface="Montserrat"/>
+                <a:ea typeface="+mn-ea"/>
+                <a:cs typeface="+mn-cs"/>
+              </a:rPr>
+              <a:t>Feedback from </a:t>
+            </a:r>
+            <a:r>
+              <a:rPr lang="en-ZA" dirty="0">
+                <a:solidFill>
+                  <a:prstClr val="white"/>
+                </a:solidFill>
+                <a:latin typeface="Montserrat"/>
+              </a:rPr>
+              <a:t>Clients</a:t>
+            </a:r>
+            <a:endParaRPr kumimoji="0" lang="en-ZA" sz="1800" b="0" i="0" u="none" strike="noStrike" kern="1200" cap="none" spc="0" normalizeH="0" baseline="0" noProof="0" dirty="0">
+              <a:ln>
+                <a:noFill/>
+              </a:ln>
+              <a:solidFill>
+                <a:prstClr val="white"/>
+              </a:solidFill>
+              <a:effectLst/>
+              <a:uLnTx/>
+              <a:uFillTx/>
+              <a:latin typeface="Montserrat"/>
+              <a:ea typeface="+mn-ea"/>
+              <a:cs typeface="+mn-cs"/>
+            </a:endParaRPr>
+          </a:p>
+          <a:p>
+            <a:pPr marL="742950" marR="0" lvl="1" indent="-285750" algn="l" defTabSz="914400" rtl="0" eaLnBrk="1" fontAlgn="auto" latinLnBrk="0" hangingPunct="1">
+              <a:lnSpc>
+                <a:spcPct val="100000"/>
+              </a:lnSpc>
+              <a:spcBef>
+                <a:spcPts val="0"/>
+              </a:spcBef>
+              <a:spcAft>
+                <a:spcPts val="0"/>
+              </a:spcAft>
+              <a:buClrTx/>
+              <a:buSzTx/>
+              <a:buFont typeface="Arial" panose="020B0604020202020204" pitchFamily="34" charset="0"/>
+              <a:buChar char="•"/>
+              <a:tabLst/>
+              <a:defRPr/>
+            </a:pPr>
+            <a:r>
+              <a:rPr kumimoji="0" lang="en-ZA" sz="1800" b="0" i="0" u="none" strike="noStrike" kern="1200" cap="none" spc="0" normalizeH="0" baseline="0" noProof="0" dirty="0">
+                <a:ln>
+                  <a:noFill/>
+                </a:ln>
+                <a:solidFill>
+                  <a:prstClr val="white"/>
+                </a:solidFill>
+                <a:effectLst/>
+                <a:uLnTx/>
+                <a:uFillTx/>
+                <a:latin typeface="Montserrat"/>
+                <a:ea typeface="+mn-ea"/>
+                <a:cs typeface="+mn-cs"/>
+              </a:rPr>
+              <a:t>Feedback from useability tests carried out on peers</a:t>
+            </a:r>
+          </a:p>
+          <a:p>
+            <a:pPr marR="0" lvl="0" algn="l" defTabSz="914400" rtl="0" eaLnBrk="1" fontAlgn="auto" latinLnBrk="0" hangingPunct="1">
+              <a:lnSpc>
+                <a:spcPct val="100000"/>
+              </a:lnSpc>
+              <a:spcBef>
+                <a:spcPts val="0"/>
+              </a:spcBef>
+              <a:spcAft>
+                <a:spcPts val="0"/>
+              </a:spcAft>
+              <a:buClrTx/>
+              <a:buSzTx/>
+              <a:tabLst/>
+              <a:defRPr/>
+            </a:pPr>
+            <a:endParaRPr kumimoji="0" lang="en-ZA" sz="1800" b="0" i="0" u="none" strike="noStrike" kern="1200" cap="none" spc="0" normalizeH="0" baseline="0" noProof="0" dirty="0">
+              <a:ln>
+                <a:noFill/>
+              </a:ln>
+              <a:solidFill>
+                <a:prstClr val="white"/>
+              </a:solidFill>
+              <a:effectLst/>
+              <a:uLnTx/>
+              <a:uFillTx/>
+              <a:latin typeface="Montserrat"/>
+              <a:ea typeface="+mn-ea"/>
+              <a:cs typeface="+mn-cs"/>
+            </a:endParaRPr>
           </a:p>
         </p:txBody>
       </p:sp>
-      <p:pic>
-        <p:nvPicPr>
-          <p:cNvPr id="1026" name="Picture 2">
-            <a:extLst>
-              <a:ext uri="{FF2B5EF4-FFF2-40B4-BE49-F238E27FC236}">
-                <a16:creationId xmlns:a16="http://schemas.microsoft.com/office/drawing/2014/main" id="{12CCDC33-A5FC-E04A-0C59-A349E2B47328}"/>
-              </a:ext>
-            </a:extLst>
-          </p:cNvPr>
-          <p:cNvPicPr>
-            <a:picLocks noChangeAspect="1" noChangeArrowheads="1"/>
-          </p:cNvPicPr>
-          <p:nvPr/>
-        </p:nvPicPr>
-        <p:blipFill rotWithShape="1">
-          <a:blip r:embed="rId4">
-            <a:extLst>
-              <a:ext uri="{28A0092B-C50C-407E-A947-70E740481C1C}">
-                <a14:useLocalDpi xmlns:a14="http://schemas.microsoft.com/office/drawing/2010/main" val="0"/>
-              </a:ext>
-            </a:extLst>
-          </a:blip>
-          <a:srcRect t="21747" r="3207"/>
-          <a:stretch/>
-        </p:blipFill>
-        <p:spPr bwMode="auto">
-          <a:xfrm>
-            <a:off x="1925403" y="2439153"/>
-            <a:ext cx="8485034" cy="3867670"/>
-          </a:xfrm>
-          <a:prstGeom prst="rect">
-            <a:avLst/>
-          </a:prstGeom>
-          <a:noFill/>
-          <a:extLst>
-            <a:ext uri="{909E8E84-426E-40DD-AFC4-6F175D3DCCD1}">
-              <a14:hiddenFill xmlns:a14="http://schemas.microsoft.com/office/drawing/2010/main">
-                <a:solidFill>
-                  <a:srgbClr val="FFFFFF"/>
-                </a:solidFill>
-              </a14:hiddenFill>
-            </a:ext>
-          </a:extLst>
-        </p:spPr>
-      </p:pic>
     </p:spTree>
     <p:extLst>
       <p:ext uri="{BB962C8B-B14F-4D97-AF65-F5344CB8AC3E}">
-        <p14:creationId xmlns:p14="http://schemas.microsoft.com/office/powerpoint/2010/main" val="3811379398"/>
+        <p14:creationId xmlns:p14="http://schemas.microsoft.com/office/powerpoint/2010/main" val="2132177623"/>
       </p:ext>
     </p:extLst>
   </p:cSld>
@@ -26580,12 +26663,12 @@
               <a:defRPr/>
             </a:pPr>
             <a:r>
-              <a:rPr kumimoji="0" lang="en-US" sz="4800" b="1" i="0" u="none" strike="noStrike" kern="1200" cap="none" spc="0" normalizeH="0" baseline="0" noProof="0" dirty="0">
+              <a:rPr lang="en-US" sz="4800" b="1" dirty="0">
                 <a:ln>
                   <a:solidFill>
-                    <a:srgbClr val="E7E6E6">
+                    <a:schemeClr val="bg2">
                       <a:lumMod val="50000"/>
-                    </a:srgbClr>
+                    </a:schemeClr>
                   </a:solidFill>
                 </a:ln>
                 <a:solidFill>
@@ -26593,12 +26676,7 @@
                     <a:lumMod val="95000"/>
                   </a:prstClr>
                 </a:solidFill>
-                <a:effectLst/>
-                <a:uLnTx/>
-                <a:uFillTx/>
                 <a:latin typeface="Tw Cen MT" panose="020B0602020104020603" pitchFamily="34" charset="0"/>
-                <a:ea typeface="+mn-ea"/>
-                <a:cs typeface="+mn-cs"/>
               </a:rPr>
               <a:t>Quality Assurance</a:t>
             </a:r>
@@ -26693,58 +26771,23 @@
           </a:bodyPr>
           <a:lstStyle/>
           <a:p>
-            <a:pPr marL="285750" marR="0" lvl="0" indent="-285750" algn="l" defTabSz="914400" rtl="0" eaLnBrk="1" fontAlgn="auto" latinLnBrk="0" hangingPunct="1">
-              <a:lnSpc>
-                <a:spcPct val="100000"/>
-              </a:lnSpc>
-              <a:spcBef>
-                <a:spcPts val="0"/>
-              </a:spcBef>
-              <a:spcAft>
-                <a:spcPts val="0"/>
-              </a:spcAft>
-              <a:buClrTx/>
-              <a:buSzTx/>
+            <a:pPr marL="285750" indent="-285750">
               <a:buFont typeface="Wingdings" panose="05000000000000000000" pitchFamily="2" charset="2"/>
               <a:buChar char="Ø"/>
-              <a:tabLst/>
-              <a:defRPr/>
             </a:pPr>
             <a:r>
-              <a:rPr kumimoji="0" lang="en-ZA" sz="1800" b="0" i="0" u="none" strike="noStrike" kern="1200" cap="none" spc="0" normalizeH="0" baseline="0" noProof="0" dirty="0">
-                <a:ln>
-                  <a:noFill/>
-                </a:ln>
+              <a:rPr lang="en-ZA" dirty="0">
                 <a:solidFill>
-                  <a:prstClr val="white"/>
+                  <a:schemeClr val="bg1"/>
                 </a:solidFill>
-                <a:effectLst/>
-                <a:uLnTx/>
-                <a:uFillTx/>
-                <a:latin typeface="Montserrat"/>
-                <a:ea typeface="+mn-ea"/>
-                <a:cs typeface="+mn-cs"/>
               </a:rPr>
               <a:t>Performance and Availability</a:t>
             </a:r>
           </a:p>
           <a:p>
-            <a:pPr marL="742950" marR="0" lvl="1" indent="-285750" algn="l" defTabSz="914400" rtl="0" eaLnBrk="1" fontAlgn="auto" latinLnBrk="0" hangingPunct="1">
-              <a:lnSpc>
-                <a:spcPct val="100000"/>
-              </a:lnSpc>
-              <a:spcBef>
-                <a:spcPts val="0"/>
-              </a:spcBef>
-              <a:spcAft>
-                <a:spcPts val="0"/>
-              </a:spcAft>
-              <a:buClrTx/>
-              <a:buSzTx/>
+            <a:pPr marL="742950" lvl="1" indent="-285750">
               <a:buFont typeface="Arial" panose="020B0604020202020204" pitchFamily="34" charset="0"/>
               <a:buChar char="•"/>
-              <a:tabLst/>
-              <a:defRPr/>
             </a:pPr>
             <a:r>
               <a:rPr lang="en-GB" sz="1800" b="0" i="0" u="none" strike="noStrike" dirty="0">
@@ -26756,39 +26799,22 @@
               </a:rPr>
               <a:t>Used lighthouse performance testing from google</a:t>
             </a:r>
-          </a:p>
-          <a:p>
-            <a:pPr marL="742950" marR="0" lvl="1" indent="-285750" algn="l" defTabSz="914400" rtl="0" eaLnBrk="1" fontAlgn="auto" latinLnBrk="0" hangingPunct="1">
-              <a:lnSpc>
-                <a:spcPct val="100000"/>
-              </a:lnSpc>
-              <a:spcBef>
-                <a:spcPts val="0"/>
-              </a:spcBef>
-              <a:spcAft>
-                <a:spcPts val="0"/>
-              </a:spcAft>
-              <a:buClrTx/>
-              <a:buSzTx/>
+            <a:endParaRPr lang="en-ZA" dirty="0">
+              <a:solidFill>
+                <a:schemeClr val="bg1"/>
+              </a:solidFill>
+            </a:endParaRPr>
+          </a:p>
+          <a:p>
+            <a:pPr marL="742950" lvl="1" indent="-285750">
               <a:buFont typeface="Arial" panose="020B0604020202020204" pitchFamily="34" charset="0"/>
               <a:buChar char="•"/>
-              <a:tabLst/>
-              <a:defRPr/>
             </a:pPr>
             <a:r>
-              <a:rPr kumimoji="0" lang="en-ZA" sz="1800" b="0" i="0" u="none" strike="noStrike" kern="1200" cap="none" spc="0" normalizeH="0" baseline="0" noProof="0" dirty="0">
-                <a:ln>
-                  <a:noFill/>
-                </a:ln>
+              <a:rPr lang="en-ZA" dirty="0">
                 <a:solidFill>
-                  <a:prstClr val="white"/>
+                  <a:schemeClr val="bg1"/>
                 </a:solidFill>
-                <a:effectLst/>
-                <a:uLnTx/>
-                <a:uFillTx/>
-                <a:latin typeface="Montserrat"/>
-                <a:ea typeface="+mn-ea"/>
-                <a:cs typeface="+mn-cs"/>
               </a:rPr>
               <a:t>Uptime measured using uptime robot, well over 99%</a:t>
             </a:r>
@@ -26797,15 +26823,15 @@
       </p:sp>
       <p:pic>
         <p:nvPicPr>
-          <p:cNvPr id="3" name="Picture 2" descr="A screenshot of a computer&#10;&#10;Description automatically generated">
-            <a:extLst>
-              <a:ext uri="{FF2B5EF4-FFF2-40B4-BE49-F238E27FC236}">
-                <a16:creationId xmlns:a16="http://schemas.microsoft.com/office/drawing/2014/main" id="{01DD9BAA-7391-3D56-ECF2-FDAAE51E87BA}"/>
+          <p:cNvPr id="1026" name="Picture 2">
+            <a:extLst>
+              <a:ext uri="{FF2B5EF4-FFF2-40B4-BE49-F238E27FC236}">
+                <a16:creationId xmlns:a16="http://schemas.microsoft.com/office/drawing/2014/main" id="{12CCDC33-A5FC-E04A-0C59-A349E2B47328}"/>
               </a:ext>
             </a:extLst>
           </p:cNvPr>
           <p:cNvPicPr>
-            <a:picLocks noChangeAspect="1"/>
+            <a:picLocks noChangeAspect="1" noChangeArrowheads="1"/>
           </p:cNvPicPr>
           <p:nvPr/>
         </p:nvPicPr>
@@ -26817,59 +26843,33 @@
               </a:ext>
             </a:extLst>
           </a:blip>
-          <a:srcRect l="20761" r="21757"/>
+          <a:srcRect t="21747" r="3207"/>
           <a:stretch/>
         </p:blipFill>
-        <p:spPr>
+        <p:spPr bwMode="auto">
           <a:xfrm>
-            <a:off x="676734" y="2335070"/>
-            <a:ext cx="4581525" cy="3598686"/>
+            <a:off x="1925403" y="2439153"/>
+            <a:ext cx="8485034" cy="3867670"/>
           </a:xfrm>
           <a:prstGeom prst="rect">
             <a:avLst/>
           </a:prstGeom>
-        </p:spPr>
-      </p:pic>
-      <p:pic>
-        <p:nvPicPr>
-          <p:cNvPr id="5" name="Picture 4" descr="A screenshot of a computer program&#10;&#10;Description automatically generated">
-            <a:extLst>
-              <a:ext uri="{FF2B5EF4-FFF2-40B4-BE49-F238E27FC236}">
-                <a16:creationId xmlns:a16="http://schemas.microsoft.com/office/drawing/2014/main" id="{7803ED3B-420F-8897-E883-4650E8E1BD9A}"/>
-              </a:ext>
-            </a:extLst>
-          </p:cNvPr>
-          <p:cNvPicPr>
-            <a:picLocks noChangeAspect="1"/>
-          </p:cNvPicPr>
-          <p:nvPr/>
-        </p:nvPicPr>
-        <p:blipFill>
-          <a:blip r:embed="rId5">
-            <a:extLst>
-              <a:ext uri="{28A0092B-C50C-407E-A947-70E740481C1C}">
-                <a14:useLocalDpi xmlns:a14="http://schemas.microsoft.com/office/drawing/2010/main" val="0"/>
-              </a:ext>
-            </a:extLst>
-          </a:blip>
-          <a:stretch>
-            <a:fillRect/>
-          </a:stretch>
-        </p:blipFill>
-        <p:spPr>
-          <a:xfrm>
-            <a:off x="5666206" y="2456342"/>
-            <a:ext cx="6006601" cy="3329156"/>
-          </a:xfrm>
-          <a:prstGeom prst="rect">
-            <a:avLst/>
-          </a:prstGeom>
+          <a:noFill/>
+          <a:extLst>
+            <a:ext uri="{909E8E84-426E-40DD-AFC4-6F175D3DCCD1}">
+              <a14:hiddenFill xmlns:a14="http://schemas.microsoft.com/office/drawing/2010/main">
+                <a:solidFill>
+                  <a:srgbClr val="FFFFFF"/>
+                </a:solidFill>
+              </a14:hiddenFill>
+            </a:ext>
+          </a:extLst>
         </p:spPr>
       </p:pic>
     </p:spTree>
     <p:extLst>
       <p:ext uri="{BB962C8B-B14F-4D97-AF65-F5344CB8AC3E}">
-        <p14:creationId xmlns:p14="http://schemas.microsoft.com/office/powerpoint/2010/main" val="3175618895"/>
+        <p14:creationId xmlns:p14="http://schemas.microsoft.com/office/powerpoint/2010/main" val="3811379398"/>
       </p:ext>
     </p:extLst>
   </p:cSld>

--- a/Documentation/Demo 4 documents/Demo 4 Slideshow.pptx
+++ b/Documentation/Demo 4 documents/Demo 4 Slideshow.pptx
@@ -18208,10 +18208,10 @@
       </p:sp>
       <p:pic>
         <p:nvPicPr>
-          <p:cNvPr id="17" name="Picture 16" descr="A qr code with a black square and a white square with a black arrow&#10;&#10;Description automatically generated">
-            <a:extLst>
-              <a:ext uri="{FF2B5EF4-FFF2-40B4-BE49-F238E27FC236}">
-                <a16:creationId xmlns:a16="http://schemas.microsoft.com/office/drawing/2014/main" id="{7748FC32-ACE8-5785-A9D3-A28E2890B4DC}"/>
+          <p:cNvPr id="18" name="Picture 17" descr="A qr code with a logo&#10;&#10;Description automatically generated">
+            <a:extLst>
+              <a:ext uri="{FF2B5EF4-FFF2-40B4-BE49-F238E27FC236}">
+                <a16:creationId xmlns:a16="http://schemas.microsoft.com/office/drawing/2014/main" id="{C882EE85-ED32-C679-7CB5-9CE3AB160018}"/>
               </a:ext>
             </a:extLst>
           </p:cNvPr>
@@ -18220,7 +18220,7 @@
           </p:cNvPicPr>
           <p:nvPr/>
         </p:nvPicPr>
-        <p:blipFill rotWithShape="1">
+        <p:blipFill>
           <a:blip r:embed="rId2">
             <a:extLst>
               <a:ext uri="{28A0092B-C50C-407E-A947-70E740481C1C}">
@@ -18228,13 +18228,14 @@
               </a:ext>
             </a:extLst>
           </a:blip>
-          <a:srcRect l="10343" t="4165" r="8662" b="5504"/>
-          <a:stretch/>
+          <a:stretch>
+            <a:fillRect/>
+          </a:stretch>
         </p:blipFill>
         <p:spPr>
           <a:xfrm>
-            <a:off x="428198" y="4065790"/>
-            <a:ext cx="2338086" cy="2339430"/>
+            <a:off x="3168180" y="4153869"/>
+            <a:ext cx="2330918" cy="2337201"/>
           </a:xfrm>
           <a:prstGeom prst="rect">
             <a:avLst/>
@@ -18243,10 +18244,10 @@
       </p:pic>
       <p:pic>
         <p:nvPicPr>
-          <p:cNvPr id="19" name="Picture 18" descr="A qr code with a black arrow&#10;&#10;Description automatically generated">
-            <a:extLst>
-              <a:ext uri="{FF2B5EF4-FFF2-40B4-BE49-F238E27FC236}">
-                <a16:creationId xmlns:a16="http://schemas.microsoft.com/office/drawing/2014/main" id="{D237515A-1CD8-C287-9B61-57D6B593227E}"/>
+          <p:cNvPr id="21" name="Picture 20" descr="A qr code with a logo&#10;&#10;Description automatically generated">
+            <a:extLst>
+              <a:ext uri="{FF2B5EF4-FFF2-40B4-BE49-F238E27FC236}">
+                <a16:creationId xmlns:a16="http://schemas.microsoft.com/office/drawing/2014/main" id="{A692B4ED-514E-1F52-FC1B-00B01106C5B9}"/>
               </a:ext>
             </a:extLst>
           </p:cNvPr>
@@ -18255,7 +18256,7 @@
           </p:cNvPicPr>
           <p:nvPr/>
         </p:nvPicPr>
-        <p:blipFill rotWithShape="1">
+        <p:blipFill>
           <a:blip r:embed="rId3">
             <a:extLst>
               <a:ext uri="{28A0092B-C50C-407E-A947-70E740481C1C}">
@@ -18263,13 +18264,14 @@
               </a:ext>
             </a:extLst>
           </a:blip>
-          <a:srcRect l="10015" t="5890" r="10476" b="3780"/>
-          <a:stretch/>
+          <a:stretch>
+            <a:fillRect/>
+          </a:stretch>
         </p:blipFill>
         <p:spPr>
           <a:xfrm>
-            <a:off x="3372308" y="4055105"/>
-            <a:ext cx="2338087" cy="2339430"/>
+            <a:off x="349418" y="4213202"/>
+            <a:ext cx="2306203" cy="2337200"/>
           </a:xfrm>
           <a:prstGeom prst="rect">
             <a:avLst/>

--- a/Documentation/Demo 4 documents/Demo 4 Slideshow.pptx
+++ b/Documentation/Demo 4 documents/Demo 4 Slideshow.pptx
@@ -272,7 +272,7 @@
           <a:p>
             <a:fld id="{76E5B84D-D061-483E-84D4-FDF00078B9A9}" type="datetimeFigureOut">
               <a:rPr lang="en-US" smtClean="0"/>
-              <a:t>9/28/2023</a:t>
+              <a:t>9/29/2023</a:t>
             </a:fld>
             <a:endParaRPr lang="en-US" dirty="0"/>
           </a:p>
@@ -470,7 +470,7 @@
           <a:p>
             <a:fld id="{76E5B84D-D061-483E-84D4-FDF00078B9A9}" type="datetimeFigureOut">
               <a:rPr lang="en-US" smtClean="0"/>
-              <a:t>9/28/2023</a:t>
+              <a:t>9/29/2023</a:t>
             </a:fld>
             <a:endParaRPr lang="en-US" dirty="0"/>
           </a:p>
@@ -678,7 +678,7 @@
           <a:p>
             <a:fld id="{76E5B84D-D061-483E-84D4-FDF00078B9A9}" type="datetimeFigureOut">
               <a:rPr lang="en-US" smtClean="0"/>
-              <a:t>9/28/2023</a:t>
+              <a:t>9/29/2023</a:t>
             </a:fld>
             <a:endParaRPr lang="en-US" dirty="0"/>
           </a:p>
@@ -876,7 +876,7 @@
           <a:p>
             <a:fld id="{76E5B84D-D061-483E-84D4-FDF00078B9A9}" type="datetimeFigureOut">
               <a:rPr lang="en-US" smtClean="0"/>
-              <a:t>9/28/2023</a:t>
+              <a:t>9/29/2023</a:t>
             </a:fld>
             <a:endParaRPr lang="en-US" dirty="0"/>
           </a:p>
@@ -1151,7 +1151,7 @@
           <a:p>
             <a:fld id="{76E5B84D-D061-483E-84D4-FDF00078B9A9}" type="datetimeFigureOut">
               <a:rPr lang="en-US" smtClean="0"/>
-              <a:t>9/28/2023</a:t>
+              <a:t>9/29/2023</a:t>
             </a:fld>
             <a:endParaRPr lang="en-US" dirty="0"/>
           </a:p>
@@ -1416,7 +1416,7 @@
           <a:p>
             <a:fld id="{76E5B84D-D061-483E-84D4-FDF00078B9A9}" type="datetimeFigureOut">
               <a:rPr lang="en-US" smtClean="0"/>
-              <a:t>9/28/2023</a:t>
+              <a:t>9/29/2023</a:t>
             </a:fld>
             <a:endParaRPr lang="en-US" dirty="0"/>
           </a:p>
@@ -1828,7 +1828,7 @@
           <a:p>
             <a:fld id="{76E5B84D-D061-483E-84D4-FDF00078B9A9}" type="datetimeFigureOut">
               <a:rPr lang="en-US" smtClean="0"/>
-              <a:t>9/28/2023</a:t>
+              <a:t>9/29/2023</a:t>
             </a:fld>
             <a:endParaRPr lang="en-US" dirty="0"/>
           </a:p>
@@ -1969,7 +1969,7 @@
           <a:p>
             <a:fld id="{76E5B84D-D061-483E-84D4-FDF00078B9A9}" type="datetimeFigureOut">
               <a:rPr lang="en-US" smtClean="0"/>
-              <a:t>9/28/2023</a:t>
+              <a:t>9/29/2023</a:t>
             </a:fld>
             <a:endParaRPr lang="en-US" dirty="0"/>
           </a:p>
@@ -2082,7 +2082,7 @@
           <a:p>
             <a:fld id="{76E5B84D-D061-483E-84D4-FDF00078B9A9}" type="datetimeFigureOut">
               <a:rPr lang="en-US" smtClean="0"/>
-              <a:t>9/28/2023</a:t>
+              <a:t>9/29/2023</a:t>
             </a:fld>
             <a:endParaRPr lang="en-US" dirty="0"/>
           </a:p>
@@ -2442,7 +2442,7 @@
           <a:p>
             <a:fld id="{76E5B84D-D061-483E-84D4-FDF00078B9A9}" type="datetimeFigureOut">
               <a:rPr lang="en-US" smtClean="0"/>
-              <a:t>9/28/2023</a:t>
+              <a:t>9/29/2023</a:t>
             </a:fld>
             <a:endParaRPr lang="en-US" dirty="0"/>
           </a:p>
@@ -2688,7 +2688,7 @@
           <a:p>
             <a:fld id="{76E5B84D-D061-483E-84D4-FDF00078B9A9}" type="datetimeFigureOut">
               <a:rPr lang="en-US" smtClean="0"/>
-              <a:t>9/28/2023</a:t>
+              <a:t>9/29/2023</a:t>
             </a:fld>
             <a:endParaRPr lang="en-US" dirty="0"/>
           </a:p>
@@ -7178,7 +7178,7 @@
         </p:nvSpPr>
         <p:spPr>
           <a:xfrm>
-            <a:off x="2744190" y="-52268"/>
+            <a:off x="2744190" y="-42937"/>
             <a:ext cx="7372579" cy="1323439"/>
           </a:xfrm>
           <a:prstGeom prst="rect">
@@ -18234,7 +18234,7 @@
         </p:blipFill>
         <p:spPr>
           <a:xfrm>
-            <a:off x="3168180" y="4153869"/>
+            <a:off x="3290989" y="4281298"/>
             <a:ext cx="2330918" cy="2337201"/>
           </a:xfrm>
           <a:prstGeom prst="rect">
@@ -19595,7 +19595,7 @@
         <p:spPr>
           <a:xfrm>
             <a:off x="1751408" y="1670162"/>
-            <a:ext cx="9730549" cy="4524315"/>
+            <a:ext cx="8396850" cy="3970318"/>
           </a:xfrm>
           <a:prstGeom prst="rect">
             <a:avLst/>
@@ -19755,27 +19755,6 @@
                 </a:solidFill>
               </a:rPr>
               <a:t>Security: Highly secure role-based access and system as a whole</a:t>
-            </a:r>
-          </a:p>
-          <a:p>
-            <a:endParaRPr lang="en-ZA" dirty="0">
-              <a:solidFill>
-                <a:schemeClr val="bg1"/>
-              </a:solidFill>
-            </a:endParaRPr>
-          </a:p>
-          <a:p>
-            <a:pPr marL="285750" indent="-285750">
-              <a:buFont typeface="Wingdings" panose="05000000000000000000" pitchFamily="2" charset="2"/>
-              <a:buChar char="Ø"/>
-            </a:pPr>
-            <a:r>
-              <a:rPr lang="en-ZA" dirty="0">
-                <a:solidFill>
-                  <a:schemeClr val="bg1"/>
-                </a:solidFill>
-              </a:rPr>
-              <a:t>Lecturers can see stats of how many students successfully received notifications</a:t>
             </a:r>
           </a:p>
           <a:p>
@@ -22153,7 +22132,7 @@
         <p:spPr>
           <a:xfrm>
             <a:off x="2164044" y="1428807"/>
-            <a:ext cx="7040710" cy="4247317"/>
+            <a:ext cx="7600157" cy="4862870"/>
           </a:xfrm>
           <a:prstGeom prst="rect">
             <a:avLst/>
@@ -22184,7 +22163,7 @@
               <a:defRPr/>
             </a:pPr>
             <a:r>
-              <a:rPr kumimoji="0" lang="en-ZA" sz="1800" b="0" i="0" u="none" strike="noStrike" kern="1200" cap="none" spc="0" normalizeH="0" baseline="0" noProof="0" dirty="0">
+              <a:rPr kumimoji="0" lang="en-ZA" sz="2000" b="0" i="0" u="none" strike="noStrike" kern="1200" cap="none" spc="0" normalizeH="0" baseline="0" noProof="0" dirty="0">
                 <a:ln>
                   <a:noFill/>
                 </a:ln>
@@ -22198,7 +22177,7 @@
                 <a:ea typeface="+mn-ea"/>
                 <a:cs typeface="+mn-cs"/>
               </a:rPr>
-              <a:t>Security</a:t>
+              <a:t>Security (So secure we locked ourselves out)</a:t>
             </a:r>
           </a:p>
           <a:p>
@@ -22412,6 +22391,74 @@
               <a:tabLst/>
               <a:defRPr/>
             </a:pPr>
+            <a:r>
+              <a:rPr lang="en-ZA" dirty="0">
+                <a:solidFill>
+                  <a:prstClr val="white"/>
+                </a:solidFill>
+                <a:latin typeface="Montserrat"/>
+              </a:rPr>
+              <a:t>Session expiry, more important roles get logged out after </a:t>
+            </a:r>
+          </a:p>
+          <a:p>
+            <a:pPr marR="0" lvl="1" algn="l" defTabSz="914400" rtl="0" eaLnBrk="1" fontAlgn="auto" latinLnBrk="0" hangingPunct="1">
+              <a:lnSpc>
+                <a:spcPct val="100000"/>
+              </a:lnSpc>
+              <a:spcBef>
+                <a:spcPts val="0"/>
+              </a:spcBef>
+              <a:spcAft>
+                <a:spcPts val="0"/>
+              </a:spcAft>
+              <a:buClrTx/>
+              <a:buSzTx/>
+              <a:tabLst/>
+              <a:defRPr/>
+            </a:pPr>
+            <a:r>
+              <a:rPr lang="en-ZA" dirty="0">
+                <a:solidFill>
+                  <a:prstClr val="white"/>
+                </a:solidFill>
+                <a:latin typeface="Montserrat"/>
+              </a:rPr>
+              <a:t>shorter time of inactivity</a:t>
+            </a:r>
+            <a:endParaRPr kumimoji="0" lang="en-ZA" sz="1800" b="0" i="0" u="none" strike="noStrike" kern="1200" cap="none" spc="0" normalizeH="0" baseline="0" noProof="0" dirty="0">
+              <a:ln>
+                <a:noFill/>
+              </a:ln>
+              <a:solidFill>
+                <a:prstClr val="white"/>
+              </a:solidFill>
+              <a:effectLst/>
+              <a:uLnTx/>
+              <a:uFillTx/>
+              <a:latin typeface="Montserrat"/>
+              <a:ea typeface="+mn-ea"/>
+              <a:cs typeface="+mn-cs"/>
+            </a:endParaRPr>
+          </a:p>
+          <a:p>
+            <a:pPr marL="742950" marR="0" lvl="1" indent="-285750" algn="l" defTabSz="914400" rtl="0" eaLnBrk="1" fontAlgn="auto" latinLnBrk="0" hangingPunct="1">
+              <a:lnSpc>
+                <a:spcPct val="100000"/>
+              </a:lnSpc>
+              <a:spcBef>
+                <a:spcPts val="0"/>
+              </a:spcBef>
+              <a:spcAft>
+                <a:spcPts val="0"/>
+              </a:spcAft>
+              <a:buClrTx/>
+              <a:buSzTx/>
+              <a:buFont typeface="Arial" panose="020B0604020202020204" pitchFamily="34" charset="0"/>
+              <a:buChar char="•"/>
+              <a:tabLst/>
+              <a:defRPr/>
+            </a:pPr>
             <a:endParaRPr kumimoji="0" lang="en-ZA" sz="1800" b="0" i="0" u="none" strike="noStrike" kern="1200" cap="none" spc="0" normalizeH="0" baseline="0" noProof="0" dirty="0">
               <a:ln>
                 <a:noFill/>
@@ -22446,7 +22493,7 @@
               <a:defRPr/>
             </a:pPr>
             <a:r>
-              <a:rPr kumimoji="0" lang="en-ZA" sz="1800" b="0" i="0" u="none" strike="noStrike" kern="1200" cap="none" spc="0" normalizeH="0" baseline="0" noProof="0" dirty="0">
+              <a:rPr kumimoji="0" lang="en-ZA" sz="2000" b="0" i="0" u="none" strike="noStrike" kern="1200" cap="none" spc="0" normalizeH="0" baseline="0" noProof="0" dirty="0">
                 <a:ln>
                   <a:noFill/>
                 </a:ln>
@@ -22623,7 +22670,7 @@
               <a:defRPr/>
             </a:pPr>
             <a:r>
-              <a:rPr kumimoji="0" lang="en-ZA" sz="1800" b="0" i="0" u="none" strike="noStrike" kern="1200" cap="none" spc="0" normalizeH="0" baseline="0" noProof="0" dirty="0">
+              <a:rPr kumimoji="0" lang="en-ZA" sz="2000" b="0" i="0" u="none" strike="noStrike" kern="1200" cap="none" spc="0" normalizeH="0" baseline="0" noProof="0" dirty="0">
                 <a:ln>
                   <a:noFill/>
                 </a:ln>
@@ -24012,7 +24059,7 @@
         <p:spPr>
           <a:xfrm>
             <a:off x="2164044" y="1131102"/>
-            <a:ext cx="7040710" cy="923330"/>
+            <a:ext cx="7308411" cy="1200329"/>
           </a:xfrm>
           <a:prstGeom prst="rect">
             <a:avLst/>
@@ -24036,6 +24083,20 @@
                 </a:solidFill>
               </a:rPr>
               <a:t>Performance and Availability</a:t>
+            </a:r>
+          </a:p>
+          <a:p>
+            <a:pPr marL="742950" lvl="1" indent="-285750">
+              <a:buFont typeface="Arial" panose="020B0604020202020204" pitchFamily="34" charset="0"/>
+              <a:buChar char="•"/>
+            </a:pPr>
+            <a:r>
+              <a:rPr lang="en-ZA" b="1" dirty="0">
+                <a:solidFill>
+                  <a:schemeClr val="bg1"/>
+                </a:solidFill>
+              </a:rPr>
+              <a:t>Uptime measured using uptime robot, well over 99%</a:t>
             </a:r>
           </a:p>
           <a:p>
@@ -24064,14 +24125,11 @@
               <a:buFont typeface="Arial" panose="020B0604020202020204" pitchFamily="34" charset="0"/>
               <a:buChar char="•"/>
             </a:pPr>
-            <a:r>
-              <a:rPr lang="en-ZA" dirty="0">
-                <a:solidFill>
-                  <a:schemeClr val="bg1"/>
-                </a:solidFill>
-              </a:rPr>
-              <a:t>Uptime measured using uptime robot, well over 99%</a:t>
-            </a:r>
+            <a:endParaRPr lang="en-ZA" dirty="0">
+              <a:solidFill>
+                <a:schemeClr val="bg1"/>
+              </a:solidFill>
+            </a:endParaRPr>
           </a:p>
         </p:txBody>
       </p:sp>
@@ -25418,6 +25476,44 @@
             </a:r>
           </a:p>
           <a:p>
+            <a:pPr marL="742950" lvl="1" indent="-285750">
+              <a:buFont typeface="Arial" panose="020B0604020202020204" pitchFamily="34" charset="0"/>
+              <a:buChar char="•"/>
+              <a:defRPr/>
+            </a:pPr>
+            <a:r>
+              <a:rPr kumimoji="0" lang="en-ZA" b="0" i="0" u="none" strike="noStrike" kern="1200" cap="none" spc="0" normalizeH="0" baseline="0" noProof="0" dirty="0">
+                <a:ln>
+                  <a:noFill/>
+                </a:ln>
+                <a:solidFill>
+                  <a:prstClr val="white"/>
+                </a:solidFill>
+                <a:effectLst/>
+                <a:uLnTx/>
+                <a:uFillTx/>
+                <a:latin typeface="Montserrat"/>
+                <a:ea typeface="+mn-ea"/>
+                <a:cs typeface="+mn-cs"/>
+              </a:rPr>
+              <a:t>Uptime measured using uptime robot, well over 99%</a:t>
+            </a:r>
+            <a:endParaRPr kumimoji="0" lang="en-ZA" sz="1800" b="0" i="0" u="none" strike="noStrike" kern="1200" cap="none" spc="0" normalizeH="0" baseline="0" noProof="0" dirty="0">
+              <a:ln>
+                <a:noFill/>
+              </a:ln>
+              <a:solidFill>
+                <a:prstClr val="white"/>
+              </a:solidFill>
+              <a:effectLst/>
+              <a:uLnTx/>
+              <a:uFillTx/>
+              <a:latin typeface="Montserrat"/>
+              <a:ea typeface="+mn-ea"/>
+              <a:cs typeface="+mn-cs"/>
+            </a:endParaRPr>
+          </a:p>
+          <a:p>
             <a:pPr marL="742950" marR="0" lvl="1" indent="-285750" algn="l" defTabSz="914400" rtl="0" eaLnBrk="1" fontAlgn="auto" latinLnBrk="0" hangingPunct="1">
               <a:lnSpc>
                 <a:spcPct val="100000"/>
@@ -25436,7 +25532,7 @@
               <a:defRPr/>
             </a:pPr>
             <a:r>
-              <a:rPr lang="en-GB" sz="1800" b="0" i="0" u="none" strike="noStrike" dirty="0">
+              <a:rPr lang="en-GB" sz="1800" b="1" i="0" u="none" strike="noStrike" dirty="0">
                 <a:solidFill>
                   <a:schemeClr val="bg1"/>
                 </a:solidFill>
@@ -25444,42 +25540,6 @@
                 <a:latin typeface="Arial" panose="020B0604020202020204" pitchFamily="34" charset="0"/>
               </a:rPr>
               <a:t>Used lighthouse performance testing from google</a:t>
-            </a:r>
-          </a:p>
-          <a:p>
-            <a:pPr marL="742950" marR="0" lvl="1" indent="-285750" algn="l" defTabSz="914400" rtl="0" eaLnBrk="1" fontAlgn="auto" latinLnBrk="0" hangingPunct="1">
-              <a:lnSpc>
-                <a:spcPct val="100000"/>
-              </a:lnSpc>
-              <a:spcBef>
-                <a:spcPts val="0"/>
-              </a:spcBef>
-              <a:spcAft>
-                <a:spcPts val="0"/>
-              </a:spcAft>
-              <a:buClrTx/>
-              <a:buSzTx/>
-              <a:buFont typeface="Arial" panose="020B0604020202020204" pitchFamily="34" charset="0"/>
-              <a:buChar char="•"/>
-              <a:tabLst/>
-              <a:defRPr/>
-            </a:pPr>
-            <a:r>
-              <a:rPr kumimoji="0" lang="en-ZA" sz="1800" b="0" i="0" u="none" strike="noStrike" kern="1200" cap="none" spc="0" normalizeH="0" baseline="0" noProof="0" dirty="0">
-                <a:ln>
-                  <a:noFill/>
-                </a:ln>
-                <a:solidFill>
-                  <a:prstClr val="white"/>
-                </a:solidFill>
-                <a:effectLst/>
-                <a:uLnTx/>
-                <a:uFillTx/>
-                <a:latin typeface="Montserrat"/>
-                <a:ea typeface="+mn-ea"/>
-                <a:cs typeface="+mn-cs"/>
-              </a:rPr>
-              <a:t>Uptime measured using uptime robot, well over 99%</a:t>
             </a:r>
           </a:p>
         </p:txBody>

--- a/Documentation/Demo 4 documents/Demo 4 Slideshow.pptx
+++ b/Documentation/Demo 4 documents/Demo 4 Slideshow.pptx
@@ -18208,10 +18208,10 @@
       </p:sp>
       <p:pic>
         <p:nvPicPr>
-          <p:cNvPr id="18" name="Picture 17" descr="A qr code with a logo&#10;&#10;Description automatically generated">
-            <a:extLst>
-              <a:ext uri="{FF2B5EF4-FFF2-40B4-BE49-F238E27FC236}">
-                <a16:creationId xmlns:a16="http://schemas.microsoft.com/office/drawing/2014/main" id="{C882EE85-ED32-C679-7CB5-9CE3AB160018}"/>
+          <p:cNvPr id="17" name="Picture 16" descr="A qr code with a logo&#10;&#10;Description automatically generated">
+            <a:extLst>
+              <a:ext uri="{FF2B5EF4-FFF2-40B4-BE49-F238E27FC236}">
+                <a16:creationId xmlns:a16="http://schemas.microsoft.com/office/drawing/2014/main" id="{7038AD3D-5CE4-FC9F-5D9C-45E3959F0A34}"/>
               </a:ext>
             </a:extLst>
           </p:cNvPr>
@@ -18234,8 +18234,8 @@
         </p:blipFill>
         <p:spPr>
           <a:xfrm>
-            <a:off x="3290989" y="4281298"/>
-            <a:ext cx="2330918" cy="2337201"/>
+            <a:off x="3526589" y="4165392"/>
+            <a:ext cx="2271533" cy="2265492"/>
           </a:xfrm>
           <a:prstGeom prst="rect">
             <a:avLst/>
@@ -18244,10 +18244,10 @@
       </p:pic>
       <p:pic>
         <p:nvPicPr>
-          <p:cNvPr id="21" name="Picture 20" descr="A qr code with a logo&#10;&#10;Description automatically generated">
-            <a:extLst>
-              <a:ext uri="{FF2B5EF4-FFF2-40B4-BE49-F238E27FC236}">
-                <a16:creationId xmlns:a16="http://schemas.microsoft.com/office/drawing/2014/main" id="{A692B4ED-514E-1F52-FC1B-00B01106C5B9}"/>
+          <p:cNvPr id="20" name="Picture 19" descr="A qr code with a logo&#10;&#10;Description automatically generated">
+            <a:extLst>
+              <a:ext uri="{FF2B5EF4-FFF2-40B4-BE49-F238E27FC236}">
+                <a16:creationId xmlns:a16="http://schemas.microsoft.com/office/drawing/2014/main" id="{1B2510A1-9BE3-F2D1-CAAD-9EDDD9A62B9E}"/>
               </a:ext>
             </a:extLst>
           </p:cNvPr>
@@ -18270,8 +18270,8 @@
         </p:blipFill>
         <p:spPr>
           <a:xfrm>
-            <a:off x="349418" y="4213202"/>
-            <a:ext cx="2306203" cy="2337200"/>
+            <a:off x="371525" y="4129253"/>
+            <a:ext cx="2271533" cy="2333428"/>
           </a:xfrm>
           <a:prstGeom prst="rect">
             <a:avLst/>

--- a/Documentation/Demo 4 documents/Demo 4 Slideshow.pptx
+++ b/Documentation/Demo 4 documents/Demo 4 Slideshow.pptx
@@ -7,18 +7,16 @@
   <p:sldIdLst>
     <p:sldId id="271" r:id="rId2"/>
     <p:sldId id="269" r:id="rId3"/>
-    <p:sldId id="322" r:id="rId4"/>
-    <p:sldId id="326" r:id="rId5"/>
-    <p:sldId id="289" r:id="rId6"/>
-    <p:sldId id="328" r:id="rId7"/>
-    <p:sldId id="325" r:id="rId8"/>
-    <p:sldId id="329" r:id="rId9"/>
-    <p:sldId id="330" r:id="rId10"/>
-    <p:sldId id="323" r:id="rId11"/>
-    <p:sldId id="317" r:id="rId12"/>
-    <p:sldId id="324" r:id="rId13"/>
-    <p:sldId id="300" r:id="rId14"/>
-    <p:sldId id="305" r:id="rId15"/>
+    <p:sldId id="326" r:id="rId4"/>
+    <p:sldId id="289" r:id="rId5"/>
+    <p:sldId id="328" r:id="rId6"/>
+    <p:sldId id="325" r:id="rId7"/>
+    <p:sldId id="329" r:id="rId8"/>
+    <p:sldId id="330" r:id="rId9"/>
+    <p:sldId id="323" r:id="rId10"/>
+    <p:sldId id="317" r:id="rId11"/>
+    <p:sldId id="324" r:id="rId12"/>
+    <p:sldId id="305" r:id="rId13"/>
   </p:sldIdLst>
   <p:sldSz cx="12192000" cy="6858000"/>
   <p:notesSz cx="6858000" cy="9144000"/>
@@ -272,7 +270,7 @@
           <a:p>
             <a:fld id="{76E5B84D-D061-483E-84D4-FDF00078B9A9}" type="datetimeFigureOut">
               <a:rPr lang="en-US" smtClean="0"/>
-              <a:t>9/28/2023</a:t>
+              <a:t>10/19/23</a:t>
             </a:fld>
             <a:endParaRPr lang="en-US" dirty="0"/>
           </a:p>
@@ -470,7 +468,7 @@
           <a:p>
             <a:fld id="{76E5B84D-D061-483E-84D4-FDF00078B9A9}" type="datetimeFigureOut">
               <a:rPr lang="en-US" smtClean="0"/>
-              <a:t>9/28/2023</a:t>
+              <a:t>10/19/23</a:t>
             </a:fld>
             <a:endParaRPr lang="en-US" dirty="0"/>
           </a:p>
@@ -678,7 +676,7 @@
           <a:p>
             <a:fld id="{76E5B84D-D061-483E-84D4-FDF00078B9A9}" type="datetimeFigureOut">
               <a:rPr lang="en-US" smtClean="0"/>
-              <a:t>9/28/2023</a:t>
+              <a:t>10/19/23</a:t>
             </a:fld>
             <a:endParaRPr lang="en-US" dirty="0"/>
           </a:p>
@@ -876,7 +874,7 @@
           <a:p>
             <a:fld id="{76E5B84D-D061-483E-84D4-FDF00078B9A9}" type="datetimeFigureOut">
               <a:rPr lang="en-US" smtClean="0"/>
-              <a:t>9/28/2023</a:t>
+              <a:t>10/19/23</a:t>
             </a:fld>
             <a:endParaRPr lang="en-US" dirty="0"/>
           </a:p>
@@ -1151,7 +1149,7 @@
           <a:p>
             <a:fld id="{76E5B84D-D061-483E-84D4-FDF00078B9A9}" type="datetimeFigureOut">
               <a:rPr lang="en-US" smtClean="0"/>
-              <a:t>9/28/2023</a:t>
+              <a:t>10/19/23</a:t>
             </a:fld>
             <a:endParaRPr lang="en-US" dirty="0"/>
           </a:p>
@@ -1416,7 +1414,7 @@
           <a:p>
             <a:fld id="{76E5B84D-D061-483E-84D4-FDF00078B9A9}" type="datetimeFigureOut">
               <a:rPr lang="en-US" smtClean="0"/>
-              <a:t>9/28/2023</a:t>
+              <a:t>10/19/23</a:t>
             </a:fld>
             <a:endParaRPr lang="en-US" dirty="0"/>
           </a:p>
@@ -1828,7 +1826,7 @@
           <a:p>
             <a:fld id="{76E5B84D-D061-483E-84D4-FDF00078B9A9}" type="datetimeFigureOut">
               <a:rPr lang="en-US" smtClean="0"/>
-              <a:t>9/28/2023</a:t>
+              <a:t>10/19/23</a:t>
             </a:fld>
             <a:endParaRPr lang="en-US" dirty="0"/>
           </a:p>
@@ -1969,7 +1967,7 @@
           <a:p>
             <a:fld id="{76E5B84D-D061-483E-84D4-FDF00078B9A9}" type="datetimeFigureOut">
               <a:rPr lang="en-US" smtClean="0"/>
-              <a:t>9/28/2023</a:t>
+              <a:t>10/19/23</a:t>
             </a:fld>
             <a:endParaRPr lang="en-US" dirty="0"/>
           </a:p>
@@ -2082,7 +2080,7 @@
           <a:p>
             <a:fld id="{76E5B84D-D061-483E-84D4-FDF00078B9A9}" type="datetimeFigureOut">
               <a:rPr lang="en-US" smtClean="0"/>
-              <a:t>9/28/2023</a:t>
+              <a:t>10/19/23</a:t>
             </a:fld>
             <a:endParaRPr lang="en-US" dirty="0"/>
           </a:p>
@@ -2442,7 +2440,7 @@
           <a:p>
             <a:fld id="{76E5B84D-D061-483E-84D4-FDF00078B9A9}" type="datetimeFigureOut">
               <a:rPr lang="en-US" smtClean="0"/>
-              <a:t>9/28/2023</a:t>
+              <a:t>10/19/23</a:t>
             </a:fld>
             <a:endParaRPr lang="en-US" dirty="0"/>
           </a:p>
@@ -2688,7 +2686,7 @@
           <a:p>
             <a:fld id="{76E5B84D-D061-483E-84D4-FDF00078B9A9}" type="datetimeFigureOut">
               <a:rPr lang="en-US" smtClean="0"/>
-              <a:t>9/28/2023</a:t>
+              <a:t>10/19/23</a:t>
             </a:fld>
             <a:endParaRPr lang="en-US" dirty="0"/>
           </a:p>
@@ -4607,89 +4605,6 @@
       </p:grpSpPr>
       <p:sp>
         <p:nvSpPr>
-          <p:cNvPr id="5" name="Oval 4">
-            <a:extLst>
-              <a:ext uri="{FF2B5EF4-FFF2-40B4-BE49-F238E27FC236}">
-                <a16:creationId xmlns:a16="http://schemas.microsoft.com/office/drawing/2014/main" id="{9BFE15A5-799E-421F-BCFE-9C7EAF1C1854}"/>
-              </a:ext>
-            </a:extLst>
-          </p:cNvPr>
-          <p:cNvSpPr/>
-          <p:nvPr/>
-        </p:nvSpPr>
-        <p:spPr>
-          <a:xfrm>
-            <a:off x="1529753" y="5322826"/>
-            <a:ext cx="158168" cy="158168"/>
-          </a:xfrm>
-          <a:prstGeom prst="ellipse">
-            <a:avLst/>
-          </a:prstGeom>
-          <a:solidFill>
-            <a:schemeClr val="bg2">
-              <a:lumMod val="25000"/>
-            </a:schemeClr>
-          </a:solidFill>
-          <a:ln>
-            <a:noFill/>
-          </a:ln>
-        </p:spPr>
-        <p:style>
-          <a:lnRef idx="2">
-            <a:schemeClr val="accent1">
-              <a:shade val="50000"/>
-            </a:schemeClr>
-          </a:lnRef>
-          <a:fillRef idx="1">
-            <a:schemeClr val="accent1"/>
-          </a:fillRef>
-          <a:effectRef idx="0">
-            <a:schemeClr val="accent1"/>
-          </a:effectRef>
-          <a:fontRef idx="minor">
-            <a:schemeClr val="lt1"/>
-          </a:fontRef>
-        </p:style>
-        <p:txBody>
-          <a:bodyPr rtlCol="0" anchor="ctr"/>
-          <a:lstStyle/>
-          <a:p>
-            <a:pPr marL="0" marR="0" lvl="0" indent="0" algn="ctr" defTabSz="914400" rtl="0" eaLnBrk="1" fontAlgn="auto" latinLnBrk="0" hangingPunct="1">
-              <a:lnSpc>
-                <a:spcPct val="100000"/>
-              </a:lnSpc>
-              <a:spcBef>
-                <a:spcPts val="0"/>
-              </a:spcBef>
-              <a:spcAft>
-                <a:spcPts val="0"/>
-              </a:spcAft>
-              <a:buClrTx/>
-              <a:buSzTx/>
-              <a:buFontTx/>
-              <a:buNone/>
-              <a:tabLst/>
-              <a:defRPr/>
-            </a:pPr>
-            <a:endParaRPr kumimoji="0" lang="en-US" sz="1800" b="0" i="0" u="none" strike="noStrike" kern="1200" cap="none" spc="0" normalizeH="0" baseline="0" noProof="0" dirty="0">
-              <a:ln>
-                <a:noFill/>
-              </a:ln>
-              <a:solidFill>
-                <a:prstClr val="white"/>
-              </a:solidFill>
-              <a:effectLst/>
-              <a:uLnTx/>
-              <a:uFillTx/>
-              <a:latin typeface="Montserrat"/>
-              <a:ea typeface="+mn-ea"/>
-              <a:cs typeface="+mn-cs"/>
-            </a:endParaRPr>
-          </a:p>
-        </p:txBody>
-      </p:sp>
-      <p:sp>
-        <p:nvSpPr>
           <p:cNvPr id="6" name="Oval 5">
             <a:extLst>
               <a:ext uri="{FF2B5EF4-FFF2-40B4-BE49-F238E27FC236}">
@@ -4735,36 +4650,9 @@
           <a:bodyPr rtlCol="0" anchor="ctr"/>
           <a:lstStyle/>
           <a:p>
-            <a:pPr marL="0" marR="0" lvl="0" indent="0" algn="ctr" defTabSz="914400" rtl="0" eaLnBrk="1" fontAlgn="auto" latinLnBrk="0" hangingPunct="1">
-              <a:lnSpc>
-                <a:spcPct val="100000"/>
-              </a:lnSpc>
-              <a:spcBef>
-                <a:spcPts val="0"/>
-              </a:spcBef>
-              <a:spcAft>
-                <a:spcPts val="0"/>
-              </a:spcAft>
-              <a:buClrTx/>
-              <a:buSzTx/>
-              <a:buFontTx/>
-              <a:buNone/>
-              <a:tabLst/>
-              <a:defRPr/>
-            </a:pPr>
-            <a:endParaRPr kumimoji="0" lang="en-US" sz="1800" b="0" i="0" u="none" strike="noStrike" kern="1200" cap="none" spc="0" normalizeH="0" baseline="0" noProof="0" dirty="0">
-              <a:ln>
-                <a:noFill/>
-              </a:ln>
-              <a:solidFill>
-                <a:prstClr val="white"/>
-              </a:solidFill>
-              <a:effectLst/>
-              <a:uLnTx/>
-              <a:uFillTx/>
-              <a:latin typeface="Montserrat"/>
-              <a:ea typeface="+mn-ea"/>
-              <a:cs typeface="+mn-cs"/>
+            <a:pPr algn="ctr"/>
+            <a:endParaRPr lang="en-US" dirty="0">
+              <a:latin typeface="+mj-lt"/>
             </a:endParaRPr>
           </a:p>
         </p:txBody>
@@ -4865,36 +4753,9 @@
           </a:bodyPr>
           <a:lstStyle/>
           <a:p>
-            <a:pPr marL="0" marR="0" lvl="0" indent="0" algn="ctr" defTabSz="914400" rtl="0" eaLnBrk="1" fontAlgn="auto" latinLnBrk="0" hangingPunct="1">
-              <a:lnSpc>
-                <a:spcPct val="100000"/>
-              </a:lnSpc>
-              <a:spcBef>
-                <a:spcPts val="0"/>
-              </a:spcBef>
-              <a:spcAft>
-                <a:spcPts val="0"/>
-              </a:spcAft>
-              <a:buClrTx/>
-              <a:buSzTx/>
-              <a:buFontTx/>
-              <a:buNone/>
-              <a:tabLst/>
-              <a:defRPr/>
-            </a:pPr>
-            <a:endParaRPr kumimoji="0" lang="en-US" sz="1800" b="0" i="0" u="none" strike="noStrike" kern="1200" cap="none" spc="0" normalizeH="0" baseline="0" noProof="0" dirty="0">
-              <a:ln>
-                <a:noFill/>
-              </a:ln>
-              <a:solidFill>
-                <a:prstClr val="white"/>
-              </a:solidFill>
-              <a:effectLst/>
-              <a:uLnTx/>
-              <a:uFillTx/>
-              <a:latin typeface="Montserrat"/>
-              <a:ea typeface="+mn-ea"/>
-              <a:cs typeface="+mn-cs"/>
+            <a:pPr algn="ctr"/>
+            <a:endParaRPr lang="en-US" dirty="0">
+              <a:latin typeface="+mj-lt"/>
             </a:endParaRPr>
           </a:p>
         </p:txBody>
@@ -4997,36 +4858,9 @@
           </a:bodyPr>
           <a:lstStyle/>
           <a:p>
-            <a:pPr marL="0" marR="0" lvl="0" indent="0" algn="ctr" defTabSz="914400" rtl="0" eaLnBrk="1" fontAlgn="auto" latinLnBrk="0" hangingPunct="1">
-              <a:lnSpc>
-                <a:spcPct val="100000"/>
-              </a:lnSpc>
-              <a:spcBef>
-                <a:spcPts val="0"/>
-              </a:spcBef>
-              <a:spcAft>
-                <a:spcPts val="0"/>
-              </a:spcAft>
-              <a:buClrTx/>
-              <a:buSzTx/>
-              <a:buFontTx/>
-              <a:buNone/>
-              <a:tabLst/>
-              <a:defRPr/>
-            </a:pPr>
-            <a:endParaRPr kumimoji="0" lang="en-US" sz="1800" b="0" i="0" u="none" strike="noStrike" kern="1200" cap="none" spc="0" normalizeH="0" baseline="0" noProof="0" dirty="0">
-              <a:ln>
-                <a:noFill/>
-              </a:ln>
-              <a:solidFill>
-                <a:prstClr val="white"/>
-              </a:solidFill>
-              <a:effectLst/>
-              <a:uLnTx/>
-              <a:uFillTx/>
-              <a:latin typeface="Montserrat"/>
-              <a:ea typeface="+mn-ea"/>
-              <a:cs typeface="+mn-cs"/>
+            <a:pPr algn="ctr"/>
+            <a:endParaRPr lang="en-US" dirty="0">
+              <a:latin typeface="+mj-lt"/>
             </a:endParaRPr>
           </a:p>
         </p:txBody>
@@ -5080,36 +4914,9 @@
           <a:bodyPr rtlCol="0" anchor="ctr"/>
           <a:lstStyle/>
           <a:p>
-            <a:pPr marL="0" marR="0" lvl="0" indent="0" algn="ctr" defTabSz="914400" rtl="0" eaLnBrk="1" fontAlgn="auto" latinLnBrk="0" hangingPunct="1">
-              <a:lnSpc>
-                <a:spcPct val="100000"/>
-              </a:lnSpc>
-              <a:spcBef>
-                <a:spcPts val="0"/>
-              </a:spcBef>
-              <a:spcAft>
-                <a:spcPts val="0"/>
-              </a:spcAft>
-              <a:buClrTx/>
-              <a:buSzTx/>
-              <a:buFontTx/>
-              <a:buNone/>
-              <a:tabLst/>
-              <a:defRPr/>
-            </a:pPr>
-            <a:endParaRPr kumimoji="0" lang="en-US" sz="1800" b="0" i="0" u="none" strike="noStrike" kern="1200" cap="none" spc="0" normalizeH="0" baseline="0" noProof="0" dirty="0">
-              <a:ln>
-                <a:noFill/>
-              </a:ln>
-              <a:solidFill>
-                <a:prstClr val="white"/>
-              </a:solidFill>
-              <a:effectLst/>
-              <a:uLnTx/>
-              <a:uFillTx/>
-              <a:latin typeface="Montserrat"/>
-              <a:ea typeface="+mn-ea"/>
-              <a:cs typeface="+mn-cs"/>
+            <a:pPr algn="ctr"/>
+            <a:endParaRPr lang="en-US" dirty="0">
+              <a:latin typeface="+mj-lt"/>
             </a:endParaRPr>
           </a:p>
         </p:txBody>
@@ -5163,36 +4970,15 @@
           <a:bodyPr rtlCol="0" anchor="ctr"/>
           <a:lstStyle/>
           <a:p>
-            <a:pPr marL="0" marR="0" lvl="0" indent="0" algn="ctr" defTabSz="914400" rtl="0" eaLnBrk="1" fontAlgn="auto" latinLnBrk="0" hangingPunct="1">
-              <a:lnSpc>
-                <a:spcPct val="100000"/>
-              </a:lnSpc>
-              <a:spcBef>
-                <a:spcPts val="0"/>
-              </a:spcBef>
-              <a:spcAft>
-                <a:spcPts val="0"/>
-              </a:spcAft>
-              <a:buClrTx/>
-              <a:buSzTx/>
-              <a:buFontTx/>
-              <a:buNone/>
-              <a:tabLst/>
-              <a:defRPr/>
-            </a:pPr>
-            <a:endParaRPr kumimoji="0" lang="en-US" sz="1800" b="0" i="0" u="none" strike="noStrike" kern="1200" cap="none" spc="0" normalizeH="0" baseline="0" noProof="0" dirty="0">
-              <a:ln>
-                <a:noFill/>
-              </a:ln>
+            <a:pPr algn="ctr"/>
+            <a:endParaRPr lang="en-US" dirty="0">
               <a:solidFill>
-                <a:prstClr val="white"/>
+                <a:schemeClr val="tx1">
+                  <a:lumMod val="85000"/>
+                  <a:lumOff val="15000"/>
+                </a:schemeClr>
               </a:solidFill>
-              <a:effectLst/>
-              <a:uLnTx/>
-              <a:uFillTx/>
-              <a:latin typeface="Montserrat"/>
-              <a:ea typeface="+mn-ea"/>
-              <a:cs typeface="+mn-cs"/>
+              <a:latin typeface="+mj-lt"/>
             </a:endParaRPr>
           </a:p>
         </p:txBody>
@@ -5244,36 +5030,9 @@
           <a:bodyPr rtlCol="0" anchor="ctr"/>
           <a:lstStyle/>
           <a:p>
-            <a:pPr marL="0" marR="0" lvl="0" indent="0" algn="ctr" defTabSz="914400" rtl="0" eaLnBrk="1" fontAlgn="auto" latinLnBrk="0" hangingPunct="1">
-              <a:lnSpc>
-                <a:spcPct val="100000"/>
-              </a:lnSpc>
-              <a:spcBef>
-                <a:spcPts val="0"/>
-              </a:spcBef>
-              <a:spcAft>
-                <a:spcPts val="0"/>
-              </a:spcAft>
-              <a:buClrTx/>
-              <a:buSzTx/>
-              <a:buFontTx/>
-              <a:buNone/>
-              <a:tabLst/>
-              <a:defRPr/>
-            </a:pPr>
-            <a:endParaRPr kumimoji="0" lang="en-US" sz="1800" b="0" i="0" u="none" strike="noStrike" kern="1200" cap="none" spc="0" normalizeH="0" baseline="0" noProof="0" dirty="0">
-              <a:ln>
-                <a:noFill/>
-              </a:ln>
-              <a:solidFill>
-                <a:prstClr val="white"/>
-              </a:solidFill>
-              <a:effectLst/>
-              <a:uLnTx/>
-              <a:uFillTx/>
-              <a:latin typeface="Montserrat"/>
-              <a:ea typeface="+mn-ea"/>
-              <a:cs typeface="+mn-cs"/>
+            <a:pPr algn="ctr"/>
+            <a:endParaRPr lang="en-US" dirty="0">
+              <a:latin typeface="+mj-lt"/>
             </a:endParaRPr>
           </a:p>
         </p:txBody>
@@ -5292,7 +5051,7 @@
         </p:nvSpPr>
         <p:spPr>
           <a:xfrm>
-            <a:off x="9674978" y="1670162"/>
+            <a:off x="984505" y="4381815"/>
             <a:ext cx="262560" cy="262560"/>
           </a:xfrm>
           <a:prstGeom prst="ellipse">
@@ -5325,36 +5084,9 @@
           <a:bodyPr rtlCol="0" anchor="ctr"/>
           <a:lstStyle/>
           <a:p>
-            <a:pPr marL="0" marR="0" lvl="0" indent="0" algn="ctr" defTabSz="914400" rtl="0" eaLnBrk="1" fontAlgn="auto" latinLnBrk="0" hangingPunct="1">
-              <a:lnSpc>
-                <a:spcPct val="100000"/>
-              </a:lnSpc>
-              <a:spcBef>
-                <a:spcPts val="0"/>
-              </a:spcBef>
-              <a:spcAft>
-                <a:spcPts val="0"/>
-              </a:spcAft>
-              <a:buClrTx/>
-              <a:buSzTx/>
-              <a:buFontTx/>
-              <a:buNone/>
-              <a:tabLst/>
-              <a:defRPr/>
-            </a:pPr>
-            <a:endParaRPr kumimoji="0" lang="en-US" sz="1800" b="0" i="0" u="none" strike="noStrike" kern="1200" cap="none" spc="0" normalizeH="0" baseline="0" noProof="0" dirty="0">
-              <a:ln>
-                <a:noFill/>
-              </a:ln>
-              <a:solidFill>
-                <a:prstClr val="white"/>
-              </a:solidFill>
-              <a:effectLst/>
-              <a:uLnTx/>
-              <a:uFillTx/>
-              <a:latin typeface="Montserrat"/>
-              <a:ea typeface="+mn-ea"/>
-              <a:cs typeface="+mn-cs"/>
+            <a:pPr algn="ctr"/>
+            <a:endParaRPr lang="en-US" dirty="0">
+              <a:latin typeface="+mj-lt"/>
             </a:endParaRPr>
           </a:p>
         </p:txBody>
@@ -5457,36 +5189,9 @@
           </a:bodyPr>
           <a:lstStyle/>
           <a:p>
-            <a:pPr marL="0" marR="0" lvl="0" indent="0" algn="ctr" defTabSz="914400" rtl="0" eaLnBrk="1" fontAlgn="auto" latinLnBrk="0" hangingPunct="1">
-              <a:lnSpc>
-                <a:spcPct val="100000"/>
-              </a:lnSpc>
-              <a:spcBef>
-                <a:spcPts val="0"/>
-              </a:spcBef>
-              <a:spcAft>
-                <a:spcPts val="0"/>
-              </a:spcAft>
-              <a:buClrTx/>
-              <a:buSzTx/>
-              <a:buFontTx/>
-              <a:buNone/>
-              <a:tabLst/>
-              <a:defRPr/>
-            </a:pPr>
-            <a:endParaRPr kumimoji="0" lang="en-US" sz="1800" b="0" i="0" u="none" strike="noStrike" kern="1200" cap="none" spc="0" normalizeH="0" baseline="0" noProof="0" dirty="0">
-              <a:ln>
-                <a:noFill/>
-              </a:ln>
-              <a:solidFill>
-                <a:prstClr val="white"/>
-              </a:solidFill>
-              <a:effectLst/>
-              <a:uLnTx/>
-              <a:uFillTx/>
-              <a:latin typeface="Montserrat"/>
-              <a:ea typeface="+mn-ea"/>
-              <a:cs typeface="+mn-cs"/>
+            <a:pPr algn="ctr"/>
+            <a:endParaRPr lang="en-US" dirty="0">
+              <a:latin typeface="+mj-lt"/>
             </a:endParaRPr>
           </a:p>
         </p:txBody>
@@ -5587,36 +5292,9 @@
           </a:bodyPr>
           <a:lstStyle/>
           <a:p>
-            <a:pPr marL="0" marR="0" lvl="0" indent="0" algn="ctr" defTabSz="914400" rtl="0" eaLnBrk="1" fontAlgn="auto" latinLnBrk="0" hangingPunct="1">
-              <a:lnSpc>
-                <a:spcPct val="100000"/>
-              </a:lnSpc>
-              <a:spcBef>
-                <a:spcPts val="0"/>
-              </a:spcBef>
-              <a:spcAft>
-                <a:spcPts val="0"/>
-              </a:spcAft>
-              <a:buClrTx/>
-              <a:buSzTx/>
-              <a:buFontTx/>
-              <a:buNone/>
-              <a:tabLst/>
-              <a:defRPr/>
-            </a:pPr>
-            <a:endParaRPr kumimoji="0" lang="en-US" sz="1800" b="0" i="0" u="none" strike="noStrike" kern="1200" cap="none" spc="0" normalizeH="0" baseline="0" noProof="0" dirty="0">
-              <a:ln>
-                <a:noFill/>
-              </a:ln>
-              <a:solidFill>
-                <a:prstClr val="white"/>
-              </a:solidFill>
-              <a:effectLst/>
-              <a:uLnTx/>
-              <a:uFillTx/>
-              <a:latin typeface="Montserrat"/>
-              <a:ea typeface="+mn-ea"/>
-              <a:cs typeface="+mn-cs"/>
+            <a:pPr algn="ctr"/>
+            <a:endParaRPr lang="en-US" dirty="0">
+              <a:latin typeface="+mj-lt"/>
             </a:endParaRPr>
           </a:p>
         </p:txBody>
@@ -5719,119 +5397,9 @@
           </a:bodyPr>
           <a:lstStyle/>
           <a:p>
-            <a:pPr marL="0" marR="0" lvl="0" indent="0" algn="ctr" defTabSz="914400" rtl="0" eaLnBrk="1" fontAlgn="auto" latinLnBrk="0" hangingPunct="1">
-              <a:lnSpc>
-                <a:spcPct val="100000"/>
-              </a:lnSpc>
-              <a:spcBef>
-                <a:spcPts val="0"/>
-              </a:spcBef>
-              <a:spcAft>
-                <a:spcPts val="0"/>
-              </a:spcAft>
-              <a:buClrTx/>
-              <a:buSzTx/>
-              <a:buFontTx/>
-              <a:buNone/>
-              <a:tabLst/>
-              <a:defRPr/>
-            </a:pPr>
-            <a:endParaRPr kumimoji="0" lang="en-US" sz="1800" b="0" i="0" u="none" strike="noStrike" kern="1200" cap="none" spc="0" normalizeH="0" baseline="0" noProof="0" dirty="0">
-              <a:ln>
-                <a:noFill/>
-              </a:ln>
-              <a:solidFill>
-                <a:prstClr val="white"/>
-              </a:solidFill>
-              <a:effectLst/>
-              <a:uLnTx/>
-              <a:uFillTx/>
-              <a:latin typeface="Montserrat"/>
-              <a:ea typeface="+mn-ea"/>
-              <a:cs typeface="+mn-cs"/>
-            </a:endParaRPr>
-          </a:p>
-        </p:txBody>
-      </p:sp>
-      <p:sp>
-        <p:nvSpPr>
-          <p:cNvPr id="77" name="Rectangle: Rounded Corners 76">
-            <a:extLst>
-              <a:ext uri="{FF2B5EF4-FFF2-40B4-BE49-F238E27FC236}">
-                <a16:creationId xmlns:a16="http://schemas.microsoft.com/office/drawing/2014/main" id="{22155B0E-49AC-4951-8FCF-10CBF1B19043}"/>
-              </a:ext>
-            </a:extLst>
-          </p:cNvPr>
-          <p:cNvSpPr/>
-          <p:nvPr/>
-        </p:nvSpPr>
-        <p:spPr>
-          <a:xfrm>
-            <a:off x="591711" y="3404393"/>
-            <a:ext cx="219172" cy="187673"/>
-          </a:xfrm>
-          <a:prstGeom prst="roundRect">
-            <a:avLst>
-              <a:gd name="adj" fmla="val 32384"/>
-            </a:avLst>
-          </a:prstGeom>
-          <a:solidFill>
-            <a:schemeClr val="bg1"/>
-          </a:solidFill>
-          <a:ln>
-            <a:noFill/>
-          </a:ln>
-        </p:spPr>
-        <p:style>
-          <a:lnRef idx="2">
-            <a:schemeClr val="accent1">
-              <a:shade val="50000"/>
-            </a:schemeClr>
-          </a:lnRef>
-          <a:fillRef idx="1">
-            <a:schemeClr val="accent1"/>
-          </a:fillRef>
-          <a:effectRef idx="0">
-            <a:schemeClr val="accent1"/>
-          </a:effectRef>
-          <a:fontRef idx="minor">
-            <a:schemeClr val="lt1"/>
-          </a:fontRef>
-        </p:style>
-        <p:txBody>
-          <a:bodyPr rtlCol="0" anchor="ctr"/>
-          <a:lstStyle/>
-          <a:p>
-            <a:pPr marL="0" marR="0" lvl="0" indent="0" algn="ctr" defTabSz="914400" rtl="0" eaLnBrk="1" fontAlgn="auto" latinLnBrk="0" hangingPunct="1">
-              <a:lnSpc>
-                <a:spcPct val="100000"/>
-              </a:lnSpc>
-              <a:spcBef>
-                <a:spcPts val="0"/>
-              </a:spcBef>
-              <a:spcAft>
-                <a:spcPts val="0"/>
-              </a:spcAft>
-              <a:buClrTx/>
-              <a:buSzTx/>
-              <a:buFontTx/>
-              <a:buNone/>
-              <a:tabLst/>
-              <a:defRPr/>
-            </a:pPr>
-            <a:endParaRPr kumimoji="0" lang="en-US" sz="1800" b="0" i="0" u="none" strike="noStrike" kern="1200" cap="none" spc="0" normalizeH="0" baseline="0" noProof="0" dirty="0">
-              <a:ln>
-                <a:noFill/>
-              </a:ln>
-              <a:solidFill>
-                <a:prstClr val="white"/>
-              </a:solidFill>
-              <a:effectLst/>
-              <a:uLnTx/>
-              <a:uFillTx/>
-              <a:latin typeface="Montserrat"/>
-              <a:ea typeface="+mn-ea"/>
-              <a:cs typeface="+mn-cs"/>
+            <a:pPr algn="ctr"/>
+            <a:endParaRPr lang="en-US" dirty="0">
+              <a:latin typeface="+mj-lt"/>
             </a:endParaRPr>
           </a:p>
         </p:txBody>
@@ -5850,8 +5418,8 @@
         </p:nvSpPr>
         <p:spPr>
           <a:xfrm>
-            <a:off x="3291908" y="104747"/>
-            <a:ext cx="5608183" cy="830997"/>
+            <a:off x="2744190" y="-42937"/>
+            <a:ext cx="7372579" cy="1323439"/>
           </a:xfrm>
           <a:prstGeom prst="rect">
             <a:avLst/>
@@ -5864,25 +5432,9 @@
           </a:bodyPr>
           <a:lstStyle/>
           <a:p>
-            <a:pPr marL="0" marR="0" lvl="0" indent="0" algn="ctr" defTabSz="914400" rtl="0" eaLnBrk="1" fontAlgn="auto" latinLnBrk="0" hangingPunct="1">
-              <a:lnSpc>
-                <a:spcPct val="100000"/>
-              </a:lnSpc>
-              <a:spcBef>
-                <a:spcPts val="0"/>
-              </a:spcBef>
-              <a:spcAft>
-                <a:spcPts val="0"/>
-              </a:spcAft>
-              <a:buClrTx/>
-              <a:buSzTx/>
-              <a:buFontTx/>
-              <a:buNone/>
-              <a:tabLst/>
-              <a:defRPr/>
-            </a:pPr>
+            <a:pPr algn="ctr"/>
             <a:r>
-              <a:rPr lang="en-US" sz="4800" b="1" dirty="0">
+              <a:rPr lang="en-US" sz="4000" b="1" dirty="0">
                 <a:ln>
                   <a:solidFill>
                     <a:schemeClr val="bg2">
@@ -5891,34 +5443,14 @@
                   </a:solidFill>
                 </a:ln>
                 <a:solidFill>
-                  <a:prstClr val="white">
+                  <a:schemeClr val="bg1">
                     <a:lumMod val="95000"/>
-                  </a:prstClr>
+                  </a:schemeClr>
                 </a:solidFill>
                 <a:latin typeface="Tw Cen MT" panose="020B0602020104020603" pitchFamily="34" charset="0"/>
               </a:rPr>
-              <a:t>Project Management</a:t>
+              <a:t>Testing, Automation and Branching</a:t>
             </a:r>
-            <a:endParaRPr kumimoji="0" lang="en-US" sz="4800" b="1" i="0" u="none" strike="noStrike" kern="1200" cap="none" spc="0" normalizeH="0" baseline="0" noProof="0" dirty="0">
-              <a:ln>
-                <a:solidFill>
-                  <a:schemeClr val="bg2">
-                    <a:lumMod val="50000"/>
-                  </a:schemeClr>
-                </a:solidFill>
-              </a:ln>
-              <a:solidFill>
-                <a:prstClr val="white">
-                  <a:lumMod val="95000"/>
-                </a:prstClr>
-              </a:solidFill>
-              <a:effectLst/>
-              <a:uLnTx/>
-              <a:uFillTx/>
-              <a:latin typeface="Tw Cen MT" panose="020B0602020104020603" pitchFamily="34" charset="0"/>
-              <a:ea typeface="+mn-ea"/>
-              <a:cs typeface="+mn-cs"/>
-            </a:endParaRPr>
           </a:p>
         </p:txBody>
       </p:sp>
@@ -5927,7 +5459,7 @@
           <p:cNvPr id="18" name="TextBox 17">
             <a:extLst>
               <a:ext uri="{FF2B5EF4-FFF2-40B4-BE49-F238E27FC236}">
-                <a16:creationId xmlns:a16="http://schemas.microsoft.com/office/drawing/2014/main" id="{768DF04A-2573-2965-403D-B3F221A8DA5F}"/>
+                <a16:creationId xmlns:a16="http://schemas.microsoft.com/office/drawing/2014/main" id="{FDB6778F-E214-B1AA-2850-8278C6A694C7}"/>
               </a:ext>
             </a:extLst>
           </p:cNvPr>
@@ -5936,8 +5468,8 @@
         </p:nvSpPr>
         <p:spPr>
           <a:xfrm>
-            <a:off x="1604467" y="1023372"/>
-            <a:ext cx="9502726" cy="5678478"/>
+            <a:off x="1561322" y="1365338"/>
+            <a:ext cx="9069355" cy="5518434"/>
           </a:xfrm>
           <a:prstGeom prst="rect">
             <a:avLst/>
@@ -5950,59 +5482,7 @@
           </a:bodyPr>
           <a:lstStyle/>
           <a:p>
-            <a:pPr rtl="0" fontAlgn="base">
-              <a:spcBef>
-                <a:spcPts val="0"/>
-              </a:spcBef>
-              <a:spcAft>
-                <a:spcPts val="0"/>
-              </a:spcAft>
-            </a:pPr>
-            <a:r>
-              <a:rPr lang="en-GB" sz="3200" b="0" i="0" u="none" strike="noStrike" dirty="0">
-                <a:solidFill>
-                  <a:srgbClr val="E3E3E5"/>
-                </a:solidFill>
-                <a:effectLst/>
-                <a:latin typeface="Sorts Mill Goudy"/>
-              </a:rPr>
-              <a:t>Agile </a:t>
-            </a:r>
-            <a:r>
-              <a:rPr lang="en-GB" sz="3200" dirty="0">
-                <a:solidFill>
-                  <a:srgbClr val="E3E3E5"/>
-                </a:solidFill>
-                <a:latin typeface="Sorts Mill Goudy"/>
-              </a:rPr>
-              <a:t>methodology</a:t>
-            </a:r>
-            <a:endParaRPr lang="en-GB" sz="1400" dirty="0">
-              <a:solidFill>
-                <a:srgbClr val="E3E3E5"/>
-              </a:solidFill>
-              <a:latin typeface="Sorts Mill Goudy"/>
-            </a:endParaRPr>
-          </a:p>
-          <a:p>
-            <a:pPr rtl="0" fontAlgn="base">
-              <a:spcBef>
-                <a:spcPts val="0"/>
-              </a:spcBef>
-              <a:spcAft>
-                <a:spcPts val="0"/>
-              </a:spcAft>
-            </a:pPr>
-            <a:endParaRPr lang="en-GB" sz="1400" b="0" i="0" u="none" strike="noStrike" dirty="0">
-              <a:solidFill>
-                <a:srgbClr val="E3E3E5"/>
-              </a:solidFill>
-              <a:effectLst/>
-              <a:latin typeface="Noto Sans" panose="020B0502040504020204" pitchFamily="34" charset="0"/>
-            </a:endParaRPr>
-          </a:p>
-          <a:p>
-            <a:pPr marL="800100" lvl="1" indent="-342900" rtl="0" fontAlgn="base">
+            <a:pPr marL="342900" indent="-342900" rtl="0" fontAlgn="base">
               <a:spcBef>
                 <a:spcPts val="0"/>
               </a:spcBef>
@@ -6020,7 +5500,193 @@
                 <a:effectLst/>
                 <a:latin typeface="Sorts Mill Goudy"/>
               </a:rPr>
-              <a:t>Project board on </a:t>
+              <a:t>Unit and Integration Testing </a:t>
+            </a:r>
+            <a:endParaRPr lang="en-GB" sz="2100" b="0" i="0" u="none" strike="noStrike" dirty="0">
+              <a:solidFill>
+                <a:srgbClr val="E3E3E5"/>
+              </a:solidFill>
+              <a:effectLst/>
+              <a:latin typeface="Noto Sans" panose="020B0502040504020204" pitchFamily="34" charset="0"/>
+            </a:endParaRPr>
+          </a:p>
+          <a:p>
+            <a:pPr marL="742950" lvl="1" indent="-285750" rtl="0" fontAlgn="base">
+              <a:spcBef>
+                <a:spcPts val="0"/>
+              </a:spcBef>
+              <a:spcAft>
+                <a:spcPts val="0"/>
+              </a:spcAft>
+              <a:buFont typeface="Arial" panose="020B0604020202020204" pitchFamily="34" charset="0"/>
+              <a:buChar char="•"/>
+            </a:pPr>
+            <a:r>
+              <a:rPr lang="en-GB" sz="2100" b="0" i="0" u="none" strike="noStrike" dirty="0">
+                <a:solidFill>
+                  <a:srgbClr val="E3E3E5"/>
+                </a:solidFill>
+                <a:effectLst/>
+                <a:latin typeface="Sorts Mill Goudy"/>
+              </a:rPr>
+              <a:t>Performed in both live and mocked environments</a:t>
+            </a:r>
+          </a:p>
+          <a:p>
+            <a:pPr marL="742950" lvl="1" indent="-285750" rtl="0" fontAlgn="base">
+              <a:spcBef>
+                <a:spcPts val="0"/>
+              </a:spcBef>
+              <a:spcAft>
+                <a:spcPts val="0"/>
+              </a:spcAft>
+              <a:buFont typeface="Arial" panose="020B0604020202020204" pitchFamily="34" charset="0"/>
+              <a:buChar char="•"/>
+            </a:pPr>
+            <a:r>
+              <a:rPr lang="en-GB" sz="2100" dirty="0">
+                <a:solidFill>
+                  <a:srgbClr val="E3E3E5"/>
+                </a:solidFill>
+                <a:latin typeface="Sorts Mill Goudy"/>
+              </a:rPr>
+              <a:t>Unit tests performed on the backend and frontend, mobile and web app</a:t>
+            </a:r>
+            <a:endParaRPr lang="en-GB" sz="1260" b="0" i="0" u="none" strike="noStrike" dirty="0">
+              <a:solidFill>
+                <a:srgbClr val="E3E3E5"/>
+              </a:solidFill>
+              <a:effectLst/>
+              <a:latin typeface="Noto Sans" panose="020B0502040504020204" pitchFamily="34" charset="0"/>
+            </a:endParaRPr>
+          </a:p>
+          <a:p>
+            <a:pPr marL="742950" lvl="1" indent="-285750" rtl="0" fontAlgn="base">
+              <a:spcBef>
+                <a:spcPts val="0"/>
+              </a:spcBef>
+              <a:spcAft>
+                <a:spcPts val="0"/>
+              </a:spcAft>
+              <a:buFont typeface="Arial" panose="020B0604020202020204" pitchFamily="34" charset="0"/>
+              <a:buChar char="•"/>
+            </a:pPr>
+            <a:r>
+              <a:rPr lang="en-GB" sz="2100" dirty="0">
+                <a:solidFill>
+                  <a:srgbClr val="E3E3E5"/>
+                </a:solidFill>
+                <a:latin typeface="Sorts Mill Goudy"/>
+              </a:rPr>
+              <a:t>Cypress is used for end-to-end/integration testing</a:t>
+            </a:r>
+            <a:endParaRPr lang="en-GB" sz="1260" b="0" i="0" u="none" strike="noStrike" dirty="0">
+              <a:solidFill>
+                <a:srgbClr val="E3E3E5"/>
+              </a:solidFill>
+              <a:effectLst/>
+              <a:latin typeface="Noto Sans" panose="020B0502040504020204" pitchFamily="34" charset="0"/>
+            </a:endParaRPr>
+          </a:p>
+          <a:p>
+            <a:pPr marL="742950" lvl="1" indent="-285750" rtl="0" fontAlgn="base">
+              <a:spcBef>
+                <a:spcPts val="0"/>
+              </a:spcBef>
+              <a:spcAft>
+                <a:spcPts val="0"/>
+              </a:spcAft>
+              <a:buFont typeface="Arial" panose="020B0604020202020204" pitchFamily="34" charset="0"/>
+              <a:buChar char="•"/>
+            </a:pPr>
+            <a:r>
+              <a:rPr lang="en-GB" sz="2100" b="0" i="0" u="none" strike="noStrike" dirty="0">
+                <a:solidFill>
+                  <a:srgbClr val="E3E3E5"/>
+                </a:solidFill>
+                <a:effectLst/>
+                <a:latin typeface="Sorts Mill Goudy"/>
+              </a:rPr>
+              <a:t>GitHub Actions and Pipeline run</a:t>
+            </a:r>
+            <a:r>
+              <a:rPr lang="en-GB" sz="2100" dirty="0">
+                <a:solidFill>
+                  <a:srgbClr val="E3E3E5"/>
+                </a:solidFill>
+                <a:latin typeface="Sorts Mill Goudy"/>
+              </a:rPr>
+              <a:t> tests</a:t>
+            </a:r>
+            <a:r>
+              <a:rPr lang="en-GB" sz="2100" b="0" i="0" u="none" strike="noStrike" dirty="0">
+                <a:solidFill>
+                  <a:srgbClr val="E3E3E5"/>
+                </a:solidFill>
+                <a:effectLst/>
+                <a:latin typeface="Sorts Mill Goudy"/>
+              </a:rPr>
+              <a:t> on PR merges</a:t>
+            </a:r>
+          </a:p>
+          <a:p>
+            <a:pPr marL="742950" lvl="1" indent="-285750" rtl="0" fontAlgn="base">
+              <a:spcBef>
+                <a:spcPts val="0"/>
+              </a:spcBef>
+              <a:spcAft>
+                <a:spcPts val="0"/>
+              </a:spcAft>
+              <a:buFont typeface="Arial" panose="020B0604020202020204" pitchFamily="34" charset="0"/>
+              <a:buChar char="•"/>
+            </a:pPr>
+            <a:r>
+              <a:rPr lang="en-GB" sz="2100" dirty="0">
+                <a:solidFill>
+                  <a:srgbClr val="E3E3E5"/>
+                </a:solidFill>
+                <a:latin typeface="Sorts Mill Goudy"/>
+              </a:rPr>
+              <a:t>Website automatically deploys on each commit if all tests pass</a:t>
+            </a:r>
+            <a:endParaRPr lang="en-GB" sz="1260" b="0" i="0" u="none" strike="noStrike" dirty="0">
+              <a:solidFill>
+                <a:srgbClr val="E3E3E5"/>
+              </a:solidFill>
+              <a:effectLst/>
+              <a:latin typeface="Noto Sans" panose="020B0502040504020204" pitchFamily="34" charset="0"/>
+            </a:endParaRPr>
+          </a:p>
+          <a:p>
+            <a:pPr lvl="1" rtl="0" fontAlgn="base">
+              <a:spcBef>
+                <a:spcPts val="0"/>
+              </a:spcBef>
+              <a:spcAft>
+                <a:spcPts val="0"/>
+              </a:spcAft>
+            </a:pPr>
+            <a:endParaRPr lang="en-GB" sz="2100" dirty="0">
+              <a:solidFill>
+                <a:srgbClr val="E3E3E5"/>
+              </a:solidFill>
+              <a:latin typeface="Sorts Mill Goudy"/>
+            </a:endParaRPr>
+          </a:p>
+          <a:p>
+            <a:pPr marL="342900" indent="-342900" fontAlgn="base">
+              <a:buFont typeface="Wingdings" panose="05000000000000000000" pitchFamily="2" charset="2"/>
+              <a:buChar char="Ø"/>
+            </a:pPr>
+            <a:r>
+              <a:rPr lang="en-GB" sz="2300" b="0" i="0" u="none" strike="noStrike" dirty="0">
+                <a:solidFill>
+                  <a:srgbClr val="E3E3E5"/>
+                </a:solidFill>
+                <a:effectLst/>
+                <a:latin typeface="Sorts Mill Goudy"/>
+              </a:rPr>
+              <a:t>Automatic security testing through </a:t>
             </a:r>
             <a:r>
               <a:rPr lang="en-GB" sz="2300" dirty="0">
@@ -6039,36 +5705,26 @@
                 <a:effectLst/>
                 <a:latin typeface="Sorts Mill Goudy"/>
               </a:rPr>
-              <a:t>ithub</a:t>
+              <a:t>ithub actions:</a:t>
             </a:r>
-          </a:p>
-          <a:p>
-            <a:pPr lvl="1" rtl="0" fontAlgn="base">
+            <a:endParaRPr lang="en-GB" sz="1260" b="0" i="0" u="none" strike="noStrike" dirty="0">
+              <a:solidFill>
+                <a:srgbClr val="E3E3E5"/>
+              </a:solidFill>
+              <a:effectLst/>
+              <a:latin typeface="Noto Sans" panose="020B0502040504020204" pitchFamily="34" charset="0"/>
+            </a:endParaRPr>
+          </a:p>
+          <a:p>
+            <a:pPr marL="742950" lvl="1" indent="-285750" rtl="0" fontAlgn="base">
               <a:spcBef>
                 <a:spcPts val="0"/>
               </a:spcBef>
               <a:spcAft>
                 <a:spcPts val="0"/>
               </a:spcAft>
-            </a:pPr>
-            <a:r>
-              <a:rPr lang="en-GB" sz="2100" dirty="0">
-                <a:solidFill>
-                  <a:srgbClr val="E3E3E5"/>
-                </a:solidFill>
-                <a:latin typeface="Sorts Mill Goudy"/>
-              </a:rPr>
-              <a:t>	- Github issue system to distribute tasks</a:t>
-            </a:r>
-          </a:p>
-          <a:p>
-            <a:pPr lvl="1" rtl="0" fontAlgn="base">
-              <a:spcBef>
-                <a:spcPts val="0"/>
-              </a:spcBef>
-              <a:spcAft>
-                <a:spcPts val="0"/>
-              </a:spcAft>
+              <a:buFont typeface="Arial" panose="020B0604020202020204" pitchFamily="34" charset="0"/>
+              <a:buChar char="•"/>
             </a:pPr>
             <a:r>
               <a:rPr lang="en-GB" sz="2100" b="0" i="0" u="none" strike="noStrike" dirty="0">
@@ -6078,55 +5734,26 @@
                 <a:effectLst/>
                 <a:latin typeface="Sorts Mill Goudy"/>
               </a:rPr>
-              <a:t>	- Timelines and Milestones to gauge progress</a:t>
+              <a:t>Alerts on outdated versions and security vulnerabilities</a:t>
             </a:r>
-          </a:p>
-          <a:p>
-            <a:pPr lvl="1" rtl="0" fontAlgn="base">
-              <a:spcBef>
-                <a:spcPts val="0"/>
-              </a:spcBef>
-              <a:spcAft>
-                <a:spcPts val="0"/>
-              </a:spcAft>
-            </a:pPr>
-            <a:endParaRPr lang="en-GB" sz="2100" b="0" i="0" u="none" strike="noStrike" dirty="0">
+            <a:endParaRPr lang="en-GB" sz="1260" b="0" i="0" u="none" strike="noStrike" dirty="0">
               <a:solidFill>
                 <a:srgbClr val="E3E3E5"/>
               </a:solidFill>
               <a:effectLst/>
-              <a:latin typeface="Sorts Mill Goudy"/>
+              <a:latin typeface="Noto Sans" panose="020B0502040504020204" pitchFamily="34" charset="0"/>
             </a:endParaRPr>
           </a:p>
           <a:p>
-            <a:pPr marL="800100" lvl="1" indent="-342900" rtl="0" fontAlgn="base">
+            <a:pPr marL="742950" lvl="1" indent="-285750" rtl="0" fontAlgn="base">
               <a:spcBef>
                 <a:spcPts val="0"/>
               </a:spcBef>
               <a:spcAft>
                 <a:spcPts val="0"/>
               </a:spcAft>
-              <a:buFont typeface="Wingdings" panose="05000000000000000000" pitchFamily="2" charset="2"/>
-              <a:buChar char="Ø"/>
-            </a:pPr>
-            <a:r>
-              <a:rPr lang="en-GB" sz="2300" dirty="0">
-                <a:solidFill>
-                  <a:srgbClr val="E3E3E5"/>
-                </a:solidFill>
-                <a:latin typeface="Sorts Mill Goudy"/>
-              </a:rPr>
-              <a:t>Resource assessment and Risk management</a:t>
-            </a:r>
-          </a:p>
-          <a:p>
-            <a:pPr lvl="1" rtl="0" fontAlgn="base">
-              <a:spcBef>
-                <a:spcPts val="0"/>
-              </a:spcBef>
-              <a:spcAft>
-                <a:spcPts val="0"/>
-              </a:spcAft>
+              <a:buFont typeface="Arial" panose="020B0604020202020204" pitchFamily="34" charset="0"/>
+              <a:buChar char="•"/>
             </a:pPr>
             <a:r>
               <a:rPr lang="en-GB" sz="2100" b="0" i="0" u="none" strike="noStrike" dirty="0">
@@ -6136,54 +5763,29 @@
                 <a:effectLst/>
                 <a:latin typeface="Sorts Mill Goudy"/>
               </a:rPr>
-              <a:t>	- Task size and effort estimation per use case</a:t>
+              <a:t>Detects common insecure coding techniques such as leaked secrets</a:t>
             </a:r>
           </a:p>
           <a:p>
-            <a:pPr lvl="1" rtl="0" fontAlgn="base">
+            <a:pPr marL="742950" lvl="1" indent="-285750" rtl="0" fontAlgn="base">
               <a:spcBef>
                 <a:spcPts val="0"/>
               </a:spcBef>
               <a:spcAft>
                 <a:spcPts val="0"/>
               </a:spcAft>
+              <a:buFont typeface="Arial" panose="020B0604020202020204" pitchFamily="34" charset="0"/>
+              <a:buChar char="•"/>
             </a:pPr>
-            <a:r>
-              <a:rPr lang="en-GB" sz="2100" dirty="0">
-                <a:solidFill>
-                  <a:srgbClr val="E3E3E5"/>
-                </a:solidFill>
-                <a:latin typeface="Sorts Mill Goudy"/>
-              </a:rPr>
-              <a:t>	- Contingency plans for unforeseen circumstances</a:t>
-            </a:r>
-            <a:endParaRPr lang="en-GB" sz="2100" b="0" i="0" u="none" strike="noStrike" dirty="0">
+            <a:endParaRPr lang="en-GB" sz="2100" i="0" u="none" strike="noStrike" dirty="0">
               <a:solidFill>
                 <a:srgbClr val="E3E3E5"/>
               </a:solidFill>
-              <a:effectLst/>
               <a:latin typeface="Sorts Mill Goudy"/>
             </a:endParaRPr>
           </a:p>
           <a:p>
-            <a:pPr lvl="1" rtl="0" fontAlgn="base">
-              <a:spcBef>
-                <a:spcPts val="0"/>
-              </a:spcBef>
-              <a:spcAft>
-                <a:spcPts val="0"/>
-              </a:spcAft>
-            </a:pPr>
-            <a:endParaRPr lang="en-GB" sz="2300" b="0" i="0" u="none" strike="noStrike" dirty="0">
-              <a:solidFill>
-                <a:srgbClr val="E3E3E5"/>
-              </a:solidFill>
-              <a:effectLst/>
-              <a:latin typeface="Sorts Mill Goudy"/>
-            </a:endParaRPr>
-          </a:p>
-          <a:p>
-            <a:pPr marL="800100" lvl="1" indent="-342900" fontAlgn="base">
+            <a:pPr marL="342900" indent="-342900" fontAlgn="base">
               <a:buFont typeface="Wingdings" panose="05000000000000000000" pitchFamily="2" charset="2"/>
               <a:buChar char="Ø"/>
             </a:pPr>
@@ -6195,30 +5797,80 @@
                 <a:effectLst/>
                 <a:latin typeface="Sorts Mill Goudy"/>
               </a:rPr>
-              <a:t>Meetings</a:t>
+              <a:t>Branching strategy - </a:t>
             </a:r>
-          </a:p>
-          <a:p>
-            <a:pPr lvl="2" fontAlgn="base">
-              <a:defRPr/>
-            </a:pPr>
             <a:r>
-              <a:rPr kumimoji="0" lang="en-GB" sz="2100" b="0" i="0" u="none" strike="noStrike" kern="1200" cap="none" spc="0" normalizeH="0" baseline="0" noProof="0" dirty="0">
-                <a:ln>
-                  <a:noFill/>
-                </a:ln>
+              <a:rPr lang="en-GB" sz="2300" dirty="0" err="1">
+                <a:solidFill>
+                  <a:srgbClr val="E3E3E5"/>
+                </a:solidFill>
+                <a:latin typeface="Sorts Mill Goudy"/>
+              </a:rPr>
+              <a:t>Gitflow</a:t>
+            </a:r>
+            <a:r>
+              <a:rPr lang="en-GB" sz="2300" b="0" i="0" u="none" strike="noStrike" dirty="0">
                 <a:solidFill>
                   <a:srgbClr val="E3E3E5"/>
                 </a:solidFill>
                 <a:effectLst/>
-                <a:uLnTx/>
-                <a:uFillTx/>
                 <a:latin typeface="Sorts Mill Goudy"/>
-                <a:ea typeface="+mn-ea"/>
-                <a:cs typeface="+mn-cs"/>
               </a:rPr>
-              <a:t>- Team meetings every Monday </a:t>
+              <a:t> Strategy</a:t>
             </a:r>
+            <a:endParaRPr lang="en-GB" sz="2100" b="0" i="0" u="none" strike="noStrike" dirty="0">
+              <a:solidFill>
+                <a:srgbClr val="E3E3E5"/>
+              </a:solidFill>
+              <a:effectLst/>
+              <a:latin typeface="Noto Sans" panose="020B0502040504020204" pitchFamily="34" charset="0"/>
+            </a:endParaRPr>
+          </a:p>
+          <a:p>
+            <a:pPr lvl="1" fontAlgn="base">
+              <a:buFont typeface="Arial" panose="020B0604020202020204" pitchFamily="34" charset="0"/>
+              <a:buChar char="•"/>
+            </a:pPr>
+            <a:r>
+              <a:rPr lang="en-GB" sz="2300" dirty="0">
+                <a:solidFill>
+                  <a:srgbClr val="E3E3E5"/>
+                </a:solidFill>
+                <a:latin typeface="Sorts Mill Goudy"/>
+              </a:rPr>
+              <a:t>PRs need three</a:t>
+            </a:r>
+            <a:r>
+              <a:rPr lang="en-GB" sz="2300" b="0" i="0" u="none" strike="noStrike" dirty="0">
+                <a:solidFill>
+                  <a:srgbClr val="E3E3E5"/>
+                </a:solidFill>
+                <a:effectLst/>
+                <a:latin typeface="Sorts Mill Goudy"/>
+              </a:rPr>
+              <a:t> approvals for merge to development branches</a:t>
+            </a:r>
+          </a:p>
+          <a:p>
+            <a:pPr lvl="1" fontAlgn="base">
+              <a:buFont typeface="Arial" panose="020B0604020202020204" pitchFamily="34" charset="0"/>
+              <a:buChar char="•"/>
+            </a:pPr>
+            <a:r>
+              <a:rPr lang="en-GB" sz="2300" dirty="0">
+                <a:solidFill>
+                  <a:srgbClr val="E3E3E5"/>
+                </a:solidFill>
+                <a:latin typeface="Sorts Mill Goudy"/>
+              </a:rPr>
+              <a:t>Four approvals to the main branch</a:t>
+            </a:r>
+          </a:p>
+          <a:p>
+            <a:pPr lvl="1" fontAlgn="base">
+              <a:buFont typeface="Arial" panose="020B0604020202020204" pitchFamily="34" charset="0"/>
+              <a:buChar char="•"/>
+            </a:pPr>
             <a:endParaRPr lang="en-GB" sz="1260" b="0" i="0" u="none" strike="noStrike" dirty="0">
               <a:solidFill>
                 <a:srgbClr val="E3E3E5"/>
@@ -6228,94 +5880,6 @@
             </a:endParaRPr>
           </a:p>
           <a:p>
-            <a:pPr lvl="2" fontAlgn="base"/>
-            <a:r>
-              <a:rPr lang="en-GB" sz="2100" b="0" i="0" u="none" strike="noStrike" dirty="0">
-                <a:solidFill>
-                  <a:srgbClr val="E3E3E5"/>
-                </a:solidFill>
-                <a:effectLst/>
-                <a:latin typeface="Sorts Mill Goudy"/>
-              </a:rPr>
-              <a:t>- Weekly meeting with </a:t>
-            </a:r>
-            <a:r>
-              <a:rPr lang="en-GB" sz="2100" dirty="0">
-                <a:solidFill>
-                  <a:srgbClr val="E3E3E5"/>
-                </a:solidFill>
-                <a:latin typeface="Sorts Mill Goudy"/>
-              </a:rPr>
-              <a:t>clients</a:t>
-            </a:r>
-            <a:r>
-              <a:rPr lang="en-GB" sz="2100" b="0" i="0" u="none" strike="noStrike" dirty="0">
-                <a:solidFill>
-                  <a:srgbClr val="E3E3E5"/>
-                </a:solidFill>
-                <a:effectLst/>
-                <a:latin typeface="Sorts Mill Goudy"/>
-              </a:rPr>
-              <a:t> on Wednesdays</a:t>
-            </a:r>
-            <a:endParaRPr lang="en-GB" sz="1260" b="0" i="0" u="none" strike="noStrike" dirty="0">
-              <a:solidFill>
-                <a:srgbClr val="E3E3E5"/>
-              </a:solidFill>
-              <a:effectLst/>
-              <a:latin typeface="Noto Sans" panose="020B0502040504020204" pitchFamily="34" charset="0"/>
-            </a:endParaRPr>
-          </a:p>
-          <a:p>
-            <a:pPr lvl="2" fontAlgn="base"/>
-            <a:r>
-              <a:rPr lang="en-GB" sz="2100" b="0" i="0" u="none" strike="noStrike" dirty="0">
-                <a:solidFill>
-                  <a:srgbClr val="E3E3E5"/>
-                </a:solidFill>
-                <a:effectLst/>
-                <a:latin typeface="Sorts Mill Goudy"/>
-              </a:rPr>
-              <a:t>- Weekly meeting with Maryam on Fridays</a:t>
-            </a:r>
-            <a:endParaRPr lang="en-GB" sz="1260" b="0" i="0" u="none" strike="noStrike" dirty="0">
-              <a:solidFill>
-                <a:srgbClr val="E3E3E5"/>
-              </a:solidFill>
-              <a:effectLst/>
-              <a:latin typeface="Noto Sans" panose="020B0502040504020204" pitchFamily="34" charset="0"/>
-            </a:endParaRPr>
-          </a:p>
-          <a:p>
-            <a:pPr lvl="2" fontAlgn="base"/>
-            <a:r>
-              <a:rPr lang="en-GB" sz="2100" dirty="0">
-                <a:solidFill>
-                  <a:srgbClr val="E3E3E5"/>
-                </a:solidFill>
-                <a:latin typeface="Sorts Mill Goudy"/>
-              </a:rPr>
-              <a:t>- </a:t>
-            </a:r>
-            <a:r>
-              <a:rPr lang="en-GB" sz="2100" b="0" i="0" u="none" strike="noStrike" dirty="0">
-                <a:solidFill>
-                  <a:srgbClr val="E3E3E5"/>
-                </a:solidFill>
-                <a:effectLst/>
-                <a:latin typeface="Sorts Mill Goudy"/>
-              </a:rPr>
-              <a:t>Project feedback meetings with the other lecturers when necessary</a:t>
-            </a:r>
-            <a:endParaRPr lang="en-GB" sz="1260" b="0" i="0" u="none" strike="noStrike" dirty="0">
-              <a:solidFill>
-                <a:srgbClr val="E3E3E5"/>
-              </a:solidFill>
-              <a:effectLst/>
-              <a:latin typeface="Noto Sans" panose="020B0502040504020204" pitchFamily="34" charset="0"/>
-            </a:endParaRPr>
-          </a:p>
-          <a:p>
             <a:br>
               <a:rPr lang="en-GB" b="0" dirty="0">
                 <a:effectLst/>
@@ -6328,7 +5892,7 @@
     </p:spTree>
     <p:extLst>
       <p:ext uri="{BB962C8B-B14F-4D97-AF65-F5344CB8AC3E}">
-        <p14:creationId xmlns:p14="http://schemas.microsoft.com/office/powerpoint/2010/main" val="1962552319"/>
+        <p14:creationId xmlns:p14="http://schemas.microsoft.com/office/powerpoint/2010/main" val="2496218276"/>
       </p:ext>
     </p:extLst>
   </p:cSld>
@@ -6365,6 +5929,89 @@
       </p:grpSpPr>
       <p:sp>
         <p:nvSpPr>
+          <p:cNvPr id="5" name="Oval 4">
+            <a:extLst>
+              <a:ext uri="{FF2B5EF4-FFF2-40B4-BE49-F238E27FC236}">
+                <a16:creationId xmlns:a16="http://schemas.microsoft.com/office/drawing/2014/main" id="{9BFE15A5-799E-421F-BCFE-9C7EAF1C1854}"/>
+              </a:ext>
+            </a:extLst>
+          </p:cNvPr>
+          <p:cNvSpPr/>
+          <p:nvPr/>
+        </p:nvSpPr>
+        <p:spPr>
+          <a:xfrm>
+            <a:off x="2406791" y="1382342"/>
+            <a:ext cx="158168" cy="158168"/>
+          </a:xfrm>
+          <a:prstGeom prst="ellipse">
+            <a:avLst/>
+          </a:prstGeom>
+          <a:solidFill>
+            <a:schemeClr val="bg2">
+              <a:lumMod val="25000"/>
+            </a:schemeClr>
+          </a:solidFill>
+          <a:ln>
+            <a:noFill/>
+          </a:ln>
+        </p:spPr>
+        <p:style>
+          <a:lnRef idx="2">
+            <a:schemeClr val="accent1">
+              <a:shade val="50000"/>
+            </a:schemeClr>
+          </a:lnRef>
+          <a:fillRef idx="1">
+            <a:schemeClr val="accent1"/>
+          </a:fillRef>
+          <a:effectRef idx="0">
+            <a:schemeClr val="accent1"/>
+          </a:effectRef>
+          <a:fontRef idx="minor">
+            <a:schemeClr val="lt1"/>
+          </a:fontRef>
+        </p:style>
+        <p:txBody>
+          <a:bodyPr rtlCol="0" anchor="ctr"/>
+          <a:lstStyle/>
+          <a:p>
+            <a:pPr marL="0" marR="0" lvl="0" indent="0" algn="ctr" defTabSz="914400" rtl="0" eaLnBrk="1" fontAlgn="auto" latinLnBrk="0" hangingPunct="1">
+              <a:lnSpc>
+                <a:spcPct val="100000"/>
+              </a:lnSpc>
+              <a:spcBef>
+                <a:spcPts val="0"/>
+              </a:spcBef>
+              <a:spcAft>
+                <a:spcPts val="0"/>
+              </a:spcAft>
+              <a:buClrTx/>
+              <a:buSzTx/>
+              <a:buFontTx/>
+              <a:buNone/>
+              <a:tabLst/>
+              <a:defRPr/>
+            </a:pPr>
+            <a:endParaRPr kumimoji="0" lang="en-US" sz="1800" b="0" i="0" u="none" strike="noStrike" kern="1200" cap="none" spc="0" normalizeH="0" baseline="0" noProof="0" dirty="0">
+              <a:ln>
+                <a:noFill/>
+              </a:ln>
+              <a:solidFill>
+                <a:prstClr val="white"/>
+              </a:solidFill>
+              <a:effectLst/>
+              <a:uLnTx/>
+              <a:uFillTx/>
+              <a:latin typeface="Montserrat"/>
+              <a:ea typeface="+mn-ea"/>
+              <a:cs typeface="+mn-cs"/>
+            </a:endParaRPr>
+          </a:p>
+        </p:txBody>
+      </p:sp>
+      <p:sp>
+        <p:nvSpPr>
           <p:cNvPr id="6" name="Oval 5">
             <a:extLst>
               <a:ext uri="{FF2B5EF4-FFF2-40B4-BE49-F238E27FC236}">
@@ -6410,9 +6057,36 @@
           <a:bodyPr rtlCol="0" anchor="ctr"/>
           <a:lstStyle/>
           <a:p>
-            <a:pPr algn="ctr"/>
-            <a:endParaRPr lang="en-US" dirty="0">
-              <a:latin typeface="+mj-lt"/>
+            <a:pPr marL="0" marR="0" lvl="0" indent="0" algn="ctr" defTabSz="914400" rtl="0" eaLnBrk="1" fontAlgn="auto" latinLnBrk="0" hangingPunct="1">
+              <a:lnSpc>
+                <a:spcPct val="100000"/>
+              </a:lnSpc>
+              <a:spcBef>
+                <a:spcPts val="0"/>
+              </a:spcBef>
+              <a:spcAft>
+                <a:spcPts val="0"/>
+              </a:spcAft>
+              <a:buClrTx/>
+              <a:buSzTx/>
+              <a:buFontTx/>
+              <a:buNone/>
+              <a:tabLst/>
+              <a:defRPr/>
+            </a:pPr>
+            <a:endParaRPr kumimoji="0" lang="en-US" sz="1800" b="0" i="0" u="none" strike="noStrike" kern="1200" cap="none" spc="0" normalizeH="0" baseline="0" noProof="0" dirty="0">
+              <a:ln>
+                <a:noFill/>
+              </a:ln>
+              <a:solidFill>
+                <a:prstClr val="white"/>
+              </a:solidFill>
+              <a:effectLst/>
+              <a:uLnTx/>
+              <a:uFillTx/>
+              <a:latin typeface="Montserrat"/>
+              <a:ea typeface="+mn-ea"/>
+              <a:cs typeface="+mn-cs"/>
             </a:endParaRPr>
           </a:p>
         </p:txBody>
@@ -6513,9 +6187,36 @@
           </a:bodyPr>
           <a:lstStyle/>
           <a:p>
-            <a:pPr algn="ctr"/>
-            <a:endParaRPr lang="en-US" dirty="0">
-              <a:latin typeface="+mj-lt"/>
+            <a:pPr marL="0" marR="0" lvl="0" indent="0" algn="ctr" defTabSz="914400" rtl="0" eaLnBrk="1" fontAlgn="auto" latinLnBrk="0" hangingPunct="1">
+              <a:lnSpc>
+                <a:spcPct val="100000"/>
+              </a:lnSpc>
+              <a:spcBef>
+                <a:spcPts val="0"/>
+              </a:spcBef>
+              <a:spcAft>
+                <a:spcPts val="0"/>
+              </a:spcAft>
+              <a:buClrTx/>
+              <a:buSzTx/>
+              <a:buFontTx/>
+              <a:buNone/>
+              <a:tabLst/>
+              <a:defRPr/>
+            </a:pPr>
+            <a:endParaRPr kumimoji="0" lang="en-US" sz="1800" b="0" i="0" u="none" strike="noStrike" kern="1200" cap="none" spc="0" normalizeH="0" baseline="0" noProof="0" dirty="0">
+              <a:ln>
+                <a:noFill/>
+              </a:ln>
+              <a:solidFill>
+                <a:prstClr val="white"/>
+              </a:solidFill>
+              <a:effectLst/>
+              <a:uLnTx/>
+              <a:uFillTx/>
+              <a:latin typeface="Montserrat"/>
+              <a:ea typeface="+mn-ea"/>
+              <a:cs typeface="+mn-cs"/>
             </a:endParaRPr>
           </a:p>
         </p:txBody>
@@ -6618,9 +6319,36 @@
           </a:bodyPr>
           <a:lstStyle/>
           <a:p>
-            <a:pPr algn="ctr"/>
-            <a:endParaRPr lang="en-US" dirty="0">
-              <a:latin typeface="+mj-lt"/>
+            <a:pPr marL="0" marR="0" lvl="0" indent="0" algn="ctr" defTabSz="914400" rtl="0" eaLnBrk="1" fontAlgn="auto" latinLnBrk="0" hangingPunct="1">
+              <a:lnSpc>
+                <a:spcPct val="100000"/>
+              </a:lnSpc>
+              <a:spcBef>
+                <a:spcPts val="0"/>
+              </a:spcBef>
+              <a:spcAft>
+                <a:spcPts val="0"/>
+              </a:spcAft>
+              <a:buClrTx/>
+              <a:buSzTx/>
+              <a:buFontTx/>
+              <a:buNone/>
+              <a:tabLst/>
+              <a:defRPr/>
+            </a:pPr>
+            <a:endParaRPr kumimoji="0" lang="en-US" sz="1800" b="0" i="0" u="none" strike="noStrike" kern="1200" cap="none" spc="0" normalizeH="0" baseline="0" noProof="0" dirty="0">
+              <a:ln>
+                <a:noFill/>
+              </a:ln>
+              <a:solidFill>
+                <a:prstClr val="white"/>
+              </a:solidFill>
+              <a:effectLst/>
+              <a:uLnTx/>
+              <a:uFillTx/>
+              <a:latin typeface="Montserrat"/>
+              <a:ea typeface="+mn-ea"/>
+              <a:cs typeface="+mn-cs"/>
             </a:endParaRPr>
           </a:p>
         </p:txBody>
@@ -6674,9 +6402,36 @@
           <a:bodyPr rtlCol="0" anchor="ctr"/>
           <a:lstStyle/>
           <a:p>
-            <a:pPr algn="ctr"/>
-            <a:endParaRPr lang="en-US" dirty="0">
-              <a:latin typeface="+mj-lt"/>
+            <a:pPr marL="0" marR="0" lvl="0" indent="0" algn="ctr" defTabSz="914400" rtl="0" eaLnBrk="1" fontAlgn="auto" latinLnBrk="0" hangingPunct="1">
+              <a:lnSpc>
+                <a:spcPct val="100000"/>
+              </a:lnSpc>
+              <a:spcBef>
+                <a:spcPts val="0"/>
+              </a:spcBef>
+              <a:spcAft>
+                <a:spcPts val="0"/>
+              </a:spcAft>
+              <a:buClrTx/>
+              <a:buSzTx/>
+              <a:buFontTx/>
+              <a:buNone/>
+              <a:tabLst/>
+              <a:defRPr/>
+            </a:pPr>
+            <a:endParaRPr kumimoji="0" lang="en-US" sz="1800" b="0" i="0" u="none" strike="noStrike" kern="1200" cap="none" spc="0" normalizeH="0" baseline="0" noProof="0" dirty="0">
+              <a:ln>
+                <a:noFill/>
+              </a:ln>
+              <a:solidFill>
+                <a:prstClr val="white"/>
+              </a:solidFill>
+              <a:effectLst/>
+              <a:uLnTx/>
+              <a:uFillTx/>
+              <a:latin typeface="Montserrat"/>
+              <a:ea typeface="+mn-ea"/>
+              <a:cs typeface="+mn-cs"/>
             </a:endParaRPr>
           </a:p>
         </p:txBody>
@@ -6730,15 +6485,36 @@
           <a:bodyPr rtlCol="0" anchor="ctr"/>
           <a:lstStyle/>
           <a:p>
-            <a:pPr algn="ctr"/>
-            <a:endParaRPr lang="en-US" dirty="0">
+            <a:pPr marL="0" marR="0" lvl="0" indent="0" algn="ctr" defTabSz="914400" rtl="0" eaLnBrk="1" fontAlgn="auto" latinLnBrk="0" hangingPunct="1">
+              <a:lnSpc>
+                <a:spcPct val="100000"/>
+              </a:lnSpc>
+              <a:spcBef>
+                <a:spcPts val="0"/>
+              </a:spcBef>
+              <a:spcAft>
+                <a:spcPts val="0"/>
+              </a:spcAft>
+              <a:buClrTx/>
+              <a:buSzTx/>
+              <a:buFontTx/>
+              <a:buNone/>
+              <a:tabLst/>
+              <a:defRPr/>
+            </a:pPr>
+            <a:endParaRPr kumimoji="0" lang="en-US" sz="1800" b="0" i="0" u="none" strike="noStrike" kern="1200" cap="none" spc="0" normalizeH="0" baseline="0" noProof="0" dirty="0">
+              <a:ln>
+                <a:noFill/>
+              </a:ln>
               <a:solidFill>
-                <a:schemeClr val="tx1">
-                  <a:lumMod val="85000"/>
-                  <a:lumOff val="15000"/>
-                </a:schemeClr>
+                <a:prstClr val="white"/>
               </a:solidFill>
-              <a:latin typeface="+mj-lt"/>
+              <a:effectLst/>
+              <a:uLnTx/>
+              <a:uFillTx/>
+              <a:latin typeface="Montserrat"/>
+              <a:ea typeface="+mn-ea"/>
+              <a:cs typeface="+mn-cs"/>
             </a:endParaRPr>
           </a:p>
         </p:txBody>
@@ -6790,9 +6566,36 @@
           <a:bodyPr rtlCol="0" anchor="ctr"/>
           <a:lstStyle/>
           <a:p>
-            <a:pPr algn="ctr"/>
-            <a:endParaRPr lang="en-US" dirty="0">
-              <a:latin typeface="+mj-lt"/>
+            <a:pPr marL="0" marR="0" lvl="0" indent="0" algn="ctr" defTabSz="914400" rtl="0" eaLnBrk="1" fontAlgn="auto" latinLnBrk="0" hangingPunct="1">
+              <a:lnSpc>
+                <a:spcPct val="100000"/>
+              </a:lnSpc>
+              <a:spcBef>
+                <a:spcPts val="0"/>
+              </a:spcBef>
+              <a:spcAft>
+                <a:spcPts val="0"/>
+              </a:spcAft>
+              <a:buClrTx/>
+              <a:buSzTx/>
+              <a:buFontTx/>
+              <a:buNone/>
+              <a:tabLst/>
+              <a:defRPr/>
+            </a:pPr>
+            <a:endParaRPr kumimoji="0" lang="en-US" sz="1800" b="0" i="0" u="none" strike="noStrike" kern="1200" cap="none" spc="0" normalizeH="0" baseline="0" noProof="0" dirty="0">
+              <a:ln>
+                <a:noFill/>
+              </a:ln>
+              <a:solidFill>
+                <a:prstClr val="white"/>
+              </a:solidFill>
+              <a:effectLst/>
+              <a:uLnTx/>
+              <a:uFillTx/>
+              <a:latin typeface="Montserrat"/>
+              <a:ea typeface="+mn-ea"/>
+              <a:cs typeface="+mn-cs"/>
             </a:endParaRPr>
           </a:p>
         </p:txBody>
@@ -6811,7 +6614,7 @@
         </p:nvSpPr>
         <p:spPr>
           <a:xfrm>
-            <a:off x="984505" y="4381815"/>
+            <a:off x="9674978" y="1670162"/>
             <a:ext cx="262560" cy="262560"/>
           </a:xfrm>
           <a:prstGeom prst="ellipse">
@@ -6844,9 +6647,36 @@
           <a:bodyPr rtlCol="0" anchor="ctr"/>
           <a:lstStyle/>
           <a:p>
-            <a:pPr algn="ctr"/>
-            <a:endParaRPr lang="en-US" dirty="0">
-              <a:latin typeface="+mj-lt"/>
+            <a:pPr marL="0" marR="0" lvl="0" indent="0" algn="ctr" defTabSz="914400" rtl="0" eaLnBrk="1" fontAlgn="auto" latinLnBrk="0" hangingPunct="1">
+              <a:lnSpc>
+                <a:spcPct val="100000"/>
+              </a:lnSpc>
+              <a:spcBef>
+                <a:spcPts val="0"/>
+              </a:spcBef>
+              <a:spcAft>
+                <a:spcPts val="0"/>
+              </a:spcAft>
+              <a:buClrTx/>
+              <a:buSzTx/>
+              <a:buFontTx/>
+              <a:buNone/>
+              <a:tabLst/>
+              <a:defRPr/>
+            </a:pPr>
+            <a:endParaRPr kumimoji="0" lang="en-US" sz="1800" b="0" i="0" u="none" strike="noStrike" kern="1200" cap="none" spc="0" normalizeH="0" baseline="0" noProof="0" dirty="0">
+              <a:ln>
+                <a:noFill/>
+              </a:ln>
+              <a:solidFill>
+                <a:prstClr val="white"/>
+              </a:solidFill>
+              <a:effectLst/>
+              <a:uLnTx/>
+              <a:uFillTx/>
+              <a:latin typeface="Montserrat"/>
+              <a:ea typeface="+mn-ea"/>
+              <a:cs typeface="+mn-cs"/>
             </a:endParaRPr>
           </a:p>
         </p:txBody>
@@ -6949,9 +6779,36 @@
           </a:bodyPr>
           <a:lstStyle/>
           <a:p>
-            <a:pPr algn="ctr"/>
-            <a:endParaRPr lang="en-US" dirty="0">
-              <a:latin typeface="+mj-lt"/>
+            <a:pPr marL="0" marR="0" lvl="0" indent="0" algn="ctr" defTabSz="914400" rtl="0" eaLnBrk="1" fontAlgn="auto" latinLnBrk="0" hangingPunct="1">
+              <a:lnSpc>
+                <a:spcPct val="100000"/>
+              </a:lnSpc>
+              <a:spcBef>
+                <a:spcPts val="0"/>
+              </a:spcBef>
+              <a:spcAft>
+                <a:spcPts val="0"/>
+              </a:spcAft>
+              <a:buClrTx/>
+              <a:buSzTx/>
+              <a:buFontTx/>
+              <a:buNone/>
+              <a:tabLst/>
+              <a:defRPr/>
+            </a:pPr>
+            <a:endParaRPr kumimoji="0" lang="en-US" sz="1800" b="0" i="0" u="none" strike="noStrike" kern="1200" cap="none" spc="0" normalizeH="0" baseline="0" noProof="0" dirty="0">
+              <a:ln>
+                <a:noFill/>
+              </a:ln>
+              <a:solidFill>
+                <a:prstClr val="white"/>
+              </a:solidFill>
+              <a:effectLst/>
+              <a:uLnTx/>
+              <a:uFillTx/>
+              <a:latin typeface="Montserrat"/>
+              <a:ea typeface="+mn-ea"/>
+              <a:cs typeface="+mn-cs"/>
             </a:endParaRPr>
           </a:p>
         </p:txBody>
@@ -7052,9 +6909,36 @@
           </a:bodyPr>
           <a:lstStyle/>
           <a:p>
-            <a:pPr algn="ctr"/>
-            <a:endParaRPr lang="en-US" dirty="0">
-              <a:latin typeface="+mj-lt"/>
+            <a:pPr marL="0" marR="0" lvl="0" indent="0" algn="ctr" defTabSz="914400" rtl="0" eaLnBrk="1" fontAlgn="auto" latinLnBrk="0" hangingPunct="1">
+              <a:lnSpc>
+                <a:spcPct val="100000"/>
+              </a:lnSpc>
+              <a:spcBef>
+                <a:spcPts val="0"/>
+              </a:spcBef>
+              <a:spcAft>
+                <a:spcPts val="0"/>
+              </a:spcAft>
+              <a:buClrTx/>
+              <a:buSzTx/>
+              <a:buFontTx/>
+              <a:buNone/>
+              <a:tabLst/>
+              <a:defRPr/>
+            </a:pPr>
+            <a:endParaRPr kumimoji="0" lang="en-US" sz="1800" b="0" i="0" u="none" strike="noStrike" kern="1200" cap="none" spc="0" normalizeH="0" baseline="0" noProof="0" dirty="0">
+              <a:ln>
+                <a:noFill/>
+              </a:ln>
+              <a:solidFill>
+                <a:prstClr val="white"/>
+              </a:solidFill>
+              <a:effectLst/>
+              <a:uLnTx/>
+              <a:uFillTx/>
+              <a:latin typeface="Montserrat"/>
+              <a:ea typeface="+mn-ea"/>
+              <a:cs typeface="+mn-cs"/>
             </a:endParaRPr>
           </a:p>
         </p:txBody>
@@ -7157,1650 +7041,6 @@
           </a:bodyPr>
           <a:lstStyle/>
           <a:p>
-            <a:pPr algn="ctr"/>
-            <a:endParaRPr lang="en-US" dirty="0">
-              <a:latin typeface="+mj-lt"/>
-            </a:endParaRPr>
-          </a:p>
-        </p:txBody>
-      </p:sp>
-      <p:sp>
-        <p:nvSpPr>
-          <p:cNvPr id="55" name="TextBox 54">
-            <a:extLst>
-              <a:ext uri="{FF2B5EF4-FFF2-40B4-BE49-F238E27FC236}">
-                <a16:creationId xmlns:a16="http://schemas.microsoft.com/office/drawing/2014/main" id="{E293866C-A9ED-43DE-807A-A9F13875F9F5}"/>
-              </a:ext>
-            </a:extLst>
-          </p:cNvPr>
-          <p:cNvSpPr txBox="1"/>
-          <p:nvPr/>
-        </p:nvSpPr>
-        <p:spPr>
-          <a:xfrm>
-            <a:off x="2744190" y="-52268"/>
-            <a:ext cx="7372579" cy="1323439"/>
-          </a:xfrm>
-          <a:prstGeom prst="rect">
-            <a:avLst/>
-          </a:prstGeom>
-          <a:noFill/>
-        </p:spPr>
-        <p:txBody>
-          <a:bodyPr wrap="square" rtlCol="0">
-            <a:spAutoFit/>
-          </a:bodyPr>
-          <a:lstStyle/>
-          <a:p>
-            <a:pPr algn="ctr"/>
-            <a:r>
-              <a:rPr lang="en-US" sz="4000" b="1" dirty="0">
-                <a:ln>
-                  <a:solidFill>
-                    <a:schemeClr val="bg2">
-                      <a:lumMod val="50000"/>
-                    </a:schemeClr>
-                  </a:solidFill>
-                </a:ln>
-                <a:solidFill>
-                  <a:schemeClr val="bg1">
-                    <a:lumMod val="95000"/>
-                  </a:schemeClr>
-                </a:solidFill>
-                <a:latin typeface="Tw Cen MT" panose="020B0602020104020603" pitchFamily="34" charset="0"/>
-              </a:rPr>
-              <a:t>Testing, Automation and Branching</a:t>
-            </a:r>
-          </a:p>
-        </p:txBody>
-      </p:sp>
-      <p:sp>
-        <p:nvSpPr>
-          <p:cNvPr id="18" name="TextBox 17">
-            <a:extLst>
-              <a:ext uri="{FF2B5EF4-FFF2-40B4-BE49-F238E27FC236}">
-                <a16:creationId xmlns:a16="http://schemas.microsoft.com/office/drawing/2014/main" id="{FDB6778F-E214-B1AA-2850-8278C6A694C7}"/>
-              </a:ext>
-            </a:extLst>
-          </p:cNvPr>
-          <p:cNvSpPr txBox="1"/>
-          <p:nvPr/>
-        </p:nvSpPr>
-        <p:spPr>
-          <a:xfrm>
-            <a:off x="1561322" y="1365338"/>
-            <a:ext cx="9069355" cy="5518434"/>
-          </a:xfrm>
-          <a:prstGeom prst="rect">
-            <a:avLst/>
-          </a:prstGeom>
-          <a:noFill/>
-        </p:spPr>
-        <p:txBody>
-          <a:bodyPr wrap="square">
-            <a:spAutoFit/>
-          </a:bodyPr>
-          <a:lstStyle/>
-          <a:p>
-            <a:pPr marL="342900" indent="-342900" rtl="0" fontAlgn="base">
-              <a:spcBef>
-                <a:spcPts val="0"/>
-              </a:spcBef>
-              <a:spcAft>
-                <a:spcPts val="0"/>
-              </a:spcAft>
-              <a:buFont typeface="Wingdings" panose="05000000000000000000" pitchFamily="2" charset="2"/>
-              <a:buChar char="Ø"/>
-            </a:pPr>
-            <a:r>
-              <a:rPr lang="en-GB" sz="2300" b="0" i="0" u="none" strike="noStrike" dirty="0">
-                <a:solidFill>
-                  <a:srgbClr val="E3E3E5"/>
-                </a:solidFill>
-                <a:effectLst/>
-                <a:latin typeface="Sorts Mill Goudy"/>
-              </a:rPr>
-              <a:t>Unit and Integration Testing </a:t>
-            </a:r>
-            <a:endParaRPr lang="en-GB" sz="2100" b="0" i="0" u="none" strike="noStrike" dirty="0">
-              <a:solidFill>
-                <a:srgbClr val="E3E3E5"/>
-              </a:solidFill>
-              <a:effectLst/>
-              <a:latin typeface="Noto Sans" panose="020B0502040504020204" pitchFamily="34" charset="0"/>
-            </a:endParaRPr>
-          </a:p>
-          <a:p>
-            <a:pPr marL="742950" lvl="1" indent="-285750" rtl="0" fontAlgn="base">
-              <a:spcBef>
-                <a:spcPts val="0"/>
-              </a:spcBef>
-              <a:spcAft>
-                <a:spcPts val="0"/>
-              </a:spcAft>
-              <a:buFont typeface="Arial" panose="020B0604020202020204" pitchFamily="34" charset="0"/>
-              <a:buChar char="•"/>
-            </a:pPr>
-            <a:r>
-              <a:rPr lang="en-GB" sz="2100" b="0" i="0" u="none" strike="noStrike" dirty="0">
-                <a:solidFill>
-                  <a:srgbClr val="E3E3E5"/>
-                </a:solidFill>
-                <a:effectLst/>
-                <a:latin typeface="Sorts Mill Goudy"/>
-              </a:rPr>
-              <a:t>Performed in both live and mocked environments</a:t>
-            </a:r>
-          </a:p>
-          <a:p>
-            <a:pPr marL="742950" lvl="1" indent="-285750" rtl="0" fontAlgn="base">
-              <a:spcBef>
-                <a:spcPts val="0"/>
-              </a:spcBef>
-              <a:spcAft>
-                <a:spcPts val="0"/>
-              </a:spcAft>
-              <a:buFont typeface="Arial" panose="020B0604020202020204" pitchFamily="34" charset="0"/>
-              <a:buChar char="•"/>
-            </a:pPr>
-            <a:r>
-              <a:rPr lang="en-GB" sz="2100" dirty="0">
-                <a:solidFill>
-                  <a:srgbClr val="E3E3E5"/>
-                </a:solidFill>
-                <a:latin typeface="Sorts Mill Goudy"/>
-              </a:rPr>
-              <a:t>Unit tests performed on the backend and frontend, mobile and web app</a:t>
-            </a:r>
-            <a:endParaRPr lang="en-GB" sz="1260" b="0" i="0" u="none" strike="noStrike" dirty="0">
-              <a:solidFill>
-                <a:srgbClr val="E3E3E5"/>
-              </a:solidFill>
-              <a:effectLst/>
-              <a:latin typeface="Noto Sans" panose="020B0502040504020204" pitchFamily="34" charset="0"/>
-            </a:endParaRPr>
-          </a:p>
-          <a:p>
-            <a:pPr marL="742950" lvl="1" indent="-285750" rtl="0" fontAlgn="base">
-              <a:spcBef>
-                <a:spcPts val="0"/>
-              </a:spcBef>
-              <a:spcAft>
-                <a:spcPts val="0"/>
-              </a:spcAft>
-              <a:buFont typeface="Arial" panose="020B0604020202020204" pitchFamily="34" charset="0"/>
-              <a:buChar char="•"/>
-            </a:pPr>
-            <a:r>
-              <a:rPr lang="en-GB" sz="2100" dirty="0">
-                <a:solidFill>
-                  <a:srgbClr val="E3E3E5"/>
-                </a:solidFill>
-                <a:latin typeface="Sorts Mill Goudy"/>
-              </a:rPr>
-              <a:t>Cypress is used for end-to-end/integration testing</a:t>
-            </a:r>
-            <a:endParaRPr lang="en-GB" sz="1260" b="0" i="0" u="none" strike="noStrike" dirty="0">
-              <a:solidFill>
-                <a:srgbClr val="E3E3E5"/>
-              </a:solidFill>
-              <a:effectLst/>
-              <a:latin typeface="Noto Sans" panose="020B0502040504020204" pitchFamily="34" charset="0"/>
-            </a:endParaRPr>
-          </a:p>
-          <a:p>
-            <a:pPr marL="742950" lvl="1" indent="-285750" rtl="0" fontAlgn="base">
-              <a:spcBef>
-                <a:spcPts val="0"/>
-              </a:spcBef>
-              <a:spcAft>
-                <a:spcPts val="0"/>
-              </a:spcAft>
-              <a:buFont typeface="Arial" panose="020B0604020202020204" pitchFamily="34" charset="0"/>
-              <a:buChar char="•"/>
-            </a:pPr>
-            <a:r>
-              <a:rPr lang="en-GB" sz="2100" b="0" i="0" u="none" strike="noStrike" dirty="0">
-                <a:solidFill>
-                  <a:srgbClr val="E3E3E5"/>
-                </a:solidFill>
-                <a:effectLst/>
-                <a:latin typeface="Sorts Mill Goudy"/>
-              </a:rPr>
-              <a:t>GitHub Actions and Pipeline run</a:t>
-            </a:r>
-            <a:r>
-              <a:rPr lang="en-GB" sz="2100" dirty="0">
-                <a:solidFill>
-                  <a:srgbClr val="E3E3E5"/>
-                </a:solidFill>
-                <a:latin typeface="Sorts Mill Goudy"/>
-              </a:rPr>
-              <a:t> tests</a:t>
-            </a:r>
-            <a:r>
-              <a:rPr lang="en-GB" sz="2100" b="0" i="0" u="none" strike="noStrike" dirty="0">
-                <a:solidFill>
-                  <a:srgbClr val="E3E3E5"/>
-                </a:solidFill>
-                <a:effectLst/>
-                <a:latin typeface="Sorts Mill Goudy"/>
-              </a:rPr>
-              <a:t> on PR merges</a:t>
-            </a:r>
-          </a:p>
-          <a:p>
-            <a:pPr marL="742950" lvl="1" indent="-285750" rtl="0" fontAlgn="base">
-              <a:spcBef>
-                <a:spcPts val="0"/>
-              </a:spcBef>
-              <a:spcAft>
-                <a:spcPts val="0"/>
-              </a:spcAft>
-              <a:buFont typeface="Arial" panose="020B0604020202020204" pitchFamily="34" charset="0"/>
-              <a:buChar char="•"/>
-            </a:pPr>
-            <a:r>
-              <a:rPr lang="en-GB" sz="2100" dirty="0">
-                <a:solidFill>
-                  <a:srgbClr val="E3E3E5"/>
-                </a:solidFill>
-                <a:latin typeface="Sorts Mill Goudy"/>
-              </a:rPr>
-              <a:t>Website automatically deploys on each commit if all tests pass</a:t>
-            </a:r>
-            <a:endParaRPr lang="en-GB" sz="1260" b="0" i="0" u="none" strike="noStrike" dirty="0">
-              <a:solidFill>
-                <a:srgbClr val="E3E3E5"/>
-              </a:solidFill>
-              <a:effectLst/>
-              <a:latin typeface="Noto Sans" panose="020B0502040504020204" pitchFamily="34" charset="0"/>
-            </a:endParaRPr>
-          </a:p>
-          <a:p>
-            <a:pPr lvl="1" rtl="0" fontAlgn="base">
-              <a:spcBef>
-                <a:spcPts val="0"/>
-              </a:spcBef>
-              <a:spcAft>
-                <a:spcPts val="0"/>
-              </a:spcAft>
-            </a:pPr>
-            <a:endParaRPr lang="en-GB" sz="2100" dirty="0">
-              <a:solidFill>
-                <a:srgbClr val="E3E3E5"/>
-              </a:solidFill>
-              <a:latin typeface="Sorts Mill Goudy"/>
-            </a:endParaRPr>
-          </a:p>
-          <a:p>
-            <a:pPr marL="342900" indent="-342900" fontAlgn="base">
-              <a:buFont typeface="Wingdings" panose="05000000000000000000" pitchFamily="2" charset="2"/>
-              <a:buChar char="Ø"/>
-            </a:pPr>
-            <a:r>
-              <a:rPr lang="en-GB" sz="2300" b="0" i="0" u="none" strike="noStrike" dirty="0">
-                <a:solidFill>
-                  <a:srgbClr val="E3E3E5"/>
-                </a:solidFill>
-                <a:effectLst/>
-                <a:latin typeface="Sorts Mill Goudy"/>
-              </a:rPr>
-              <a:t>Automatic security testing through </a:t>
-            </a:r>
-            <a:r>
-              <a:rPr lang="en-GB" sz="2300" dirty="0">
-                <a:solidFill>
-                  <a:srgbClr val="E3E3E5"/>
-                </a:solidFill>
-                <a:latin typeface="Sorts Mill Goudy"/>
-              </a:rPr>
-              <a:t>G</a:t>
-            </a:r>
-            <a:r>
-              <a:rPr lang="en-GB" sz="2300" b="0" i="0" u="none" strike="noStrike" dirty="0">
-                <a:solidFill>
-                  <a:srgbClr val="E3E3E5"/>
-                </a:solidFill>
-                <a:effectLst/>
-                <a:latin typeface="Sorts Mill Goudy"/>
-              </a:rPr>
-              <a:t>ithub actions:</a:t>
-            </a:r>
-            <a:endParaRPr lang="en-GB" sz="1260" b="0" i="0" u="none" strike="noStrike" dirty="0">
-              <a:solidFill>
-                <a:srgbClr val="E3E3E5"/>
-              </a:solidFill>
-              <a:effectLst/>
-              <a:latin typeface="Noto Sans" panose="020B0502040504020204" pitchFamily="34" charset="0"/>
-            </a:endParaRPr>
-          </a:p>
-          <a:p>
-            <a:pPr marL="742950" lvl="1" indent="-285750" rtl="0" fontAlgn="base">
-              <a:spcBef>
-                <a:spcPts val="0"/>
-              </a:spcBef>
-              <a:spcAft>
-                <a:spcPts val="0"/>
-              </a:spcAft>
-              <a:buFont typeface="Arial" panose="020B0604020202020204" pitchFamily="34" charset="0"/>
-              <a:buChar char="•"/>
-            </a:pPr>
-            <a:r>
-              <a:rPr lang="en-GB" sz="2100" b="0" i="0" u="none" strike="noStrike" dirty="0">
-                <a:solidFill>
-                  <a:srgbClr val="E3E3E5"/>
-                </a:solidFill>
-                <a:effectLst/>
-                <a:latin typeface="Sorts Mill Goudy"/>
-              </a:rPr>
-              <a:t>Alerts on outdated versions and security vulnerabilities</a:t>
-            </a:r>
-            <a:endParaRPr lang="en-GB" sz="1260" b="0" i="0" u="none" strike="noStrike" dirty="0">
-              <a:solidFill>
-                <a:srgbClr val="E3E3E5"/>
-              </a:solidFill>
-              <a:effectLst/>
-              <a:latin typeface="Noto Sans" panose="020B0502040504020204" pitchFamily="34" charset="0"/>
-            </a:endParaRPr>
-          </a:p>
-          <a:p>
-            <a:pPr marL="742950" lvl="1" indent="-285750" rtl="0" fontAlgn="base">
-              <a:spcBef>
-                <a:spcPts val="0"/>
-              </a:spcBef>
-              <a:spcAft>
-                <a:spcPts val="0"/>
-              </a:spcAft>
-              <a:buFont typeface="Arial" panose="020B0604020202020204" pitchFamily="34" charset="0"/>
-              <a:buChar char="•"/>
-            </a:pPr>
-            <a:r>
-              <a:rPr lang="en-GB" sz="2100" b="0" i="0" u="none" strike="noStrike" dirty="0">
-                <a:solidFill>
-                  <a:srgbClr val="E3E3E5"/>
-                </a:solidFill>
-                <a:effectLst/>
-                <a:latin typeface="Sorts Mill Goudy"/>
-              </a:rPr>
-              <a:t>Detects common insecure coding techniques such as leaked secrets</a:t>
-            </a:r>
-          </a:p>
-          <a:p>
-            <a:pPr marL="742950" lvl="1" indent="-285750" rtl="0" fontAlgn="base">
-              <a:spcBef>
-                <a:spcPts val="0"/>
-              </a:spcBef>
-              <a:spcAft>
-                <a:spcPts val="0"/>
-              </a:spcAft>
-              <a:buFont typeface="Arial" panose="020B0604020202020204" pitchFamily="34" charset="0"/>
-              <a:buChar char="•"/>
-            </a:pPr>
-            <a:endParaRPr lang="en-GB" sz="2100" i="0" u="none" strike="noStrike" dirty="0">
-              <a:solidFill>
-                <a:srgbClr val="E3E3E5"/>
-              </a:solidFill>
-              <a:latin typeface="Sorts Mill Goudy"/>
-            </a:endParaRPr>
-          </a:p>
-          <a:p>
-            <a:pPr marL="342900" indent="-342900" fontAlgn="base">
-              <a:buFont typeface="Wingdings" panose="05000000000000000000" pitchFamily="2" charset="2"/>
-              <a:buChar char="Ø"/>
-            </a:pPr>
-            <a:r>
-              <a:rPr lang="en-GB" sz="2300" b="0" i="0" u="none" strike="noStrike" dirty="0">
-                <a:solidFill>
-                  <a:srgbClr val="E3E3E5"/>
-                </a:solidFill>
-                <a:effectLst/>
-                <a:latin typeface="Sorts Mill Goudy"/>
-              </a:rPr>
-              <a:t>Branching strategy - </a:t>
-            </a:r>
-            <a:r>
-              <a:rPr lang="en-GB" sz="2300" dirty="0" err="1">
-                <a:solidFill>
-                  <a:srgbClr val="E3E3E5"/>
-                </a:solidFill>
-                <a:latin typeface="Sorts Mill Goudy"/>
-              </a:rPr>
-              <a:t>Gitflow</a:t>
-            </a:r>
-            <a:r>
-              <a:rPr lang="en-GB" sz="2300" b="0" i="0" u="none" strike="noStrike" dirty="0">
-                <a:solidFill>
-                  <a:srgbClr val="E3E3E5"/>
-                </a:solidFill>
-                <a:effectLst/>
-                <a:latin typeface="Sorts Mill Goudy"/>
-              </a:rPr>
-              <a:t> Strategy</a:t>
-            </a:r>
-            <a:endParaRPr lang="en-GB" sz="2100" b="0" i="0" u="none" strike="noStrike" dirty="0">
-              <a:solidFill>
-                <a:srgbClr val="E3E3E5"/>
-              </a:solidFill>
-              <a:effectLst/>
-              <a:latin typeface="Noto Sans" panose="020B0502040504020204" pitchFamily="34" charset="0"/>
-            </a:endParaRPr>
-          </a:p>
-          <a:p>
-            <a:pPr lvl="1" fontAlgn="base">
-              <a:buFont typeface="Arial" panose="020B0604020202020204" pitchFamily="34" charset="0"/>
-              <a:buChar char="•"/>
-            </a:pPr>
-            <a:r>
-              <a:rPr lang="en-GB" sz="2300" dirty="0">
-                <a:solidFill>
-                  <a:srgbClr val="E3E3E5"/>
-                </a:solidFill>
-                <a:latin typeface="Sorts Mill Goudy"/>
-              </a:rPr>
-              <a:t>PRs need three</a:t>
-            </a:r>
-            <a:r>
-              <a:rPr lang="en-GB" sz="2300" b="0" i="0" u="none" strike="noStrike" dirty="0">
-                <a:solidFill>
-                  <a:srgbClr val="E3E3E5"/>
-                </a:solidFill>
-                <a:effectLst/>
-                <a:latin typeface="Sorts Mill Goudy"/>
-              </a:rPr>
-              <a:t> approvals for merge to development branches</a:t>
-            </a:r>
-          </a:p>
-          <a:p>
-            <a:pPr lvl="1" fontAlgn="base">
-              <a:buFont typeface="Arial" panose="020B0604020202020204" pitchFamily="34" charset="0"/>
-              <a:buChar char="•"/>
-            </a:pPr>
-            <a:r>
-              <a:rPr lang="en-GB" sz="2300" dirty="0">
-                <a:solidFill>
-                  <a:srgbClr val="E3E3E5"/>
-                </a:solidFill>
-                <a:latin typeface="Sorts Mill Goudy"/>
-              </a:rPr>
-              <a:t>Four approvals to the main branch</a:t>
-            </a:r>
-          </a:p>
-          <a:p>
-            <a:pPr lvl="1" fontAlgn="base">
-              <a:buFont typeface="Arial" panose="020B0604020202020204" pitchFamily="34" charset="0"/>
-              <a:buChar char="•"/>
-            </a:pPr>
-            <a:endParaRPr lang="en-GB" sz="1260" b="0" i="0" u="none" strike="noStrike" dirty="0">
-              <a:solidFill>
-                <a:srgbClr val="E3E3E5"/>
-              </a:solidFill>
-              <a:effectLst/>
-              <a:latin typeface="Noto Sans" panose="020B0502040504020204" pitchFamily="34" charset="0"/>
-            </a:endParaRPr>
-          </a:p>
-          <a:p>
-            <a:br>
-              <a:rPr lang="en-GB" b="0" dirty="0">
-                <a:effectLst/>
-              </a:rPr>
-            </a:br>
-            <a:endParaRPr lang="en-ZA" dirty="0"/>
-          </a:p>
-        </p:txBody>
-      </p:sp>
-    </p:spTree>
-    <p:extLst>
-      <p:ext uri="{BB962C8B-B14F-4D97-AF65-F5344CB8AC3E}">
-        <p14:creationId xmlns:p14="http://schemas.microsoft.com/office/powerpoint/2010/main" val="2496218276"/>
-      </p:ext>
-    </p:extLst>
-  </p:cSld>
-  <p:clrMapOvr>
-    <a:masterClrMapping/>
-  </p:clrMapOvr>
-</p:sld>
-</file>
-
-<file path=ppt/slides/slide12.xml><?xml version="1.0" encoding="utf-8"?>
-<p:sld xmlns:a="http://schemas.openxmlformats.org/drawingml/2006/main" xmlns:r="http://schemas.openxmlformats.org/officeDocument/2006/relationships" xmlns:p="http://schemas.openxmlformats.org/presentationml/2006/main">
-  <p:cSld>
-    <p:bg>
-      <p:bgPr>
-        <a:solidFill>
-          <a:srgbClr val="DE283B"/>
-        </a:solidFill>
-        <a:effectLst/>
-      </p:bgPr>
-    </p:bg>
-    <p:spTree>
-      <p:nvGrpSpPr>
-        <p:cNvPr id="1" name=""/>
-        <p:cNvGrpSpPr/>
-        <p:nvPr/>
-      </p:nvGrpSpPr>
-      <p:grpSpPr>
-        <a:xfrm>
-          <a:off x="0" y="0"/>
-          <a:ext cx="0" cy="0"/>
-          <a:chOff x="0" y="0"/>
-          <a:chExt cx="0" cy="0"/>
-        </a:xfrm>
-      </p:grpSpPr>
-      <p:sp>
-        <p:nvSpPr>
-          <p:cNvPr id="5" name="Oval 4">
-            <a:extLst>
-              <a:ext uri="{FF2B5EF4-FFF2-40B4-BE49-F238E27FC236}">
-                <a16:creationId xmlns:a16="http://schemas.microsoft.com/office/drawing/2014/main" id="{9BFE15A5-799E-421F-BCFE-9C7EAF1C1854}"/>
-              </a:ext>
-            </a:extLst>
-          </p:cNvPr>
-          <p:cNvSpPr/>
-          <p:nvPr/>
-        </p:nvSpPr>
-        <p:spPr>
-          <a:xfrm>
-            <a:off x="2406791" y="1382342"/>
-            <a:ext cx="158168" cy="158168"/>
-          </a:xfrm>
-          <a:prstGeom prst="ellipse">
-            <a:avLst/>
-          </a:prstGeom>
-          <a:solidFill>
-            <a:schemeClr val="bg2">
-              <a:lumMod val="25000"/>
-            </a:schemeClr>
-          </a:solidFill>
-          <a:ln>
-            <a:noFill/>
-          </a:ln>
-        </p:spPr>
-        <p:style>
-          <a:lnRef idx="2">
-            <a:schemeClr val="accent1">
-              <a:shade val="50000"/>
-            </a:schemeClr>
-          </a:lnRef>
-          <a:fillRef idx="1">
-            <a:schemeClr val="accent1"/>
-          </a:fillRef>
-          <a:effectRef idx="0">
-            <a:schemeClr val="accent1"/>
-          </a:effectRef>
-          <a:fontRef idx="minor">
-            <a:schemeClr val="lt1"/>
-          </a:fontRef>
-        </p:style>
-        <p:txBody>
-          <a:bodyPr rtlCol="0" anchor="ctr"/>
-          <a:lstStyle/>
-          <a:p>
-            <a:pPr marL="0" marR="0" lvl="0" indent="0" algn="ctr" defTabSz="914400" rtl="0" eaLnBrk="1" fontAlgn="auto" latinLnBrk="0" hangingPunct="1">
-              <a:lnSpc>
-                <a:spcPct val="100000"/>
-              </a:lnSpc>
-              <a:spcBef>
-                <a:spcPts val="0"/>
-              </a:spcBef>
-              <a:spcAft>
-                <a:spcPts val="0"/>
-              </a:spcAft>
-              <a:buClrTx/>
-              <a:buSzTx/>
-              <a:buFontTx/>
-              <a:buNone/>
-              <a:tabLst/>
-              <a:defRPr/>
-            </a:pPr>
-            <a:endParaRPr kumimoji="0" lang="en-US" sz="1800" b="0" i="0" u="none" strike="noStrike" kern="1200" cap="none" spc="0" normalizeH="0" baseline="0" noProof="0" dirty="0">
-              <a:ln>
-                <a:noFill/>
-              </a:ln>
-              <a:solidFill>
-                <a:prstClr val="white"/>
-              </a:solidFill>
-              <a:effectLst/>
-              <a:uLnTx/>
-              <a:uFillTx/>
-              <a:latin typeface="Montserrat"/>
-              <a:ea typeface="+mn-ea"/>
-              <a:cs typeface="+mn-cs"/>
-            </a:endParaRPr>
-          </a:p>
-        </p:txBody>
-      </p:sp>
-      <p:sp>
-        <p:nvSpPr>
-          <p:cNvPr id="6" name="Oval 5">
-            <a:extLst>
-              <a:ext uri="{FF2B5EF4-FFF2-40B4-BE49-F238E27FC236}">
-                <a16:creationId xmlns:a16="http://schemas.microsoft.com/office/drawing/2014/main" id="{0A4ABBFC-76A7-4FC2-A983-AB55DB1BF542}"/>
-              </a:ext>
-            </a:extLst>
-          </p:cNvPr>
-          <p:cNvSpPr/>
-          <p:nvPr/>
-        </p:nvSpPr>
-        <p:spPr>
-          <a:xfrm>
-            <a:off x="1032025" y="673184"/>
-            <a:ext cx="262560" cy="262560"/>
-          </a:xfrm>
-          <a:prstGeom prst="ellipse">
-            <a:avLst/>
-          </a:prstGeom>
-          <a:solidFill>
-            <a:schemeClr val="bg1"/>
-          </a:solidFill>
-          <a:ln>
-            <a:noFill/>
-          </a:ln>
-        </p:spPr>
-        <p:style>
-          <a:lnRef idx="2">
-            <a:schemeClr val="accent1">
-              <a:shade val="50000"/>
-            </a:schemeClr>
-          </a:lnRef>
-          <a:fillRef idx="1">
-            <a:schemeClr val="accent1"/>
-          </a:fillRef>
-          <a:effectRef idx="0">
-            <a:schemeClr val="accent1"/>
-          </a:effectRef>
-          <a:fontRef idx="minor">
-            <a:schemeClr val="lt1"/>
-          </a:fontRef>
-        </p:style>
-        <p:txBody>
-          <a:bodyPr rtlCol="0" anchor="ctr"/>
-          <a:lstStyle/>
-          <a:p>
-            <a:pPr marL="0" marR="0" lvl="0" indent="0" algn="ctr" defTabSz="914400" rtl="0" eaLnBrk="1" fontAlgn="auto" latinLnBrk="0" hangingPunct="1">
-              <a:lnSpc>
-                <a:spcPct val="100000"/>
-              </a:lnSpc>
-              <a:spcBef>
-                <a:spcPts val="0"/>
-              </a:spcBef>
-              <a:spcAft>
-                <a:spcPts val="0"/>
-              </a:spcAft>
-              <a:buClrTx/>
-              <a:buSzTx/>
-              <a:buFontTx/>
-              <a:buNone/>
-              <a:tabLst/>
-              <a:defRPr/>
-            </a:pPr>
-            <a:endParaRPr kumimoji="0" lang="en-US" sz="1800" b="0" i="0" u="none" strike="noStrike" kern="1200" cap="none" spc="0" normalizeH="0" baseline="0" noProof="0" dirty="0">
-              <a:ln>
-                <a:noFill/>
-              </a:ln>
-              <a:solidFill>
-                <a:prstClr val="white"/>
-              </a:solidFill>
-              <a:effectLst/>
-              <a:uLnTx/>
-              <a:uFillTx/>
-              <a:latin typeface="Montserrat"/>
-              <a:ea typeface="+mn-ea"/>
-              <a:cs typeface="+mn-cs"/>
-            </a:endParaRPr>
-          </a:p>
-        </p:txBody>
-      </p:sp>
-      <p:sp>
-        <p:nvSpPr>
-          <p:cNvPr id="8" name="Freeform: Shape 7">
-            <a:extLst>
-              <a:ext uri="{FF2B5EF4-FFF2-40B4-BE49-F238E27FC236}">
-                <a16:creationId xmlns:a16="http://schemas.microsoft.com/office/drawing/2014/main" id="{D05ED739-895E-49AA-BBA0-0E1AEE15D56F}"/>
-              </a:ext>
-            </a:extLst>
-          </p:cNvPr>
-          <p:cNvSpPr/>
-          <p:nvPr/>
-        </p:nvSpPr>
-        <p:spPr>
-          <a:xfrm rot="10800000">
-            <a:off x="-871" y="6204894"/>
-            <a:ext cx="131280" cy="262560"/>
-          </a:xfrm>
-          <a:custGeom>
-            <a:avLst/>
-            <a:gdLst>
-              <a:gd name="connsiteX0" fmla="*/ 131280 w 131280"/>
-              <a:gd name="connsiteY0" fmla="*/ 0 h 262560"/>
-              <a:gd name="connsiteX1" fmla="*/ 131280 w 131280"/>
-              <a:gd name="connsiteY1" fmla="*/ 262560 h 262560"/>
-              <a:gd name="connsiteX2" fmla="*/ 0 w 131280"/>
-              <a:gd name="connsiteY2" fmla="*/ 131280 h 262560"/>
-              <a:gd name="connsiteX3" fmla="*/ 131280 w 131280"/>
-              <a:gd name="connsiteY3" fmla="*/ 0 h 262560"/>
-            </a:gdLst>
-            <a:ahLst/>
-            <a:cxnLst>
-              <a:cxn ang="0">
-                <a:pos x="connsiteX0" y="connsiteY0"/>
-              </a:cxn>
-              <a:cxn ang="0">
-                <a:pos x="connsiteX1" y="connsiteY1"/>
-              </a:cxn>
-              <a:cxn ang="0">
-                <a:pos x="connsiteX2" y="connsiteY2"/>
-              </a:cxn>
-              <a:cxn ang="0">
-                <a:pos x="connsiteX3" y="connsiteY3"/>
-              </a:cxn>
-            </a:cxnLst>
-            <a:rect l="l" t="t" r="r" b="b"/>
-            <a:pathLst>
-              <a:path w="131280" h="262560">
-                <a:moveTo>
-                  <a:pt x="131280" y="0"/>
-                </a:moveTo>
-                <a:lnTo>
-                  <a:pt x="131280" y="262560"/>
-                </a:lnTo>
-                <a:cubicBezTo>
-                  <a:pt x="58776" y="262560"/>
-                  <a:pt x="0" y="203784"/>
-                  <a:pt x="0" y="131280"/>
-                </a:cubicBezTo>
-                <a:cubicBezTo>
-                  <a:pt x="0" y="58776"/>
-                  <a:pt x="58776" y="0"/>
-                  <a:pt x="131280" y="0"/>
-                </a:cubicBezTo>
-                <a:close/>
-              </a:path>
-            </a:pathLst>
-          </a:custGeom>
-          <a:solidFill>
-            <a:schemeClr val="bg1"/>
-          </a:solidFill>
-          <a:ln>
-            <a:noFill/>
-          </a:ln>
-        </p:spPr>
-        <p:style>
-          <a:lnRef idx="2">
-            <a:schemeClr val="accent1">
-              <a:shade val="50000"/>
-            </a:schemeClr>
-          </a:lnRef>
-          <a:fillRef idx="1">
-            <a:schemeClr val="accent1"/>
-          </a:fillRef>
-          <a:effectRef idx="0">
-            <a:schemeClr val="accent1"/>
-          </a:effectRef>
-          <a:fontRef idx="minor">
-            <a:schemeClr val="lt1"/>
-          </a:fontRef>
-        </p:style>
-        <p:txBody>
-          <a:bodyPr wrap="square" rtlCol="0" anchor="ctr">
-            <a:noAutofit/>
-          </a:bodyPr>
-          <a:lstStyle/>
-          <a:p>
-            <a:pPr marL="0" marR="0" lvl="0" indent="0" algn="ctr" defTabSz="914400" rtl="0" eaLnBrk="1" fontAlgn="auto" latinLnBrk="0" hangingPunct="1">
-              <a:lnSpc>
-                <a:spcPct val="100000"/>
-              </a:lnSpc>
-              <a:spcBef>
-                <a:spcPts val="0"/>
-              </a:spcBef>
-              <a:spcAft>
-                <a:spcPts val="0"/>
-              </a:spcAft>
-              <a:buClrTx/>
-              <a:buSzTx/>
-              <a:buFontTx/>
-              <a:buNone/>
-              <a:tabLst/>
-              <a:defRPr/>
-            </a:pPr>
-            <a:endParaRPr kumimoji="0" lang="en-US" sz="1800" b="0" i="0" u="none" strike="noStrike" kern="1200" cap="none" spc="0" normalizeH="0" baseline="0" noProof="0" dirty="0">
-              <a:ln>
-                <a:noFill/>
-              </a:ln>
-              <a:solidFill>
-                <a:prstClr val="white"/>
-              </a:solidFill>
-              <a:effectLst/>
-              <a:uLnTx/>
-              <a:uFillTx/>
-              <a:latin typeface="Montserrat"/>
-              <a:ea typeface="+mn-ea"/>
-              <a:cs typeface="+mn-cs"/>
-            </a:endParaRPr>
-          </a:p>
-        </p:txBody>
-      </p:sp>
-      <p:sp>
-        <p:nvSpPr>
-          <p:cNvPr id="9" name="Freeform: Shape 8">
-            <a:extLst>
-              <a:ext uri="{FF2B5EF4-FFF2-40B4-BE49-F238E27FC236}">
-                <a16:creationId xmlns:a16="http://schemas.microsoft.com/office/drawing/2014/main" id="{D5447901-BA28-476E-94BF-5425985FA436}"/>
-              </a:ext>
-            </a:extLst>
-          </p:cNvPr>
-          <p:cNvSpPr/>
-          <p:nvPr/>
-        </p:nvSpPr>
-        <p:spPr>
-          <a:xfrm rot="10800000">
-            <a:off x="-871" y="1863642"/>
-            <a:ext cx="131280" cy="262560"/>
-          </a:xfrm>
-          <a:custGeom>
-            <a:avLst/>
-            <a:gdLst>
-              <a:gd name="connsiteX0" fmla="*/ 131280 w 131280"/>
-              <a:gd name="connsiteY0" fmla="*/ 0 h 262560"/>
-              <a:gd name="connsiteX1" fmla="*/ 131280 w 131280"/>
-              <a:gd name="connsiteY1" fmla="*/ 262560 h 262560"/>
-              <a:gd name="connsiteX2" fmla="*/ 0 w 131280"/>
-              <a:gd name="connsiteY2" fmla="*/ 131280 h 262560"/>
-              <a:gd name="connsiteX3" fmla="*/ 131280 w 131280"/>
-              <a:gd name="connsiteY3" fmla="*/ 0 h 262560"/>
-            </a:gdLst>
-            <a:ahLst/>
-            <a:cxnLst>
-              <a:cxn ang="0">
-                <a:pos x="connsiteX0" y="connsiteY0"/>
-              </a:cxn>
-              <a:cxn ang="0">
-                <a:pos x="connsiteX1" y="connsiteY1"/>
-              </a:cxn>
-              <a:cxn ang="0">
-                <a:pos x="connsiteX2" y="connsiteY2"/>
-              </a:cxn>
-              <a:cxn ang="0">
-                <a:pos x="connsiteX3" y="connsiteY3"/>
-              </a:cxn>
-            </a:cxnLst>
-            <a:rect l="l" t="t" r="r" b="b"/>
-            <a:pathLst>
-              <a:path w="131280" h="262560">
-                <a:moveTo>
-                  <a:pt x="131280" y="0"/>
-                </a:moveTo>
-                <a:lnTo>
-                  <a:pt x="131280" y="262560"/>
-                </a:lnTo>
-                <a:cubicBezTo>
-                  <a:pt x="58776" y="262560"/>
-                  <a:pt x="0" y="203784"/>
-                  <a:pt x="0" y="131280"/>
-                </a:cubicBezTo>
-                <a:cubicBezTo>
-                  <a:pt x="0" y="58776"/>
-                  <a:pt x="58776" y="0"/>
-                  <a:pt x="131280" y="0"/>
-                </a:cubicBezTo>
-                <a:close/>
-              </a:path>
-            </a:pathLst>
-          </a:custGeom>
-          <a:solidFill>
-            <a:schemeClr val="bg2">
-              <a:lumMod val="25000"/>
-            </a:schemeClr>
-          </a:solidFill>
-          <a:ln>
-            <a:noFill/>
-          </a:ln>
-        </p:spPr>
-        <p:style>
-          <a:lnRef idx="2">
-            <a:schemeClr val="accent1">
-              <a:shade val="50000"/>
-            </a:schemeClr>
-          </a:lnRef>
-          <a:fillRef idx="1">
-            <a:schemeClr val="accent1"/>
-          </a:fillRef>
-          <a:effectRef idx="0">
-            <a:schemeClr val="accent1"/>
-          </a:effectRef>
-          <a:fontRef idx="minor">
-            <a:schemeClr val="lt1"/>
-          </a:fontRef>
-        </p:style>
-        <p:txBody>
-          <a:bodyPr wrap="square" rtlCol="0" anchor="ctr">
-            <a:noAutofit/>
-          </a:bodyPr>
-          <a:lstStyle/>
-          <a:p>
-            <a:pPr marL="0" marR="0" lvl="0" indent="0" algn="ctr" defTabSz="914400" rtl="0" eaLnBrk="1" fontAlgn="auto" latinLnBrk="0" hangingPunct="1">
-              <a:lnSpc>
-                <a:spcPct val="100000"/>
-              </a:lnSpc>
-              <a:spcBef>
-                <a:spcPts val="0"/>
-              </a:spcBef>
-              <a:spcAft>
-                <a:spcPts val="0"/>
-              </a:spcAft>
-              <a:buClrTx/>
-              <a:buSzTx/>
-              <a:buFontTx/>
-              <a:buNone/>
-              <a:tabLst/>
-              <a:defRPr/>
-            </a:pPr>
-            <a:endParaRPr kumimoji="0" lang="en-US" sz="1800" b="0" i="0" u="none" strike="noStrike" kern="1200" cap="none" spc="0" normalizeH="0" baseline="0" noProof="0" dirty="0">
-              <a:ln>
-                <a:noFill/>
-              </a:ln>
-              <a:solidFill>
-                <a:prstClr val="white"/>
-              </a:solidFill>
-              <a:effectLst/>
-              <a:uLnTx/>
-              <a:uFillTx/>
-              <a:latin typeface="Montserrat"/>
-              <a:ea typeface="+mn-ea"/>
-              <a:cs typeface="+mn-cs"/>
-            </a:endParaRPr>
-          </a:p>
-        </p:txBody>
-      </p:sp>
-      <p:sp>
-        <p:nvSpPr>
-          <p:cNvPr id="10" name="Oval 9">
-            <a:extLst>
-              <a:ext uri="{FF2B5EF4-FFF2-40B4-BE49-F238E27FC236}">
-                <a16:creationId xmlns:a16="http://schemas.microsoft.com/office/drawing/2014/main" id="{B9732762-70FC-44FD-8026-6FC1020853A9}"/>
-              </a:ext>
-            </a:extLst>
-          </p:cNvPr>
-          <p:cNvSpPr/>
-          <p:nvPr/>
-        </p:nvSpPr>
-        <p:spPr>
-          <a:xfrm>
-            <a:off x="10848472" y="3340062"/>
-            <a:ext cx="158168" cy="158168"/>
-          </a:xfrm>
-          <a:prstGeom prst="ellipse">
-            <a:avLst/>
-          </a:prstGeom>
-          <a:solidFill>
-            <a:schemeClr val="bg2">
-              <a:lumMod val="25000"/>
-            </a:schemeClr>
-          </a:solidFill>
-          <a:ln>
-            <a:noFill/>
-          </a:ln>
-        </p:spPr>
-        <p:style>
-          <a:lnRef idx="2">
-            <a:schemeClr val="accent1">
-              <a:shade val="50000"/>
-            </a:schemeClr>
-          </a:lnRef>
-          <a:fillRef idx="1">
-            <a:schemeClr val="accent1"/>
-          </a:fillRef>
-          <a:effectRef idx="0">
-            <a:schemeClr val="accent1"/>
-          </a:effectRef>
-          <a:fontRef idx="minor">
-            <a:schemeClr val="lt1"/>
-          </a:fontRef>
-        </p:style>
-        <p:txBody>
-          <a:bodyPr rtlCol="0" anchor="ctr"/>
-          <a:lstStyle/>
-          <a:p>
-            <a:pPr marL="0" marR="0" lvl="0" indent="0" algn="ctr" defTabSz="914400" rtl="0" eaLnBrk="1" fontAlgn="auto" latinLnBrk="0" hangingPunct="1">
-              <a:lnSpc>
-                <a:spcPct val="100000"/>
-              </a:lnSpc>
-              <a:spcBef>
-                <a:spcPts val="0"/>
-              </a:spcBef>
-              <a:spcAft>
-                <a:spcPts val="0"/>
-              </a:spcAft>
-              <a:buClrTx/>
-              <a:buSzTx/>
-              <a:buFontTx/>
-              <a:buNone/>
-              <a:tabLst/>
-              <a:defRPr/>
-            </a:pPr>
-            <a:endParaRPr kumimoji="0" lang="en-US" sz="1800" b="0" i="0" u="none" strike="noStrike" kern="1200" cap="none" spc="0" normalizeH="0" baseline="0" noProof="0" dirty="0">
-              <a:ln>
-                <a:noFill/>
-              </a:ln>
-              <a:solidFill>
-                <a:prstClr val="white"/>
-              </a:solidFill>
-              <a:effectLst/>
-              <a:uLnTx/>
-              <a:uFillTx/>
-              <a:latin typeface="Montserrat"/>
-              <a:ea typeface="+mn-ea"/>
-              <a:cs typeface="+mn-cs"/>
-            </a:endParaRPr>
-          </a:p>
-        </p:txBody>
-      </p:sp>
-      <p:sp>
-        <p:nvSpPr>
-          <p:cNvPr id="11" name="Oval 10">
-            <a:extLst>
-              <a:ext uri="{FF2B5EF4-FFF2-40B4-BE49-F238E27FC236}">
-                <a16:creationId xmlns:a16="http://schemas.microsoft.com/office/drawing/2014/main" id="{7EA21643-1E5D-4645-8448-B1E8F9598926}"/>
-              </a:ext>
-            </a:extLst>
-          </p:cNvPr>
-          <p:cNvSpPr/>
-          <p:nvPr/>
-        </p:nvSpPr>
-        <p:spPr>
-          <a:xfrm>
-            <a:off x="10949025" y="673184"/>
-            <a:ext cx="158168" cy="158168"/>
-          </a:xfrm>
-          <a:prstGeom prst="ellipse">
-            <a:avLst/>
-          </a:prstGeom>
-          <a:solidFill>
-            <a:schemeClr val="bg2">
-              <a:lumMod val="25000"/>
-            </a:schemeClr>
-          </a:solidFill>
-          <a:ln>
-            <a:noFill/>
-          </a:ln>
-        </p:spPr>
-        <p:style>
-          <a:lnRef idx="2">
-            <a:schemeClr val="accent1">
-              <a:shade val="50000"/>
-            </a:schemeClr>
-          </a:lnRef>
-          <a:fillRef idx="1">
-            <a:schemeClr val="accent1"/>
-          </a:fillRef>
-          <a:effectRef idx="0">
-            <a:schemeClr val="accent1"/>
-          </a:effectRef>
-          <a:fontRef idx="minor">
-            <a:schemeClr val="lt1"/>
-          </a:fontRef>
-        </p:style>
-        <p:txBody>
-          <a:bodyPr rtlCol="0" anchor="ctr"/>
-          <a:lstStyle/>
-          <a:p>
-            <a:pPr marL="0" marR="0" lvl="0" indent="0" algn="ctr" defTabSz="914400" rtl="0" eaLnBrk="1" fontAlgn="auto" latinLnBrk="0" hangingPunct="1">
-              <a:lnSpc>
-                <a:spcPct val="100000"/>
-              </a:lnSpc>
-              <a:spcBef>
-                <a:spcPts val="0"/>
-              </a:spcBef>
-              <a:spcAft>
-                <a:spcPts val="0"/>
-              </a:spcAft>
-              <a:buClrTx/>
-              <a:buSzTx/>
-              <a:buFontTx/>
-              <a:buNone/>
-              <a:tabLst/>
-              <a:defRPr/>
-            </a:pPr>
-            <a:endParaRPr kumimoji="0" lang="en-US" sz="1800" b="0" i="0" u="none" strike="noStrike" kern="1200" cap="none" spc="0" normalizeH="0" baseline="0" noProof="0" dirty="0">
-              <a:ln>
-                <a:noFill/>
-              </a:ln>
-              <a:solidFill>
-                <a:prstClr val="white"/>
-              </a:solidFill>
-              <a:effectLst/>
-              <a:uLnTx/>
-              <a:uFillTx/>
-              <a:latin typeface="Montserrat"/>
-              <a:ea typeface="+mn-ea"/>
-              <a:cs typeface="+mn-cs"/>
-            </a:endParaRPr>
-          </a:p>
-        </p:txBody>
-      </p:sp>
-      <p:sp>
-        <p:nvSpPr>
-          <p:cNvPr id="12" name="Oval 11">
-            <a:extLst>
-              <a:ext uri="{FF2B5EF4-FFF2-40B4-BE49-F238E27FC236}">
-                <a16:creationId xmlns:a16="http://schemas.microsoft.com/office/drawing/2014/main" id="{6F762BF8-9D33-4F22-8C8B-794D95486038}"/>
-              </a:ext>
-            </a:extLst>
-          </p:cNvPr>
-          <p:cNvSpPr/>
-          <p:nvPr/>
-        </p:nvSpPr>
-        <p:spPr>
-          <a:xfrm>
-            <a:off x="11206956" y="5933756"/>
-            <a:ext cx="262560" cy="262560"/>
-          </a:xfrm>
-          <a:prstGeom prst="ellipse">
-            <a:avLst/>
-          </a:prstGeom>
-          <a:solidFill>
-            <a:schemeClr val="bg1"/>
-          </a:solidFill>
-          <a:ln>
-            <a:noFill/>
-          </a:ln>
-        </p:spPr>
-        <p:style>
-          <a:lnRef idx="2">
-            <a:schemeClr val="accent1">
-              <a:shade val="50000"/>
-            </a:schemeClr>
-          </a:lnRef>
-          <a:fillRef idx="1">
-            <a:schemeClr val="accent1"/>
-          </a:fillRef>
-          <a:effectRef idx="0">
-            <a:schemeClr val="accent1"/>
-          </a:effectRef>
-          <a:fontRef idx="minor">
-            <a:schemeClr val="lt1"/>
-          </a:fontRef>
-        </p:style>
-        <p:txBody>
-          <a:bodyPr rtlCol="0" anchor="ctr"/>
-          <a:lstStyle/>
-          <a:p>
-            <a:pPr marL="0" marR="0" lvl="0" indent="0" algn="ctr" defTabSz="914400" rtl="0" eaLnBrk="1" fontAlgn="auto" latinLnBrk="0" hangingPunct="1">
-              <a:lnSpc>
-                <a:spcPct val="100000"/>
-              </a:lnSpc>
-              <a:spcBef>
-                <a:spcPts val="0"/>
-              </a:spcBef>
-              <a:spcAft>
-                <a:spcPts val="0"/>
-              </a:spcAft>
-              <a:buClrTx/>
-              <a:buSzTx/>
-              <a:buFontTx/>
-              <a:buNone/>
-              <a:tabLst/>
-              <a:defRPr/>
-            </a:pPr>
-            <a:endParaRPr kumimoji="0" lang="en-US" sz="1800" b="0" i="0" u="none" strike="noStrike" kern="1200" cap="none" spc="0" normalizeH="0" baseline="0" noProof="0" dirty="0">
-              <a:ln>
-                <a:noFill/>
-              </a:ln>
-              <a:solidFill>
-                <a:prstClr val="white"/>
-              </a:solidFill>
-              <a:effectLst/>
-              <a:uLnTx/>
-              <a:uFillTx/>
-              <a:latin typeface="Montserrat"/>
-              <a:ea typeface="+mn-ea"/>
-              <a:cs typeface="+mn-cs"/>
-            </a:endParaRPr>
-          </a:p>
-        </p:txBody>
-      </p:sp>
-      <p:sp>
-        <p:nvSpPr>
-          <p:cNvPr id="13" name="Oval 12">
-            <a:extLst>
-              <a:ext uri="{FF2B5EF4-FFF2-40B4-BE49-F238E27FC236}">
-                <a16:creationId xmlns:a16="http://schemas.microsoft.com/office/drawing/2014/main" id="{5338BC99-AC7D-49D4-B253-9BECC4D02BD7}"/>
-              </a:ext>
-            </a:extLst>
-          </p:cNvPr>
-          <p:cNvSpPr/>
-          <p:nvPr/>
-        </p:nvSpPr>
-        <p:spPr>
-          <a:xfrm>
-            <a:off x="9674978" y="1670162"/>
-            <a:ext cx="262560" cy="262560"/>
-          </a:xfrm>
-          <a:prstGeom prst="ellipse">
-            <a:avLst/>
-          </a:prstGeom>
-          <a:solidFill>
-            <a:schemeClr val="bg1"/>
-          </a:solidFill>
-          <a:ln>
-            <a:noFill/>
-          </a:ln>
-        </p:spPr>
-        <p:style>
-          <a:lnRef idx="2">
-            <a:schemeClr val="accent1">
-              <a:shade val="50000"/>
-            </a:schemeClr>
-          </a:lnRef>
-          <a:fillRef idx="1">
-            <a:schemeClr val="accent1"/>
-          </a:fillRef>
-          <a:effectRef idx="0">
-            <a:schemeClr val="accent1"/>
-          </a:effectRef>
-          <a:fontRef idx="minor">
-            <a:schemeClr val="lt1"/>
-          </a:fontRef>
-        </p:style>
-        <p:txBody>
-          <a:bodyPr rtlCol="0" anchor="ctr"/>
-          <a:lstStyle/>
-          <a:p>
-            <a:pPr marL="0" marR="0" lvl="0" indent="0" algn="ctr" defTabSz="914400" rtl="0" eaLnBrk="1" fontAlgn="auto" latinLnBrk="0" hangingPunct="1">
-              <a:lnSpc>
-                <a:spcPct val="100000"/>
-              </a:lnSpc>
-              <a:spcBef>
-                <a:spcPts val="0"/>
-              </a:spcBef>
-              <a:spcAft>
-                <a:spcPts val="0"/>
-              </a:spcAft>
-              <a:buClrTx/>
-              <a:buSzTx/>
-              <a:buFontTx/>
-              <a:buNone/>
-              <a:tabLst/>
-              <a:defRPr/>
-            </a:pPr>
-            <a:endParaRPr kumimoji="0" lang="en-US" sz="1800" b="0" i="0" u="none" strike="noStrike" kern="1200" cap="none" spc="0" normalizeH="0" baseline="0" noProof="0" dirty="0">
-              <a:ln>
-                <a:noFill/>
-              </a:ln>
-              <a:solidFill>
-                <a:prstClr val="white"/>
-              </a:solidFill>
-              <a:effectLst/>
-              <a:uLnTx/>
-              <a:uFillTx/>
-              <a:latin typeface="Montserrat"/>
-              <a:ea typeface="+mn-ea"/>
-              <a:cs typeface="+mn-cs"/>
-            </a:endParaRPr>
-          </a:p>
-        </p:txBody>
-      </p:sp>
-      <p:sp>
-        <p:nvSpPr>
-          <p:cNvPr id="14" name="Freeform: Shape 13">
-            <a:extLst>
-              <a:ext uri="{FF2B5EF4-FFF2-40B4-BE49-F238E27FC236}">
-                <a16:creationId xmlns:a16="http://schemas.microsoft.com/office/drawing/2014/main" id="{A685EDDA-22C7-44D4-9D0C-9FC0D2D7D692}"/>
-              </a:ext>
-            </a:extLst>
-          </p:cNvPr>
-          <p:cNvSpPr/>
-          <p:nvPr/>
-        </p:nvSpPr>
-        <p:spPr>
-          <a:xfrm>
-            <a:off x="12056564" y="5480994"/>
-            <a:ext cx="131280" cy="262560"/>
-          </a:xfrm>
-          <a:custGeom>
-            <a:avLst/>
-            <a:gdLst>
-              <a:gd name="connsiteX0" fmla="*/ 131280 w 131280"/>
-              <a:gd name="connsiteY0" fmla="*/ 0 h 262560"/>
-              <a:gd name="connsiteX1" fmla="*/ 131280 w 131280"/>
-              <a:gd name="connsiteY1" fmla="*/ 262560 h 262560"/>
-              <a:gd name="connsiteX2" fmla="*/ 0 w 131280"/>
-              <a:gd name="connsiteY2" fmla="*/ 131280 h 262560"/>
-              <a:gd name="connsiteX3" fmla="*/ 131280 w 131280"/>
-              <a:gd name="connsiteY3" fmla="*/ 0 h 262560"/>
-            </a:gdLst>
-            <a:ahLst/>
-            <a:cxnLst>
-              <a:cxn ang="0">
-                <a:pos x="connsiteX0" y="connsiteY0"/>
-              </a:cxn>
-              <a:cxn ang="0">
-                <a:pos x="connsiteX1" y="connsiteY1"/>
-              </a:cxn>
-              <a:cxn ang="0">
-                <a:pos x="connsiteX2" y="connsiteY2"/>
-              </a:cxn>
-              <a:cxn ang="0">
-                <a:pos x="connsiteX3" y="connsiteY3"/>
-              </a:cxn>
-            </a:cxnLst>
-            <a:rect l="l" t="t" r="r" b="b"/>
-            <a:pathLst>
-              <a:path w="131280" h="262560">
-                <a:moveTo>
-                  <a:pt x="131280" y="0"/>
-                </a:moveTo>
-                <a:lnTo>
-                  <a:pt x="131280" y="262560"/>
-                </a:lnTo>
-                <a:cubicBezTo>
-                  <a:pt x="58776" y="262560"/>
-                  <a:pt x="0" y="203784"/>
-                  <a:pt x="0" y="131280"/>
-                </a:cubicBezTo>
-                <a:cubicBezTo>
-                  <a:pt x="0" y="58776"/>
-                  <a:pt x="58776" y="0"/>
-                  <a:pt x="131280" y="0"/>
-                </a:cubicBezTo>
-                <a:close/>
-              </a:path>
-            </a:pathLst>
-          </a:custGeom>
-          <a:solidFill>
-            <a:schemeClr val="bg2">
-              <a:lumMod val="25000"/>
-            </a:schemeClr>
-          </a:solidFill>
-          <a:ln>
-            <a:noFill/>
-          </a:ln>
-        </p:spPr>
-        <p:style>
-          <a:lnRef idx="2">
-            <a:schemeClr val="accent1">
-              <a:shade val="50000"/>
-            </a:schemeClr>
-          </a:lnRef>
-          <a:fillRef idx="1">
-            <a:schemeClr val="accent1"/>
-          </a:fillRef>
-          <a:effectRef idx="0">
-            <a:schemeClr val="accent1"/>
-          </a:effectRef>
-          <a:fontRef idx="minor">
-            <a:schemeClr val="lt1"/>
-          </a:fontRef>
-        </p:style>
-        <p:txBody>
-          <a:bodyPr wrap="square" rtlCol="0" anchor="ctr">
-            <a:noAutofit/>
-          </a:bodyPr>
-          <a:lstStyle/>
-          <a:p>
-            <a:pPr marL="0" marR="0" lvl="0" indent="0" algn="ctr" defTabSz="914400" rtl="0" eaLnBrk="1" fontAlgn="auto" latinLnBrk="0" hangingPunct="1">
-              <a:lnSpc>
-                <a:spcPct val="100000"/>
-              </a:lnSpc>
-              <a:spcBef>
-                <a:spcPts val="0"/>
-              </a:spcBef>
-              <a:spcAft>
-                <a:spcPts val="0"/>
-              </a:spcAft>
-              <a:buClrTx/>
-              <a:buSzTx/>
-              <a:buFontTx/>
-              <a:buNone/>
-              <a:tabLst/>
-              <a:defRPr/>
-            </a:pPr>
-            <a:endParaRPr kumimoji="0" lang="en-US" sz="1800" b="0" i="0" u="none" strike="noStrike" kern="1200" cap="none" spc="0" normalizeH="0" baseline="0" noProof="0" dirty="0">
-              <a:ln>
-                <a:noFill/>
-              </a:ln>
-              <a:solidFill>
-                <a:prstClr val="white"/>
-              </a:solidFill>
-              <a:effectLst/>
-              <a:uLnTx/>
-              <a:uFillTx/>
-              <a:latin typeface="Montserrat"/>
-              <a:ea typeface="+mn-ea"/>
-              <a:cs typeface="+mn-cs"/>
-            </a:endParaRPr>
-          </a:p>
-        </p:txBody>
-      </p:sp>
-      <p:sp>
-        <p:nvSpPr>
-          <p:cNvPr id="15" name="Freeform: Shape 14">
-            <a:extLst>
-              <a:ext uri="{FF2B5EF4-FFF2-40B4-BE49-F238E27FC236}">
-                <a16:creationId xmlns:a16="http://schemas.microsoft.com/office/drawing/2014/main" id="{BA9721E0-EABB-414E-915A-D5E788EA85AB}"/>
-              </a:ext>
-            </a:extLst>
-          </p:cNvPr>
-          <p:cNvSpPr/>
-          <p:nvPr/>
-        </p:nvSpPr>
-        <p:spPr>
-          <a:xfrm>
-            <a:off x="12066089" y="1139742"/>
-            <a:ext cx="131280" cy="262560"/>
-          </a:xfrm>
-          <a:custGeom>
-            <a:avLst/>
-            <a:gdLst>
-              <a:gd name="connsiteX0" fmla="*/ 131280 w 131280"/>
-              <a:gd name="connsiteY0" fmla="*/ 0 h 262560"/>
-              <a:gd name="connsiteX1" fmla="*/ 131280 w 131280"/>
-              <a:gd name="connsiteY1" fmla="*/ 262560 h 262560"/>
-              <a:gd name="connsiteX2" fmla="*/ 0 w 131280"/>
-              <a:gd name="connsiteY2" fmla="*/ 131280 h 262560"/>
-              <a:gd name="connsiteX3" fmla="*/ 131280 w 131280"/>
-              <a:gd name="connsiteY3" fmla="*/ 0 h 262560"/>
-            </a:gdLst>
-            <a:ahLst/>
-            <a:cxnLst>
-              <a:cxn ang="0">
-                <a:pos x="connsiteX0" y="connsiteY0"/>
-              </a:cxn>
-              <a:cxn ang="0">
-                <a:pos x="connsiteX1" y="connsiteY1"/>
-              </a:cxn>
-              <a:cxn ang="0">
-                <a:pos x="connsiteX2" y="connsiteY2"/>
-              </a:cxn>
-              <a:cxn ang="0">
-                <a:pos x="connsiteX3" y="connsiteY3"/>
-              </a:cxn>
-            </a:cxnLst>
-            <a:rect l="l" t="t" r="r" b="b"/>
-            <a:pathLst>
-              <a:path w="131280" h="262560">
-                <a:moveTo>
-                  <a:pt x="131280" y="0"/>
-                </a:moveTo>
-                <a:lnTo>
-                  <a:pt x="131280" y="262560"/>
-                </a:lnTo>
-                <a:cubicBezTo>
-                  <a:pt x="58776" y="262560"/>
-                  <a:pt x="0" y="203784"/>
-                  <a:pt x="0" y="131280"/>
-                </a:cubicBezTo>
-                <a:cubicBezTo>
-                  <a:pt x="0" y="58776"/>
-                  <a:pt x="58776" y="0"/>
-                  <a:pt x="131280" y="0"/>
-                </a:cubicBezTo>
-                <a:close/>
-              </a:path>
-            </a:pathLst>
-          </a:custGeom>
-          <a:solidFill>
-            <a:schemeClr val="bg1"/>
-          </a:solidFill>
-          <a:ln>
-            <a:noFill/>
-          </a:ln>
-        </p:spPr>
-        <p:style>
-          <a:lnRef idx="2">
-            <a:schemeClr val="accent1">
-              <a:shade val="50000"/>
-            </a:schemeClr>
-          </a:lnRef>
-          <a:fillRef idx="1">
-            <a:schemeClr val="accent1"/>
-          </a:fillRef>
-          <a:effectRef idx="0">
-            <a:schemeClr val="accent1"/>
-          </a:effectRef>
-          <a:fontRef idx="minor">
-            <a:schemeClr val="lt1"/>
-          </a:fontRef>
-        </p:style>
-        <p:txBody>
-          <a:bodyPr wrap="square" rtlCol="0" anchor="ctr">
-            <a:noAutofit/>
-          </a:bodyPr>
-          <a:lstStyle/>
-          <a:p>
-            <a:pPr marL="0" marR="0" lvl="0" indent="0" algn="ctr" defTabSz="914400" rtl="0" eaLnBrk="1" fontAlgn="auto" latinLnBrk="0" hangingPunct="1">
-              <a:lnSpc>
-                <a:spcPct val="100000"/>
-              </a:lnSpc>
-              <a:spcBef>
-                <a:spcPts val="0"/>
-              </a:spcBef>
-              <a:spcAft>
-                <a:spcPts val="0"/>
-              </a:spcAft>
-              <a:buClrTx/>
-              <a:buSzTx/>
-              <a:buFontTx/>
-              <a:buNone/>
-              <a:tabLst/>
-              <a:defRPr/>
-            </a:pPr>
-            <a:endParaRPr kumimoji="0" lang="en-US" sz="1800" b="0" i="0" u="none" strike="noStrike" kern="1200" cap="none" spc="0" normalizeH="0" baseline="0" noProof="0" dirty="0">
-              <a:ln>
-                <a:noFill/>
-              </a:ln>
-              <a:solidFill>
-                <a:prstClr val="white"/>
-              </a:solidFill>
-              <a:effectLst/>
-              <a:uLnTx/>
-              <a:uFillTx/>
-              <a:latin typeface="Montserrat"/>
-              <a:ea typeface="+mn-ea"/>
-              <a:cs typeface="+mn-cs"/>
-            </a:endParaRPr>
-          </a:p>
-        </p:txBody>
-      </p:sp>
-      <p:sp>
-        <p:nvSpPr>
-          <p:cNvPr id="16" name="Freeform: Shape 15">
-            <a:extLst>
-              <a:ext uri="{FF2B5EF4-FFF2-40B4-BE49-F238E27FC236}">
-                <a16:creationId xmlns:a16="http://schemas.microsoft.com/office/drawing/2014/main" id="{2450B8BF-3AF3-4F9E-BF8D-2F89F9BBE510}"/>
-              </a:ext>
-            </a:extLst>
-          </p:cNvPr>
-          <p:cNvSpPr/>
-          <p:nvPr/>
-        </p:nvSpPr>
-        <p:spPr>
-          <a:xfrm rot="5400000">
-            <a:off x="6233560" y="6661080"/>
-            <a:ext cx="131280" cy="262560"/>
-          </a:xfrm>
-          <a:custGeom>
-            <a:avLst/>
-            <a:gdLst>
-              <a:gd name="connsiteX0" fmla="*/ 131280 w 131280"/>
-              <a:gd name="connsiteY0" fmla="*/ 0 h 262560"/>
-              <a:gd name="connsiteX1" fmla="*/ 131280 w 131280"/>
-              <a:gd name="connsiteY1" fmla="*/ 262560 h 262560"/>
-              <a:gd name="connsiteX2" fmla="*/ 0 w 131280"/>
-              <a:gd name="connsiteY2" fmla="*/ 131280 h 262560"/>
-              <a:gd name="connsiteX3" fmla="*/ 131280 w 131280"/>
-              <a:gd name="connsiteY3" fmla="*/ 0 h 262560"/>
-            </a:gdLst>
-            <a:ahLst/>
-            <a:cxnLst>
-              <a:cxn ang="0">
-                <a:pos x="connsiteX0" y="connsiteY0"/>
-              </a:cxn>
-              <a:cxn ang="0">
-                <a:pos x="connsiteX1" y="connsiteY1"/>
-              </a:cxn>
-              <a:cxn ang="0">
-                <a:pos x="connsiteX2" y="connsiteY2"/>
-              </a:cxn>
-              <a:cxn ang="0">
-                <a:pos x="connsiteX3" y="connsiteY3"/>
-              </a:cxn>
-            </a:cxnLst>
-            <a:rect l="l" t="t" r="r" b="b"/>
-            <a:pathLst>
-              <a:path w="131280" h="262560">
-                <a:moveTo>
-                  <a:pt x="131280" y="0"/>
-                </a:moveTo>
-                <a:lnTo>
-                  <a:pt x="131280" y="262560"/>
-                </a:lnTo>
-                <a:cubicBezTo>
-                  <a:pt x="58776" y="262560"/>
-                  <a:pt x="0" y="203784"/>
-                  <a:pt x="0" y="131280"/>
-                </a:cubicBezTo>
-                <a:cubicBezTo>
-                  <a:pt x="0" y="58776"/>
-                  <a:pt x="58776" y="0"/>
-                  <a:pt x="131280" y="0"/>
-                </a:cubicBezTo>
-                <a:close/>
-              </a:path>
-            </a:pathLst>
-          </a:custGeom>
-          <a:solidFill>
-            <a:schemeClr val="bg2">
-              <a:lumMod val="25000"/>
-            </a:schemeClr>
-          </a:solidFill>
-          <a:ln>
-            <a:noFill/>
-          </a:ln>
-        </p:spPr>
-        <p:style>
-          <a:lnRef idx="2">
-            <a:schemeClr val="accent1">
-              <a:shade val="50000"/>
-            </a:schemeClr>
-          </a:lnRef>
-          <a:fillRef idx="1">
-            <a:schemeClr val="accent1"/>
-          </a:fillRef>
-          <a:effectRef idx="0">
-            <a:schemeClr val="accent1"/>
-          </a:effectRef>
-          <a:fontRef idx="minor">
-            <a:schemeClr val="lt1"/>
-          </a:fontRef>
-        </p:style>
-        <p:txBody>
-          <a:bodyPr wrap="square" rtlCol="0" anchor="ctr">
-            <a:noAutofit/>
-          </a:bodyPr>
-          <a:lstStyle/>
-          <a:p>
             <a:pPr marL="0" marR="0" lvl="0" indent="0" algn="ctr" defTabSz="914400" rtl="0" eaLnBrk="1" fontAlgn="auto" latinLnBrk="0" hangingPunct="1">
               <a:lnSpc>
                 <a:spcPct val="100000"/>
@@ -9090,1358 +7330,7 @@
 </p:sld>
 </file>
 
-<file path=ppt/slides/slide13.xml><?xml version="1.0" encoding="utf-8"?>
-<p:sld xmlns:a="http://schemas.openxmlformats.org/drawingml/2006/main" xmlns:r="http://schemas.openxmlformats.org/officeDocument/2006/relationships" xmlns:p="http://schemas.openxmlformats.org/presentationml/2006/main">
-  <p:cSld>
-    <p:bg>
-      <p:bgPr>
-        <a:solidFill>
-          <a:srgbClr val="DE283B"/>
-        </a:solidFill>
-        <a:effectLst/>
-      </p:bgPr>
-    </p:bg>
-    <p:spTree>
-      <p:nvGrpSpPr>
-        <p:cNvPr id="1" name=""/>
-        <p:cNvGrpSpPr/>
-        <p:nvPr/>
-      </p:nvGrpSpPr>
-      <p:grpSpPr>
-        <a:xfrm>
-          <a:off x="0" y="0"/>
-          <a:ext cx="0" cy="0"/>
-          <a:chOff x="0" y="0"/>
-          <a:chExt cx="0" cy="0"/>
-        </a:xfrm>
-      </p:grpSpPr>
-      <p:sp>
-        <p:nvSpPr>
-          <p:cNvPr id="32" name="TextBox 31">
-            <a:extLst>
-              <a:ext uri="{FF2B5EF4-FFF2-40B4-BE49-F238E27FC236}">
-                <a16:creationId xmlns:a16="http://schemas.microsoft.com/office/drawing/2014/main" id="{70E377EB-6C1D-436E-B849-651C11860F50}"/>
-              </a:ext>
-            </a:extLst>
-          </p:cNvPr>
-          <p:cNvSpPr txBox="1"/>
-          <p:nvPr/>
-        </p:nvSpPr>
-        <p:spPr>
-          <a:xfrm>
-            <a:off x="889681" y="2603444"/>
-            <a:ext cx="5761092" cy="1569660"/>
-          </a:xfrm>
-          <a:prstGeom prst="rect">
-            <a:avLst/>
-          </a:prstGeom>
-          <a:noFill/>
-        </p:spPr>
-        <p:txBody>
-          <a:bodyPr wrap="square" rtlCol="0">
-            <a:spAutoFit/>
-          </a:bodyPr>
-          <a:lstStyle/>
-          <a:p>
-            <a:r>
-              <a:rPr lang="en-US" sz="3200" b="1" dirty="0">
-                <a:solidFill>
-                  <a:schemeClr val="bg1">
-                    <a:lumMod val="95000"/>
-                  </a:schemeClr>
-                </a:solidFill>
-              </a:rPr>
-              <a:t>Thanks for listening to us, please feel free to ask any questions!</a:t>
-            </a:r>
-          </a:p>
-        </p:txBody>
-      </p:sp>
-      <p:sp>
-        <p:nvSpPr>
-          <p:cNvPr id="7" name="Oval 6">
-            <a:extLst>
-              <a:ext uri="{FF2B5EF4-FFF2-40B4-BE49-F238E27FC236}">
-                <a16:creationId xmlns:a16="http://schemas.microsoft.com/office/drawing/2014/main" id="{40CACAF8-B889-469D-9D5B-695F85C11B04}"/>
-              </a:ext>
-            </a:extLst>
-          </p:cNvPr>
-          <p:cNvSpPr/>
-          <p:nvPr/>
-        </p:nvSpPr>
-        <p:spPr>
-          <a:xfrm>
-            <a:off x="7336061" y="1436924"/>
-            <a:ext cx="3984152" cy="3984152"/>
-          </a:xfrm>
-          <a:prstGeom prst="ellipse">
-            <a:avLst/>
-          </a:prstGeom>
-          <a:solidFill>
-            <a:schemeClr val="bg1">
-              <a:lumMod val="95000"/>
-            </a:schemeClr>
-          </a:solidFill>
-          <a:ln>
-            <a:noFill/>
-          </a:ln>
-        </p:spPr>
-        <p:style>
-          <a:lnRef idx="2">
-            <a:schemeClr val="accent1">
-              <a:shade val="50000"/>
-            </a:schemeClr>
-          </a:lnRef>
-          <a:fillRef idx="1">
-            <a:schemeClr val="accent1"/>
-          </a:fillRef>
-          <a:effectRef idx="0">
-            <a:schemeClr val="accent1"/>
-          </a:effectRef>
-          <a:fontRef idx="minor">
-            <a:schemeClr val="lt1"/>
-          </a:fontRef>
-        </p:style>
-        <p:txBody>
-          <a:bodyPr rtlCol="0" anchor="ctr"/>
-          <a:lstStyle/>
-          <a:p>
-            <a:pPr algn="ctr"/>
-            <a:endParaRPr lang="en-US" dirty="0">
-              <a:latin typeface="+mj-lt"/>
-            </a:endParaRPr>
-          </a:p>
-        </p:txBody>
-      </p:sp>
-      <p:sp>
-        <p:nvSpPr>
-          <p:cNvPr id="41" name="Oval 40">
-            <a:extLst>
-              <a:ext uri="{FF2B5EF4-FFF2-40B4-BE49-F238E27FC236}">
-                <a16:creationId xmlns:a16="http://schemas.microsoft.com/office/drawing/2014/main" id="{A1777FED-90F0-4AA5-8BF2-E13431E30BEF}"/>
-              </a:ext>
-            </a:extLst>
-          </p:cNvPr>
-          <p:cNvSpPr/>
-          <p:nvPr/>
-        </p:nvSpPr>
-        <p:spPr>
-          <a:xfrm>
-            <a:off x="7769199" y="1870062"/>
-            <a:ext cx="3117876" cy="3117876"/>
-          </a:xfrm>
-          <a:prstGeom prst="ellipse">
-            <a:avLst/>
-          </a:prstGeom>
-          <a:solidFill>
-            <a:srgbClr val="DE283B"/>
-          </a:solidFill>
-          <a:ln>
-            <a:noFill/>
-          </a:ln>
-        </p:spPr>
-        <p:style>
-          <a:lnRef idx="2">
-            <a:schemeClr val="accent1">
-              <a:shade val="50000"/>
-            </a:schemeClr>
-          </a:lnRef>
-          <a:fillRef idx="1">
-            <a:schemeClr val="accent1"/>
-          </a:fillRef>
-          <a:effectRef idx="0">
-            <a:schemeClr val="accent1"/>
-          </a:effectRef>
-          <a:fontRef idx="minor">
-            <a:schemeClr val="lt1"/>
-          </a:fontRef>
-        </p:style>
-        <p:txBody>
-          <a:bodyPr rtlCol="0" anchor="ctr"/>
-          <a:lstStyle/>
-          <a:p>
-            <a:pPr algn="ctr"/>
-            <a:endParaRPr lang="en-US" dirty="0">
-              <a:latin typeface="+mj-lt"/>
-            </a:endParaRPr>
-          </a:p>
-        </p:txBody>
-      </p:sp>
-      <p:sp>
-        <p:nvSpPr>
-          <p:cNvPr id="43" name="Oval 42">
-            <a:extLst>
-              <a:ext uri="{FF2B5EF4-FFF2-40B4-BE49-F238E27FC236}">
-                <a16:creationId xmlns:a16="http://schemas.microsoft.com/office/drawing/2014/main" id="{16FB2ECF-1F32-4D64-9371-17C12225FCDA}"/>
-              </a:ext>
-            </a:extLst>
-          </p:cNvPr>
-          <p:cNvSpPr/>
-          <p:nvPr/>
-        </p:nvSpPr>
-        <p:spPr>
-          <a:xfrm>
-            <a:off x="8045424" y="2146287"/>
-            <a:ext cx="2565426" cy="2565426"/>
-          </a:xfrm>
-          <a:prstGeom prst="ellipse">
-            <a:avLst/>
-          </a:prstGeom>
-          <a:solidFill>
-            <a:srgbClr val="DE283B"/>
-          </a:solidFill>
-          <a:ln>
-            <a:noFill/>
-          </a:ln>
-        </p:spPr>
-        <p:style>
-          <a:lnRef idx="2">
-            <a:schemeClr val="accent1">
-              <a:shade val="50000"/>
-            </a:schemeClr>
-          </a:lnRef>
-          <a:fillRef idx="1">
-            <a:schemeClr val="accent1"/>
-          </a:fillRef>
-          <a:effectRef idx="0">
-            <a:schemeClr val="accent1"/>
-          </a:effectRef>
-          <a:fontRef idx="minor">
-            <a:schemeClr val="lt1"/>
-          </a:fontRef>
-        </p:style>
-        <p:txBody>
-          <a:bodyPr rtlCol="0" anchor="ctr"/>
-          <a:lstStyle/>
-          <a:p>
-            <a:pPr algn="ctr"/>
-            <a:endParaRPr lang="en-US" dirty="0">
-              <a:latin typeface="+mj-lt"/>
-            </a:endParaRPr>
-          </a:p>
-        </p:txBody>
-      </p:sp>
-      <p:sp>
-        <p:nvSpPr>
-          <p:cNvPr id="44" name="TextBox 43">
-            <a:extLst>
-              <a:ext uri="{FF2B5EF4-FFF2-40B4-BE49-F238E27FC236}">
-                <a16:creationId xmlns:a16="http://schemas.microsoft.com/office/drawing/2014/main" id="{9C946C47-4E7D-4AC9-A14B-6312C9EDD132}"/>
-              </a:ext>
-            </a:extLst>
-          </p:cNvPr>
-          <p:cNvSpPr txBox="1"/>
-          <p:nvPr/>
-        </p:nvSpPr>
-        <p:spPr>
-          <a:xfrm>
-            <a:off x="7990112" y="2064835"/>
-            <a:ext cx="2881063" cy="2646878"/>
-          </a:xfrm>
-          <a:prstGeom prst="rect">
-            <a:avLst/>
-          </a:prstGeom>
-          <a:noFill/>
-        </p:spPr>
-        <p:txBody>
-          <a:bodyPr wrap="square" rtlCol="0">
-            <a:spAutoFit/>
-          </a:bodyPr>
-          <a:lstStyle/>
-          <a:p>
-            <a:pPr algn="ctr"/>
-            <a:r>
-              <a:rPr lang="en-US" sz="16600" b="1" dirty="0">
-                <a:solidFill>
-                  <a:schemeClr val="bg1">
-                    <a:lumMod val="95000"/>
-                  </a:schemeClr>
-                </a:solidFill>
-                <a:latin typeface="+mj-lt"/>
-              </a:rPr>
-              <a:t>P</a:t>
-            </a:r>
-          </a:p>
-        </p:txBody>
-      </p:sp>
-      <p:sp>
-        <p:nvSpPr>
-          <p:cNvPr id="9" name="Oval 8">
-            <a:extLst>
-              <a:ext uri="{FF2B5EF4-FFF2-40B4-BE49-F238E27FC236}">
-                <a16:creationId xmlns:a16="http://schemas.microsoft.com/office/drawing/2014/main" id="{CEA77B90-BBEF-485C-A228-1C702F16A5B9}"/>
-              </a:ext>
-            </a:extLst>
-          </p:cNvPr>
-          <p:cNvSpPr/>
-          <p:nvPr/>
-        </p:nvSpPr>
-        <p:spPr>
-          <a:xfrm>
-            <a:off x="2289758" y="5368556"/>
-            <a:ext cx="158168" cy="158168"/>
-          </a:xfrm>
-          <a:prstGeom prst="ellipse">
-            <a:avLst/>
-          </a:prstGeom>
-          <a:solidFill>
-            <a:schemeClr val="bg2">
-              <a:lumMod val="25000"/>
-            </a:schemeClr>
-          </a:solidFill>
-          <a:ln>
-            <a:noFill/>
-          </a:ln>
-        </p:spPr>
-        <p:style>
-          <a:lnRef idx="2">
-            <a:schemeClr val="accent1">
-              <a:shade val="50000"/>
-            </a:schemeClr>
-          </a:lnRef>
-          <a:fillRef idx="1">
-            <a:schemeClr val="accent1"/>
-          </a:fillRef>
-          <a:effectRef idx="0">
-            <a:schemeClr val="accent1"/>
-          </a:effectRef>
-          <a:fontRef idx="minor">
-            <a:schemeClr val="lt1"/>
-          </a:fontRef>
-        </p:style>
-        <p:txBody>
-          <a:bodyPr rtlCol="0" anchor="ctr"/>
-          <a:lstStyle/>
-          <a:p>
-            <a:pPr algn="ctr"/>
-            <a:endParaRPr lang="en-US" dirty="0">
-              <a:latin typeface="+mj-lt"/>
-            </a:endParaRPr>
-          </a:p>
-        </p:txBody>
-      </p:sp>
-      <p:sp>
-        <p:nvSpPr>
-          <p:cNvPr id="12" name="Oval 11">
-            <a:extLst>
-              <a:ext uri="{FF2B5EF4-FFF2-40B4-BE49-F238E27FC236}">
-                <a16:creationId xmlns:a16="http://schemas.microsoft.com/office/drawing/2014/main" id="{B1E30F1E-5667-4A5C-9D64-5CD20476EF5A}"/>
-              </a:ext>
-            </a:extLst>
-          </p:cNvPr>
-          <p:cNvSpPr/>
-          <p:nvPr/>
-        </p:nvSpPr>
-        <p:spPr>
-          <a:xfrm>
-            <a:off x="4681892" y="673184"/>
-            <a:ext cx="158168" cy="158168"/>
-          </a:xfrm>
-          <a:prstGeom prst="ellipse">
-            <a:avLst/>
-          </a:prstGeom>
-          <a:solidFill>
-            <a:schemeClr val="bg2">
-              <a:lumMod val="25000"/>
-            </a:schemeClr>
-          </a:solidFill>
-          <a:ln>
-            <a:noFill/>
-          </a:ln>
-        </p:spPr>
-        <p:style>
-          <a:lnRef idx="2">
-            <a:schemeClr val="accent1">
-              <a:shade val="50000"/>
-            </a:schemeClr>
-          </a:lnRef>
-          <a:fillRef idx="1">
-            <a:schemeClr val="accent1"/>
-          </a:fillRef>
-          <a:effectRef idx="0">
-            <a:schemeClr val="accent1"/>
-          </a:effectRef>
-          <a:fontRef idx="minor">
-            <a:schemeClr val="lt1"/>
-          </a:fontRef>
-        </p:style>
-        <p:txBody>
-          <a:bodyPr rtlCol="0" anchor="ctr"/>
-          <a:lstStyle/>
-          <a:p>
-            <a:pPr algn="ctr"/>
-            <a:endParaRPr lang="en-US" dirty="0">
-              <a:latin typeface="+mj-lt"/>
-            </a:endParaRPr>
-          </a:p>
-        </p:txBody>
-      </p:sp>
-      <p:sp>
-        <p:nvSpPr>
-          <p:cNvPr id="15" name="Oval 14">
-            <a:extLst>
-              <a:ext uri="{FF2B5EF4-FFF2-40B4-BE49-F238E27FC236}">
-                <a16:creationId xmlns:a16="http://schemas.microsoft.com/office/drawing/2014/main" id="{295174B1-D41B-4C7E-B047-B10BB0ABE416}"/>
-              </a:ext>
-            </a:extLst>
-          </p:cNvPr>
-          <p:cNvSpPr/>
-          <p:nvPr/>
-        </p:nvSpPr>
-        <p:spPr>
-          <a:xfrm>
-            <a:off x="4472762" y="5395444"/>
-            <a:ext cx="262560" cy="262560"/>
-          </a:xfrm>
-          <a:prstGeom prst="ellipse">
-            <a:avLst/>
-          </a:prstGeom>
-          <a:solidFill>
-            <a:schemeClr val="bg1"/>
-          </a:solidFill>
-          <a:ln>
-            <a:noFill/>
-          </a:ln>
-        </p:spPr>
-        <p:style>
-          <a:lnRef idx="2">
-            <a:schemeClr val="accent1">
-              <a:shade val="50000"/>
-            </a:schemeClr>
-          </a:lnRef>
-          <a:fillRef idx="1">
-            <a:schemeClr val="accent1"/>
-          </a:fillRef>
-          <a:effectRef idx="0">
-            <a:schemeClr val="accent1"/>
-          </a:effectRef>
-          <a:fontRef idx="minor">
-            <a:schemeClr val="lt1"/>
-          </a:fontRef>
-        </p:style>
-        <p:txBody>
-          <a:bodyPr rtlCol="0" anchor="ctr"/>
-          <a:lstStyle/>
-          <a:p>
-            <a:pPr algn="ctr"/>
-            <a:endParaRPr lang="en-US" dirty="0">
-              <a:latin typeface="+mj-lt"/>
-            </a:endParaRPr>
-          </a:p>
-        </p:txBody>
-      </p:sp>
-      <p:sp>
-        <p:nvSpPr>
-          <p:cNvPr id="17" name="Oval 16">
-            <a:extLst>
-              <a:ext uri="{FF2B5EF4-FFF2-40B4-BE49-F238E27FC236}">
-                <a16:creationId xmlns:a16="http://schemas.microsoft.com/office/drawing/2014/main" id="{6915C9A4-846F-49F8-BF9D-01B538F54DCF}"/>
-              </a:ext>
-            </a:extLst>
-          </p:cNvPr>
-          <p:cNvSpPr/>
-          <p:nvPr/>
-        </p:nvSpPr>
-        <p:spPr>
-          <a:xfrm>
-            <a:off x="1274829" y="1147763"/>
-            <a:ext cx="262560" cy="262560"/>
-          </a:xfrm>
-          <a:prstGeom prst="ellipse">
-            <a:avLst/>
-          </a:prstGeom>
-          <a:solidFill>
-            <a:schemeClr val="bg1"/>
-          </a:solidFill>
-          <a:ln>
-            <a:noFill/>
-          </a:ln>
-        </p:spPr>
-        <p:style>
-          <a:lnRef idx="2">
-            <a:schemeClr val="accent1">
-              <a:shade val="50000"/>
-            </a:schemeClr>
-          </a:lnRef>
-          <a:fillRef idx="1">
-            <a:schemeClr val="accent1"/>
-          </a:fillRef>
-          <a:effectRef idx="0">
-            <a:schemeClr val="accent1"/>
-          </a:effectRef>
-          <a:fontRef idx="minor">
-            <a:schemeClr val="lt1"/>
-          </a:fontRef>
-        </p:style>
-        <p:txBody>
-          <a:bodyPr rtlCol="0" anchor="ctr"/>
-          <a:lstStyle/>
-          <a:p>
-            <a:pPr algn="ctr"/>
-            <a:endParaRPr lang="en-US" dirty="0">
-              <a:latin typeface="+mj-lt"/>
-            </a:endParaRPr>
-          </a:p>
-        </p:txBody>
-      </p:sp>
-      <p:sp>
-        <p:nvSpPr>
-          <p:cNvPr id="24" name="Freeform: Shape 23">
-            <a:extLst>
-              <a:ext uri="{FF2B5EF4-FFF2-40B4-BE49-F238E27FC236}">
-                <a16:creationId xmlns:a16="http://schemas.microsoft.com/office/drawing/2014/main" id="{FC404ED3-79D5-4532-890E-6E47B37406D9}"/>
-              </a:ext>
-            </a:extLst>
-          </p:cNvPr>
-          <p:cNvSpPr/>
-          <p:nvPr/>
-        </p:nvSpPr>
-        <p:spPr>
-          <a:xfrm rot="10800000">
-            <a:off x="-871" y="6204894"/>
-            <a:ext cx="131280" cy="262560"/>
-          </a:xfrm>
-          <a:custGeom>
-            <a:avLst/>
-            <a:gdLst>
-              <a:gd name="connsiteX0" fmla="*/ 131280 w 131280"/>
-              <a:gd name="connsiteY0" fmla="*/ 0 h 262560"/>
-              <a:gd name="connsiteX1" fmla="*/ 131280 w 131280"/>
-              <a:gd name="connsiteY1" fmla="*/ 262560 h 262560"/>
-              <a:gd name="connsiteX2" fmla="*/ 0 w 131280"/>
-              <a:gd name="connsiteY2" fmla="*/ 131280 h 262560"/>
-              <a:gd name="connsiteX3" fmla="*/ 131280 w 131280"/>
-              <a:gd name="connsiteY3" fmla="*/ 0 h 262560"/>
-            </a:gdLst>
-            <a:ahLst/>
-            <a:cxnLst>
-              <a:cxn ang="0">
-                <a:pos x="connsiteX0" y="connsiteY0"/>
-              </a:cxn>
-              <a:cxn ang="0">
-                <a:pos x="connsiteX1" y="connsiteY1"/>
-              </a:cxn>
-              <a:cxn ang="0">
-                <a:pos x="connsiteX2" y="connsiteY2"/>
-              </a:cxn>
-              <a:cxn ang="0">
-                <a:pos x="connsiteX3" y="connsiteY3"/>
-              </a:cxn>
-            </a:cxnLst>
-            <a:rect l="l" t="t" r="r" b="b"/>
-            <a:pathLst>
-              <a:path w="131280" h="262560">
-                <a:moveTo>
-                  <a:pt x="131280" y="0"/>
-                </a:moveTo>
-                <a:lnTo>
-                  <a:pt x="131280" y="262560"/>
-                </a:lnTo>
-                <a:cubicBezTo>
-                  <a:pt x="58776" y="262560"/>
-                  <a:pt x="0" y="203784"/>
-                  <a:pt x="0" y="131280"/>
-                </a:cubicBezTo>
-                <a:cubicBezTo>
-                  <a:pt x="0" y="58776"/>
-                  <a:pt x="58776" y="0"/>
-                  <a:pt x="131280" y="0"/>
-                </a:cubicBezTo>
-                <a:close/>
-              </a:path>
-            </a:pathLst>
-          </a:custGeom>
-          <a:solidFill>
-            <a:schemeClr val="bg1"/>
-          </a:solidFill>
-          <a:ln>
-            <a:noFill/>
-          </a:ln>
-        </p:spPr>
-        <p:style>
-          <a:lnRef idx="2">
-            <a:schemeClr val="accent1">
-              <a:shade val="50000"/>
-            </a:schemeClr>
-          </a:lnRef>
-          <a:fillRef idx="1">
-            <a:schemeClr val="accent1"/>
-          </a:fillRef>
-          <a:effectRef idx="0">
-            <a:schemeClr val="accent1"/>
-          </a:effectRef>
-          <a:fontRef idx="minor">
-            <a:schemeClr val="lt1"/>
-          </a:fontRef>
-        </p:style>
-        <p:txBody>
-          <a:bodyPr wrap="square" rtlCol="0" anchor="ctr">
-            <a:noAutofit/>
-          </a:bodyPr>
-          <a:lstStyle/>
-          <a:p>
-            <a:pPr algn="ctr"/>
-            <a:endParaRPr lang="en-US" dirty="0">
-              <a:latin typeface="+mj-lt"/>
-            </a:endParaRPr>
-          </a:p>
-        </p:txBody>
-      </p:sp>
-      <p:sp>
-        <p:nvSpPr>
-          <p:cNvPr id="25" name="Freeform: Shape 24">
-            <a:extLst>
-              <a:ext uri="{FF2B5EF4-FFF2-40B4-BE49-F238E27FC236}">
-                <a16:creationId xmlns:a16="http://schemas.microsoft.com/office/drawing/2014/main" id="{DB32BC37-87D6-483C-9658-108C3FBDFC68}"/>
-              </a:ext>
-            </a:extLst>
-          </p:cNvPr>
-          <p:cNvSpPr/>
-          <p:nvPr/>
-        </p:nvSpPr>
-        <p:spPr>
-          <a:xfrm rot="10800000">
-            <a:off x="-871" y="1863642"/>
-            <a:ext cx="131280" cy="262560"/>
-          </a:xfrm>
-          <a:custGeom>
-            <a:avLst/>
-            <a:gdLst>
-              <a:gd name="connsiteX0" fmla="*/ 131280 w 131280"/>
-              <a:gd name="connsiteY0" fmla="*/ 0 h 262560"/>
-              <a:gd name="connsiteX1" fmla="*/ 131280 w 131280"/>
-              <a:gd name="connsiteY1" fmla="*/ 262560 h 262560"/>
-              <a:gd name="connsiteX2" fmla="*/ 0 w 131280"/>
-              <a:gd name="connsiteY2" fmla="*/ 131280 h 262560"/>
-              <a:gd name="connsiteX3" fmla="*/ 131280 w 131280"/>
-              <a:gd name="connsiteY3" fmla="*/ 0 h 262560"/>
-            </a:gdLst>
-            <a:ahLst/>
-            <a:cxnLst>
-              <a:cxn ang="0">
-                <a:pos x="connsiteX0" y="connsiteY0"/>
-              </a:cxn>
-              <a:cxn ang="0">
-                <a:pos x="connsiteX1" y="connsiteY1"/>
-              </a:cxn>
-              <a:cxn ang="0">
-                <a:pos x="connsiteX2" y="connsiteY2"/>
-              </a:cxn>
-              <a:cxn ang="0">
-                <a:pos x="connsiteX3" y="connsiteY3"/>
-              </a:cxn>
-            </a:cxnLst>
-            <a:rect l="l" t="t" r="r" b="b"/>
-            <a:pathLst>
-              <a:path w="131280" h="262560">
-                <a:moveTo>
-                  <a:pt x="131280" y="0"/>
-                </a:moveTo>
-                <a:lnTo>
-                  <a:pt x="131280" y="262560"/>
-                </a:lnTo>
-                <a:cubicBezTo>
-                  <a:pt x="58776" y="262560"/>
-                  <a:pt x="0" y="203784"/>
-                  <a:pt x="0" y="131280"/>
-                </a:cubicBezTo>
-                <a:cubicBezTo>
-                  <a:pt x="0" y="58776"/>
-                  <a:pt x="58776" y="0"/>
-                  <a:pt x="131280" y="0"/>
-                </a:cubicBezTo>
-                <a:close/>
-              </a:path>
-            </a:pathLst>
-          </a:custGeom>
-          <a:solidFill>
-            <a:schemeClr val="bg2">
-              <a:lumMod val="25000"/>
-            </a:schemeClr>
-          </a:solidFill>
-          <a:ln>
-            <a:solidFill>
-              <a:schemeClr val="tx1"/>
-            </a:solidFill>
-          </a:ln>
-        </p:spPr>
-        <p:style>
-          <a:lnRef idx="2">
-            <a:schemeClr val="accent1">
-              <a:shade val="50000"/>
-            </a:schemeClr>
-          </a:lnRef>
-          <a:fillRef idx="1">
-            <a:schemeClr val="accent1"/>
-          </a:fillRef>
-          <a:effectRef idx="0">
-            <a:schemeClr val="accent1"/>
-          </a:effectRef>
-          <a:fontRef idx="minor">
-            <a:schemeClr val="lt1"/>
-          </a:fontRef>
-        </p:style>
-        <p:txBody>
-          <a:bodyPr wrap="square" rtlCol="0" anchor="ctr">
-            <a:noAutofit/>
-          </a:bodyPr>
-          <a:lstStyle/>
-          <a:p>
-            <a:pPr algn="ctr"/>
-            <a:endParaRPr lang="en-US" dirty="0">
-              <a:latin typeface="+mj-lt"/>
-            </a:endParaRPr>
-          </a:p>
-        </p:txBody>
-      </p:sp>
-      <p:sp>
-        <p:nvSpPr>
-          <p:cNvPr id="54" name="Oval 53">
-            <a:extLst>
-              <a:ext uri="{FF2B5EF4-FFF2-40B4-BE49-F238E27FC236}">
-                <a16:creationId xmlns:a16="http://schemas.microsoft.com/office/drawing/2014/main" id="{E394B79C-BEB7-4469-B989-664EF06AABC8}"/>
-              </a:ext>
-            </a:extLst>
-          </p:cNvPr>
-          <p:cNvSpPr/>
-          <p:nvPr/>
-        </p:nvSpPr>
-        <p:spPr>
-          <a:xfrm>
-            <a:off x="7009145" y="5846104"/>
-            <a:ext cx="158168" cy="158168"/>
-          </a:xfrm>
-          <a:prstGeom prst="ellipse">
-            <a:avLst/>
-          </a:prstGeom>
-          <a:solidFill>
-            <a:schemeClr val="bg2">
-              <a:lumMod val="25000"/>
-            </a:schemeClr>
-          </a:solidFill>
-          <a:ln>
-            <a:noFill/>
-          </a:ln>
-        </p:spPr>
-        <p:style>
-          <a:lnRef idx="2">
-            <a:schemeClr val="accent1">
-              <a:shade val="50000"/>
-            </a:schemeClr>
-          </a:lnRef>
-          <a:fillRef idx="1">
-            <a:schemeClr val="accent1"/>
-          </a:fillRef>
-          <a:effectRef idx="0">
-            <a:schemeClr val="accent1"/>
-          </a:effectRef>
-          <a:fontRef idx="minor">
-            <a:schemeClr val="lt1"/>
-          </a:fontRef>
-        </p:style>
-        <p:txBody>
-          <a:bodyPr rtlCol="0" anchor="ctr"/>
-          <a:lstStyle/>
-          <a:p>
-            <a:pPr algn="ctr"/>
-            <a:endParaRPr lang="en-US" dirty="0">
-              <a:latin typeface="+mj-lt"/>
-            </a:endParaRPr>
-          </a:p>
-        </p:txBody>
-      </p:sp>
-      <p:sp>
-        <p:nvSpPr>
-          <p:cNvPr id="55" name="Oval 54">
-            <a:extLst>
-              <a:ext uri="{FF2B5EF4-FFF2-40B4-BE49-F238E27FC236}">
-                <a16:creationId xmlns:a16="http://schemas.microsoft.com/office/drawing/2014/main" id="{FD62E422-4D82-412C-BD67-335770D6EA19}"/>
-              </a:ext>
-            </a:extLst>
-          </p:cNvPr>
-          <p:cNvSpPr/>
-          <p:nvPr/>
-        </p:nvSpPr>
-        <p:spPr>
-          <a:xfrm>
-            <a:off x="10949025" y="673184"/>
-            <a:ext cx="158168" cy="158168"/>
-          </a:xfrm>
-          <a:prstGeom prst="ellipse">
-            <a:avLst/>
-          </a:prstGeom>
-          <a:solidFill>
-            <a:schemeClr val="bg2">
-              <a:lumMod val="25000"/>
-            </a:schemeClr>
-          </a:solidFill>
-          <a:ln>
-            <a:noFill/>
-          </a:ln>
-        </p:spPr>
-        <p:style>
-          <a:lnRef idx="2">
-            <a:schemeClr val="accent1">
-              <a:shade val="50000"/>
-            </a:schemeClr>
-          </a:lnRef>
-          <a:fillRef idx="1">
-            <a:schemeClr val="accent1"/>
-          </a:fillRef>
-          <a:effectRef idx="0">
-            <a:schemeClr val="accent1"/>
-          </a:effectRef>
-          <a:fontRef idx="minor">
-            <a:schemeClr val="lt1"/>
-          </a:fontRef>
-        </p:style>
-        <p:txBody>
-          <a:bodyPr rtlCol="0" anchor="ctr"/>
-          <a:lstStyle/>
-          <a:p>
-            <a:pPr algn="ctr"/>
-            <a:endParaRPr lang="en-US" dirty="0">
-              <a:latin typeface="+mj-lt"/>
-            </a:endParaRPr>
-          </a:p>
-        </p:txBody>
-      </p:sp>
-      <p:sp>
-        <p:nvSpPr>
-          <p:cNvPr id="56" name="Oval 55">
-            <a:extLst>
-              <a:ext uri="{FF2B5EF4-FFF2-40B4-BE49-F238E27FC236}">
-                <a16:creationId xmlns:a16="http://schemas.microsoft.com/office/drawing/2014/main" id="{646B0F60-813D-4016-9416-2703AFCF15F3}"/>
-              </a:ext>
-            </a:extLst>
-          </p:cNvPr>
-          <p:cNvSpPr/>
-          <p:nvPr/>
-        </p:nvSpPr>
-        <p:spPr>
-          <a:xfrm>
-            <a:off x="10608615" y="5565617"/>
-            <a:ext cx="262560" cy="262560"/>
-          </a:xfrm>
-          <a:prstGeom prst="ellipse">
-            <a:avLst/>
-          </a:prstGeom>
-          <a:solidFill>
-            <a:schemeClr val="bg1"/>
-          </a:solidFill>
-          <a:ln>
-            <a:noFill/>
-          </a:ln>
-        </p:spPr>
-        <p:style>
-          <a:lnRef idx="2">
-            <a:schemeClr val="accent1">
-              <a:shade val="50000"/>
-            </a:schemeClr>
-          </a:lnRef>
-          <a:fillRef idx="1">
-            <a:schemeClr val="accent1"/>
-          </a:fillRef>
-          <a:effectRef idx="0">
-            <a:schemeClr val="accent1"/>
-          </a:effectRef>
-          <a:fontRef idx="minor">
-            <a:schemeClr val="lt1"/>
-          </a:fontRef>
-        </p:style>
-        <p:txBody>
-          <a:bodyPr rtlCol="0" anchor="ctr"/>
-          <a:lstStyle/>
-          <a:p>
-            <a:pPr algn="ctr"/>
-            <a:endParaRPr lang="en-US" dirty="0">
-              <a:latin typeface="+mj-lt"/>
-            </a:endParaRPr>
-          </a:p>
-        </p:txBody>
-      </p:sp>
-      <p:sp>
-        <p:nvSpPr>
-          <p:cNvPr id="57" name="Oval 56">
-            <a:extLst>
-              <a:ext uri="{FF2B5EF4-FFF2-40B4-BE49-F238E27FC236}">
-                <a16:creationId xmlns:a16="http://schemas.microsoft.com/office/drawing/2014/main" id="{4E8299B2-436D-47D8-A32B-9BFABC2441C9}"/>
-              </a:ext>
-            </a:extLst>
-          </p:cNvPr>
-          <p:cNvSpPr/>
-          <p:nvPr/>
-        </p:nvSpPr>
-        <p:spPr>
-          <a:xfrm>
-            <a:off x="7541962" y="1147763"/>
-            <a:ext cx="262560" cy="262560"/>
-          </a:xfrm>
-          <a:prstGeom prst="ellipse">
-            <a:avLst/>
-          </a:prstGeom>
-          <a:solidFill>
-            <a:schemeClr val="bg1"/>
-          </a:solidFill>
-          <a:ln>
-            <a:noFill/>
-          </a:ln>
-        </p:spPr>
-        <p:style>
-          <a:lnRef idx="2">
-            <a:schemeClr val="accent1">
-              <a:shade val="50000"/>
-            </a:schemeClr>
-          </a:lnRef>
-          <a:fillRef idx="1">
-            <a:schemeClr val="accent1"/>
-          </a:fillRef>
-          <a:effectRef idx="0">
-            <a:schemeClr val="accent1"/>
-          </a:effectRef>
-          <a:fontRef idx="minor">
-            <a:schemeClr val="lt1"/>
-          </a:fontRef>
-        </p:style>
-        <p:txBody>
-          <a:bodyPr rtlCol="0" anchor="ctr"/>
-          <a:lstStyle/>
-          <a:p>
-            <a:pPr algn="ctr"/>
-            <a:endParaRPr lang="en-US" dirty="0">
-              <a:latin typeface="+mj-lt"/>
-            </a:endParaRPr>
-          </a:p>
-        </p:txBody>
-      </p:sp>
-    </p:spTree>
-    <p:extLst>
-      <p:ext uri="{BB962C8B-B14F-4D97-AF65-F5344CB8AC3E}">
-        <p14:creationId xmlns:p14="http://schemas.microsoft.com/office/powerpoint/2010/main" val="2032739384"/>
-      </p:ext>
-    </p:extLst>
-  </p:cSld>
-  <p:clrMapOvr>
-    <a:masterClrMapping/>
-  </p:clrMapOvr>
-  <p:timing>
-    <p:tnLst>
-      <p:par>
-        <p:cTn id="1" dur="indefinite" restart="never" nodeType="tmRoot">
-          <p:childTnLst>
-            <p:seq concurrent="1" nextAc="seek">
-              <p:cTn id="2" dur="indefinite" nodeType="mainSeq">
-                <p:childTnLst>
-                  <p:par>
-                    <p:cTn id="3" fill="hold">
-                      <p:stCondLst>
-                        <p:cond delay="indefinite"/>
-                      </p:stCondLst>
-                      <p:childTnLst>
-                        <p:par>
-                          <p:cTn id="4" fill="hold">
-                            <p:stCondLst>
-                              <p:cond delay="0"/>
-                            </p:stCondLst>
-                            <p:childTnLst>
-                              <p:par>
-                                <p:cTn id="5" presetID="53" presetClass="entr" presetSubtype="16" fill="hold" grpId="0" nodeType="clickEffect">
-                                  <p:stCondLst>
-                                    <p:cond delay="0"/>
-                                  </p:stCondLst>
-                                  <p:childTnLst>
-                                    <p:set>
-                                      <p:cBhvr>
-                                        <p:cTn id="6" dur="1" fill="hold">
-                                          <p:stCondLst>
-                                            <p:cond delay="0"/>
-                                          </p:stCondLst>
-                                        </p:cTn>
-                                        <p:tgtEl>
-                                          <p:spTgt spid="7"/>
-                                        </p:tgtEl>
-                                        <p:attrNameLst>
-                                          <p:attrName>style.visibility</p:attrName>
-                                        </p:attrNameLst>
-                                      </p:cBhvr>
-                                      <p:to>
-                                        <p:strVal val="visible"/>
-                                      </p:to>
-                                    </p:set>
-                                    <p:anim calcmode="lin" valueType="num">
-                                      <p:cBhvr>
-                                        <p:cTn id="7" dur="500" fill="hold"/>
-                                        <p:tgtEl>
-                                          <p:spTgt spid="7"/>
-                                        </p:tgtEl>
-                                        <p:attrNameLst>
-                                          <p:attrName>ppt_w</p:attrName>
-                                        </p:attrNameLst>
-                                      </p:cBhvr>
-                                      <p:tavLst>
-                                        <p:tav tm="0">
-                                          <p:val>
-                                            <p:fltVal val="0"/>
-                                          </p:val>
-                                        </p:tav>
-                                        <p:tav tm="100000">
-                                          <p:val>
-                                            <p:strVal val="#ppt_w"/>
-                                          </p:val>
-                                        </p:tav>
-                                      </p:tavLst>
-                                    </p:anim>
-                                    <p:anim calcmode="lin" valueType="num">
-                                      <p:cBhvr>
-                                        <p:cTn id="8" dur="500" fill="hold"/>
-                                        <p:tgtEl>
-                                          <p:spTgt spid="7"/>
-                                        </p:tgtEl>
-                                        <p:attrNameLst>
-                                          <p:attrName>ppt_h</p:attrName>
-                                        </p:attrNameLst>
-                                      </p:cBhvr>
-                                      <p:tavLst>
-                                        <p:tav tm="0">
-                                          <p:val>
-                                            <p:fltVal val="0"/>
-                                          </p:val>
-                                        </p:tav>
-                                        <p:tav tm="100000">
-                                          <p:val>
-                                            <p:strVal val="#ppt_h"/>
-                                          </p:val>
-                                        </p:tav>
-                                      </p:tavLst>
-                                    </p:anim>
-                                    <p:animEffect transition="in" filter="fade">
-                                      <p:cBhvr>
-                                        <p:cTn id="9" dur="500"/>
-                                        <p:tgtEl>
-                                          <p:spTgt spid="7"/>
-                                        </p:tgtEl>
-                                      </p:cBhvr>
-                                    </p:animEffect>
-                                  </p:childTnLst>
-                                </p:cTn>
-                              </p:par>
-                              <p:par>
-                                <p:cTn id="10" presetID="53" presetClass="entr" presetSubtype="16" fill="hold" grpId="0" nodeType="withEffect">
-                                  <p:stCondLst>
-                                    <p:cond delay="250"/>
-                                  </p:stCondLst>
-                                  <p:childTnLst>
-                                    <p:set>
-                                      <p:cBhvr>
-                                        <p:cTn id="11" dur="1" fill="hold">
-                                          <p:stCondLst>
-                                            <p:cond delay="0"/>
-                                          </p:stCondLst>
-                                        </p:cTn>
-                                        <p:tgtEl>
-                                          <p:spTgt spid="41"/>
-                                        </p:tgtEl>
-                                        <p:attrNameLst>
-                                          <p:attrName>style.visibility</p:attrName>
-                                        </p:attrNameLst>
-                                      </p:cBhvr>
-                                      <p:to>
-                                        <p:strVal val="visible"/>
-                                      </p:to>
-                                    </p:set>
-                                    <p:anim calcmode="lin" valueType="num">
-                                      <p:cBhvr>
-                                        <p:cTn id="12" dur="500" fill="hold"/>
-                                        <p:tgtEl>
-                                          <p:spTgt spid="41"/>
-                                        </p:tgtEl>
-                                        <p:attrNameLst>
-                                          <p:attrName>ppt_w</p:attrName>
-                                        </p:attrNameLst>
-                                      </p:cBhvr>
-                                      <p:tavLst>
-                                        <p:tav tm="0">
-                                          <p:val>
-                                            <p:fltVal val="0"/>
-                                          </p:val>
-                                        </p:tav>
-                                        <p:tav tm="100000">
-                                          <p:val>
-                                            <p:strVal val="#ppt_w"/>
-                                          </p:val>
-                                        </p:tav>
-                                      </p:tavLst>
-                                    </p:anim>
-                                    <p:anim calcmode="lin" valueType="num">
-                                      <p:cBhvr>
-                                        <p:cTn id="13" dur="500" fill="hold"/>
-                                        <p:tgtEl>
-                                          <p:spTgt spid="41"/>
-                                        </p:tgtEl>
-                                        <p:attrNameLst>
-                                          <p:attrName>ppt_h</p:attrName>
-                                        </p:attrNameLst>
-                                      </p:cBhvr>
-                                      <p:tavLst>
-                                        <p:tav tm="0">
-                                          <p:val>
-                                            <p:fltVal val="0"/>
-                                          </p:val>
-                                        </p:tav>
-                                        <p:tav tm="100000">
-                                          <p:val>
-                                            <p:strVal val="#ppt_h"/>
-                                          </p:val>
-                                        </p:tav>
-                                      </p:tavLst>
-                                    </p:anim>
-                                    <p:animEffect transition="in" filter="fade">
-                                      <p:cBhvr>
-                                        <p:cTn id="14" dur="500"/>
-                                        <p:tgtEl>
-                                          <p:spTgt spid="41"/>
-                                        </p:tgtEl>
-                                      </p:cBhvr>
-                                    </p:animEffect>
-                                  </p:childTnLst>
-                                </p:cTn>
-                              </p:par>
-                              <p:par>
-                                <p:cTn id="15" presetID="53" presetClass="entr" presetSubtype="16" fill="hold" grpId="0" nodeType="withEffect">
-                                  <p:stCondLst>
-                                    <p:cond delay="500"/>
-                                  </p:stCondLst>
-                                  <p:childTnLst>
-                                    <p:set>
-                                      <p:cBhvr>
-                                        <p:cTn id="16" dur="1" fill="hold">
-                                          <p:stCondLst>
-                                            <p:cond delay="0"/>
-                                          </p:stCondLst>
-                                        </p:cTn>
-                                        <p:tgtEl>
-                                          <p:spTgt spid="43"/>
-                                        </p:tgtEl>
-                                        <p:attrNameLst>
-                                          <p:attrName>style.visibility</p:attrName>
-                                        </p:attrNameLst>
-                                      </p:cBhvr>
-                                      <p:to>
-                                        <p:strVal val="visible"/>
-                                      </p:to>
-                                    </p:set>
-                                    <p:anim calcmode="lin" valueType="num">
-                                      <p:cBhvr>
-                                        <p:cTn id="17" dur="500" fill="hold"/>
-                                        <p:tgtEl>
-                                          <p:spTgt spid="43"/>
-                                        </p:tgtEl>
-                                        <p:attrNameLst>
-                                          <p:attrName>ppt_w</p:attrName>
-                                        </p:attrNameLst>
-                                      </p:cBhvr>
-                                      <p:tavLst>
-                                        <p:tav tm="0">
-                                          <p:val>
-                                            <p:fltVal val="0"/>
-                                          </p:val>
-                                        </p:tav>
-                                        <p:tav tm="100000">
-                                          <p:val>
-                                            <p:strVal val="#ppt_w"/>
-                                          </p:val>
-                                        </p:tav>
-                                      </p:tavLst>
-                                    </p:anim>
-                                    <p:anim calcmode="lin" valueType="num">
-                                      <p:cBhvr>
-                                        <p:cTn id="18" dur="500" fill="hold"/>
-                                        <p:tgtEl>
-                                          <p:spTgt spid="43"/>
-                                        </p:tgtEl>
-                                        <p:attrNameLst>
-                                          <p:attrName>ppt_h</p:attrName>
-                                        </p:attrNameLst>
-                                      </p:cBhvr>
-                                      <p:tavLst>
-                                        <p:tav tm="0">
-                                          <p:val>
-                                            <p:fltVal val="0"/>
-                                          </p:val>
-                                        </p:tav>
-                                        <p:tav tm="100000">
-                                          <p:val>
-                                            <p:strVal val="#ppt_h"/>
-                                          </p:val>
-                                        </p:tav>
-                                      </p:tavLst>
-                                    </p:anim>
-                                    <p:animEffect transition="in" filter="fade">
-                                      <p:cBhvr>
-                                        <p:cTn id="19" dur="500"/>
-                                        <p:tgtEl>
-                                          <p:spTgt spid="43"/>
-                                        </p:tgtEl>
-                                      </p:cBhvr>
-                                    </p:animEffect>
-                                  </p:childTnLst>
-                                </p:cTn>
-                              </p:par>
-                            </p:childTnLst>
-                          </p:cTn>
-                        </p:par>
-                        <p:par>
-                          <p:cTn id="20" fill="hold">
-                            <p:stCondLst>
-                              <p:cond delay="1000"/>
-                            </p:stCondLst>
-                            <p:childTnLst>
-                              <p:par>
-                                <p:cTn id="21" presetID="10" presetClass="entr" presetSubtype="0" fill="hold" grpId="0" nodeType="afterEffect">
-                                  <p:stCondLst>
-                                    <p:cond delay="0"/>
-                                  </p:stCondLst>
-                                  <p:childTnLst>
-                                    <p:set>
-                                      <p:cBhvr>
-                                        <p:cTn id="22" dur="1" fill="hold">
-                                          <p:stCondLst>
-                                            <p:cond delay="0"/>
-                                          </p:stCondLst>
-                                        </p:cTn>
-                                        <p:tgtEl>
-                                          <p:spTgt spid="44"/>
-                                        </p:tgtEl>
-                                        <p:attrNameLst>
-                                          <p:attrName>style.visibility</p:attrName>
-                                        </p:attrNameLst>
-                                      </p:cBhvr>
-                                      <p:to>
-                                        <p:strVal val="visible"/>
-                                      </p:to>
-                                    </p:set>
-                                    <p:animEffect transition="in" filter="fade">
-                                      <p:cBhvr>
-                                        <p:cTn id="23" dur="250"/>
-                                        <p:tgtEl>
-                                          <p:spTgt spid="44"/>
-                                        </p:tgtEl>
-                                      </p:cBhvr>
-                                    </p:animEffect>
-                                  </p:childTnLst>
-                                </p:cTn>
-                              </p:par>
-                              <p:par>
-                                <p:cTn id="24" presetID="2" presetClass="entr" presetSubtype="8" fill="hold" grpId="0" nodeType="withEffect">
-                                  <p:stCondLst>
-                                    <p:cond delay="0"/>
-                                  </p:stCondLst>
-                                  <p:childTnLst>
-                                    <p:set>
-                                      <p:cBhvr>
-                                        <p:cTn id="25" dur="1" fill="hold">
-                                          <p:stCondLst>
-                                            <p:cond delay="0"/>
-                                          </p:stCondLst>
-                                        </p:cTn>
-                                        <p:tgtEl>
-                                          <p:spTgt spid="32"/>
-                                        </p:tgtEl>
-                                        <p:attrNameLst>
-                                          <p:attrName>style.visibility</p:attrName>
-                                        </p:attrNameLst>
-                                      </p:cBhvr>
-                                      <p:to>
-                                        <p:strVal val="visible"/>
-                                      </p:to>
-                                    </p:set>
-                                    <p:anim calcmode="lin" valueType="num">
-                                      <p:cBhvr additive="base">
-                                        <p:cTn id="26" dur="500" fill="hold"/>
-                                        <p:tgtEl>
-                                          <p:spTgt spid="32"/>
-                                        </p:tgtEl>
-                                        <p:attrNameLst>
-                                          <p:attrName>ppt_x</p:attrName>
-                                        </p:attrNameLst>
-                                      </p:cBhvr>
-                                      <p:tavLst>
-                                        <p:tav tm="0">
-                                          <p:val>
-                                            <p:strVal val="0-#ppt_w/2"/>
-                                          </p:val>
-                                        </p:tav>
-                                        <p:tav tm="100000">
-                                          <p:val>
-                                            <p:strVal val="#ppt_x"/>
-                                          </p:val>
-                                        </p:tav>
-                                      </p:tavLst>
-                                    </p:anim>
-                                    <p:anim calcmode="lin" valueType="num">
-                                      <p:cBhvr additive="base">
-                                        <p:cTn id="27" dur="500" fill="hold"/>
-                                        <p:tgtEl>
-                                          <p:spTgt spid="32"/>
-                                        </p:tgtEl>
-                                        <p:attrNameLst>
-                                          <p:attrName>ppt_y</p:attrName>
-                                        </p:attrNameLst>
-                                      </p:cBhvr>
-                                      <p:tavLst>
-                                        <p:tav tm="0">
-                                          <p:val>
-                                            <p:strVal val="#ppt_y"/>
-                                          </p:val>
-                                        </p:tav>
-                                        <p:tav tm="100000">
-                                          <p:val>
-                                            <p:strVal val="#ppt_y"/>
-                                          </p:val>
-                                        </p:tav>
-                                      </p:tavLst>
-                                    </p:anim>
-                                  </p:childTnLst>
-                                </p:cTn>
-                              </p:par>
-                            </p:childTnLst>
-                          </p:cTn>
-                        </p:par>
-                      </p:childTnLst>
-                    </p:cTn>
-                  </p:par>
-                </p:childTnLst>
-              </p:cTn>
-              <p:prevCondLst>
-                <p:cond evt="onPrev" delay="0">
-                  <p:tgtEl>
-                    <p:sldTgt/>
-                  </p:tgtEl>
-                </p:cond>
-              </p:prevCondLst>
-              <p:nextCondLst>
-                <p:cond evt="onNext" delay="0">
-                  <p:tgtEl>
-                    <p:sldTgt/>
-                  </p:tgtEl>
-                </p:cond>
-              </p:nextCondLst>
-            </p:seq>
-          </p:childTnLst>
-        </p:cTn>
-      </p:par>
-    </p:tnLst>
-    <p:bldLst>
-      <p:bldP spid="32" grpId="0"/>
-      <p:bldP spid="7" grpId="0" animBg="1"/>
-      <p:bldP spid="41" grpId="0" animBg="1"/>
-      <p:bldP spid="43" grpId="0" animBg="1"/>
-      <p:bldP spid="44" grpId="0"/>
-    </p:bldLst>
-  </p:timing>
-</p:sld>
-</file>
-
-<file path=ppt/slides/slide14.xml><?xml version="1.0" encoding="utf-8"?>
+<file path=ppt/slides/slide12.xml><?xml version="1.0" encoding="utf-8"?>
 <p:sld xmlns:a="http://schemas.openxmlformats.org/drawingml/2006/main" xmlns:r="http://schemas.openxmlformats.org/officeDocument/2006/relationships" xmlns:p="http://schemas.openxmlformats.org/presentationml/2006/main">
   <p:cSld>
     <p:bg>
@@ -15993,2307 +12882,6 @@
 <file path=ppt/slides/slide3.xml><?xml version="1.0" encoding="utf-8"?>
 <p:sld xmlns:a="http://schemas.openxmlformats.org/drawingml/2006/main" xmlns:r="http://schemas.openxmlformats.org/officeDocument/2006/relationships" xmlns:p="http://schemas.openxmlformats.org/presentationml/2006/main">
   <p:cSld>
-    <p:spTree>
-      <p:nvGrpSpPr>
-        <p:cNvPr id="1" name=""/>
-        <p:cNvGrpSpPr/>
-        <p:nvPr/>
-      </p:nvGrpSpPr>
-      <p:grpSpPr>
-        <a:xfrm>
-          <a:off x="0" y="0"/>
-          <a:ext cx="0" cy="0"/>
-          <a:chOff x="0" y="0"/>
-          <a:chExt cx="0" cy="0"/>
-        </a:xfrm>
-      </p:grpSpPr>
-      <p:sp>
-        <p:nvSpPr>
-          <p:cNvPr id="8" name="Rectangle 7">
-            <a:extLst>
-              <a:ext uri="{FF2B5EF4-FFF2-40B4-BE49-F238E27FC236}">
-                <a16:creationId xmlns:a16="http://schemas.microsoft.com/office/drawing/2014/main" id="{3BD09256-2360-4931-A15C-894E2F25F29D}"/>
-              </a:ext>
-            </a:extLst>
-          </p:cNvPr>
-          <p:cNvSpPr/>
-          <p:nvPr/>
-        </p:nvSpPr>
-        <p:spPr>
-          <a:xfrm>
-            <a:off x="-16607" y="-11040"/>
-            <a:ext cx="6117021" cy="6880080"/>
-          </a:xfrm>
-          <a:prstGeom prst="rect">
-            <a:avLst/>
-          </a:prstGeom>
-          <a:solidFill>
-            <a:srgbClr val="C00000"/>
-          </a:solidFill>
-          <a:ln>
-            <a:noFill/>
-          </a:ln>
-        </p:spPr>
-        <p:style>
-          <a:lnRef idx="2">
-            <a:schemeClr val="accent1">
-              <a:shade val="50000"/>
-            </a:schemeClr>
-          </a:lnRef>
-          <a:fillRef idx="1">
-            <a:schemeClr val="accent1"/>
-          </a:fillRef>
-          <a:effectRef idx="0">
-            <a:schemeClr val="accent1"/>
-          </a:effectRef>
-          <a:fontRef idx="minor">
-            <a:schemeClr val="lt1"/>
-          </a:fontRef>
-        </p:style>
-        <p:txBody>
-          <a:bodyPr rtlCol="0" anchor="ctr"/>
-          <a:lstStyle/>
-          <a:p>
-            <a:pPr algn="ctr"/>
-            <a:endParaRPr lang="en-US" dirty="0">
-              <a:solidFill>
-                <a:srgbClr val="DE283B"/>
-              </a:solidFill>
-              <a:latin typeface="Montserrat" panose="00000500000000000000" pitchFamily="2" charset="0"/>
-            </a:endParaRPr>
-          </a:p>
-        </p:txBody>
-      </p:sp>
-      <p:grpSp>
-        <p:nvGrpSpPr>
-          <p:cNvPr id="13" name="Group 12">
-            <a:extLst>
-              <a:ext uri="{FF2B5EF4-FFF2-40B4-BE49-F238E27FC236}">
-                <a16:creationId xmlns:a16="http://schemas.microsoft.com/office/drawing/2014/main" id="{AF3947CD-295C-4AA1-BA45-8F4293806D2F}"/>
-              </a:ext>
-            </a:extLst>
-          </p:cNvPr>
-          <p:cNvGrpSpPr/>
-          <p:nvPr/>
-        </p:nvGrpSpPr>
-        <p:grpSpPr>
-          <a:xfrm>
-            <a:off x="1511300" y="858192"/>
-            <a:ext cx="3092742" cy="466734"/>
-            <a:chOff x="1511300" y="858192"/>
-            <a:chExt cx="3092742" cy="466734"/>
-          </a:xfrm>
-        </p:grpSpPr>
-        <p:sp>
-          <p:nvSpPr>
-            <p:cNvPr id="5" name="Rectangle: Rounded Corners 4">
-              <a:extLst>
-                <a:ext uri="{FF2B5EF4-FFF2-40B4-BE49-F238E27FC236}">
-                  <a16:creationId xmlns:a16="http://schemas.microsoft.com/office/drawing/2014/main" id="{C4C6562D-805D-4DCF-9F0A-CE0275A17EDE}"/>
-                </a:ext>
-              </a:extLst>
-            </p:cNvPr>
-            <p:cNvSpPr/>
-            <p:nvPr/>
-          </p:nvSpPr>
-          <p:spPr>
-            <a:xfrm>
-              <a:off x="1511300" y="858192"/>
-              <a:ext cx="3092742" cy="466734"/>
-            </a:xfrm>
-            <a:prstGeom prst="roundRect">
-              <a:avLst>
-                <a:gd name="adj" fmla="val 50000"/>
-              </a:avLst>
-            </a:prstGeom>
-            <a:solidFill>
-              <a:schemeClr val="tx1">
-                <a:lumMod val="75000"/>
-                <a:lumOff val="25000"/>
-              </a:schemeClr>
-            </a:solidFill>
-            <a:ln>
-              <a:solidFill>
-                <a:schemeClr val="bg1"/>
-              </a:solidFill>
-            </a:ln>
-          </p:spPr>
-          <p:style>
-            <a:lnRef idx="2">
-              <a:schemeClr val="accent1">
-                <a:shade val="50000"/>
-              </a:schemeClr>
-            </a:lnRef>
-            <a:fillRef idx="1">
-              <a:schemeClr val="accent1"/>
-            </a:fillRef>
-            <a:effectRef idx="0">
-              <a:schemeClr val="accent1"/>
-            </a:effectRef>
-            <a:fontRef idx="minor">
-              <a:schemeClr val="lt1"/>
-            </a:fontRef>
-          </p:style>
-          <p:txBody>
-            <a:bodyPr rtlCol="0" anchor="ctr"/>
-            <a:lstStyle/>
-            <a:p>
-              <a:pPr algn="ctr"/>
-              <a:endParaRPr lang="en-US" dirty="0">
-                <a:ln>
-                  <a:solidFill>
-                    <a:schemeClr val="bg1"/>
-                  </a:solidFill>
-                </a:ln>
-                <a:latin typeface="Montserrat" panose="00000500000000000000" pitchFamily="2" charset="0"/>
-              </a:endParaRPr>
-            </a:p>
-          </p:txBody>
-        </p:sp>
-        <p:sp>
-          <p:nvSpPr>
-            <p:cNvPr id="10" name="TextBox 9">
-              <a:extLst>
-                <a:ext uri="{FF2B5EF4-FFF2-40B4-BE49-F238E27FC236}">
-                  <a16:creationId xmlns:a16="http://schemas.microsoft.com/office/drawing/2014/main" id="{0AAE02A2-E436-4D00-8F9D-4231677F6A5F}"/>
-                </a:ext>
-              </a:extLst>
-            </p:cNvPr>
-            <p:cNvSpPr txBox="1"/>
-            <p:nvPr/>
-          </p:nvSpPr>
-          <p:spPr>
-            <a:xfrm>
-              <a:off x="1652383" y="904935"/>
-              <a:ext cx="2781865" cy="369332"/>
-            </a:xfrm>
-            <a:prstGeom prst="rect">
-              <a:avLst/>
-            </a:prstGeom>
-            <a:solidFill>
-              <a:schemeClr val="tx1">
-                <a:lumMod val="75000"/>
-                <a:lumOff val="25000"/>
-              </a:schemeClr>
-            </a:solidFill>
-            <a:ln>
-              <a:noFill/>
-            </a:ln>
-          </p:spPr>
-          <p:txBody>
-            <a:bodyPr wrap="square" rtlCol="0">
-              <a:spAutoFit/>
-            </a:bodyPr>
-            <a:lstStyle/>
-            <a:p>
-              <a:pPr algn="ctr"/>
-              <a:r>
-                <a:rPr lang="en-US" dirty="0">
-                  <a:ln>
-                    <a:solidFill>
-                      <a:schemeClr val="bg1"/>
-                    </a:solidFill>
-                  </a:ln>
-                  <a:solidFill>
-                    <a:schemeClr val="bg1"/>
-                  </a:solidFill>
-                  <a:latin typeface="Montserrat ExtraBold" panose="00000900000000000000" pitchFamily="2" charset="0"/>
-                </a:rPr>
-                <a:t>Student Mobile App</a:t>
-              </a:r>
-            </a:p>
-          </p:txBody>
-        </p:sp>
-      </p:grpSp>
-      <p:sp>
-        <p:nvSpPr>
-          <p:cNvPr id="6" name="Oval 5">
-            <a:extLst>
-              <a:ext uri="{FF2B5EF4-FFF2-40B4-BE49-F238E27FC236}">
-                <a16:creationId xmlns:a16="http://schemas.microsoft.com/office/drawing/2014/main" id="{4DAE9F14-010C-43E3-9F96-2358A71F899A}"/>
-              </a:ext>
-            </a:extLst>
-          </p:cNvPr>
-          <p:cNvSpPr/>
-          <p:nvPr/>
-        </p:nvSpPr>
-        <p:spPr>
-          <a:xfrm>
-            <a:off x="656120" y="305385"/>
-            <a:ext cx="262560" cy="262560"/>
-          </a:xfrm>
-          <a:prstGeom prst="ellipse">
-            <a:avLst/>
-          </a:prstGeom>
-          <a:solidFill>
-            <a:schemeClr val="bg1"/>
-          </a:solidFill>
-          <a:ln>
-            <a:noFill/>
-          </a:ln>
-        </p:spPr>
-        <p:style>
-          <a:lnRef idx="2">
-            <a:schemeClr val="accent1">
-              <a:shade val="50000"/>
-            </a:schemeClr>
-          </a:lnRef>
-          <a:fillRef idx="1">
-            <a:schemeClr val="accent1"/>
-          </a:fillRef>
-          <a:effectRef idx="0">
-            <a:schemeClr val="accent1"/>
-          </a:effectRef>
-          <a:fontRef idx="minor">
-            <a:schemeClr val="lt1"/>
-          </a:fontRef>
-        </p:style>
-        <p:txBody>
-          <a:bodyPr rtlCol="0" anchor="ctr"/>
-          <a:lstStyle/>
-          <a:p>
-            <a:pPr algn="ctr"/>
-            <a:endParaRPr lang="en-US" dirty="0">
-              <a:latin typeface="Montserrat" panose="00000500000000000000" pitchFamily="2" charset="0"/>
-            </a:endParaRPr>
-          </a:p>
-        </p:txBody>
-      </p:sp>
-      <p:sp>
-        <p:nvSpPr>
-          <p:cNvPr id="30" name="Freeform: Shape 29">
-            <a:extLst>
-              <a:ext uri="{FF2B5EF4-FFF2-40B4-BE49-F238E27FC236}">
-                <a16:creationId xmlns:a16="http://schemas.microsoft.com/office/drawing/2014/main" id="{9F8A01AB-3E47-44B0-A7E9-B14464891F80}"/>
-              </a:ext>
-            </a:extLst>
-          </p:cNvPr>
-          <p:cNvSpPr/>
-          <p:nvPr/>
-        </p:nvSpPr>
-        <p:spPr>
-          <a:xfrm rot="10800000">
-            <a:off x="-1" y="6204894"/>
-            <a:ext cx="131280" cy="262560"/>
-          </a:xfrm>
-          <a:custGeom>
-            <a:avLst/>
-            <a:gdLst>
-              <a:gd name="connsiteX0" fmla="*/ 131280 w 131280"/>
-              <a:gd name="connsiteY0" fmla="*/ 0 h 262560"/>
-              <a:gd name="connsiteX1" fmla="*/ 131280 w 131280"/>
-              <a:gd name="connsiteY1" fmla="*/ 262560 h 262560"/>
-              <a:gd name="connsiteX2" fmla="*/ 0 w 131280"/>
-              <a:gd name="connsiteY2" fmla="*/ 131280 h 262560"/>
-              <a:gd name="connsiteX3" fmla="*/ 131280 w 131280"/>
-              <a:gd name="connsiteY3" fmla="*/ 0 h 262560"/>
-            </a:gdLst>
-            <a:ahLst/>
-            <a:cxnLst>
-              <a:cxn ang="0">
-                <a:pos x="connsiteX0" y="connsiteY0"/>
-              </a:cxn>
-              <a:cxn ang="0">
-                <a:pos x="connsiteX1" y="connsiteY1"/>
-              </a:cxn>
-              <a:cxn ang="0">
-                <a:pos x="connsiteX2" y="connsiteY2"/>
-              </a:cxn>
-              <a:cxn ang="0">
-                <a:pos x="connsiteX3" y="connsiteY3"/>
-              </a:cxn>
-            </a:cxnLst>
-            <a:rect l="l" t="t" r="r" b="b"/>
-            <a:pathLst>
-              <a:path w="131280" h="262560">
-                <a:moveTo>
-                  <a:pt x="131280" y="0"/>
-                </a:moveTo>
-                <a:lnTo>
-                  <a:pt x="131280" y="262560"/>
-                </a:lnTo>
-                <a:cubicBezTo>
-                  <a:pt x="58776" y="262560"/>
-                  <a:pt x="0" y="203784"/>
-                  <a:pt x="0" y="131280"/>
-                </a:cubicBezTo>
-                <a:cubicBezTo>
-                  <a:pt x="0" y="58776"/>
-                  <a:pt x="58776" y="0"/>
-                  <a:pt x="131280" y="0"/>
-                </a:cubicBezTo>
-                <a:close/>
-              </a:path>
-            </a:pathLst>
-          </a:custGeom>
-          <a:solidFill>
-            <a:schemeClr val="bg1"/>
-          </a:solidFill>
-          <a:ln>
-            <a:noFill/>
-          </a:ln>
-        </p:spPr>
-        <p:style>
-          <a:lnRef idx="2">
-            <a:schemeClr val="accent1">
-              <a:shade val="50000"/>
-            </a:schemeClr>
-          </a:lnRef>
-          <a:fillRef idx="1">
-            <a:schemeClr val="accent1"/>
-          </a:fillRef>
-          <a:effectRef idx="0">
-            <a:schemeClr val="accent1"/>
-          </a:effectRef>
-          <a:fontRef idx="minor">
-            <a:schemeClr val="lt1"/>
-          </a:fontRef>
-        </p:style>
-        <p:txBody>
-          <a:bodyPr wrap="square" rtlCol="0" anchor="ctr">
-            <a:noAutofit/>
-          </a:bodyPr>
-          <a:lstStyle/>
-          <a:p>
-            <a:pPr algn="ctr"/>
-            <a:endParaRPr lang="en-US" dirty="0">
-              <a:latin typeface="Montserrat" panose="00000500000000000000" pitchFamily="2" charset="0"/>
-            </a:endParaRPr>
-          </a:p>
-        </p:txBody>
-      </p:sp>
-      <p:sp>
-        <p:nvSpPr>
-          <p:cNvPr id="31" name="Freeform: Shape 30">
-            <a:extLst>
-              <a:ext uri="{FF2B5EF4-FFF2-40B4-BE49-F238E27FC236}">
-                <a16:creationId xmlns:a16="http://schemas.microsoft.com/office/drawing/2014/main" id="{D8C860C2-CCE7-4AB6-9756-A9594B9869E4}"/>
-              </a:ext>
-            </a:extLst>
-          </p:cNvPr>
-          <p:cNvSpPr/>
-          <p:nvPr/>
-        </p:nvSpPr>
-        <p:spPr>
-          <a:xfrm rot="10800000">
-            <a:off x="-1" y="1863642"/>
-            <a:ext cx="131280" cy="262560"/>
-          </a:xfrm>
-          <a:custGeom>
-            <a:avLst/>
-            <a:gdLst>
-              <a:gd name="connsiteX0" fmla="*/ 131280 w 131280"/>
-              <a:gd name="connsiteY0" fmla="*/ 0 h 262560"/>
-              <a:gd name="connsiteX1" fmla="*/ 131280 w 131280"/>
-              <a:gd name="connsiteY1" fmla="*/ 262560 h 262560"/>
-              <a:gd name="connsiteX2" fmla="*/ 0 w 131280"/>
-              <a:gd name="connsiteY2" fmla="*/ 131280 h 262560"/>
-              <a:gd name="connsiteX3" fmla="*/ 131280 w 131280"/>
-              <a:gd name="connsiteY3" fmla="*/ 0 h 262560"/>
-            </a:gdLst>
-            <a:ahLst/>
-            <a:cxnLst>
-              <a:cxn ang="0">
-                <a:pos x="connsiteX0" y="connsiteY0"/>
-              </a:cxn>
-              <a:cxn ang="0">
-                <a:pos x="connsiteX1" y="connsiteY1"/>
-              </a:cxn>
-              <a:cxn ang="0">
-                <a:pos x="connsiteX2" y="connsiteY2"/>
-              </a:cxn>
-              <a:cxn ang="0">
-                <a:pos x="connsiteX3" y="connsiteY3"/>
-              </a:cxn>
-            </a:cxnLst>
-            <a:rect l="l" t="t" r="r" b="b"/>
-            <a:pathLst>
-              <a:path w="131280" h="262560">
-                <a:moveTo>
-                  <a:pt x="131280" y="0"/>
-                </a:moveTo>
-                <a:lnTo>
-                  <a:pt x="131280" y="262560"/>
-                </a:lnTo>
-                <a:cubicBezTo>
-                  <a:pt x="58776" y="262560"/>
-                  <a:pt x="0" y="203784"/>
-                  <a:pt x="0" y="131280"/>
-                </a:cubicBezTo>
-                <a:cubicBezTo>
-                  <a:pt x="0" y="58776"/>
-                  <a:pt x="58776" y="0"/>
-                  <a:pt x="131280" y="0"/>
-                </a:cubicBezTo>
-                <a:close/>
-              </a:path>
-            </a:pathLst>
-          </a:custGeom>
-          <a:solidFill>
-            <a:schemeClr val="bg2">
-              <a:lumMod val="25000"/>
-            </a:schemeClr>
-          </a:solidFill>
-          <a:ln>
-            <a:noFill/>
-          </a:ln>
-        </p:spPr>
-        <p:style>
-          <a:lnRef idx="2">
-            <a:schemeClr val="accent1">
-              <a:shade val="50000"/>
-            </a:schemeClr>
-          </a:lnRef>
-          <a:fillRef idx="1">
-            <a:schemeClr val="accent1"/>
-          </a:fillRef>
-          <a:effectRef idx="0">
-            <a:schemeClr val="accent1"/>
-          </a:effectRef>
-          <a:fontRef idx="minor">
-            <a:schemeClr val="lt1"/>
-          </a:fontRef>
-        </p:style>
-        <p:txBody>
-          <a:bodyPr wrap="square" rtlCol="0" anchor="ctr">
-            <a:noAutofit/>
-          </a:bodyPr>
-          <a:lstStyle/>
-          <a:p>
-            <a:pPr algn="ctr"/>
-            <a:endParaRPr lang="en-US" dirty="0">
-              <a:latin typeface="Montserrat" panose="00000500000000000000" pitchFamily="2" charset="0"/>
-            </a:endParaRPr>
-          </a:p>
-        </p:txBody>
-      </p:sp>
-      <p:sp>
-        <p:nvSpPr>
-          <p:cNvPr id="32" name="Oval 31">
-            <a:extLst>
-              <a:ext uri="{FF2B5EF4-FFF2-40B4-BE49-F238E27FC236}">
-                <a16:creationId xmlns:a16="http://schemas.microsoft.com/office/drawing/2014/main" id="{2006332C-7924-45F6-8F1B-0029924742E8}"/>
-              </a:ext>
-            </a:extLst>
-          </p:cNvPr>
-          <p:cNvSpPr/>
-          <p:nvPr/>
-        </p:nvSpPr>
-        <p:spPr>
-          <a:xfrm>
-            <a:off x="4719992" y="635084"/>
-            <a:ext cx="158168" cy="158168"/>
-          </a:xfrm>
-          <a:prstGeom prst="ellipse">
-            <a:avLst/>
-          </a:prstGeom>
-          <a:solidFill>
-            <a:schemeClr val="bg2">
-              <a:lumMod val="25000"/>
-            </a:schemeClr>
-          </a:solidFill>
-          <a:ln>
-            <a:noFill/>
-          </a:ln>
-        </p:spPr>
-        <p:style>
-          <a:lnRef idx="2">
-            <a:schemeClr val="accent1">
-              <a:shade val="50000"/>
-            </a:schemeClr>
-          </a:lnRef>
-          <a:fillRef idx="1">
-            <a:schemeClr val="accent1"/>
-          </a:fillRef>
-          <a:effectRef idx="0">
-            <a:schemeClr val="accent1"/>
-          </a:effectRef>
-          <a:fontRef idx="minor">
-            <a:schemeClr val="lt1"/>
-          </a:fontRef>
-        </p:style>
-        <p:txBody>
-          <a:bodyPr rtlCol="0" anchor="ctr"/>
-          <a:lstStyle/>
-          <a:p>
-            <a:pPr algn="ctr"/>
-            <a:endParaRPr lang="en-US" dirty="0">
-              <a:latin typeface="Montserrat" panose="00000500000000000000" pitchFamily="2" charset="0"/>
-            </a:endParaRPr>
-          </a:p>
-        </p:txBody>
-      </p:sp>
-      <p:sp>
-        <p:nvSpPr>
-          <p:cNvPr id="35" name="Freeform: Shape 34">
-            <a:extLst>
-              <a:ext uri="{FF2B5EF4-FFF2-40B4-BE49-F238E27FC236}">
-                <a16:creationId xmlns:a16="http://schemas.microsoft.com/office/drawing/2014/main" id="{EC3C6562-A7BF-45C4-8F1B-47634E9E4BD2}"/>
-              </a:ext>
-            </a:extLst>
-          </p:cNvPr>
-          <p:cNvSpPr/>
-          <p:nvPr/>
-        </p:nvSpPr>
-        <p:spPr>
-          <a:xfrm>
-            <a:off x="5960309" y="174105"/>
-            <a:ext cx="131280" cy="262560"/>
-          </a:xfrm>
-          <a:custGeom>
-            <a:avLst/>
-            <a:gdLst>
-              <a:gd name="connsiteX0" fmla="*/ 131280 w 131280"/>
-              <a:gd name="connsiteY0" fmla="*/ 0 h 262560"/>
-              <a:gd name="connsiteX1" fmla="*/ 131280 w 131280"/>
-              <a:gd name="connsiteY1" fmla="*/ 262560 h 262560"/>
-              <a:gd name="connsiteX2" fmla="*/ 0 w 131280"/>
-              <a:gd name="connsiteY2" fmla="*/ 131280 h 262560"/>
-              <a:gd name="connsiteX3" fmla="*/ 131280 w 131280"/>
-              <a:gd name="connsiteY3" fmla="*/ 0 h 262560"/>
-            </a:gdLst>
-            <a:ahLst/>
-            <a:cxnLst>
-              <a:cxn ang="0">
-                <a:pos x="connsiteX0" y="connsiteY0"/>
-              </a:cxn>
-              <a:cxn ang="0">
-                <a:pos x="connsiteX1" y="connsiteY1"/>
-              </a:cxn>
-              <a:cxn ang="0">
-                <a:pos x="connsiteX2" y="connsiteY2"/>
-              </a:cxn>
-              <a:cxn ang="0">
-                <a:pos x="connsiteX3" y="connsiteY3"/>
-              </a:cxn>
-            </a:cxnLst>
-            <a:rect l="l" t="t" r="r" b="b"/>
-            <a:pathLst>
-              <a:path w="131280" h="262560">
-                <a:moveTo>
-                  <a:pt x="131280" y="0"/>
-                </a:moveTo>
-                <a:lnTo>
-                  <a:pt x="131280" y="262560"/>
-                </a:lnTo>
-                <a:cubicBezTo>
-                  <a:pt x="58776" y="262560"/>
-                  <a:pt x="0" y="203784"/>
-                  <a:pt x="0" y="131280"/>
-                </a:cubicBezTo>
-                <a:cubicBezTo>
-                  <a:pt x="0" y="58776"/>
-                  <a:pt x="58776" y="0"/>
-                  <a:pt x="131280" y="0"/>
-                </a:cubicBezTo>
-                <a:close/>
-              </a:path>
-            </a:pathLst>
-          </a:custGeom>
-          <a:solidFill>
-            <a:schemeClr val="bg2">
-              <a:lumMod val="25000"/>
-            </a:schemeClr>
-          </a:solidFill>
-          <a:ln>
-            <a:noFill/>
-          </a:ln>
-        </p:spPr>
-        <p:style>
-          <a:lnRef idx="2">
-            <a:schemeClr val="accent1">
-              <a:shade val="50000"/>
-            </a:schemeClr>
-          </a:lnRef>
-          <a:fillRef idx="1">
-            <a:schemeClr val="accent1"/>
-          </a:fillRef>
-          <a:effectRef idx="0">
-            <a:schemeClr val="accent1"/>
-          </a:effectRef>
-          <a:fontRef idx="minor">
-            <a:schemeClr val="lt1"/>
-          </a:fontRef>
-        </p:style>
-        <p:txBody>
-          <a:bodyPr wrap="square" rtlCol="0" anchor="ctr">
-            <a:noAutofit/>
-          </a:bodyPr>
-          <a:lstStyle/>
-          <a:p>
-            <a:pPr algn="ctr"/>
-            <a:endParaRPr lang="en-US" dirty="0">
-              <a:latin typeface="Montserrat" panose="00000500000000000000" pitchFamily="2" charset="0"/>
-            </a:endParaRPr>
-          </a:p>
-        </p:txBody>
-      </p:sp>
-      <p:sp>
-        <p:nvSpPr>
-          <p:cNvPr id="37" name="Freeform: Shape 36">
-            <a:extLst>
-              <a:ext uri="{FF2B5EF4-FFF2-40B4-BE49-F238E27FC236}">
-                <a16:creationId xmlns:a16="http://schemas.microsoft.com/office/drawing/2014/main" id="{60A61356-271A-4F3F-BF03-642010FE8FD2}"/>
-              </a:ext>
-            </a:extLst>
-          </p:cNvPr>
-          <p:cNvSpPr/>
-          <p:nvPr/>
-        </p:nvSpPr>
-        <p:spPr>
-          <a:xfrm>
-            <a:off x="5960309" y="5597385"/>
-            <a:ext cx="131280" cy="262560"/>
-          </a:xfrm>
-          <a:custGeom>
-            <a:avLst/>
-            <a:gdLst>
-              <a:gd name="connsiteX0" fmla="*/ 131280 w 131280"/>
-              <a:gd name="connsiteY0" fmla="*/ 0 h 262560"/>
-              <a:gd name="connsiteX1" fmla="*/ 131280 w 131280"/>
-              <a:gd name="connsiteY1" fmla="*/ 262560 h 262560"/>
-              <a:gd name="connsiteX2" fmla="*/ 0 w 131280"/>
-              <a:gd name="connsiteY2" fmla="*/ 131280 h 262560"/>
-              <a:gd name="connsiteX3" fmla="*/ 131280 w 131280"/>
-              <a:gd name="connsiteY3" fmla="*/ 0 h 262560"/>
-            </a:gdLst>
-            <a:ahLst/>
-            <a:cxnLst>
-              <a:cxn ang="0">
-                <a:pos x="connsiteX0" y="connsiteY0"/>
-              </a:cxn>
-              <a:cxn ang="0">
-                <a:pos x="connsiteX1" y="connsiteY1"/>
-              </a:cxn>
-              <a:cxn ang="0">
-                <a:pos x="connsiteX2" y="connsiteY2"/>
-              </a:cxn>
-              <a:cxn ang="0">
-                <a:pos x="connsiteX3" y="connsiteY3"/>
-              </a:cxn>
-            </a:cxnLst>
-            <a:rect l="l" t="t" r="r" b="b"/>
-            <a:pathLst>
-              <a:path w="131280" h="262560">
-                <a:moveTo>
-                  <a:pt x="131280" y="0"/>
-                </a:moveTo>
-                <a:lnTo>
-                  <a:pt x="131280" y="262560"/>
-                </a:lnTo>
-                <a:cubicBezTo>
-                  <a:pt x="58776" y="262560"/>
-                  <a:pt x="0" y="203784"/>
-                  <a:pt x="0" y="131280"/>
-                </a:cubicBezTo>
-                <a:cubicBezTo>
-                  <a:pt x="0" y="58776"/>
-                  <a:pt x="58776" y="0"/>
-                  <a:pt x="131280" y="0"/>
-                </a:cubicBezTo>
-                <a:close/>
-              </a:path>
-            </a:pathLst>
-          </a:custGeom>
-          <a:solidFill>
-            <a:schemeClr val="bg2">
-              <a:lumMod val="25000"/>
-            </a:schemeClr>
-          </a:solidFill>
-          <a:ln>
-            <a:noFill/>
-          </a:ln>
-        </p:spPr>
-        <p:style>
-          <a:lnRef idx="2">
-            <a:schemeClr val="accent1">
-              <a:shade val="50000"/>
-            </a:schemeClr>
-          </a:lnRef>
-          <a:fillRef idx="1">
-            <a:schemeClr val="accent1"/>
-          </a:fillRef>
-          <a:effectRef idx="0">
-            <a:schemeClr val="accent1"/>
-          </a:effectRef>
-          <a:fontRef idx="minor">
-            <a:schemeClr val="lt1"/>
-          </a:fontRef>
-        </p:style>
-        <p:txBody>
-          <a:bodyPr wrap="square" rtlCol="0" anchor="ctr">
-            <a:noAutofit/>
-          </a:bodyPr>
-          <a:lstStyle/>
-          <a:p>
-            <a:pPr algn="ctr"/>
-            <a:endParaRPr lang="en-US" dirty="0">
-              <a:latin typeface="Montserrat" panose="00000500000000000000" pitchFamily="2" charset="0"/>
-            </a:endParaRPr>
-          </a:p>
-        </p:txBody>
-      </p:sp>
-      <p:sp>
-        <p:nvSpPr>
-          <p:cNvPr id="111" name="Oval 110">
-            <a:extLst>
-              <a:ext uri="{FF2B5EF4-FFF2-40B4-BE49-F238E27FC236}">
-                <a16:creationId xmlns:a16="http://schemas.microsoft.com/office/drawing/2014/main" id="{1193EA8F-BC4A-4C71-9BCC-C09677F8A73D}"/>
-              </a:ext>
-            </a:extLst>
-          </p:cNvPr>
-          <p:cNvSpPr/>
-          <p:nvPr/>
-        </p:nvSpPr>
-        <p:spPr>
-          <a:xfrm>
-            <a:off x="1006837" y="2107831"/>
-            <a:ext cx="85726" cy="85726"/>
-          </a:xfrm>
-          <a:prstGeom prst="ellipse">
-            <a:avLst/>
-          </a:prstGeom>
-          <a:solidFill>
-            <a:schemeClr val="bg1">
-              <a:lumMod val="95000"/>
-            </a:schemeClr>
-          </a:solidFill>
-          <a:ln>
-            <a:noFill/>
-          </a:ln>
-        </p:spPr>
-        <p:style>
-          <a:lnRef idx="2">
-            <a:schemeClr val="accent1">
-              <a:shade val="50000"/>
-            </a:schemeClr>
-          </a:lnRef>
-          <a:fillRef idx="1">
-            <a:schemeClr val="accent1"/>
-          </a:fillRef>
-          <a:effectRef idx="0">
-            <a:schemeClr val="accent1"/>
-          </a:effectRef>
-          <a:fontRef idx="minor">
-            <a:schemeClr val="lt1"/>
-          </a:fontRef>
-        </p:style>
-        <p:txBody>
-          <a:bodyPr rtlCol="0" anchor="ctr"/>
-          <a:lstStyle/>
-          <a:p>
-            <a:pPr algn="ctr"/>
-            <a:endParaRPr lang="en-US" dirty="0">
-              <a:latin typeface="Montserrat" panose="00000500000000000000" pitchFamily="2" charset="0"/>
-            </a:endParaRPr>
-          </a:p>
-        </p:txBody>
-      </p:sp>
-      <p:sp>
-        <p:nvSpPr>
-          <p:cNvPr id="112" name="Oval 111">
-            <a:extLst>
-              <a:ext uri="{FF2B5EF4-FFF2-40B4-BE49-F238E27FC236}">
-                <a16:creationId xmlns:a16="http://schemas.microsoft.com/office/drawing/2014/main" id="{0E292DEE-4531-42A7-94E7-BE61FF6D36DC}"/>
-              </a:ext>
-            </a:extLst>
-          </p:cNvPr>
-          <p:cNvSpPr/>
-          <p:nvPr/>
-        </p:nvSpPr>
-        <p:spPr>
-          <a:xfrm>
-            <a:off x="920160" y="2021154"/>
-            <a:ext cx="259080" cy="259080"/>
-          </a:xfrm>
-          <a:prstGeom prst="ellipse">
-            <a:avLst/>
-          </a:prstGeom>
-          <a:noFill/>
-          <a:ln w="28575">
-            <a:solidFill>
-              <a:schemeClr val="bg1">
-                <a:lumMod val="95000"/>
-              </a:schemeClr>
-            </a:solidFill>
-          </a:ln>
-        </p:spPr>
-        <p:style>
-          <a:lnRef idx="2">
-            <a:schemeClr val="accent1">
-              <a:shade val="50000"/>
-            </a:schemeClr>
-          </a:lnRef>
-          <a:fillRef idx="1">
-            <a:schemeClr val="accent1"/>
-          </a:fillRef>
-          <a:effectRef idx="0">
-            <a:schemeClr val="accent1"/>
-          </a:effectRef>
-          <a:fontRef idx="minor">
-            <a:schemeClr val="lt1"/>
-          </a:fontRef>
-        </p:style>
-        <p:txBody>
-          <a:bodyPr rtlCol="0" anchor="ctr"/>
-          <a:lstStyle/>
-          <a:p>
-            <a:pPr algn="ctr"/>
-            <a:endParaRPr lang="en-US" dirty="0">
-              <a:latin typeface="Montserrat" panose="00000500000000000000" pitchFamily="2" charset="0"/>
-            </a:endParaRPr>
-          </a:p>
-        </p:txBody>
-      </p:sp>
-      <p:cxnSp>
-        <p:nvCxnSpPr>
-          <p:cNvPr id="113" name="Straight Connector 112">
-            <a:extLst>
-              <a:ext uri="{FF2B5EF4-FFF2-40B4-BE49-F238E27FC236}">
-                <a16:creationId xmlns:a16="http://schemas.microsoft.com/office/drawing/2014/main" id="{B3E0BDFA-97CA-4B2F-A0C2-6253332547FA}"/>
-              </a:ext>
-            </a:extLst>
-          </p:cNvPr>
-          <p:cNvCxnSpPr>
-            <a:cxnSpLocks/>
-          </p:cNvCxnSpPr>
-          <p:nvPr/>
-        </p:nvCxnSpPr>
-        <p:spPr>
-          <a:xfrm>
-            <a:off x="1049700" y="2280234"/>
-            <a:ext cx="0" cy="1126686"/>
-          </a:xfrm>
-          <a:prstGeom prst="line">
-            <a:avLst/>
-          </a:prstGeom>
-          <a:ln w="28575">
-            <a:solidFill>
-              <a:schemeClr val="bg1">
-                <a:lumMod val="95000"/>
-              </a:schemeClr>
-            </a:solidFill>
-          </a:ln>
-        </p:spPr>
-        <p:style>
-          <a:lnRef idx="1">
-            <a:schemeClr val="accent1"/>
-          </a:lnRef>
-          <a:fillRef idx="0">
-            <a:schemeClr val="accent1"/>
-          </a:fillRef>
-          <a:effectRef idx="0">
-            <a:schemeClr val="accent1"/>
-          </a:effectRef>
-          <a:fontRef idx="minor">
-            <a:schemeClr val="tx1"/>
-          </a:fontRef>
-        </p:style>
-      </p:cxnSp>
-      <p:grpSp>
-        <p:nvGrpSpPr>
-          <p:cNvPr id="114" name="Group 113">
-            <a:extLst>
-              <a:ext uri="{FF2B5EF4-FFF2-40B4-BE49-F238E27FC236}">
-                <a16:creationId xmlns:a16="http://schemas.microsoft.com/office/drawing/2014/main" id="{ADF5D618-7601-4683-B3BF-A155325FDDDF}"/>
-              </a:ext>
-            </a:extLst>
-          </p:cNvPr>
-          <p:cNvGrpSpPr/>
-          <p:nvPr/>
-        </p:nvGrpSpPr>
-        <p:grpSpPr>
-          <a:xfrm>
-            <a:off x="1296952" y="1886930"/>
-            <a:ext cx="4159637" cy="948850"/>
-            <a:chOff x="6681901" y="1442950"/>
-            <a:chExt cx="4159637" cy="948850"/>
-          </a:xfrm>
-        </p:grpSpPr>
-        <p:sp>
-          <p:nvSpPr>
-            <p:cNvPr id="115" name="TextBox 114">
-              <a:extLst>
-                <a:ext uri="{FF2B5EF4-FFF2-40B4-BE49-F238E27FC236}">
-                  <a16:creationId xmlns:a16="http://schemas.microsoft.com/office/drawing/2014/main" id="{64F9D532-385A-41C2-9422-2C92CC173A59}"/>
-                </a:ext>
-              </a:extLst>
-            </p:cNvPr>
-            <p:cNvSpPr txBox="1"/>
-            <p:nvPr/>
-          </p:nvSpPr>
-          <p:spPr>
-            <a:xfrm>
-              <a:off x="6681901" y="1442950"/>
-              <a:ext cx="3307089" cy="461665"/>
-            </a:xfrm>
-            <a:prstGeom prst="rect">
-              <a:avLst/>
-            </a:prstGeom>
-            <a:noFill/>
-          </p:spPr>
-          <p:txBody>
-            <a:bodyPr wrap="square" rtlCol="0">
-              <a:spAutoFit/>
-            </a:bodyPr>
-            <a:lstStyle/>
-            <a:p>
-              <a:r>
-                <a:rPr lang="en-US" sz="2400" b="1" dirty="0">
-                  <a:solidFill>
-                    <a:schemeClr val="bg1">
-                      <a:lumMod val="95000"/>
-                    </a:schemeClr>
-                  </a:solidFill>
-                  <a:latin typeface="Montserrat" panose="00000500000000000000" pitchFamily="2" charset="0"/>
-                </a:rPr>
-                <a:t>Download Expo Go</a:t>
-              </a:r>
-            </a:p>
-          </p:txBody>
-        </p:sp>
-        <p:sp>
-          <p:nvSpPr>
-            <p:cNvPr id="116" name="TextBox 115">
-              <a:extLst>
-                <a:ext uri="{FF2B5EF4-FFF2-40B4-BE49-F238E27FC236}">
-                  <a16:creationId xmlns:a16="http://schemas.microsoft.com/office/drawing/2014/main" id="{760135AF-AB8C-4A7A-B3FA-DBE2F74535E0}"/>
-                </a:ext>
-              </a:extLst>
-            </p:cNvPr>
-            <p:cNvSpPr txBox="1"/>
-            <p:nvPr/>
-          </p:nvSpPr>
-          <p:spPr>
-            <a:xfrm>
-              <a:off x="6681901" y="1807025"/>
-              <a:ext cx="4159637" cy="584775"/>
-            </a:xfrm>
-            <a:prstGeom prst="rect">
-              <a:avLst/>
-            </a:prstGeom>
-            <a:noFill/>
-          </p:spPr>
-          <p:txBody>
-            <a:bodyPr wrap="square" rtlCol="0">
-              <a:spAutoFit/>
-            </a:bodyPr>
-            <a:lstStyle/>
-            <a:p>
-              <a:r>
-                <a:rPr lang="en-US" sz="1600" dirty="0">
-                  <a:solidFill>
-                    <a:schemeClr val="bg1">
-                      <a:lumMod val="95000"/>
-                    </a:schemeClr>
-                  </a:solidFill>
-                  <a:latin typeface="Montserrat" panose="00000500000000000000" pitchFamily="2" charset="0"/>
-                </a:rPr>
-                <a:t>Download the ExpoGo application on Android or IOS</a:t>
-              </a:r>
-            </a:p>
-          </p:txBody>
-        </p:sp>
-      </p:grpSp>
-      <p:sp>
-        <p:nvSpPr>
-          <p:cNvPr id="117" name="Oval 116">
-            <a:extLst>
-              <a:ext uri="{FF2B5EF4-FFF2-40B4-BE49-F238E27FC236}">
-                <a16:creationId xmlns:a16="http://schemas.microsoft.com/office/drawing/2014/main" id="{B78728E8-4E2C-4F2C-A5FF-1F738F674ED5}"/>
-              </a:ext>
-            </a:extLst>
-          </p:cNvPr>
-          <p:cNvSpPr/>
-          <p:nvPr/>
-        </p:nvSpPr>
-        <p:spPr>
-          <a:xfrm>
-            <a:off x="1006837" y="3487247"/>
-            <a:ext cx="85726" cy="85726"/>
-          </a:xfrm>
-          <a:prstGeom prst="ellipse">
-            <a:avLst/>
-          </a:prstGeom>
-          <a:solidFill>
-            <a:schemeClr val="bg1">
-              <a:lumMod val="95000"/>
-            </a:schemeClr>
-          </a:solidFill>
-          <a:ln>
-            <a:noFill/>
-          </a:ln>
-        </p:spPr>
-        <p:style>
-          <a:lnRef idx="2">
-            <a:schemeClr val="accent1">
-              <a:shade val="50000"/>
-            </a:schemeClr>
-          </a:lnRef>
-          <a:fillRef idx="1">
-            <a:schemeClr val="accent1"/>
-          </a:fillRef>
-          <a:effectRef idx="0">
-            <a:schemeClr val="accent1"/>
-          </a:effectRef>
-          <a:fontRef idx="minor">
-            <a:schemeClr val="lt1"/>
-          </a:fontRef>
-        </p:style>
-        <p:txBody>
-          <a:bodyPr rtlCol="0" anchor="ctr"/>
-          <a:lstStyle/>
-          <a:p>
-            <a:pPr algn="ctr"/>
-            <a:endParaRPr lang="en-US" dirty="0">
-              <a:latin typeface="Montserrat" panose="00000500000000000000" pitchFamily="2" charset="0"/>
-            </a:endParaRPr>
-          </a:p>
-        </p:txBody>
-      </p:sp>
-      <p:sp>
-        <p:nvSpPr>
-          <p:cNvPr id="118" name="Oval 117">
-            <a:extLst>
-              <a:ext uri="{FF2B5EF4-FFF2-40B4-BE49-F238E27FC236}">
-                <a16:creationId xmlns:a16="http://schemas.microsoft.com/office/drawing/2014/main" id="{99D80301-A86B-44E3-8C91-BC2F9945C8BD}"/>
-              </a:ext>
-            </a:extLst>
-          </p:cNvPr>
-          <p:cNvSpPr/>
-          <p:nvPr/>
-        </p:nvSpPr>
-        <p:spPr>
-          <a:xfrm>
-            <a:off x="920160" y="3400570"/>
-            <a:ext cx="259080" cy="259080"/>
-          </a:xfrm>
-          <a:prstGeom prst="ellipse">
-            <a:avLst/>
-          </a:prstGeom>
-          <a:noFill/>
-          <a:ln w="28575">
-            <a:solidFill>
-              <a:schemeClr val="bg1">
-                <a:lumMod val="95000"/>
-              </a:schemeClr>
-            </a:solidFill>
-          </a:ln>
-        </p:spPr>
-        <p:style>
-          <a:lnRef idx="2">
-            <a:schemeClr val="accent1">
-              <a:shade val="50000"/>
-            </a:schemeClr>
-          </a:lnRef>
-          <a:fillRef idx="1">
-            <a:schemeClr val="accent1"/>
-          </a:fillRef>
-          <a:effectRef idx="0">
-            <a:schemeClr val="accent1"/>
-          </a:effectRef>
-          <a:fontRef idx="minor">
-            <a:schemeClr val="lt1"/>
-          </a:fontRef>
-        </p:style>
-        <p:txBody>
-          <a:bodyPr rtlCol="0" anchor="ctr"/>
-          <a:lstStyle/>
-          <a:p>
-            <a:pPr algn="ctr"/>
-            <a:endParaRPr lang="en-US" dirty="0">
-              <a:latin typeface="Montserrat" panose="00000500000000000000" pitchFamily="2" charset="0"/>
-            </a:endParaRPr>
-          </a:p>
-        </p:txBody>
-      </p:sp>
-      <p:grpSp>
-        <p:nvGrpSpPr>
-          <p:cNvPr id="119" name="Group 118">
-            <a:extLst>
-              <a:ext uri="{FF2B5EF4-FFF2-40B4-BE49-F238E27FC236}">
-                <a16:creationId xmlns:a16="http://schemas.microsoft.com/office/drawing/2014/main" id="{C200B673-9142-4B13-8DAD-F8BEEA621A56}"/>
-              </a:ext>
-            </a:extLst>
-          </p:cNvPr>
-          <p:cNvGrpSpPr/>
-          <p:nvPr/>
-        </p:nvGrpSpPr>
-        <p:grpSpPr>
-          <a:xfrm>
-            <a:off x="1241745" y="3265571"/>
-            <a:ext cx="3539257" cy="780430"/>
-            <a:chOff x="6626694" y="1442950"/>
-            <a:chExt cx="3539257" cy="780430"/>
-          </a:xfrm>
-        </p:grpSpPr>
-        <p:sp>
-          <p:nvSpPr>
-            <p:cNvPr id="120" name="TextBox 119">
-              <a:extLst>
-                <a:ext uri="{FF2B5EF4-FFF2-40B4-BE49-F238E27FC236}">
-                  <a16:creationId xmlns:a16="http://schemas.microsoft.com/office/drawing/2014/main" id="{449A20D3-D1E3-48B2-AEB2-FE1E7D57A505}"/>
-                </a:ext>
-              </a:extLst>
-            </p:cNvPr>
-            <p:cNvSpPr txBox="1"/>
-            <p:nvPr/>
-          </p:nvSpPr>
-          <p:spPr>
-            <a:xfrm>
-              <a:off x="6681901" y="1442950"/>
-              <a:ext cx="3484050" cy="461665"/>
-            </a:xfrm>
-            <a:prstGeom prst="rect">
-              <a:avLst/>
-            </a:prstGeom>
-            <a:noFill/>
-          </p:spPr>
-          <p:txBody>
-            <a:bodyPr wrap="square" rtlCol="0">
-              <a:spAutoFit/>
-            </a:bodyPr>
-            <a:lstStyle/>
-            <a:p>
-              <a:r>
-                <a:rPr lang="en-US" sz="2400" b="1" dirty="0">
-                  <a:solidFill>
-                    <a:schemeClr val="bg1">
-                      <a:lumMod val="95000"/>
-                    </a:schemeClr>
-                  </a:solidFill>
-                  <a:latin typeface="Montserrat" panose="00000500000000000000" pitchFamily="2" charset="0"/>
-                </a:rPr>
-                <a:t>Scan this QR code</a:t>
-              </a:r>
-            </a:p>
-          </p:txBody>
-        </p:sp>
-        <p:sp>
-          <p:nvSpPr>
-            <p:cNvPr id="121" name="TextBox 120">
-              <a:extLst>
-                <a:ext uri="{FF2B5EF4-FFF2-40B4-BE49-F238E27FC236}">
-                  <a16:creationId xmlns:a16="http://schemas.microsoft.com/office/drawing/2014/main" id="{CCDF64C5-151D-481A-8B31-0784219DA281}"/>
-                </a:ext>
-              </a:extLst>
-            </p:cNvPr>
-            <p:cNvSpPr txBox="1"/>
-            <p:nvPr/>
-          </p:nvSpPr>
-          <p:spPr>
-            <a:xfrm>
-              <a:off x="6626694" y="1884826"/>
-              <a:ext cx="589721" cy="338554"/>
-            </a:xfrm>
-            <a:prstGeom prst="rect">
-              <a:avLst/>
-            </a:prstGeom>
-            <a:noFill/>
-          </p:spPr>
-          <p:txBody>
-            <a:bodyPr wrap="square" rtlCol="0">
-              <a:spAutoFit/>
-            </a:bodyPr>
-            <a:lstStyle/>
-            <a:p>
-              <a:r>
-                <a:rPr lang="en-US" sz="1600" dirty="0">
-                  <a:solidFill>
-                    <a:schemeClr val="bg1">
-                      <a:lumMod val="95000"/>
-                    </a:schemeClr>
-                  </a:solidFill>
-                  <a:latin typeface="Montserrat" panose="00000500000000000000" pitchFamily="2" charset="0"/>
-                </a:rPr>
-                <a:t>IOS</a:t>
-              </a:r>
-            </a:p>
-          </p:txBody>
-        </p:sp>
-      </p:grpSp>
-      <p:grpSp>
-        <p:nvGrpSpPr>
-          <p:cNvPr id="14" name="Group 13">
-            <a:extLst>
-              <a:ext uri="{FF2B5EF4-FFF2-40B4-BE49-F238E27FC236}">
-                <a16:creationId xmlns:a16="http://schemas.microsoft.com/office/drawing/2014/main" id="{A0BD0C0E-8513-48E3-891D-E211E35A6661}"/>
-              </a:ext>
-            </a:extLst>
-          </p:cNvPr>
-          <p:cNvGrpSpPr/>
-          <p:nvPr/>
-        </p:nvGrpSpPr>
-        <p:grpSpPr>
-          <a:xfrm>
-            <a:off x="7519372" y="724263"/>
-            <a:ext cx="3454787" cy="875359"/>
-            <a:chOff x="7611983" y="858191"/>
-            <a:chExt cx="3362175" cy="818209"/>
-          </a:xfrm>
-        </p:grpSpPr>
-        <p:sp>
-          <p:nvSpPr>
-            <p:cNvPr id="127" name="Rectangle: Rounded Corners 126">
-              <a:extLst>
-                <a:ext uri="{FF2B5EF4-FFF2-40B4-BE49-F238E27FC236}">
-                  <a16:creationId xmlns:a16="http://schemas.microsoft.com/office/drawing/2014/main" id="{5EAC5BC0-1F7B-42B2-BDB9-8DD169BDCE3A}"/>
-                </a:ext>
-              </a:extLst>
-            </p:cNvPr>
-            <p:cNvSpPr/>
-            <p:nvPr/>
-          </p:nvSpPr>
-          <p:spPr>
-            <a:xfrm>
-              <a:off x="7611983" y="858191"/>
-              <a:ext cx="3362175" cy="818209"/>
-            </a:xfrm>
-            <a:prstGeom prst="roundRect">
-              <a:avLst>
-                <a:gd name="adj" fmla="val 50000"/>
-              </a:avLst>
-            </a:prstGeom>
-            <a:solidFill>
-              <a:schemeClr val="tx1">
-                <a:lumMod val="75000"/>
-                <a:lumOff val="25000"/>
-              </a:schemeClr>
-            </a:solidFill>
-            <a:ln>
-              <a:noFill/>
-            </a:ln>
-          </p:spPr>
-          <p:style>
-            <a:lnRef idx="2">
-              <a:schemeClr val="accent1">
-                <a:shade val="50000"/>
-              </a:schemeClr>
-            </a:lnRef>
-            <a:fillRef idx="1">
-              <a:schemeClr val="accent1"/>
-            </a:fillRef>
-            <a:effectRef idx="0">
-              <a:schemeClr val="accent1"/>
-            </a:effectRef>
-            <a:fontRef idx="minor">
-              <a:schemeClr val="lt1"/>
-            </a:fontRef>
-          </p:style>
-          <p:txBody>
-            <a:bodyPr rtlCol="0" anchor="ctr"/>
-            <a:lstStyle/>
-            <a:p>
-              <a:pPr algn="ctr"/>
-              <a:endParaRPr lang="en-US" dirty="0">
-                <a:latin typeface="Montserrat" panose="00000500000000000000" pitchFamily="2" charset="0"/>
-              </a:endParaRPr>
-            </a:p>
-          </p:txBody>
-        </p:sp>
-        <p:sp>
-          <p:nvSpPr>
-            <p:cNvPr id="128" name="TextBox 127">
-              <a:extLst>
-                <a:ext uri="{FF2B5EF4-FFF2-40B4-BE49-F238E27FC236}">
-                  <a16:creationId xmlns:a16="http://schemas.microsoft.com/office/drawing/2014/main" id="{A3E640F7-B3EE-4178-9429-DCA4B0FEF316}"/>
-                </a:ext>
-              </a:extLst>
-            </p:cNvPr>
-            <p:cNvSpPr txBox="1"/>
-            <p:nvPr/>
-          </p:nvSpPr>
-          <p:spPr>
-            <a:xfrm>
-              <a:off x="7868549" y="947682"/>
-              <a:ext cx="2914359" cy="604134"/>
-            </a:xfrm>
-            <a:prstGeom prst="rect">
-              <a:avLst/>
-            </a:prstGeom>
-            <a:solidFill>
-              <a:schemeClr val="tx1">
-                <a:lumMod val="75000"/>
-                <a:lumOff val="25000"/>
-              </a:schemeClr>
-            </a:solidFill>
-            <a:ln>
-              <a:noFill/>
-            </a:ln>
-          </p:spPr>
-          <p:txBody>
-            <a:bodyPr wrap="square" rtlCol="0">
-              <a:spAutoFit/>
-            </a:bodyPr>
-            <a:lstStyle/>
-            <a:p>
-              <a:pPr algn="ctr"/>
-              <a:r>
-                <a:rPr lang="en-US" dirty="0">
-                  <a:solidFill>
-                    <a:schemeClr val="bg1"/>
-                  </a:solidFill>
-                  <a:latin typeface="Montserrat ExtraBold" panose="00000900000000000000" pitchFamily="2" charset="0"/>
-                </a:rPr>
-                <a:t>Web App for Lecturers and Institutions</a:t>
-              </a:r>
-            </a:p>
-          </p:txBody>
-        </p:sp>
-      </p:grpSp>
-      <p:sp>
-        <p:nvSpPr>
-          <p:cNvPr id="2" name="Oval 1">
-            <a:extLst>
-              <a:ext uri="{FF2B5EF4-FFF2-40B4-BE49-F238E27FC236}">
-                <a16:creationId xmlns:a16="http://schemas.microsoft.com/office/drawing/2014/main" id="{45B3E930-5B54-4098-8DDE-4CA1633F61CE}"/>
-              </a:ext>
-            </a:extLst>
-          </p:cNvPr>
-          <p:cNvSpPr/>
-          <p:nvPr/>
-        </p:nvSpPr>
-        <p:spPr>
-          <a:xfrm>
-            <a:off x="8477045" y="5835290"/>
-            <a:ext cx="158168" cy="158168"/>
-          </a:xfrm>
-          <a:prstGeom prst="ellipse">
-            <a:avLst/>
-          </a:prstGeom>
-          <a:solidFill>
-            <a:schemeClr val="bg2">
-              <a:lumMod val="25000"/>
-            </a:schemeClr>
-          </a:solidFill>
-          <a:ln>
-            <a:noFill/>
-          </a:ln>
-        </p:spPr>
-        <p:style>
-          <a:lnRef idx="2">
-            <a:schemeClr val="accent1">
-              <a:shade val="50000"/>
-            </a:schemeClr>
-          </a:lnRef>
-          <a:fillRef idx="1">
-            <a:schemeClr val="accent1"/>
-          </a:fillRef>
-          <a:effectRef idx="0">
-            <a:schemeClr val="accent1"/>
-          </a:effectRef>
-          <a:fontRef idx="minor">
-            <a:schemeClr val="lt1"/>
-          </a:fontRef>
-        </p:style>
-        <p:txBody>
-          <a:bodyPr rtlCol="0" anchor="ctr"/>
-          <a:lstStyle/>
-          <a:p>
-            <a:pPr algn="ctr"/>
-            <a:endParaRPr lang="en-US" dirty="0">
-              <a:latin typeface="Montserrat" panose="00000500000000000000" pitchFamily="2" charset="0"/>
-            </a:endParaRPr>
-          </a:p>
-        </p:txBody>
-      </p:sp>
-      <p:sp>
-        <p:nvSpPr>
-          <p:cNvPr id="3" name="Freeform: Shape 2">
-            <a:extLst>
-              <a:ext uri="{FF2B5EF4-FFF2-40B4-BE49-F238E27FC236}">
-                <a16:creationId xmlns:a16="http://schemas.microsoft.com/office/drawing/2014/main" id="{2B2068FB-D538-423F-8081-D3F5E2537891}"/>
-              </a:ext>
-            </a:extLst>
-          </p:cNvPr>
-          <p:cNvSpPr/>
-          <p:nvPr/>
-        </p:nvSpPr>
-        <p:spPr>
-          <a:xfrm rot="5400000">
-            <a:off x="6686913" y="6661080"/>
-            <a:ext cx="131280" cy="262560"/>
-          </a:xfrm>
-          <a:custGeom>
-            <a:avLst/>
-            <a:gdLst>
-              <a:gd name="connsiteX0" fmla="*/ 131280 w 131280"/>
-              <a:gd name="connsiteY0" fmla="*/ 0 h 262560"/>
-              <a:gd name="connsiteX1" fmla="*/ 131280 w 131280"/>
-              <a:gd name="connsiteY1" fmla="*/ 262560 h 262560"/>
-              <a:gd name="connsiteX2" fmla="*/ 0 w 131280"/>
-              <a:gd name="connsiteY2" fmla="*/ 131280 h 262560"/>
-              <a:gd name="connsiteX3" fmla="*/ 131280 w 131280"/>
-              <a:gd name="connsiteY3" fmla="*/ 0 h 262560"/>
-            </a:gdLst>
-            <a:ahLst/>
-            <a:cxnLst>
-              <a:cxn ang="0">
-                <a:pos x="connsiteX0" y="connsiteY0"/>
-              </a:cxn>
-              <a:cxn ang="0">
-                <a:pos x="connsiteX1" y="connsiteY1"/>
-              </a:cxn>
-              <a:cxn ang="0">
-                <a:pos x="connsiteX2" y="connsiteY2"/>
-              </a:cxn>
-              <a:cxn ang="0">
-                <a:pos x="connsiteX3" y="connsiteY3"/>
-              </a:cxn>
-            </a:cxnLst>
-            <a:rect l="l" t="t" r="r" b="b"/>
-            <a:pathLst>
-              <a:path w="131280" h="262560">
-                <a:moveTo>
-                  <a:pt x="131280" y="0"/>
-                </a:moveTo>
-                <a:lnTo>
-                  <a:pt x="131280" y="262560"/>
-                </a:lnTo>
-                <a:cubicBezTo>
-                  <a:pt x="58776" y="262560"/>
-                  <a:pt x="0" y="203784"/>
-                  <a:pt x="0" y="131280"/>
-                </a:cubicBezTo>
-                <a:cubicBezTo>
-                  <a:pt x="0" y="58776"/>
-                  <a:pt x="58776" y="0"/>
-                  <a:pt x="131280" y="0"/>
-                </a:cubicBezTo>
-                <a:close/>
-              </a:path>
-            </a:pathLst>
-          </a:custGeom>
-          <a:solidFill>
-            <a:schemeClr val="bg1"/>
-          </a:solidFill>
-          <a:ln>
-            <a:solidFill>
-              <a:schemeClr val="tx1"/>
-            </a:solidFill>
-          </a:ln>
-        </p:spPr>
-        <p:style>
-          <a:lnRef idx="2">
-            <a:schemeClr val="accent1">
-              <a:shade val="50000"/>
-            </a:schemeClr>
-          </a:lnRef>
-          <a:fillRef idx="1">
-            <a:schemeClr val="accent1"/>
-          </a:fillRef>
-          <a:effectRef idx="0">
-            <a:schemeClr val="accent1"/>
-          </a:effectRef>
-          <a:fontRef idx="minor">
-            <a:schemeClr val="lt1"/>
-          </a:fontRef>
-        </p:style>
-        <p:txBody>
-          <a:bodyPr wrap="square" rtlCol="0" anchor="ctr">
-            <a:noAutofit/>
-          </a:bodyPr>
-          <a:lstStyle/>
-          <a:p>
-            <a:pPr algn="ctr"/>
-            <a:endParaRPr lang="en-US" dirty="0">
-              <a:latin typeface="Montserrat" panose="00000500000000000000" pitchFamily="2" charset="0"/>
-            </a:endParaRPr>
-          </a:p>
-        </p:txBody>
-      </p:sp>
-      <p:sp>
-        <p:nvSpPr>
-          <p:cNvPr id="4" name="Freeform: Shape 3">
-            <a:extLst>
-              <a:ext uri="{FF2B5EF4-FFF2-40B4-BE49-F238E27FC236}">
-                <a16:creationId xmlns:a16="http://schemas.microsoft.com/office/drawing/2014/main" id="{BEAA200B-56CF-43D6-B662-0A8082F098C0}"/>
-              </a:ext>
-            </a:extLst>
-          </p:cNvPr>
-          <p:cNvSpPr/>
-          <p:nvPr/>
-        </p:nvSpPr>
-        <p:spPr>
-          <a:xfrm rot="10800000">
-            <a:off x="6095998" y="2512664"/>
-            <a:ext cx="131280" cy="262560"/>
-          </a:xfrm>
-          <a:custGeom>
-            <a:avLst/>
-            <a:gdLst>
-              <a:gd name="connsiteX0" fmla="*/ 131280 w 131280"/>
-              <a:gd name="connsiteY0" fmla="*/ 0 h 262560"/>
-              <a:gd name="connsiteX1" fmla="*/ 131280 w 131280"/>
-              <a:gd name="connsiteY1" fmla="*/ 262560 h 262560"/>
-              <a:gd name="connsiteX2" fmla="*/ 0 w 131280"/>
-              <a:gd name="connsiteY2" fmla="*/ 131280 h 262560"/>
-              <a:gd name="connsiteX3" fmla="*/ 131280 w 131280"/>
-              <a:gd name="connsiteY3" fmla="*/ 0 h 262560"/>
-            </a:gdLst>
-            <a:ahLst/>
-            <a:cxnLst>
-              <a:cxn ang="0">
-                <a:pos x="connsiteX0" y="connsiteY0"/>
-              </a:cxn>
-              <a:cxn ang="0">
-                <a:pos x="connsiteX1" y="connsiteY1"/>
-              </a:cxn>
-              <a:cxn ang="0">
-                <a:pos x="connsiteX2" y="connsiteY2"/>
-              </a:cxn>
-              <a:cxn ang="0">
-                <a:pos x="connsiteX3" y="connsiteY3"/>
-              </a:cxn>
-            </a:cxnLst>
-            <a:rect l="l" t="t" r="r" b="b"/>
-            <a:pathLst>
-              <a:path w="131280" h="262560">
-                <a:moveTo>
-                  <a:pt x="131280" y="0"/>
-                </a:moveTo>
-                <a:lnTo>
-                  <a:pt x="131280" y="262560"/>
-                </a:lnTo>
-                <a:cubicBezTo>
-                  <a:pt x="58776" y="262560"/>
-                  <a:pt x="0" y="203784"/>
-                  <a:pt x="0" y="131280"/>
-                </a:cubicBezTo>
-                <a:cubicBezTo>
-                  <a:pt x="0" y="58776"/>
-                  <a:pt x="58776" y="0"/>
-                  <a:pt x="131280" y="0"/>
-                </a:cubicBezTo>
-                <a:close/>
-              </a:path>
-            </a:pathLst>
-          </a:custGeom>
-          <a:solidFill>
-            <a:schemeClr val="bg2">
-              <a:lumMod val="25000"/>
-            </a:schemeClr>
-          </a:solidFill>
-          <a:ln>
-            <a:noFill/>
-          </a:ln>
-        </p:spPr>
-        <p:style>
-          <a:lnRef idx="2">
-            <a:schemeClr val="accent1">
-              <a:shade val="50000"/>
-            </a:schemeClr>
-          </a:lnRef>
-          <a:fillRef idx="1">
-            <a:schemeClr val="accent1"/>
-          </a:fillRef>
-          <a:effectRef idx="0">
-            <a:schemeClr val="accent1"/>
-          </a:effectRef>
-          <a:fontRef idx="minor">
-            <a:schemeClr val="lt1"/>
-          </a:fontRef>
-        </p:style>
-        <p:txBody>
-          <a:bodyPr wrap="square" rtlCol="0" anchor="ctr">
-            <a:noAutofit/>
-          </a:bodyPr>
-          <a:lstStyle/>
-          <a:p>
-            <a:pPr algn="ctr"/>
-            <a:endParaRPr lang="en-US" dirty="0">
-              <a:latin typeface="Montserrat" panose="00000500000000000000" pitchFamily="2" charset="0"/>
-            </a:endParaRPr>
-          </a:p>
-        </p:txBody>
-      </p:sp>
-      <p:sp>
-        <p:nvSpPr>
-          <p:cNvPr id="7" name="Oval 6">
-            <a:extLst>
-              <a:ext uri="{FF2B5EF4-FFF2-40B4-BE49-F238E27FC236}">
-                <a16:creationId xmlns:a16="http://schemas.microsoft.com/office/drawing/2014/main" id="{00349701-D5FE-42FF-9E96-5385942D4CA8}"/>
-              </a:ext>
-            </a:extLst>
-          </p:cNvPr>
-          <p:cNvSpPr/>
-          <p:nvPr/>
-        </p:nvSpPr>
-        <p:spPr>
-          <a:xfrm>
-            <a:off x="10815991" y="635084"/>
-            <a:ext cx="158168" cy="158168"/>
-          </a:xfrm>
-          <a:prstGeom prst="ellipse">
-            <a:avLst/>
-          </a:prstGeom>
-          <a:solidFill>
-            <a:schemeClr val="bg2">
-              <a:lumMod val="25000"/>
-            </a:schemeClr>
-          </a:solidFill>
-          <a:ln>
-            <a:noFill/>
-          </a:ln>
-        </p:spPr>
-        <p:style>
-          <a:lnRef idx="2">
-            <a:schemeClr val="accent1">
-              <a:shade val="50000"/>
-            </a:schemeClr>
-          </a:lnRef>
-          <a:fillRef idx="1">
-            <a:schemeClr val="accent1"/>
-          </a:fillRef>
-          <a:effectRef idx="0">
-            <a:schemeClr val="accent1"/>
-          </a:effectRef>
-          <a:fontRef idx="minor">
-            <a:schemeClr val="lt1"/>
-          </a:fontRef>
-        </p:style>
-        <p:txBody>
-          <a:bodyPr rtlCol="0" anchor="ctr"/>
-          <a:lstStyle/>
-          <a:p>
-            <a:pPr algn="ctr"/>
-            <a:endParaRPr lang="en-US" dirty="0">
-              <a:latin typeface="Montserrat" panose="00000500000000000000" pitchFamily="2" charset="0"/>
-            </a:endParaRPr>
-          </a:p>
-        </p:txBody>
-      </p:sp>
-      <p:sp>
-        <p:nvSpPr>
-          <p:cNvPr id="9" name="Oval 8">
-            <a:extLst>
-              <a:ext uri="{FF2B5EF4-FFF2-40B4-BE49-F238E27FC236}">
-                <a16:creationId xmlns:a16="http://schemas.microsoft.com/office/drawing/2014/main" id="{9CBDD39B-5DEC-4E93-BAC2-E2F0B7C40476}"/>
-              </a:ext>
-            </a:extLst>
-          </p:cNvPr>
-          <p:cNvSpPr/>
-          <p:nvPr/>
-        </p:nvSpPr>
-        <p:spPr>
-          <a:xfrm>
-            <a:off x="10553431" y="6219262"/>
-            <a:ext cx="262560" cy="262560"/>
-          </a:xfrm>
-          <a:prstGeom prst="ellipse">
-            <a:avLst/>
-          </a:prstGeom>
-          <a:solidFill>
-            <a:schemeClr val="bg1"/>
-          </a:solidFill>
-          <a:ln>
-            <a:solidFill>
-              <a:schemeClr val="tx1"/>
-            </a:solidFill>
-          </a:ln>
-        </p:spPr>
-        <p:style>
-          <a:lnRef idx="2">
-            <a:schemeClr val="accent1">
-              <a:shade val="50000"/>
-            </a:schemeClr>
-          </a:lnRef>
-          <a:fillRef idx="1">
-            <a:schemeClr val="accent1"/>
-          </a:fillRef>
-          <a:effectRef idx="0">
-            <a:schemeClr val="accent1"/>
-          </a:effectRef>
-          <a:fontRef idx="minor">
-            <a:schemeClr val="lt1"/>
-          </a:fontRef>
-        </p:style>
-        <p:txBody>
-          <a:bodyPr rtlCol="0" anchor="ctr"/>
-          <a:lstStyle/>
-          <a:p>
-            <a:pPr algn="ctr"/>
-            <a:endParaRPr lang="en-US" dirty="0">
-              <a:latin typeface="Montserrat" panose="00000500000000000000" pitchFamily="2" charset="0"/>
-            </a:endParaRPr>
-          </a:p>
-        </p:txBody>
-      </p:sp>
-      <p:sp>
-        <p:nvSpPr>
-          <p:cNvPr id="11" name="Freeform: Shape 10">
-            <a:extLst>
-              <a:ext uri="{FF2B5EF4-FFF2-40B4-BE49-F238E27FC236}">
-                <a16:creationId xmlns:a16="http://schemas.microsoft.com/office/drawing/2014/main" id="{687F1216-3F27-4917-A837-AD367EC70350}"/>
-              </a:ext>
-            </a:extLst>
-          </p:cNvPr>
-          <p:cNvSpPr/>
-          <p:nvPr/>
-        </p:nvSpPr>
-        <p:spPr>
-          <a:xfrm>
-            <a:off x="12056308" y="174105"/>
-            <a:ext cx="131280" cy="262560"/>
-          </a:xfrm>
-          <a:custGeom>
-            <a:avLst/>
-            <a:gdLst>
-              <a:gd name="connsiteX0" fmla="*/ 131280 w 131280"/>
-              <a:gd name="connsiteY0" fmla="*/ 0 h 262560"/>
-              <a:gd name="connsiteX1" fmla="*/ 131280 w 131280"/>
-              <a:gd name="connsiteY1" fmla="*/ 262560 h 262560"/>
-              <a:gd name="connsiteX2" fmla="*/ 0 w 131280"/>
-              <a:gd name="connsiteY2" fmla="*/ 131280 h 262560"/>
-              <a:gd name="connsiteX3" fmla="*/ 131280 w 131280"/>
-              <a:gd name="connsiteY3" fmla="*/ 0 h 262560"/>
-            </a:gdLst>
-            <a:ahLst/>
-            <a:cxnLst>
-              <a:cxn ang="0">
-                <a:pos x="connsiteX0" y="connsiteY0"/>
-              </a:cxn>
-              <a:cxn ang="0">
-                <a:pos x="connsiteX1" y="connsiteY1"/>
-              </a:cxn>
-              <a:cxn ang="0">
-                <a:pos x="connsiteX2" y="connsiteY2"/>
-              </a:cxn>
-              <a:cxn ang="0">
-                <a:pos x="connsiteX3" y="connsiteY3"/>
-              </a:cxn>
-            </a:cxnLst>
-            <a:rect l="l" t="t" r="r" b="b"/>
-            <a:pathLst>
-              <a:path w="131280" h="262560">
-                <a:moveTo>
-                  <a:pt x="131280" y="0"/>
-                </a:moveTo>
-                <a:lnTo>
-                  <a:pt x="131280" y="262560"/>
-                </a:lnTo>
-                <a:cubicBezTo>
-                  <a:pt x="58776" y="262560"/>
-                  <a:pt x="0" y="203784"/>
-                  <a:pt x="0" y="131280"/>
-                </a:cubicBezTo>
-                <a:cubicBezTo>
-                  <a:pt x="0" y="58776"/>
-                  <a:pt x="58776" y="0"/>
-                  <a:pt x="131280" y="0"/>
-                </a:cubicBezTo>
-                <a:close/>
-              </a:path>
-            </a:pathLst>
-          </a:custGeom>
-          <a:solidFill>
-            <a:schemeClr val="bg2">
-              <a:lumMod val="25000"/>
-            </a:schemeClr>
-          </a:solidFill>
-          <a:ln>
-            <a:noFill/>
-          </a:ln>
-        </p:spPr>
-        <p:style>
-          <a:lnRef idx="2">
-            <a:schemeClr val="accent1">
-              <a:shade val="50000"/>
-            </a:schemeClr>
-          </a:lnRef>
-          <a:fillRef idx="1">
-            <a:schemeClr val="accent1"/>
-          </a:fillRef>
-          <a:effectRef idx="0">
-            <a:schemeClr val="accent1"/>
-          </a:effectRef>
-          <a:fontRef idx="minor">
-            <a:schemeClr val="lt1"/>
-          </a:fontRef>
-        </p:style>
-        <p:txBody>
-          <a:bodyPr wrap="square" rtlCol="0" anchor="ctr">
-            <a:noAutofit/>
-          </a:bodyPr>
-          <a:lstStyle/>
-          <a:p>
-            <a:pPr algn="ctr"/>
-            <a:endParaRPr lang="en-US" dirty="0">
-              <a:latin typeface="Montserrat" panose="00000500000000000000" pitchFamily="2" charset="0"/>
-            </a:endParaRPr>
-          </a:p>
-        </p:txBody>
-      </p:sp>
-      <p:sp>
-        <p:nvSpPr>
-          <p:cNvPr id="12" name="Freeform: Shape 11">
-            <a:extLst>
-              <a:ext uri="{FF2B5EF4-FFF2-40B4-BE49-F238E27FC236}">
-                <a16:creationId xmlns:a16="http://schemas.microsoft.com/office/drawing/2014/main" id="{4CEB28C1-AB4C-4EC0-8920-BB6DE8083190}"/>
-              </a:ext>
-            </a:extLst>
-          </p:cNvPr>
-          <p:cNvSpPr/>
-          <p:nvPr/>
-        </p:nvSpPr>
-        <p:spPr>
-          <a:xfrm>
-            <a:off x="12056308" y="5597385"/>
-            <a:ext cx="131280" cy="262560"/>
-          </a:xfrm>
-          <a:custGeom>
-            <a:avLst/>
-            <a:gdLst>
-              <a:gd name="connsiteX0" fmla="*/ 131280 w 131280"/>
-              <a:gd name="connsiteY0" fmla="*/ 0 h 262560"/>
-              <a:gd name="connsiteX1" fmla="*/ 131280 w 131280"/>
-              <a:gd name="connsiteY1" fmla="*/ 262560 h 262560"/>
-              <a:gd name="connsiteX2" fmla="*/ 0 w 131280"/>
-              <a:gd name="connsiteY2" fmla="*/ 131280 h 262560"/>
-              <a:gd name="connsiteX3" fmla="*/ 131280 w 131280"/>
-              <a:gd name="connsiteY3" fmla="*/ 0 h 262560"/>
-            </a:gdLst>
-            <a:ahLst/>
-            <a:cxnLst>
-              <a:cxn ang="0">
-                <a:pos x="connsiteX0" y="connsiteY0"/>
-              </a:cxn>
-              <a:cxn ang="0">
-                <a:pos x="connsiteX1" y="connsiteY1"/>
-              </a:cxn>
-              <a:cxn ang="0">
-                <a:pos x="connsiteX2" y="connsiteY2"/>
-              </a:cxn>
-              <a:cxn ang="0">
-                <a:pos x="connsiteX3" y="connsiteY3"/>
-              </a:cxn>
-            </a:cxnLst>
-            <a:rect l="l" t="t" r="r" b="b"/>
-            <a:pathLst>
-              <a:path w="131280" h="262560">
-                <a:moveTo>
-                  <a:pt x="131280" y="0"/>
-                </a:moveTo>
-                <a:lnTo>
-                  <a:pt x="131280" y="262560"/>
-                </a:lnTo>
-                <a:cubicBezTo>
-                  <a:pt x="58776" y="262560"/>
-                  <a:pt x="0" y="203784"/>
-                  <a:pt x="0" y="131280"/>
-                </a:cubicBezTo>
-                <a:cubicBezTo>
-                  <a:pt x="0" y="58776"/>
-                  <a:pt x="58776" y="0"/>
-                  <a:pt x="131280" y="0"/>
-                </a:cubicBezTo>
-                <a:close/>
-              </a:path>
-            </a:pathLst>
-          </a:custGeom>
-          <a:solidFill>
-            <a:schemeClr val="bg2">
-              <a:lumMod val="25000"/>
-            </a:schemeClr>
-          </a:solidFill>
-          <a:ln>
-            <a:noFill/>
-          </a:ln>
-        </p:spPr>
-        <p:style>
-          <a:lnRef idx="2">
-            <a:schemeClr val="accent1">
-              <a:shade val="50000"/>
-            </a:schemeClr>
-          </a:lnRef>
-          <a:fillRef idx="1">
-            <a:schemeClr val="accent1"/>
-          </a:fillRef>
-          <a:effectRef idx="0">
-            <a:schemeClr val="accent1"/>
-          </a:effectRef>
-          <a:fontRef idx="minor">
-            <a:schemeClr val="lt1"/>
-          </a:fontRef>
-        </p:style>
-        <p:txBody>
-          <a:bodyPr wrap="square" rtlCol="0" anchor="ctr">
-            <a:noAutofit/>
-          </a:bodyPr>
-          <a:lstStyle/>
-          <a:p>
-            <a:pPr algn="ctr"/>
-            <a:endParaRPr lang="en-US" dirty="0">
-              <a:latin typeface="Montserrat" panose="00000500000000000000" pitchFamily="2" charset="0"/>
-            </a:endParaRPr>
-          </a:p>
-        </p:txBody>
-      </p:sp>
-      <p:sp>
-        <p:nvSpPr>
-          <p:cNvPr id="59" name="Oval 58">
-            <a:extLst>
-              <a:ext uri="{FF2B5EF4-FFF2-40B4-BE49-F238E27FC236}">
-                <a16:creationId xmlns:a16="http://schemas.microsoft.com/office/drawing/2014/main" id="{9EE65680-0676-4143-A7B0-2D4EAB86F045}"/>
-              </a:ext>
-            </a:extLst>
-          </p:cNvPr>
-          <p:cNvSpPr/>
-          <p:nvPr/>
-        </p:nvSpPr>
-        <p:spPr>
-          <a:xfrm>
-            <a:off x="7229256" y="2107831"/>
-            <a:ext cx="85726" cy="85726"/>
-          </a:xfrm>
-          <a:prstGeom prst="ellipse">
-            <a:avLst/>
-          </a:prstGeom>
-          <a:solidFill>
-            <a:schemeClr val="tx1">
-              <a:lumMod val="75000"/>
-              <a:lumOff val="25000"/>
-            </a:schemeClr>
-          </a:solidFill>
-          <a:ln>
-            <a:solidFill>
-              <a:schemeClr val="tx1">
-                <a:lumMod val="75000"/>
-                <a:lumOff val="25000"/>
-              </a:schemeClr>
-            </a:solidFill>
-          </a:ln>
-        </p:spPr>
-        <p:style>
-          <a:lnRef idx="2">
-            <a:schemeClr val="accent1">
-              <a:shade val="50000"/>
-            </a:schemeClr>
-          </a:lnRef>
-          <a:fillRef idx="1">
-            <a:schemeClr val="accent1"/>
-          </a:fillRef>
-          <a:effectRef idx="0">
-            <a:schemeClr val="accent1"/>
-          </a:effectRef>
-          <a:fontRef idx="minor">
-            <a:schemeClr val="lt1"/>
-          </a:fontRef>
-        </p:style>
-        <p:txBody>
-          <a:bodyPr rtlCol="0" anchor="ctr"/>
-          <a:lstStyle/>
-          <a:p>
-            <a:pPr algn="ctr"/>
-            <a:endParaRPr lang="en-US" dirty="0">
-              <a:solidFill>
-                <a:srgbClr val="9188E5"/>
-              </a:solidFill>
-              <a:latin typeface="Montserrat" panose="00000500000000000000" pitchFamily="2" charset="0"/>
-            </a:endParaRPr>
-          </a:p>
-        </p:txBody>
-      </p:sp>
-      <p:sp>
-        <p:nvSpPr>
-          <p:cNvPr id="60" name="Oval 59">
-            <a:extLst>
-              <a:ext uri="{FF2B5EF4-FFF2-40B4-BE49-F238E27FC236}">
-                <a16:creationId xmlns:a16="http://schemas.microsoft.com/office/drawing/2014/main" id="{773873ED-590E-4DA5-B6E1-EADA9EFB5458}"/>
-              </a:ext>
-            </a:extLst>
-          </p:cNvPr>
-          <p:cNvSpPr/>
-          <p:nvPr/>
-        </p:nvSpPr>
-        <p:spPr>
-          <a:xfrm>
-            <a:off x="7142579" y="2021154"/>
-            <a:ext cx="259080" cy="259080"/>
-          </a:xfrm>
-          <a:prstGeom prst="ellipse">
-            <a:avLst/>
-          </a:prstGeom>
-          <a:noFill/>
-          <a:ln w="28575">
-            <a:solidFill>
-              <a:schemeClr val="tx1">
-                <a:lumMod val="75000"/>
-                <a:lumOff val="25000"/>
-              </a:schemeClr>
-            </a:solidFill>
-          </a:ln>
-        </p:spPr>
-        <p:style>
-          <a:lnRef idx="2">
-            <a:schemeClr val="accent1">
-              <a:shade val="50000"/>
-            </a:schemeClr>
-          </a:lnRef>
-          <a:fillRef idx="1">
-            <a:schemeClr val="accent1"/>
-          </a:fillRef>
-          <a:effectRef idx="0">
-            <a:schemeClr val="accent1"/>
-          </a:effectRef>
-          <a:fontRef idx="minor">
-            <a:schemeClr val="lt1"/>
-          </a:fontRef>
-        </p:style>
-        <p:txBody>
-          <a:bodyPr rtlCol="0" anchor="ctr"/>
-          <a:lstStyle/>
-          <a:p>
-            <a:pPr algn="ctr"/>
-            <a:endParaRPr lang="en-US" dirty="0">
-              <a:solidFill>
-                <a:schemeClr val="tx1">
-                  <a:lumMod val="75000"/>
-                  <a:lumOff val="25000"/>
-                </a:schemeClr>
-              </a:solidFill>
-              <a:latin typeface="Montserrat" panose="00000500000000000000" pitchFamily="2" charset="0"/>
-            </a:endParaRPr>
-          </a:p>
-        </p:txBody>
-      </p:sp>
-      <p:grpSp>
-        <p:nvGrpSpPr>
-          <p:cNvPr id="62" name="Group 61">
-            <a:extLst>
-              <a:ext uri="{FF2B5EF4-FFF2-40B4-BE49-F238E27FC236}">
-                <a16:creationId xmlns:a16="http://schemas.microsoft.com/office/drawing/2014/main" id="{4281584A-BE79-4EC0-BA31-AD1D89869FB6}"/>
-              </a:ext>
-            </a:extLst>
-          </p:cNvPr>
-          <p:cNvGrpSpPr/>
-          <p:nvPr/>
-        </p:nvGrpSpPr>
-        <p:grpSpPr>
-          <a:xfrm>
-            <a:off x="7519371" y="1886930"/>
-            <a:ext cx="4159637" cy="702629"/>
-            <a:chOff x="6681901" y="1442950"/>
-            <a:chExt cx="4159637" cy="702629"/>
-          </a:xfrm>
-        </p:grpSpPr>
-        <p:sp>
-          <p:nvSpPr>
-            <p:cNvPr id="63" name="TextBox 62">
-              <a:extLst>
-                <a:ext uri="{FF2B5EF4-FFF2-40B4-BE49-F238E27FC236}">
-                  <a16:creationId xmlns:a16="http://schemas.microsoft.com/office/drawing/2014/main" id="{2A2FAAB5-E833-4CC6-8830-6BEF70570816}"/>
-                </a:ext>
-              </a:extLst>
-            </p:cNvPr>
-            <p:cNvSpPr txBox="1"/>
-            <p:nvPr/>
-          </p:nvSpPr>
-          <p:spPr>
-            <a:xfrm>
-              <a:off x="6681901" y="1442950"/>
-              <a:ext cx="3932397" cy="400110"/>
-            </a:xfrm>
-            <a:prstGeom prst="rect">
-              <a:avLst/>
-            </a:prstGeom>
-            <a:noFill/>
-          </p:spPr>
-          <p:txBody>
-            <a:bodyPr wrap="square" rtlCol="0">
-              <a:spAutoFit/>
-            </a:bodyPr>
-            <a:lstStyle/>
-            <a:p>
-              <a:r>
-                <a:rPr lang="en-US" sz="2000" b="1" dirty="0">
-                  <a:solidFill>
-                    <a:schemeClr val="tx1">
-                      <a:lumMod val="75000"/>
-                      <a:lumOff val="25000"/>
-                    </a:schemeClr>
-                  </a:solidFill>
-                  <a:latin typeface="Montserrat" panose="00000500000000000000" pitchFamily="2" charset="0"/>
-                </a:rPr>
-                <a:t>Visit the link:</a:t>
-              </a:r>
-            </a:p>
-          </p:txBody>
-        </p:sp>
-        <p:sp>
-          <p:nvSpPr>
-            <p:cNvPr id="64" name="TextBox 63">
-              <a:extLst>
-                <a:ext uri="{FF2B5EF4-FFF2-40B4-BE49-F238E27FC236}">
-                  <a16:creationId xmlns:a16="http://schemas.microsoft.com/office/drawing/2014/main" id="{A2630F91-8409-403B-98B7-7A91D7792F79}"/>
-                </a:ext>
-              </a:extLst>
-            </p:cNvPr>
-            <p:cNvSpPr txBox="1"/>
-            <p:nvPr/>
-          </p:nvSpPr>
-          <p:spPr>
-            <a:xfrm>
-              <a:off x="6681901" y="1807025"/>
-              <a:ext cx="4159637" cy="338554"/>
-            </a:xfrm>
-            <a:prstGeom prst="rect">
-              <a:avLst/>
-            </a:prstGeom>
-            <a:noFill/>
-          </p:spPr>
-          <p:txBody>
-            <a:bodyPr wrap="square" rtlCol="0">
-              <a:spAutoFit/>
-            </a:bodyPr>
-            <a:lstStyle/>
-            <a:p>
-              <a:r>
-                <a:rPr lang="en-US" sz="1600" dirty="0">
-                  <a:solidFill>
-                    <a:schemeClr val="tx1">
-                      <a:lumMod val="50000"/>
-                      <a:lumOff val="50000"/>
-                    </a:schemeClr>
-                  </a:solidFill>
-                  <a:latin typeface="Montserrat" panose="00000500000000000000" pitchFamily="2" charset="0"/>
-                </a:rPr>
-                <a:t>https://www.prontotimetable.co.za</a:t>
-              </a:r>
-            </a:p>
-          </p:txBody>
-        </p:sp>
-      </p:grpSp>
-      <p:sp>
-        <p:nvSpPr>
-          <p:cNvPr id="15" name="TextBox 14">
-            <a:extLst>
-              <a:ext uri="{FF2B5EF4-FFF2-40B4-BE49-F238E27FC236}">
-                <a16:creationId xmlns:a16="http://schemas.microsoft.com/office/drawing/2014/main" id="{5C85300C-40FC-D640-3CE8-FF484A0990B5}"/>
-              </a:ext>
-            </a:extLst>
-          </p:cNvPr>
-          <p:cNvSpPr txBox="1"/>
-          <p:nvPr/>
-        </p:nvSpPr>
-        <p:spPr>
-          <a:xfrm>
-            <a:off x="4063750" y="3692204"/>
-            <a:ext cx="1080581" cy="338554"/>
-          </a:xfrm>
-          <a:prstGeom prst="rect">
-            <a:avLst/>
-          </a:prstGeom>
-          <a:noFill/>
-        </p:spPr>
-        <p:txBody>
-          <a:bodyPr wrap="square" rtlCol="0">
-            <a:spAutoFit/>
-          </a:bodyPr>
-          <a:lstStyle/>
-          <a:p>
-            <a:r>
-              <a:rPr lang="en-US" sz="1600" dirty="0">
-                <a:solidFill>
-                  <a:schemeClr val="bg1">
-                    <a:lumMod val="95000"/>
-                  </a:schemeClr>
-                </a:solidFill>
-                <a:latin typeface="Montserrat" panose="00000500000000000000" pitchFamily="2" charset="0"/>
-              </a:rPr>
-              <a:t>Android</a:t>
-            </a:r>
-          </a:p>
-        </p:txBody>
-      </p:sp>
-      <p:pic>
-        <p:nvPicPr>
-          <p:cNvPr id="18" name="Picture 17" descr="A qr code with a logo&#10;&#10;Description automatically generated">
-            <a:extLst>
-              <a:ext uri="{FF2B5EF4-FFF2-40B4-BE49-F238E27FC236}">
-                <a16:creationId xmlns:a16="http://schemas.microsoft.com/office/drawing/2014/main" id="{C882EE85-ED32-C679-7CB5-9CE3AB160018}"/>
-              </a:ext>
-            </a:extLst>
-          </p:cNvPr>
-          <p:cNvPicPr>
-            <a:picLocks noChangeAspect="1"/>
-          </p:cNvPicPr>
-          <p:nvPr/>
-        </p:nvPicPr>
-        <p:blipFill>
-          <a:blip r:embed="rId2">
-            <a:extLst>
-              <a:ext uri="{28A0092B-C50C-407E-A947-70E740481C1C}">
-                <a14:useLocalDpi xmlns:a14="http://schemas.microsoft.com/office/drawing/2010/main" val="0"/>
-              </a:ext>
-            </a:extLst>
-          </a:blip>
-          <a:stretch>
-            <a:fillRect/>
-          </a:stretch>
-        </p:blipFill>
-        <p:spPr>
-          <a:xfrm>
-            <a:off x="3168180" y="4153869"/>
-            <a:ext cx="2330918" cy="2337201"/>
-          </a:xfrm>
-          <a:prstGeom prst="rect">
-            <a:avLst/>
-          </a:prstGeom>
-        </p:spPr>
-      </p:pic>
-      <p:pic>
-        <p:nvPicPr>
-          <p:cNvPr id="21" name="Picture 20" descr="A qr code with a logo&#10;&#10;Description automatically generated">
-            <a:extLst>
-              <a:ext uri="{FF2B5EF4-FFF2-40B4-BE49-F238E27FC236}">
-                <a16:creationId xmlns:a16="http://schemas.microsoft.com/office/drawing/2014/main" id="{A692B4ED-514E-1F52-FC1B-00B01106C5B9}"/>
-              </a:ext>
-            </a:extLst>
-          </p:cNvPr>
-          <p:cNvPicPr>
-            <a:picLocks noChangeAspect="1"/>
-          </p:cNvPicPr>
-          <p:nvPr/>
-        </p:nvPicPr>
-        <p:blipFill>
-          <a:blip r:embed="rId3">
-            <a:extLst>
-              <a:ext uri="{28A0092B-C50C-407E-A947-70E740481C1C}">
-                <a14:useLocalDpi xmlns:a14="http://schemas.microsoft.com/office/drawing/2010/main" val="0"/>
-              </a:ext>
-            </a:extLst>
-          </a:blip>
-          <a:stretch>
-            <a:fillRect/>
-          </a:stretch>
-        </p:blipFill>
-        <p:spPr>
-          <a:xfrm>
-            <a:off x="349418" y="4213202"/>
-            <a:ext cx="2306203" cy="2337200"/>
-          </a:xfrm>
-          <a:prstGeom prst="rect">
-            <a:avLst/>
-          </a:prstGeom>
-        </p:spPr>
-      </p:pic>
-    </p:spTree>
-    <p:extLst>
-      <p:ext uri="{BB962C8B-B14F-4D97-AF65-F5344CB8AC3E}">
-        <p14:creationId xmlns:p14="http://schemas.microsoft.com/office/powerpoint/2010/main" val="478625630"/>
-      </p:ext>
-    </p:extLst>
-  </p:cSld>
-  <p:clrMapOvr>
-    <a:masterClrMapping/>
-  </p:clrMapOvr>
-</p:sld>
-</file>
-
-<file path=ppt/slides/slide4.xml><?xml version="1.0" encoding="utf-8"?>
-<p:sld xmlns:a="http://schemas.openxmlformats.org/drawingml/2006/main" xmlns:r="http://schemas.openxmlformats.org/officeDocument/2006/relationships" xmlns:p="http://schemas.openxmlformats.org/presentationml/2006/main">
-  <p:cSld>
     <p:bg>
       <p:bgPr>
         <a:solidFill>
@@ -19595,7 +14183,7 @@
         <p:spPr>
           <a:xfrm>
             <a:off x="1751408" y="1670162"/>
-            <a:ext cx="9730549" cy="4524315"/>
+            <a:ext cx="8396850" cy="3970318"/>
           </a:xfrm>
           <a:prstGeom prst="rect">
             <a:avLst/>
@@ -19707,7 +14295,7 @@
                   <a:schemeClr val="bg1"/>
                 </a:solidFill>
               </a:rPr>
-              <a:t>Fourth Role- Super Admin</a:t>
+              <a:t>Fourth Role-Super Admin</a:t>
             </a:r>
           </a:p>
           <a:p>
@@ -19755,27 +14343,6 @@
                 </a:solidFill>
               </a:rPr>
               <a:t>Security: Highly secure role-based access and system as a whole</a:t>
-            </a:r>
-          </a:p>
-          <a:p>
-            <a:endParaRPr lang="en-ZA" dirty="0">
-              <a:solidFill>
-                <a:schemeClr val="bg1"/>
-              </a:solidFill>
-            </a:endParaRPr>
-          </a:p>
-          <a:p>
-            <a:pPr marL="285750" indent="-285750">
-              <a:buFont typeface="Wingdings" panose="05000000000000000000" pitchFamily="2" charset="2"/>
-              <a:buChar char="Ø"/>
-            </a:pPr>
-            <a:r>
-              <a:rPr lang="en-ZA" dirty="0">
-                <a:solidFill>
-                  <a:schemeClr val="bg1"/>
-                </a:solidFill>
-              </a:rPr>
-              <a:t>Lecturers can see stats of how many students successfully received notifications</a:t>
             </a:r>
           </a:p>
           <a:p>
@@ -19848,7 +14415,7 @@
 </p:sld>
 </file>
 
-<file path=ppt/slides/slide5.xml><?xml version="1.0" encoding="utf-8"?>
+<file path=ppt/slides/slide4.xml><?xml version="1.0" encoding="utf-8"?>
 <p:sld xmlns:a="http://schemas.openxmlformats.org/drawingml/2006/main" xmlns:r="http://schemas.openxmlformats.org/officeDocument/2006/relationships" xmlns:p="http://schemas.openxmlformats.org/presentationml/2006/main">
   <p:cSld>
     <p:bg>
@@ -20247,60 +14814,6 @@
       </p:sp>
       <p:sp>
         <p:nvSpPr>
-          <p:cNvPr id="18" name="Oval 17">
-            <a:extLst>
-              <a:ext uri="{FF2B5EF4-FFF2-40B4-BE49-F238E27FC236}">
-                <a16:creationId xmlns:a16="http://schemas.microsoft.com/office/drawing/2014/main" id="{E80308A4-143C-4D03-B6FA-400313EF8BF2}"/>
-              </a:ext>
-            </a:extLst>
-          </p:cNvPr>
-          <p:cNvSpPr/>
-          <p:nvPr/>
-        </p:nvSpPr>
-        <p:spPr>
-          <a:xfrm>
-            <a:off x="10975913" y="6093450"/>
-            <a:ext cx="262560" cy="262560"/>
-          </a:xfrm>
-          <a:prstGeom prst="ellipse">
-            <a:avLst/>
-          </a:prstGeom>
-          <a:solidFill>
-            <a:schemeClr val="bg1"/>
-          </a:solidFill>
-          <a:ln>
-            <a:noFill/>
-          </a:ln>
-        </p:spPr>
-        <p:style>
-          <a:lnRef idx="2">
-            <a:schemeClr val="accent1">
-              <a:shade val="50000"/>
-            </a:schemeClr>
-          </a:lnRef>
-          <a:fillRef idx="1">
-            <a:schemeClr val="accent1"/>
-          </a:fillRef>
-          <a:effectRef idx="0">
-            <a:schemeClr val="accent1"/>
-          </a:effectRef>
-          <a:fontRef idx="minor">
-            <a:schemeClr val="lt1"/>
-          </a:fontRef>
-        </p:style>
-        <p:txBody>
-          <a:bodyPr rtlCol="0" anchor="ctr"/>
-          <a:lstStyle/>
-          <a:p>
-            <a:pPr algn="ctr"/>
-            <a:endParaRPr lang="en-US" dirty="0">
-              <a:latin typeface="+mj-lt"/>
-            </a:endParaRPr>
-          </a:p>
-        </p:txBody>
-      </p:sp>
-      <p:sp>
-        <p:nvSpPr>
           <p:cNvPr id="20" name="Freeform: Shape 19">
             <a:extLst>
               <a:ext uri="{FF2B5EF4-FFF2-40B4-BE49-F238E27FC236}">
@@ -20675,179 +15188,6 @@
           </a:p>
         </p:txBody>
       </p:sp>
-      <p:pic>
-        <p:nvPicPr>
-          <p:cNvPr id="6" name="Picture 5" descr="A diagram of a computer system&#10;&#10;Description automatically generated with medium confidence">
-            <a:extLst>
-              <a:ext uri="{FF2B5EF4-FFF2-40B4-BE49-F238E27FC236}">
-                <a16:creationId xmlns:a16="http://schemas.microsoft.com/office/drawing/2014/main" id="{90FC5FC3-8EF7-16AC-6953-0B20F2BA4A84}"/>
-              </a:ext>
-            </a:extLst>
-          </p:cNvPr>
-          <p:cNvPicPr>
-            <a:picLocks noChangeAspect="1"/>
-          </p:cNvPicPr>
-          <p:nvPr/>
-        </p:nvPicPr>
-        <p:blipFill>
-          <a:blip r:embed="rId2">
-            <a:extLst>
-              <a:ext uri="{28A0092B-C50C-407E-A947-70E740481C1C}">
-                <a14:useLocalDpi xmlns:a14="http://schemas.microsoft.com/office/drawing/2010/main" val="0"/>
-              </a:ext>
-            </a:extLst>
-          </a:blip>
-          <a:stretch>
-            <a:fillRect/>
-          </a:stretch>
-        </p:blipFill>
-        <p:spPr>
-          <a:xfrm>
-            <a:off x="363675" y="57448"/>
-            <a:ext cx="7527113" cy="3724743"/>
-          </a:xfrm>
-          <a:prstGeom prst="rect">
-            <a:avLst/>
-          </a:prstGeom>
-          <a:ln>
-            <a:noFill/>
-          </a:ln>
-        </p:spPr>
-      </p:pic>
-      <p:pic>
-        <p:nvPicPr>
-          <p:cNvPr id="4" name="Picture 3" descr="A computer screen shot of a diagram&#10;&#10;Description automatically generated">
-            <a:extLst>
-              <a:ext uri="{FF2B5EF4-FFF2-40B4-BE49-F238E27FC236}">
-                <a16:creationId xmlns:a16="http://schemas.microsoft.com/office/drawing/2014/main" id="{C6B7AB75-C10B-BBCB-4235-A74E99C363A3}"/>
-              </a:ext>
-            </a:extLst>
-          </p:cNvPr>
-          <p:cNvPicPr>
-            <a:picLocks noChangeAspect="1"/>
-          </p:cNvPicPr>
-          <p:nvPr/>
-        </p:nvPicPr>
-        <p:blipFill>
-          <a:blip r:embed="rId3">
-            <a:extLst>
-              <a:ext uri="{28A0092B-C50C-407E-A947-70E740481C1C}">
-                <a14:useLocalDpi xmlns:a14="http://schemas.microsoft.com/office/drawing/2010/main" val="0"/>
-              </a:ext>
-            </a:extLst>
-          </a:blip>
-          <a:stretch>
-            <a:fillRect/>
-          </a:stretch>
-        </p:blipFill>
-        <p:spPr>
-          <a:xfrm>
-            <a:off x="1193687" y="3894234"/>
-            <a:ext cx="5500460" cy="2906318"/>
-          </a:xfrm>
-          <a:prstGeom prst="rect">
-            <a:avLst/>
-          </a:prstGeom>
-        </p:spPr>
-      </p:pic>
-      <p:cxnSp>
-        <p:nvCxnSpPr>
-          <p:cNvPr id="15" name="Straight Arrow Connector 14">
-            <a:extLst>
-              <a:ext uri="{FF2B5EF4-FFF2-40B4-BE49-F238E27FC236}">
-                <a16:creationId xmlns:a16="http://schemas.microsoft.com/office/drawing/2014/main" id="{79C16BB9-F7FB-9D51-CC01-017F459993B8}"/>
-              </a:ext>
-            </a:extLst>
-          </p:cNvPr>
-          <p:cNvCxnSpPr>
-            <a:cxnSpLocks/>
-          </p:cNvCxnSpPr>
-          <p:nvPr/>
-        </p:nvCxnSpPr>
-        <p:spPr>
-          <a:xfrm>
-            <a:off x="5531822" y="3158490"/>
-            <a:ext cx="0" cy="1184910"/>
-          </a:xfrm>
-          <a:prstGeom prst="straightConnector1">
-            <a:avLst/>
-          </a:prstGeom>
-          <a:ln>
-            <a:solidFill>
-              <a:srgbClr val="DE283B"/>
-            </a:solidFill>
-            <a:tailEnd type="triangle"/>
-          </a:ln>
-        </p:spPr>
-        <p:style>
-          <a:lnRef idx="1">
-            <a:schemeClr val="accent1"/>
-          </a:lnRef>
-          <a:fillRef idx="0">
-            <a:schemeClr val="accent1"/>
-          </a:fillRef>
-          <a:effectRef idx="0">
-            <a:schemeClr val="accent1"/>
-          </a:effectRef>
-          <a:fontRef idx="minor">
-            <a:schemeClr val="tx1"/>
-          </a:fontRef>
-        </p:style>
-      </p:cxnSp>
-      <p:sp>
-        <p:nvSpPr>
-          <p:cNvPr id="9" name="Oval 8">
-            <a:extLst>
-              <a:ext uri="{FF2B5EF4-FFF2-40B4-BE49-F238E27FC236}">
-                <a16:creationId xmlns:a16="http://schemas.microsoft.com/office/drawing/2014/main" id="{9A3877EE-3A3F-A9DA-C007-DFC83C4FE4FD}"/>
-              </a:ext>
-            </a:extLst>
-          </p:cNvPr>
-          <p:cNvSpPr/>
-          <p:nvPr/>
-        </p:nvSpPr>
-        <p:spPr>
-          <a:xfrm>
-            <a:off x="8320510" y="5151794"/>
-            <a:ext cx="262560" cy="262560"/>
-          </a:xfrm>
-          <a:prstGeom prst="ellipse">
-            <a:avLst/>
-          </a:prstGeom>
-          <a:solidFill>
-            <a:schemeClr val="bg1"/>
-          </a:solidFill>
-          <a:ln>
-            <a:noFill/>
-          </a:ln>
-        </p:spPr>
-        <p:style>
-          <a:lnRef idx="2">
-            <a:schemeClr val="accent1">
-              <a:shade val="50000"/>
-            </a:schemeClr>
-          </a:lnRef>
-          <a:fillRef idx="1">
-            <a:schemeClr val="accent1"/>
-          </a:fillRef>
-          <a:effectRef idx="0">
-            <a:schemeClr val="accent1"/>
-          </a:effectRef>
-          <a:fontRef idx="minor">
-            <a:schemeClr val="lt1"/>
-          </a:fontRef>
-        </p:style>
-        <p:txBody>
-          <a:bodyPr rtlCol="0" anchor="ctr"/>
-          <a:lstStyle/>
-          <a:p>
-            <a:pPr algn="ctr"/>
-            <a:endParaRPr lang="en-US" dirty="0">
-              <a:latin typeface="+mj-lt"/>
-            </a:endParaRPr>
-          </a:p>
-        </p:txBody>
-      </p:sp>
       <p:sp>
         <p:nvSpPr>
           <p:cNvPr id="14" name="Oval 13">
@@ -20904,6 +15244,78 @@
           </a:p>
         </p:txBody>
       </p:sp>
+      <p:pic>
+        <p:nvPicPr>
+          <p:cNvPr id="5" name="Picture 4" descr="A diagram of a service layer&#10;&#10;Description automatically generated">
+            <a:extLst>
+              <a:ext uri="{FF2B5EF4-FFF2-40B4-BE49-F238E27FC236}">
+                <a16:creationId xmlns:a16="http://schemas.microsoft.com/office/drawing/2014/main" id="{22BD8EFA-FB19-0FEA-24D3-1DD6DC4C92B6}"/>
+              </a:ext>
+            </a:extLst>
+          </p:cNvPr>
+          <p:cNvPicPr>
+            <a:picLocks noChangeAspect="1"/>
+          </p:cNvPicPr>
+          <p:nvPr/>
+        </p:nvPicPr>
+        <p:blipFill>
+          <a:blip r:embed="rId2">
+            <a:extLst>
+              <a:ext uri="{28A0092B-C50C-407E-A947-70E740481C1C}">
+                <a14:useLocalDpi xmlns:a14="http://schemas.microsoft.com/office/drawing/2010/main" val="0"/>
+              </a:ext>
+            </a:extLst>
+          </a:blip>
+          <a:stretch>
+            <a:fillRect/>
+          </a:stretch>
+        </p:blipFill>
+        <p:spPr>
+          <a:xfrm>
+            <a:off x="254703" y="1410323"/>
+            <a:ext cx="7853326" cy="3800276"/>
+          </a:xfrm>
+          <a:prstGeom prst="rect">
+            <a:avLst/>
+          </a:prstGeom>
+        </p:spPr>
+      </p:pic>
+      <p:pic>
+        <p:nvPicPr>
+          <p:cNvPr id="4" name="Picture 3" descr="A diagram of a service layer&#10;&#10;Description automatically generated">
+            <a:extLst>
+              <a:ext uri="{FF2B5EF4-FFF2-40B4-BE49-F238E27FC236}">
+                <a16:creationId xmlns:a16="http://schemas.microsoft.com/office/drawing/2014/main" id="{F2D940C2-E6BB-4F4E-2A18-289CCB73AFFE}"/>
+              </a:ext>
+            </a:extLst>
+          </p:cNvPr>
+          <p:cNvPicPr>
+            <a:picLocks noChangeAspect="1"/>
+          </p:cNvPicPr>
+          <p:nvPr/>
+        </p:nvPicPr>
+        <p:blipFill>
+          <a:blip r:embed="rId3">
+            <a:extLst>
+              <a:ext uri="{28A0092B-C50C-407E-A947-70E740481C1C}">
+                <a14:useLocalDpi xmlns:a14="http://schemas.microsoft.com/office/drawing/2010/main" val="0"/>
+              </a:ext>
+            </a:extLst>
+          </a:blip>
+          <a:stretch>
+            <a:fillRect/>
+          </a:stretch>
+        </p:blipFill>
+        <p:spPr>
+          <a:xfrm>
+            <a:off x="8187984" y="4569884"/>
+            <a:ext cx="3943745" cy="1952603"/>
+          </a:xfrm>
+          <a:prstGeom prst="rect">
+            <a:avLst/>
+          </a:prstGeom>
+        </p:spPr>
+      </p:pic>
     </p:spTree>
     <p:extLst>
       <p:ext uri="{BB962C8B-B14F-4D97-AF65-F5344CB8AC3E}">
@@ -20917,7 +15329,7 @@
 </p:sld>
 </file>
 
-<file path=ppt/slides/slide6.xml><?xml version="1.0" encoding="utf-8"?>
+<file path=ppt/slides/slide5.xml><?xml version="1.0" encoding="utf-8"?>
 <p:sld xmlns:a="http://schemas.openxmlformats.org/drawingml/2006/main" xmlns:r="http://schemas.openxmlformats.org/officeDocument/2006/relationships" xmlns:p="http://schemas.openxmlformats.org/presentationml/2006/main">
   <p:cSld>
     <p:bg>
@@ -22153,7 +16565,7 @@
         <p:spPr>
           <a:xfrm>
             <a:off x="2164044" y="1428807"/>
-            <a:ext cx="7040710" cy="4247317"/>
+            <a:ext cx="7600157" cy="4862870"/>
           </a:xfrm>
           <a:prstGeom prst="rect">
             <a:avLst/>
@@ -22184,7 +16596,7 @@
               <a:defRPr/>
             </a:pPr>
             <a:r>
-              <a:rPr kumimoji="0" lang="en-ZA" sz="1800" b="0" i="0" u="none" strike="noStrike" kern="1200" cap="none" spc="0" normalizeH="0" baseline="0" noProof="0" dirty="0">
+              <a:rPr kumimoji="0" lang="en-ZA" sz="2000" b="0" i="0" u="none" strike="noStrike" kern="1200" cap="none" spc="0" normalizeH="0" baseline="0" noProof="0" dirty="0">
                 <a:ln>
                   <a:noFill/>
                 </a:ln>
@@ -22198,7 +16610,7 @@
                 <a:ea typeface="+mn-ea"/>
                 <a:cs typeface="+mn-cs"/>
               </a:rPr>
-              <a:t>Security</a:t>
+              <a:t>Security (So secure we locked ourselves out)</a:t>
             </a:r>
           </a:p>
           <a:p>
@@ -22412,6 +16824,41 @@
               <a:tabLst/>
               <a:defRPr/>
             </a:pPr>
+            <a:r>
+              <a:rPr lang="en-ZA" dirty="0">
+                <a:solidFill>
+                  <a:prstClr val="white"/>
+                </a:solidFill>
+                <a:latin typeface="Montserrat"/>
+              </a:rPr>
+              <a:t>Session expiry, more important roles get logged out after </a:t>
+            </a:r>
+          </a:p>
+          <a:p>
+            <a:pPr marR="0" lvl="1" algn="l" defTabSz="914400" rtl="0" eaLnBrk="1" fontAlgn="auto" latinLnBrk="0" hangingPunct="1">
+              <a:lnSpc>
+                <a:spcPct val="100000"/>
+              </a:lnSpc>
+              <a:spcBef>
+                <a:spcPts val="0"/>
+              </a:spcBef>
+              <a:spcAft>
+                <a:spcPts val="0"/>
+              </a:spcAft>
+              <a:buClrTx/>
+              <a:buSzTx/>
+              <a:tabLst/>
+              <a:defRPr/>
+            </a:pPr>
+            <a:r>
+              <a:rPr lang="en-ZA" dirty="0">
+                <a:solidFill>
+                  <a:prstClr val="white"/>
+                </a:solidFill>
+                <a:latin typeface="Montserrat"/>
+              </a:rPr>
+              <a:t>shorter time of inactivity</a:t>
+            </a:r>
             <a:endParaRPr kumimoji="0" lang="en-ZA" sz="1800" b="0" i="0" u="none" strike="noStrike" kern="1200" cap="none" spc="0" normalizeH="0" baseline="0" noProof="0" dirty="0">
               <a:ln>
                 <a:noFill/>
@@ -22428,6 +16875,39 @@
             </a:endParaRPr>
           </a:p>
           <a:p>
+            <a:pPr marL="742950" marR="0" lvl="1" indent="-285750" algn="l" defTabSz="914400" rtl="0" eaLnBrk="1" fontAlgn="auto" latinLnBrk="0" hangingPunct="1">
+              <a:lnSpc>
+                <a:spcPct val="100000"/>
+              </a:lnSpc>
+              <a:spcBef>
+                <a:spcPts val="0"/>
+              </a:spcBef>
+              <a:spcAft>
+                <a:spcPts val="0"/>
+              </a:spcAft>
+              <a:buClrTx/>
+              <a:buSzTx/>
+              <a:buFont typeface="Arial" panose="020B0604020202020204" pitchFamily="34" charset="0"/>
+              <a:buChar char="•"/>
+              <a:tabLst/>
+              <a:defRPr/>
+            </a:pPr>
+            <a:endParaRPr kumimoji="0" lang="en-ZA" sz="1800" b="0" i="0" u="none" strike="noStrike" kern="1200" cap="none" spc="0" normalizeH="0" baseline="0" noProof="0" dirty="0">
+              <a:ln>
+                <a:noFill/>
+              </a:ln>
+              <a:solidFill>
+                <a:prstClr val="white"/>
+              </a:solidFill>
+              <a:effectLst/>
+              <a:uLnTx/>
+              <a:uFillTx/>
+              <a:latin typeface="Montserrat"/>
+              <a:ea typeface="+mn-ea"/>
+              <a:cs typeface="+mn-cs"/>
+            </a:endParaRPr>
+          </a:p>
+          <a:p>
             <a:pPr marL="285750" marR="0" lvl="0" indent="-285750" algn="l" defTabSz="914400" rtl="0" eaLnBrk="1" fontAlgn="auto" latinLnBrk="0" hangingPunct="1">
               <a:lnSpc>
                 <a:spcPct val="100000"/>
@@ -22446,7 +16926,7 @@
               <a:defRPr/>
             </a:pPr>
             <a:r>
-              <a:rPr kumimoji="0" lang="en-ZA" sz="1800" b="0" i="0" u="none" strike="noStrike" kern="1200" cap="none" spc="0" normalizeH="0" baseline="0" noProof="0" dirty="0">
+              <a:rPr kumimoji="0" lang="en-ZA" sz="2000" b="0" i="0" u="none" strike="noStrike" kern="1200" cap="none" spc="0" normalizeH="0" baseline="0" noProof="0" dirty="0">
                 <a:ln>
                   <a:noFill/>
                 </a:ln>
@@ -22623,7 +17103,7 @@
               <a:defRPr/>
             </a:pPr>
             <a:r>
-              <a:rPr kumimoji="0" lang="en-ZA" sz="1800" b="0" i="0" u="none" strike="noStrike" kern="1200" cap="none" spc="0" normalizeH="0" baseline="0" noProof="0" dirty="0">
+              <a:rPr kumimoji="0" lang="en-ZA" sz="2000" b="0" i="0" u="none" strike="noStrike" kern="1200" cap="none" spc="0" normalizeH="0" baseline="0" noProof="0" dirty="0">
                 <a:ln>
                   <a:noFill/>
                 </a:ln>
@@ -22781,7 +17261,7 @@
 </p:sld>
 </file>
 
-<file path=ppt/slides/slide7.xml><?xml version="1.0" encoding="utf-8"?>
+<file path=ppt/slides/slide6.xml><?xml version="1.0" encoding="utf-8"?>
 <p:sld xmlns:a="http://schemas.openxmlformats.org/drawingml/2006/main" xmlns:r="http://schemas.openxmlformats.org/officeDocument/2006/relationships" xmlns:p="http://schemas.openxmlformats.org/presentationml/2006/main">
   <p:cSld>
     <p:bg>
@@ -24012,7 +18492,7 @@
         <p:spPr>
           <a:xfrm>
             <a:off x="2164044" y="1131102"/>
-            <a:ext cx="7040710" cy="923330"/>
+            <a:ext cx="7308411" cy="1200329"/>
           </a:xfrm>
           <a:prstGeom prst="rect">
             <a:avLst/>
@@ -24036,6 +18516,20 @@
                 </a:solidFill>
               </a:rPr>
               <a:t>Performance and Availability</a:t>
+            </a:r>
+          </a:p>
+          <a:p>
+            <a:pPr marL="742950" lvl="1" indent="-285750">
+              <a:buFont typeface="Arial" panose="020B0604020202020204" pitchFamily="34" charset="0"/>
+              <a:buChar char="•"/>
+            </a:pPr>
+            <a:r>
+              <a:rPr lang="en-ZA" b="1" dirty="0">
+                <a:solidFill>
+                  <a:schemeClr val="bg1"/>
+                </a:solidFill>
+              </a:rPr>
+              <a:t>Uptime measured using uptime robot, well over 99%</a:t>
             </a:r>
           </a:p>
           <a:p>
@@ -24064,14 +18558,11 @@
               <a:buFont typeface="Arial" panose="020B0604020202020204" pitchFamily="34" charset="0"/>
               <a:buChar char="•"/>
             </a:pPr>
-            <a:r>
-              <a:rPr lang="en-ZA" dirty="0">
-                <a:solidFill>
-                  <a:schemeClr val="bg1"/>
-                </a:solidFill>
-              </a:rPr>
-              <a:t>Uptime measured using uptime robot, well over 99%</a:t>
-            </a:r>
+            <a:endParaRPr lang="en-ZA" dirty="0">
+              <a:solidFill>
+                <a:schemeClr val="bg1"/>
+              </a:solidFill>
+            </a:endParaRPr>
           </a:p>
         </p:txBody>
       </p:sp>
@@ -24133,7 +18624,7 @@
 </p:sld>
 </file>
 
-<file path=ppt/slides/slide8.xml><?xml version="1.0" encoding="utf-8"?>
+<file path=ppt/slides/slide7.xml><?xml version="1.0" encoding="utf-8"?>
 <p:sld xmlns:a="http://schemas.openxmlformats.org/drawingml/2006/main" xmlns:r="http://schemas.openxmlformats.org/officeDocument/2006/relationships" xmlns:p="http://schemas.openxmlformats.org/presentationml/2006/main">
   <p:cSld>
     <p:bg>
@@ -25418,54 +19909,13 @@
             </a:r>
           </a:p>
           <a:p>
-            <a:pPr marL="742950" marR="0" lvl="1" indent="-285750" algn="l" defTabSz="914400" rtl="0" eaLnBrk="1" fontAlgn="auto" latinLnBrk="0" hangingPunct="1">
-              <a:lnSpc>
-                <a:spcPct val="100000"/>
-              </a:lnSpc>
-              <a:spcBef>
-                <a:spcPts val="0"/>
-              </a:spcBef>
-              <a:spcAft>
-                <a:spcPts val="0"/>
-              </a:spcAft>
-              <a:buClrTx/>
-              <a:buSzTx/>
+            <a:pPr marL="742950" lvl="1" indent="-285750">
               <a:buFont typeface="Arial" panose="020B0604020202020204" pitchFamily="34" charset="0"/>
               <a:buChar char="•"/>
-              <a:tabLst/>
               <a:defRPr/>
             </a:pPr>
             <a:r>
-              <a:rPr lang="en-GB" sz="1800" b="0" i="0" u="none" strike="noStrike" dirty="0">
-                <a:solidFill>
-                  <a:schemeClr val="bg1"/>
-                </a:solidFill>
-                <a:effectLst/>
-                <a:latin typeface="Arial" panose="020B0604020202020204" pitchFamily="34" charset="0"/>
-              </a:rPr>
-              <a:t>Used lighthouse performance testing from google</a:t>
-            </a:r>
-          </a:p>
-          <a:p>
-            <a:pPr marL="742950" marR="0" lvl="1" indent="-285750" algn="l" defTabSz="914400" rtl="0" eaLnBrk="1" fontAlgn="auto" latinLnBrk="0" hangingPunct="1">
-              <a:lnSpc>
-                <a:spcPct val="100000"/>
-              </a:lnSpc>
-              <a:spcBef>
-                <a:spcPts val="0"/>
-              </a:spcBef>
-              <a:spcAft>
-                <a:spcPts val="0"/>
-              </a:spcAft>
-              <a:buClrTx/>
-              <a:buSzTx/>
-              <a:buFont typeface="Arial" panose="020B0604020202020204" pitchFamily="34" charset="0"/>
-              <a:buChar char="•"/>
-              <a:tabLst/>
-              <a:defRPr/>
-            </a:pPr>
-            <a:r>
-              <a:rPr kumimoji="0" lang="en-ZA" sz="1800" b="0" i="0" u="none" strike="noStrike" kern="1200" cap="none" spc="0" normalizeH="0" baseline="0" noProof="0" dirty="0">
+              <a:rPr kumimoji="0" lang="en-ZA" b="0" i="0" u="none" strike="noStrike" kern="1200" cap="none" spc="0" normalizeH="0" baseline="0" noProof="0" dirty="0">
                 <a:ln>
                   <a:noFill/>
                 </a:ln>
@@ -25480,6 +19930,49 @@
                 <a:cs typeface="+mn-cs"/>
               </a:rPr>
               <a:t>Uptime measured using uptime robot, well over 99%</a:t>
+            </a:r>
+            <a:endParaRPr kumimoji="0" lang="en-ZA" sz="1800" b="0" i="0" u="none" strike="noStrike" kern="1200" cap="none" spc="0" normalizeH="0" baseline="0" noProof="0" dirty="0">
+              <a:ln>
+                <a:noFill/>
+              </a:ln>
+              <a:solidFill>
+                <a:prstClr val="white"/>
+              </a:solidFill>
+              <a:effectLst/>
+              <a:uLnTx/>
+              <a:uFillTx/>
+              <a:latin typeface="Montserrat"/>
+              <a:ea typeface="+mn-ea"/>
+              <a:cs typeface="+mn-cs"/>
+            </a:endParaRPr>
+          </a:p>
+          <a:p>
+            <a:pPr marL="742950" marR="0" lvl="1" indent="-285750" algn="l" defTabSz="914400" rtl="0" eaLnBrk="1" fontAlgn="auto" latinLnBrk="0" hangingPunct="1">
+              <a:lnSpc>
+                <a:spcPct val="100000"/>
+              </a:lnSpc>
+              <a:spcBef>
+                <a:spcPts val="0"/>
+              </a:spcBef>
+              <a:spcAft>
+                <a:spcPts val="0"/>
+              </a:spcAft>
+              <a:buClrTx/>
+              <a:buSzTx/>
+              <a:buFont typeface="Arial" panose="020B0604020202020204" pitchFamily="34" charset="0"/>
+              <a:buChar char="•"/>
+              <a:tabLst/>
+              <a:defRPr/>
+            </a:pPr>
+            <a:r>
+              <a:rPr lang="en-GB" sz="1800" b="1" i="0" u="none" strike="noStrike" dirty="0">
+                <a:solidFill>
+                  <a:schemeClr val="bg1"/>
+                </a:solidFill>
+                <a:effectLst/>
+                <a:latin typeface="Arial" panose="020B0604020202020204" pitchFamily="34" charset="0"/>
+              </a:rPr>
+              <a:t>Used lighthouse performance testing from google</a:t>
             </a:r>
           </a:p>
         </p:txBody>
@@ -25568,7 +20061,7 @@
 </p:sld>
 </file>
 
-<file path=ppt/slides/slide9.xml><?xml version="1.0" encoding="utf-8"?>
+<file path=ppt/slides/slide8.xml><?xml version="1.0" encoding="utf-8"?>
 <p:sld xmlns:a="http://schemas.openxmlformats.org/drawingml/2006/main" xmlns:r="http://schemas.openxmlformats.org/officeDocument/2006/relationships" xmlns:p="http://schemas.openxmlformats.org/presentationml/2006/main">
   <p:cSld>
     <p:bg>
@@ -26804,7 +21297,7 @@
         <p:spPr>
           <a:xfrm>
             <a:off x="1905865" y="1243349"/>
-            <a:ext cx="4719562" cy="369332"/>
+            <a:ext cx="4381328" cy="369332"/>
           </a:xfrm>
           <a:prstGeom prst="rect">
             <a:avLst/>
@@ -26849,7 +21342,7 @@
                 <a:ea typeface="+mn-ea"/>
                 <a:cs typeface="+mn-cs"/>
               </a:rPr>
-              <a:t>Code coverage is currently at 80.67%</a:t>
+              <a:t>Code coverage is currently at 86%</a:t>
             </a:r>
           </a:p>
         </p:txBody>
@@ -26894,6 +21387,1764 @@
     <p:extLst>
       <p:ext uri="{BB962C8B-B14F-4D97-AF65-F5344CB8AC3E}">
         <p14:creationId xmlns:p14="http://schemas.microsoft.com/office/powerpoint/2010/main" val="1512265563"/>
+      </p:ext>
+    </p:extLst>
+  </p:cSld>
+  <p:clrMapOvr>
+    <a:masterClrMapping/>
+  </p:clrMapOvr>
+</p:sld>
+</file>
+
+<file path=ppt/slides/slide9.xml><?xml version="1.0" encoding="utf-8"?>
+<p:sld xmlns:a="http://schemas.openxmlformats.org/drawingml/2006/main" xmlns:r="http://schemas.openxmlformats.org/officeDocument/2006/relationships" xmlns:p="http://schemas.openxmlformats.org/presentationml/2006/main">
+  <p:cSld>
+    <p:bg>
+      <p:bgPr>
+        <a:solidFill>
+          <a:srgbClr val="DE283B"/>
+        </a:solidFill>
+        <a:effectLst/>
+      </p:bgPr>
+    </p:bg>
+    <p:spTree>
+      <p:nvGrpSpPr>
+        <p:cNvPr id="1" name=""/>
+        <p:cNvGrpSpPr/>
+        <p:nvPr/>
+      </p:nvGrpSpPr>
+      <p:grpSpPr>
+        <a:xfrm>
+          <a:off x="0" y="0"/>
+          <a:ext cx="0" cy="0"/>
+          <a:chOff x="0" y="0"/>
+          <a:chExt cx="0" cy="0"/>
+        </a:xfrm>
+      </p:grpSpPr>
+      <p:sp>
+        <p:nvSpPr>
+          <p:cNvPr id="5" name="Oval 4">
+            <a:extLst>
+              <a:ext uri="{FF2B5EF4-FFF2-40B4-BE49-F238E27FC236}">
+                <a16:creationId xmlns:a16="http://schemas.microsoft.com/office/drawing/2014/main" id="{9BFE15A5-799E-421F-BCFE-9C7EAF1C1854}"/>
+              </a:ext>
+            </a:extLst>
+          </p:cNvPr>
+          <p:cNvSpPr/>
+          <p:nvPr/>
+        </p:nvSpPr>
+        <p:spPr>
+          <a:xfrm>
+            <a:off x="1529753" y="5322826"/>
+            <a:ext cx="158168" cy="158168"/>
+          </a:xfrm>
+          <a:prstGeom prst="ellipse">
+            <a:avLst/>
+          </a:prstGeom>
+          <a:solidFill>
+            <a:schemeClr val="bg2">
+              <a:lumMod val="25000"/>
+            </a:schemeClr>
+          </a:solidFill>
+          <a:ln>
+            <a:noFill/>
+          </a:ln>
+        </p:spPr>
+        <p:style>
+          <a:lnRef idx="2">
+            <a:schemeClr val="accent1">
+              <a:shade val="50000"/>
+            </a:schemeClr>
+          </a:lnRef>
+          <a:fillRef idx="1">
+            <a:schemeClr val="accent1"/>
+          </a:fillRef>
+          <a:effectRef idx="0">
+            <a:schemeClr val="accent1"/>
+          </a:effectRef>
+          <a:fontRef idx="minor">
+            <a:schemeClr val="lt1"/>
+          </a:fontRef>
+        </p:style>
+        <p:txBody>
+          <a:bodyPr rtlCol="0" anchor="ctr"/>
+          <a:lstStyle/>
+          <a:p>
+            <a:pPr marL="0" marR="0" lvl="0" indent="0" algn="ctr" defTabSz="914400" rtl="0" eaLnBrk="1" fontAlgn="auto" latinLnBrk="0" hangingPunct="1">
+              <a:lnSpc>
+                <a:spcPct val="100000"/>
+              </a:lnSpc>
+              <a:spcBef>
+                <a:spcPts val="0"/>
+              </a:spcBef>
+              <a:spcAft>
+                <a:spcPts val="0"/>
+              </a:spcAft>
+              <a:buClrTx/>
+              <a:buSzTx/>
+              <a:buFontTx/>
+              <a:buNone/>
+              <a:tabLst/>
+              <a:defRPr/>
+            </a:pPr>
+            <a:endParaRPr kumimoji="0" lang="en-US" sz="1800" b="0" i="0" u="none" strike="noStrike" kern="1200" cap="none" spc="0" normalizeH="0" baseline="0" noProof="0" dirty="0">
+              <a:ln>
+                <a:noFill/>
+              </a:ln>
+              <a:solidFill>
+                <a:prstClr val="white"/>
+              </a:solidFill>
+              <a:effectLst/>
+              <a:uLnTx/>
+              <a:uFillTx/>
+              <a:latin typeface="Montserrat"/>
+              <a:ea typeface="+mn-ea"/>
+              <a:cs typeface="+mn-cs"/>
+            </a:endParaRPr>
+          </a:p>
+        </p:txBody>
+      </p:sp>
+      <p:sp>
+        <p:nvSpPr>
+          <p:cNvPr id="6" name="Oval 5">
+            <a:extLst>
+              <a:ext uri="{FF2B5EF4-FFF2-40B4-BE49-F238E27FC236}">
+                <a16:creationId xmlns:a16="http://schemas.microsoft.com/office/drawing/2014/main" id="{0A4ABBFC-76A7-4FC2-A983-AB55DB1BF542}"/>
+              </a:ext>
+            </a:extLst>
+          </p:cNvPr>
+          <p:cNvSpPr/>
+          <p:nvPr/>
+        </p:nvSpPr>
+        <p:spPr>
+          <a:xfrm>
+            <a:off x="1032025" y="673184"/>
+            <a:ext cx="262560" cy="262560"/>
+          </a:xfrm>
+          <a:prstGeom prst="ellipse">
+            <a:avLst/>
+          </a:prstGeom>
+          <a:solidFill>
+            <a:schemeClr val="bg1"/>
+          </a:solidFill>
+          <a:ln>
+            <a:noFill/>
+          </a:ln>
+        </p:spPr>
+        <p:style>
+          <a:lnRef idx="2">
+            <a:schemeClr val="accent1">
+              <a:shade val="50000"/>
+            </a:schemeClr>
+          </a:lnRef>
+          <a:fillRef idx="1">
+            <a:schemeClr val="accent1"/>
+          </a:fillRef>
+          <a:effectRef idx="0">
+            <a:schemeClr val="accent1"/>
+          </a:effectRef>
+          <a:fontRef idx="minor">
+            <a:schemeClr val="lt1"/>
+          </a:fontRef>
+        </p:style>
+        <p:txBody>
+          <a:bodyPr rtlCol="0" anchor="ctr"/>
+          <a:lstStyle/>
+          <a:p>
+            <a:pPr marL="0" marR="0" lvl="0" indent="0" algn="ctr" defTabSz="914400" rtl="0" eaLnBrk="1" fontAlgn="auto" latinLnBrk="0" hangingPunct="1">
+              <a:lnSpc>
+                <a:spcPct val="100000"/>
+              </a:lnSpc>
+              <a:spcBef>
+                <a:spcPts val="0"/>
+              </a:spcBef>
+              <a:spcAft>
+                <a:spcPts val="0"/>
+              </a:spcAft>
+              <a:buClrTx/>
+              <a:buSzTx/>
+              <a:buFontTx/>
+              <a:buNone/>
+              <a:tabLst/>
+              <a:defRPr/>
+            </a:pPr>
+            <a:endParaRPr kumimoji="0" lang="en-US" sz="1800" b="0" i="0" u="none" strike="noStrike" kern="1200" cap="none" spc="0" normalizeH="0" baseline="0" noProof="0" dirty="0">
+              <a:ln>
+                <a:noFill/>
+              </a:ln>
+              <a:solidFill>
+                <a:prstClr val="white"/>
+              </a:solidFill>
+              <a:effectLst/>
+              <a:uLnTx/>
+              <a:uFillTx/>
+              <a:latin typeface="Montserrat"/>
+              <a:ea typeface="+mn-ea"/>
+              <a:cs typeface="+mn-cs"/>
+            </a:endParaRPr>
+          </a:p>
+        </p:txBody>
+      </p:sp>
+      <p:sp>
+        <p:nvSpPr>
+          <p:cNvPr id="8" name="Freeform: Shape 7">
+            <a:extLst>
+              <a:ext uri="{FF2B5EF4-FFF2-40B4-BE49-F238E27FC236}">
+                <a16:creationId xmlns:a16="http://schemas.microsoft.com/office/drawing/2014/main" id="{D05ED739-895E-49AA-BBA0-0E1AEE15D56F}"/>
+              </a:ext>
+            </a:extLst>
+          </p:cNvPr>
+          <p:cNvSpPr/>
+          <p:nvPr/>
+        </p:nvSpPr>
+        <p:spPr>
+          <a:xfrm rot="10800000">
+            <a:off x="-871" y="6204894"/>
+            <a:ext cx="131280" cy="262560"/>
+          </a:xfrm>
+          <a:custGeom>
+            <a:avLst/>
+            <a:gdLst>
+              <a:gd name="connsiteX0" fmla="*/ 131280 w 131280"/>
+              <a:gd name="connsiteY0" fmla="*/ 0 h 262560"/>
+              <a:gd name="connsiteX1" fmla="*/ 131280 w 131280"/>
+              <a:gd name="connsiteY1" fmla="*/ 262560 h 262560"/>
+              <a:gd name="connsiteX2" fmla="*/ 0 w 131280"/>
+              <a:gd name="connsiteY2" fmla="*/ 131280 h 262560"/>
+              <a:gd name="connsiteX3" fmla="*/ 131280 w 131280"/>
+              <a:gd name="connsiteY3" fmla="*/ 0 h 262560"/>
+            </a:gdLst>
+            <a:ahLst/>
+            <a:cxnLst>
+              <a:cxn ang="0">
+                <a:pos x="connsiteX0" y="connsiteY0"/>
+              </a:cxn>
+              <a:cxn ang="0">
+                <a:pos x="connsiteX1" y="connsiteY1"/>
+              </a:cxn>
+              <a:cxn ang="0">
+                <a:pos x="connsiteX2" y="connsiteY2"/>
+              </a:cxn>
+              <a:cxn ang="0">
+                <a:pos x="connsiteX3" y="connsiteY3"/>
+              </a:cxn>
+            </a:cxnLst>
+            <a:rect l="l" t="t" r="r" b="b"/>
+            <a:pathLst>
+              <a:path w="131280" h="262560">
+                <a:moveTo>
+                  <a:pt x="131280" y="0"/>
+                </a:moveTo>
+                <a:lnTo>
+                  <a:pt x="131280" y="262560"/>
+                </a:lnTo>
+                <a:cubicBezTo>
+                  <a:pt x="58776" y="262560"/>
+                  <a:pt x="0" y="203784"/>
+                  <a:pt x="0" y="131280"/>
+                </a:cubicBezTo>
+                <a:cubicBezTo>
+                  <a:pt x="0" y="58776"/>
+                  <a:pt x="58776" y="0"/>
+                  <a:pt x="131280" y="0"/>
+                </a:cubicBezTo>
+                <a:close/>
+              </a:path>
+            </a:pathLst>
+          </a:custGeom>
+          <a:solidFill>
+            <a:schemeClr val="bg1"/>
+          </a:solidFill>
+          <a:ln>
+            <a:noFill/>
+          </a:ln>
+        </p:spPr>
+        <p:style>
+          <a:lnRef idx="2">
+            <a:schemeClr val="accent1">
+              <a:shade val="50000"/>
+            </a:schemeClr>
+          </a:lnRef>
+          <a:fillRef idx="1">
+            <a:schemeClr val="accent1"/>
+          </a:fillRef>
+          <a:effectRef idx="0">
+            <a:schemeClr val="accent1"/>
+          </a:effectRef>
+          <a:fontRef idx="minor">
+            <a:schemeClr val="lt1"/>
+          </a:fontRef>
+        </p:style>
+        <p:txBody>
+          <a:bodyPr wrap="square" rtlCol="0" anchor="ctr">
+            <a:noAutofit/>
+          </a:bodyPr>
+          <a:lstStyle/>
+          <a:p>
+            <a:pPr marL="0" marR="0" lvl="0" indent="0" algn="ctr" defTabSz="914400" rtl="0" eaLnBrk="1" fontAlgn="auto" latinLnBrk="0" hangingPunct="1">
+              <a:lnSpc>
+                <a:spcPct val="100000"/>
+              </a:lnSpc>
+              <a:spcBef>
+                <a:spcPts val="0"/>
+              </a:spcBef>
+              <a:spcAft>
+                <a:spcPts val="0"/>
+              </a:spcAft>
+              <a:buClrTx/>
+              <a:buSzTx/>
+              <a:buFontTx/>
+              <a:buNone/>
+              <a:tabLst/>
+              <a:defRPr/>
+            </a:pPr>
+            <a:endParaRPr kumimoji="0" lang="en-US" sz="1800" b="0" i="0" u="none" strike="noStrike" kern="1200" cap="none" spc="0" normalizeH="0" baseline="0" noProof="0" dirty="0">
+              <a:ln>
+                <a:noFill/>
+              </a:ln>
+              <a:solidFill>
+                <a:prstClr val="white"/>
+              </a:solidFill>
+              <a:effectLst/>
+              <a:uLnTx/>
+              <a:uFillTx/>
+              <a:latin typeface="Montserrat"/>
+              <a:ea typeface="+mn-ea"/>
+              <a:cs typeface="+mn-cs"/>
+            </a:endParaRPr>
+          </a:p>
+        </p:txBody>
+      </p:sp>
+      <p:sp>
+        <p:nvSpPr>
+          <p:cNvPr id="9" name="Freeform: Shape 8">
+            <a:extLst>
+              <a:ext uri="{FF2B5EF4-FFF2-40B4-BE49-F238E27FC236}">
+                <a16:creationId xmlns:a16="http://schemas.microsoft.com/office/drawing/2014/main" id="{D5447901-BA28-476E-94BF-5425985FA436}"/>
+              </a:ext>
+            </a:extLst>
+          </p:cNvPr>
+          <p:cNvSpPr/>
+          <p:nvPr/>
+        </p:nvSpPr>
+        <p:spPr>
+          <a:xfrm rot="10800000">
+            <a:off x="-871" y="1863642"/>
+            <a:ext cx="131280" cy="262560"/>
+          </a:xfrm>
+          <a:custGeom>
+            <a:avLst/>
+            <a:gdLst>
+              <a:gd name="connsiteX0" fmla="*/ 131280 w 131280"/>
+              <a:gd name="connsiteY0" fmla="*/ 0 h 262560"/>
+              <a:gd name="connsiteX1" fmla="*/ 131280 w 131280"/>
+              <a:gd name="connsiteY1" fmla="*/ 262560 h 262560"/>
+              <a:gd name="connsiteX2" fmla="*/ 0 w 131280"/>
+              <a:gd name="connsiteY2" fmla="*/ 131280 h 262560"/>
+              <a:gd name="connsiteX3" fmla="*/ 131280 w 131280"/>
+              <a:gd name="connsiteY3" fmla="*/ 0 h 262560"/>
+            </a:gdLst>
+            <a:ahLst/>
+            <a:cxnLst>
+              <a:cxn ang="0">
+                <a:pos x="connsiteX0" y="connsiteY0"/>
+              </a:cxn>
+              <a:cxn ang="0">
+                <a:pos x="connsiteX1" y="connsiteY1"/>
+              </a:cxn>
+              <a:cxn ang="0">
+                <a:pos x="connsiteX2" y="connsiteY2"/>
+              </a:cxn>
+              <a:cxn ang="0">
+                <a:pos x="connsiteX3" y="connsiteY3"/>
+              </a:cxn>
+            </a:cxnLst>
+            <a:rect l="l" t="t" r="r" b="b"/>
+            <a:pathLst>
+              <a:path w="131280" h="262560">
+                <a:moveTo>
+                  <a:pt x="131280" y="0"/>
+                </a:moveTo>
+                <a:lnTo>
+                  <a:pt x="131280" y="262560"/>
+                </a:lnTo>
+                <a:cubicBezTo>
+                  <a:pt x="58776" y="262560"/>
+                  <a:pt x="0" y="203784"/>
+                  <a:pt x="0" y="131280"/>
+                </a:cubicBezTo>
+                <a:cubicBezTo>
+                  <a:pt x="0" y="58776"/>
+                  <a:pt x="58776" y="0"/>
+                  <a:pt x="131280" y="0"/>
+                </a:cubicBezTo>
+                <a:close/>
+              </a:path>
+            </a:pathLst>
+          </a:custGeom>
+          <a:solidFill>
+            <a:schemeClr val="bg2">
+              <a:lumMod val="25000"/>
+            </a:schemeClr>
+          </a:solidFill>
+          <a:ln>
+            <a:noFill/>
+          </a:ln>
+        </p:spPr>
+        <p:style>
+          <a:lnRef idx="2">
+            <a:schemeClr val="accent1">
+              <a:shade val="50000"/>
+            </a:schemeClr>
+          </a:lnRef>
+          <a:fillRef idx="1">
+            <a:schemeClr val="accent1"/>
+          </a:fillRef>
+          <a:effectRef idx="0">
+            <a:schemeClr val="accent1"/>
+          </a:effectRef>
+          <a:fontRef idx="minor">
+            <a:schemeClr val="lt1"/>
+          </a:fontRef>
+        </p:style>
+        <p:txBody>
+          <a:bodyPr wrap="square" rtlCol="0" anchor="ctr">
+            <a:noAutofit/>
+          </a:bodyPr>
+          <a:lstStyle/>
+          <a:p>
+            <a:pPr marL="0" marR="0" lvl="0" indent="0" algn="ctr" defTabSz="914400" rtl="0" eaLnBrk="1" fontAlgn="auto" latinLnBrk="0" hangingPunct="1">
+              <a:lnSpc>
+                <a:spcPct val="100000"/>
+              </a:lnSpc>
+              <a:spcBef>
+                <a:spcPts val="0"/>
+              </a:spcBef>
+              <a:spcAft>
+                <a:spcPts val="0"/>
+              </a:spcAft>
+              <a:buClrTx/>
+              <a:buSzTx/>
+              <a:buFontTx/>
+              <a:buNone/>
+              <a:tabLst/>
+              <a:defRPr/>
+            </a:pPr>
+            <a:endParaRPr kumimoji="0" lang="en-US" sz="1800" b="0" i="0" u="none" strike="noStrike" kern="1200" cap="none" spc="0" normalizeH="0" baseline="0" noProof="0" dirty="0">
+              <a:ln>
+                <a:noFill/>
+              </a:ln>
+              <a:solidFill>
+                <a:prstClr val="white"/>
+              </a:solidFill>
+              <a:effectLst/>
+              <a:uLnTx/>
+              <a:uFillTx/>
+              <a:latin typeface="Montserrat"/>
+              <a:ea typeface="+mn-ea"/>
+              <a:cs typeface="+mn-cs"/>
+            </a:endParaRPr>
+          </a:p>
+        </p:txBody>
+      </p:sp>
+      <p:sp>
+        <p:nvSpPr>
+          <p:cNvPr id="10" name="Oval 9">
+            <a:extLst>
+              <a:ext uri="{FF2B5EF4-FFF2-40B4-BE49-F238E27FC236}">
+                <a16:creationId xmlns:a16="http://schemas.microsoft.com/office/drawing/2014/main" id="{B9732762-70FC-44FD-8026-6FC1020853A9}"/>
+              </a:ext>
+            </a:extLst>
+          </p:cNvPr>
+          <p:cNvSpPr/>
+          <p:nvPr/>
+        </p:nvSpPr>
+        <p:spPr>
+          <a:xfrm>
+            <a:off x="10848472" y="3340062"/>
+            <a:ext cx="158168" cy="158168"/>
+          </a:xfrm>
+          <a:prstGeom prst="ellipse">
+            <a:avLst/>
+          </a:prstGeom>
+          <a:solidFill>
+            <a:schemeClr val="bg2">
+              <a:lumMod val="25000"/>
+            </a:schemeClr>
+          </a:solidFill>
+          <a:ln>
+            <a:noFill/>
+          </a:ln>
+        </p:spPr>
+        <p:style>
+          <a:lnRef idx="2">
+            <a:schemeClr val="accent1">
+              <a:shade val="50000"/>
+            </a:schemeClr>
+          </a:lnRef>
+          <a:fillRef idx="1">
+            <a:schemeClr val="accent1"/>
+          </a:fillRef>
+          <a:effectRef idx="0">
+            <a:schemeClr val="accent1"/>
+          </a:effectRef>
+          <a:fontRef idx="minor">
+            <a:schemeClr val="lt1"/>
+          </a:fontRef>
+        </p:style>
+        <p:txBody>
+          <a:bodyPr rtlCol="0" anchor="ctr"/>
+          <a:lstStyle/>
+          <a:p>
+            <a:pPr marL="0" marR="0" lvl="0" indent="0" algn="ctr" defTabSz="914400" rtl="0" eaLnBrk="1" fontAlgn="auto" latinLnBrk="0" hangingPunct="1">
+              <a:lnSpc>
+                <a:spcPct val="100000"/>
+              </a:lnSpc>
+              <a:spcBef>
+                <a:spcPts val="0"/>
+              </a:spcBef>
+              <a:spcAft>
+                <a:spcPts val="0"/>
+              </a:spcAft>
+              <a:buClrTx/>
+              <a:buSzTx/>
+              <a:buFontTx/>
+              <a:buNone/>
+              <a:tabLst/>
+              <a:defRPr/>
+            </a:pPr>
+            <a:endParaRPr kumimoji="0" lang="en-US" sz="1800" b="0" i="0" u="none" strike="noStrike" kern="1200" cap="none" spc="0" normalizeH="0" baseline="0" noProof="0" dirty="0">
+              <a:ln>
+                <a:noFill/>
+              </a:ln>
+              <a:solidFill>
+                <a:prstClr val="white"/>
+              </a:solidFill>
+              <a:effectLst/>
+              <a:uLnTx/>
+              <a:uFillTx/>
+              <a:latin typeface="Montserrat"/>
+              <a:ea typeface="+mn-ea"/>
+              <a:cs typeface="+mn-cs"/>
+            </a:endParaRPr>
+          </a:p>
+        </p:txBody>
+      </p:sp>
+      <p:sp>
+        <p:nvSpPr>
+          <p:cNvPr id="11" name="Oval 10">
+            <a:extLst>
+              <a:ext uri="{FF2B5EF4-FFF2-40B4-BE49-F238E27FC236}">
+                <a16:creationId xmlns:a16="http://schemas.microsoft.com/office/drawing/2014/main" id="{7EA21643-1E5D-4645-8448-B1E8F9598926}"/>
+              </a:ext>
+            </a:extLst>
+          </p:cNvPr>
+          <p:cNvSpPr/>
+          <p:nvPr/>
+        </p:nvSpPr>
+        <p:spPr>
+          <a:xfrm>
+            <a:off x="10949025" y="673184"/>
+            <a:ext cx="158168" cy="158168"/>
+          </a:xfrm>
+          <a:prstGeom prst="ellipse">
+            <a:avLst/>
+          </a:prstGeom>
+          <a:solidFill>
+            <a:schemeClr val="bg2">
+              <a:lumMod val="25000"/>
+            </a:schemeClr>
+          </a:solidFill>
+          <a:ln>
+            <a:noFill/>
+          </a:ln>
+        </p:spPr>
+        <p:style>
+          <a:lnRef idx="2">
+            <a:schemeClr val="accent1">
+              <a:shade val="50000"/>
+            </a:schemeClr>
+          </a:lnRef>
+          <a:fillRef idx="1">
+            <a:schemeClr val="accent1"/>
+          </a:fillRef>
+          <a:effectRef idx="0">
+            <a:schemeClr val="accent1"/>
+          </a:effectRef>
+          <a:fontRef idx="minor">
+            <a:schemeClr val="lt1"/>
+          </a:fontRef>
+        </p:style>
+        <p:txBody>
+          <a:bodyPr rtlCol="0" anchor="ctr"/>
+          <a:lstStyle/>
+          <a:p>
+            <a:pPr marL="0" marR="0" lvl="0" indent="0" algn="ctr" defTabSz="914400" rtl="0" eaLnBrk="1" fontAlgn="auto" latinLnBrk="0" hangingPunct="1">
+              <a:lnSpc>
+                <a:spcPct val="100000"/>
+              </a:lnSpc>
+              <a:spcBef>
+                <a:spcPts val="0"/>
+              </a:spcBef>
+              <a:spcAft>
+                <a:spcPts val="0"/>
+              </a:spcAft>
+              <a:buClrTx/>
+              <a:buSzTx/>
+              <a:buFontTx/>
+              <a:buNone/>
+              <a:tabLst/>
+              <a:defRPr/>
+            </a:pPr>
+            <a:endParaRPr kumimoji="0" lang="en-US" sz="1800" b="0" i="0" u="none" strike="noStrike" kern="1200" cap="none" spc="0" normalizeH="0" baseline="0" noProof="0" dirty="0">
+              <a:ln>
+                <a:noFill/>
+              </a:ln>
+              <a:solidFill>
+                <a:prstClr val="white"/>
+              </a:solidFill>
+              <a:effectLst/>
+              <a:uLnTx/>
+              <a:uFillTx/>
+              <a:latin typeface="Montserrat"/>
+              <a:ea typeface="+mn-ea"/>
+              <a:cs typeface="+mn-cs"/>
+            </a:endParaRPr>
+          </a:p>
+        </p:txBody>
+      </p:sp>
+      <p:sp>
+        <p:nvSpPr>
+          <p:cNvPr id="12" name="Oval 11">
+            <a:extLst>
+              <a:ext uri="{FF2B5EF4-FFF2-40B4-BE49-F238E27FC236}">
+                <a16:creationId xmlns:a16="http://schemas.microsoft.com/office/drawing/2014/main" id="{6F762BF8-9D33-4F22-8C8B-794D95486038}"/>
+              </a:ext>
+            </a:extLst>
+          </p:cNvPr>
+          <p:cNvSpPr/>
+          <p:nvPr/>
+        </p:nvSpPr>
+        <p:spPr>
+          <a:xfrm>
+            <a:off x="11206956" y="5933756"/>
+            <a:ext cx="262560" cy="262560"/>
+          </a:xfrm>
+          <a:prstGeom prst="ellipse">
+            <a:avLst/>
+          </a:prstGeom>
+          <a:solidFill>
+            <a:schemeClr val="bg1"/>
+          </a:solidFill>
+          <a:ln>
+            <a:noFill/>
+          </a:ln>
+        </p:spPr>
+        <p:style>
+          <a:lnRef idx="2">
+            <a:schemeClr val="accent1">
+              <a:shade val="50000"/>
+            </a:schemeClr>
+          </a:lnRef>
+          <a:fillRef idx="1">
+            <a:schemeClr val="accent1"/>
+          </a:fillRef>
+          <a:effectRef idx="0">
+            <a:schemeClr val="accent1"/>
+          </a:effectRef>
+          <a:fontRef idx="minor">
+            <a:schemeClr val="lt1"/>
+          </a:fontRef>
+        </p:style>
+        <p:txBody>
+          <a:bodyPr rtlCol="0" anchor="ctr"/>
+          <a:lstStyle/>
+          <a:p>
+            <a:pPr marL="0" marR="0" lvl="0" indent="0" algn="ctr" defTabSz="914400" rtl="0" eaLnBrk="1" fontAlgn="auto" latinLnBrk="0" hangingPunct="1">
+              <a:lnSpc>
+                <a:spcPct val="100000"/>
+              </a:lnSpc>
+              <a:spcBef>
+                <a:spcPts val="0"/>
+              </a:spcBef>
+              <a:spcAft>
+                <a:spcPts val="0"/>
+              </a:spcAft>
+              <a:buClrTx/>
+              <a:buSzTx/>
+              <a:buFontTx/>
+              <a:buNone/>
+              <a:tabLst/>
+              <a:defRPr/>
+            </a:pPr>
+            <a:endParaRPr kumimoji="0" lang="en-US" sz="1800" b="0" i="0" u="none" strike="noStrike" kern="1200" cap="none" spc="0" normalizeH="0" baseline="0" noProof="0" dirty="0">
+              <a:ln>
+                <a:noFill/>
+              </a:ln>
+              <a:solidFill>
+                <a:prstClr val="white"/>
+              </a:solidFill>
+              <a:effectLst/>
+              <a:uLnTx/>
+              <a:uFillTx/>
+              <a:latin typeface="Montserrat"/>
+              <a:ea typeface="+mn-ea"/>
+              <a:cs typeface="+mn-cs"/>
+            </a:endParaRPr>
+          </a:p>
+        </p:txBody>
+      </p:sp>
+      <p:sp>
+        <p:nvSpPr>
+          <p:cNvPr id="13" name="Oval 12">
+            <a:extLst>
+              <a:ext uri="{FF2B5EF4-FFF2-40B4-BE49-F238E27FC236}">
+                <a16:creationId xmlns:a16="http://schemas.microsoft.com/office/drawing/2014/main" id="{5338BC99-AC7D-49D4-B253-9BECC4D02BD7}"/>
+              </a:ext>
+            </a:extLst>
+          </p:cNvPr>
+          <p:cNvSpPr/>
+          <p:nvPr/>
+        </p:nvSpPr>
+        <p:spPr>
+          <a:xfrm>
+            <a:off x="9674978" y="1670162"/>
+            <a:ext cx="262560" cy="262560"/>
+          </a:xfrm>
+          <a:prstGeom prst="ellipse">
+            <a:avLst/>
+          </a:prstGeom>
+          <a:solidFill>
+            <a:schemeClr val="bg1"/>
+          </a:solidFill>
+          <a:ln>
+            <a:noFill/>
+          </a:ln>
+        </p:spPr>
+        <p:style>
+          <a:lnRef idx="2">
+            <a:schemeClr val="accent1">
+              <a:shade val="50000"/>
+            </a:schemeClr>
+          </a:lnRef>
+          <a:fillRef idx="1">
+            <a:schemeClr val="accent1"/>
+          </a:fillRef>
+          <a:effectRef idx="0">
+            <a:schemeClr val="accent1"/>
+          </a:effectRef>
+          <a:fontRef idx="minor">
+            <a:schemeClr val="lt1"/>
+          </a:fontRef>
+        </p:style>
+        <p:txBody>
+          <a:bodyPr rtlCol="0" anchor="ctr"/>
+          <a:lstStyle/>
+          <a:p>
+            <a:pPr marL="0" marR="0" lvl="0" indent="0" algn="ctr" defTabSz="914400" rtl="0" eaLnBrk="1" fontAlgn="auto" latinLnBrk="0" hangingPunct="1">
+              <a:lnSpc>
+                <a:spcPct val="100000"/>
+              </a:lnSpc>
+              <a:spcBef>
+                <a:spcPts val="0"/>
+              </a:spcBef>
+              <a:spcAft>
+                <a:spcPts val="0"/>
+              </a:spcAft>
+              <a:buClrTx/>
+              <a:buSzTx/>
+              <a:buFontTx/>
+              <a:buNone/>
+              <a:tabLst/>
+              <a:defRPr/>
+            </a:pPr>
+            <a:endParaRPr kumimoji="0" lang="en-US" sz="1800" b="0" i="0" u="none" strike="noStrike" kern="1200" cap="none" spc="0" normalizeH="0" baseline="0" noProof="0" dirty="0">
+              <a:ln>
+                <a:noFill/>
+              </a:ln>
+              <a:solidFill>
+                <a:prstClr val="white"/>
+              </a:solidFill>
+              <a:effectLst/>
+              <a:uLnTx/>
+              <a:uFillTx/>
+              <a:latin typeface="Montserrat"/>
+              <a:ea typeface="+mn-ea"/>
+              <a:cs typeface="+mn-cs"/>
+            </a:endParaRPr>
+          </a:p>
+        </p:txBody>
+      </p:sp>
+      <p:sp>
+        <p:nvSpPr>
+          <p:cNvPr id="14" name="Freeform: Shape 13">
+            <a:extLst>
+              <a:ext uri="{FF2B5EF4-FFF2-40B4-BE49-F238E27FC236}">
+                <a16:creationId xmlns:a16="http://schemas.microsoft.com/office/drawing/2014/main" id="{A685EDDA-22C7-44D4-9D0C-9FC0D2D7D692}"/>
+              </a:ext>
+            </a:extLst>
+          </p:cNvPr>
+          <p:cNvSpPr/>
+          <p:nvPr/>
+        </p:nvSpPr>
+        <p:spPr>
+          <a:xfrm>
+            <a:off x="12056564" y="5480994"/>
+            <a:ext cx="131280" cy="262560"/>
+          </a:xfrm>
+          <a:custGeom>
+            <a:avLst/>
+            <a:gdLst>
+              <a:gd name="connsiteX0" fmla="*/ 131280 w 131280"/>
+              <a:gd name="connsiteY0" fmla="*/ 0 h 262560"/>
+              <a:gd name="connsiteX1" fmla="*/ 131280 w 131280"/>
+              <a:gd name="connsiteY1" fmla="*/ 262560 h 262560"/>
+              <a:gd name="connsiteX2" fmla="*/ 0 w 131280"/>
+              <a:gd name="connsiteY2" fmla="*/ 131280 h 262560"/>
+              <a:gd name="connsiteX3" fmla="*/ 131280 w 131280"/>
+              <a:gd name="connsiteY3" fmla="*/ 0 h 262560"/>
+            </a:gdLst>
+            <a:ahLst/>
+            <a:cxnLst>
+              <a:cxn ang="0">
+                <a:pos x="connsiteX0" y="connsiteY0"/>
+              </a:cxn>
+              <a:cxn ang="0">
+                <a:pos x="connsiteX1" y="connsiteY1"/>
+              </a:cxn>
+              <a:cxn ang="0">
+                <a:pos x="connsiteX2" y="connsiteY2"/>
+              </a:cxn>
+              <a:cxn ang="0">
+                <a:pos x="connsiteX3" y="connsiteY3"/>
+              </a:cxn>
+            </a:cxnLst>
+            <a:rect l="l" t="t" r="r" b="b"/>
+            <a:pathLst>
+              <a:path w="131280" h="262560">
+                <a:moveTo>
+                  <a:pt x="131280" y="0"/>
+                </a:moveTo>
+                <a:lnTo>
+                  <a:pt x="131280" y="262560"/>
+                </a:lnTo>
+                <a:cubicBezTo>
+                  <a:pt x="58776" y="262560"/>
+                  <a:pt x="0" y="203784"/>
+                  <a:pt x="0" y="131280"/>
+                </a:cubicBezTo>
+                <a:cubicBezTo>
+                  <a:pt x="0" y="58776"/>
+                  <a:pt x="58776" y="0"/>
+                  <a:pt x="131280" y="0"/>
+                </a:cubicBezTo>
+                <a:close/>
+              </a:path>
+            </a:pathLst>
+          </a:custGeom>
+          <a:solidFill>
+            <a:schemeClr val="bg2">
+              <a:lumMod val="25000"/>
+            </a:schemeClr>
+          </a:solidFill>
+          <a:ln>
+            <a:noFill/>
+          </a:ln>
+        </p:spPr>
+        <p:style>
+          <a:lnRef idx="2">
+            <a:schemeClr val="accent1">
+              <a:shade val="50000"/>
+            </a:schemeClr>
+          </a:lnRef>
+          <a:fillRef idx="1">
+            <a:schemeClr val="accent1"/>
+          </a:fillRef>
+          <a:effectRef idx="0">
+            <a:schemeClr val="accent1"/>
+          </a:effectRef>
+          <a:fontRef idx="minor">
+            <a:schemeClr val="lt1"/>
+          </a:fontRef>
+        </p:style>
+        <p:txBody>
+          <a:bodyPr wrap="square" rtlCol="0" anchor="ctr">
+            <a:noAutofit/>
+          </a:bodyPr>
+          <a:lstStyle/>
+          <a:p>
+            <a:pPr marL="0" marR="0" lvl="0" indent="0" algn="ctr" defTabSz="914400" rtl="0" eaLnBrk="1" fontAlgn="auto" latinLnBrk="0" hangingPunct="1">
+              <a:lnSpc>
+                <a:spcPct val="100000"/>
+              </a:lnSpc>
+              <a:spcBef>
+                <a:spcPts val="0"/>
+              </a:spcBef>
+              <a:spcAft>
+                <a:spcPts val="0"/>
+              </a:spcAft>
+              <a:buClrTx/>
+              <a:buSzTx/>
+              <a:buFontTx/>
+              <a:buNone/>
+              <a:tabLst/>
+              <a:defRPr/>
+            </a:pPr>
+            <a:endParaRPr kumimoji="0" lang="en-US" sz="1800" b="0" i="0" u="none" strike="noStrike" kern="1200" cap="none" spc="0" normalizeH="0" baseline="0" noProof="0" dirty="0">
+              <a:ln>
+                <a:noFill/>
+              </a:ln>
+              <a:solidFill>
+                <a:prstClr val="white"/>
+              </a:solidFill>
+              <a:effectLst/>
+              <a:uLnTx/>
+              <a:uFillTx/>
+              <a:latin typeface="Montserrat"/>
+              <a:ea typeface="+mn-ea"/>
+              <a:cs typeface="+mn-cs"/>
+            </a:endParaRPr>
+          </a:p>
+        </p:txBody>
+      </p:sp>
+      <p:sp>
+        <p:nvSpPr>
+          <p:cNvPr id="15" name="Freeform: Shape 14">
+            <a:extLst>
+              <a:ext uri="{FF2B5EF4-FFF2-40B4-BE49-F238E27FC236}">
+                <a16:creationId xmlns:a16="http://schemas.microsoft.com/office/drawing/2014/main" id="{BA9721E0-EABB-414E-915A-D5E788EA85AB}"/>
+              </a:ext>
+            </a:extLst>
+          </p:cNvPr>
+          <p:cNvSpPr/>
+          <p:nvPr/>
+        </p:nvSpPr>
+        <p:spPr>
+          <a:xfrm>
+            <a:off x="12066089" y="1139742"/>
+            <a:ext cx="131280" cy="262560"/>
+          </a:xfrm>
+          <a:custGeom>
+            <a:avLst/>
+            <a:gdLst>
+              <a:gd name="connsiteX0" fmla="*/ 131280 w 131280"/>
+              <a:gd name="connsiteY0" fmla="*/ 0 h 262560"/>
+              <a:gd name="connsiteX1" fmla="*/ 131280 w 131280"/>
+              <a:gd name="connsiteY1" fmla="*/ 262560 h 262560"/>
+              <a:gd name="connsiteX2" fmla="*/ 0 w 131280"/>
+              <a:gd name="connsiteY2" fmla="*/ 131280 h 262560"/>
+              <a:gd name="connsiteX3" fmla="*/ 131280 w 131280"/>
+              <a:gd name="connsiteY3" fmla="*/ 0 h 262560"/>
+            </a:gdLst>
+            <a:ahLst/>
+            <a:cxnLst>
+              <a:cxn ang="0">
+                <a:pos x="connsiteX0" y="connsiteY0"/>
+              </a:cxn>
+              <a:cxn ang="0">
+                <a:pos x="connsiteX1" y="connsiteY1"/>
+              </a:cxn>
+              <a:cxn ang="0">
+                <a:pos x="connsiteX2" y="connsiteY2"/>
+              </a:cxn>
+              <a:cxn ang="0">
+                <a:pos x="connsiteX3" y="connsiteY3"/>
+              </a:cxn>
+            </a:cxnLst>
+            <a:rect l="l" t="t" r="r" b="b"/>
+            <a:pathLst>
+              <a:path w="131280" h="262560">
+                <a:moveTo>
+                  <a:pt x="131280" y="0"/>
+                </a:moveTo>
+                <a:lnTo>
+                  <a:pt x="131280" y="262560"/>
+                </a:lnTo>
+                <a:cubicBezTo>
+                  <a:pt x="58776" y="262560"/>
+                  <a:pt x="0" y="203784"/>
+                  <a:pt x="0" y="131280"/>
+                </a:cubicBezTo>
+                <a:cubicBezTo>
+                  <a:pt x="0" y="58776"/>
+                  <a:pt x="58776" y="0"/>
+                  <a:pt x="131280" y="0"/>
+                </a:cubicBezTo>
+                <a:close/>
+              </a:path>
+            </a:pathLst>
+          </a:custGeom>
+          <a:solidFill>
+            <a:schemeClr val="bg1"/>
+          </a:solidFill>
+          <a:ln>
+            <a:noFill/>
+          </a:ln>
+        </p:spPr>
+        <p:style>
+          <a:lnRef idx="2">
+            <a:schemeClr val="accent1">
+              <a:shade val="50000"/>
+            </a:schemeClr>
+          </a:lnRef>
+          <a:fillRef idx="1">
+            <a:schemeClr val="accent1"/>
+          </a:fillRef>
+          <a:effectRef idx="0">
+            <a:schemeClr val="accent1"/>
+          </a:effectRef>
+          <a:fontRef idx="minor">
+            <a:schemeClr val="lt1"/>
+          </a:fontRef>
+        </p:style>
+        <p:txBody>
+          <a:bodyPr wrap="square" rtlCol="0" anchor="ctr">
+            <a:noAutofit/>
+          </a:bodyPr>
+          <a:lstStyle/>
+          <a:p>
+            <a:pPr marL="0" marR="0" lvl="0" indent="0" algn="ctr" defTabSz="914400" rtl="0" eaLnBrk="1" fontAlgn="auto" latinLnBrk="0" hangingPunct="1">
+              <a:lnSpc>
+                <a:spcPct val="100000"/>
+              </a:lnSpc>
+              <a:spcBef>
+                <a:spcPts val="0"/>
+              </a:spcBef>
+              <a:spcAft>
+                <a:spcPts val="0"/>
+              </a:spcAft>
+              <a:buClrTx/>
+              <a:buSzTx/>
+              <a:buFontTx/>
+              <a:buNone/>
+              <a:tabLst/>
+              <a:defRPr/>
+            </a:pPr>
+            <a:endParaRPr kumimoji="0" lang="en-US" sz="1800" b="0" i="0" u="none" strike="noStrike" kern="1200" cap="none" spc="0" normalizeH="0" baseline="0" noProof="0" dirty="0">
+              <a:ln>
+                <a:noFill/>
+              </a:ln>
+              <a:solidFill>
+                <a:prstClr val="white"/>
+              </a:solidFill>
+              <a:effectLst/>
+              <a:uLnTx/>
+              <a:uFillTx/>
+              <a:latin typeface="Montserrat"/>
+              <a:ea typeface="+mn-ea"/>
+              <a:cs typeface="+mn-cs"/>
+            </a:endParaRPr>
+          </a:p>
+        </p:txBody>
+      </p:sp>
+      <p:sp>
+        <p:nvSpPr>
+          <p:cNvPr id="16" name="Freeform: Shape 15">
+            <a:extLst>
+              <a:ext uri="{FF2B5EF4-FFF2-40B4-BE49-F238E27FC236}">
+                <a16:creationId xmlns:a16="http://schemas.microsoft.com/office/drawing/2014/main" id="{2450B8BF-3AF3-4F9E-BF8D-2F89F9BBE510}"/>
+              </a:ext>
+            </a:extLst>
+          </p:cNvPr>
+          <p:cNvSpPr/>
+          <p:nvPr/>
+        </p:nvSpPr>
+        <p:spPr>
+          <a:xfrm rot="5400000">
+            <a:off x="6233560" y="6661080"/>
+            <a:ext cx="131280" cy="262560"/>
+          </a:xfrm>
+          <a:custGeom>
+            <a:avLst/>
+            <a:gdLst>
+              <a:gd name="connsiteX0" fmla="*/ 131280 w 131280"/>
+              <a:gd name="connsiteY0" fmla="*/ 0 h 262560"/>
+              <a:gd name="connsiteX1" fmla="*/ 131280 w 131280"/>
+              <a:gd name="connsiteY1" fmla="*/ 262560 h 262560"/>
+              <a:gd name="connsiteX2" fmla="*/ 0 w 131280"/>
+              <a:gd name="connsiteY2" fmla="*/ 131280 h 262560"/>
+              <a:gd name="connsiteX3" fmla="*/ 131280 w 131280"/>
+              <a:gd name="connsiteY3" fmla="*/ 0 h 262560"/>
+            </a:gdLst>
+            <a:ahLst/>
+            <a:cxnLst>
+              <a:cxn ang="0">
+                <a:pos x="connsiteX0" y="connsiteY0"/>
+              </a:cxn>
+              <a:cxn ang="0">
+                <a:pos x="connsiteX1" y="connsiteY1"/>
+              </a:cxn>
+              <a:cxn ang="0">
+                <a:pos x="connsiteX2" y="connsiteY2"/>
+              </a:cxn>
+              <a:cxn ang="0">
+                <a:pos x="connsiteX3" y="connsiteY3"/>
+              </a:cxn>
+            </a:cxnLst>
+            <a:rect l="l" t="t" r="r" b="b"/>
+            <a:pathLst>
+              <a:path w="131280" h="262560">
+                <a:moveTo>
+                  <a:pt x="131280" y="0"/>
+                </a:moveTo>
+                <a:lnTo>
+                  <a:pt x="131280" y="262560"/>
+                </a:lnTo>
+                <a:cubicBezTo>
+                  <a:pt x="58776" y="262560"/>
+                  <a:pt x="0" y="203784"/>
+                  <a:pt x="0" y="131280"/>
+                </a:cubicBezTo>
+                <a:cubicBezTo>
+                  <a:pt x="0" y="58776"/>
+                  <a:pt x="58776" y="0"/>
+                  <a:pt x="131280" y="0"/>
+                </a:cubicBezTo>
+                <a:close/>
+              </a:path>
+            </a:pathLst>
+          </a:custGeom>
+          <a:solidFill>
+            <a:schemeClr val="bg2">
+              <a:lumMod val="25000"/>
+            </a:schemeClr>
+          </a:solidFill>
+          <a:ln>
+            <a:noFill/>
+          </a:ln>
+        </p:spPr>
+        <p:style>
+          <a:lnRef idx="2">
+            <a:schemeClr val="accent1">
+              <a:shade val="50000"/>
+            </a:schemeClr>
+          </a:lnRef>
+          <a:fillRef idx="1">
+            <a:schemeClr val="accent1"/>
+          </a:fillRef>
+          <a:effectRef idx="0">
+            <a:schemeClr val="accent1"/>
+          </a:effectRef>
+          <a:fontRef idx="minor">
+            <a:schemeClr val="lt1"/>
+          </a:fontRef>
+        </p:style>
+        <p:txBody>
+          <a:bodyPr wrap="square" rtlCol="0" anchor="ctr">
+            <a:noAutofit/>
+          </a:bodyPr>
+          <a:lstStyle/>
+          <a:p>
+            <a:pPr marL="0" marR="0" lvl="0" indent="0" algn="ctr" defTabSz="914400" rtl="0" eaLnBrk="1" fontAlgn="auto" latinLnBrk="0" hangingPunct="1">
+              <a:lnSpc>
+                <a:spcPct val="100000"/>
+              </a:lnSpc>
+              <a:spcBef>
+                <a:spcPts val="0"/>
+              </a:spcBef>
+              <a:spcAft>
+                <a:spcPts val="0"/>
+              </a:spcAft>
+              <a:buClrTx/>
+              <a:buSzTx/>
+              <a:buFontTx/>
+              <a:buNone/>
+              <a:tabLst/>
+              <a:defRPr/>
+            </a:pPr>
+            <a:endParaRPr kumimoji="0" lang="en-US" sz="1800" b="0" i="0" u="none" strike="noStrike" kern="1200" cap="none" spc="0" normalizeH="0" baseline="0" noProof="0" dirty="0">
+              <a:ln>
+                <a:noFill/>
+              </a:ln>
+              <a:solidFill>
+                <a:prstClr val="white"/>
+              </a:solidFill>
+              <a:effectLst/>
+              <a:uLnTx/>
+              <a:uFillTx/>
+              <a:latin typeface="Montserrat"/>
+              <a:ea typeface="+mn-ea"/>
+              <a:cs typeface="+mn-cs"/>
+            </a:endParaRPr>
+          </a:p>
+        </p:txBody>
+      </p:sp>
+      <p:sp>
+        <p:nvSpPr>
+          <p:cNvPr id="77" name="Rectangle: Rounded Corners 76">
+            <a:extLst>
+              <a:ext uri="{FF2B5EF4-FFF2-40B4-BE49-F238E27FC236}">
+                <a16:creationId xmlns:a16="http://schemas.microsoft.com/office/drawing/2014/main" id="{22155B0E-49AC-4951-8FCF-10CBF1B19043}"/>
+              </a:ext>
+            </a:extLst>
+          </p:cNvPr>
+          <p:cNvSpPr/>
+          <p:nvPr/>
+        </p:nvSpPr>
+        <p:spPr>
+          <a:xfrm>
+            <a:off x="591711" y="3404393"/>
+            <a:ext cx="219172" cy="187673"/>
+          </a:xfrm>
+          <a:prstGeom prst="roundRect">
+            <a:avLst>
+              <a:gd name="adj" fmla="val 32384"/>
+            </a:avLst>
+          </a:prstGeom>
+          <a:solidFill>
+            <a:schemeClr val="bg1"/>
+          </a:solidFill>
+          <a:ln>
+            <a:noFill/>
+          </a:ln>
+        </p:spPr>
+        <p:style>
+          <a:lnRef idx="2">
+            <a:schemeClr val="accent1">
+              <a:shade val="50000"/>
+            </a:schemeClr>
+          </a:lnRef>
+          <a:fillRef idx="1">
+            <a:schemeClr val="accent1"/>
+          </a:fillRef>
+          <a:effectRef idx="0">
+            <a:schemeClr val="accent1"/>
+          </a:effectRef>
+          <a:fontRef idx="minor">
+            <a:schemeClr val="lt1"/>
+          </a:fontRef>
+        </p:style>
+        <p:txBody>
+          <a:bodyPr rtlCol="0" anchor="ctr"/>
+          <a:lstStyle/>
+          <a:p>
+            <a:pPr marL="0" marR="0" lvl="0" indent="0" algn="ctr" defTabSz="914400" rtl="0" eaLnBrk="1" fontAlgn="auto" latinLnBrk="0" hangingPunct="1">
+              <a:lnSpc>
+                <a:spcPct val="100000"/>
+              </a:lnSpc>
+              <a:spcBef>
+                <a:spcPts val="0"/>
+              </a:spcBef>
+              <a:spcAft>
+                <a:spcPts val="0"/>
+              </a:spcAft>
+              <a:buClrTx/>
+              <a:buSzTx/>
+              <a:buFontTx/>
+              <a:buNone/>
+              <a:tabLst/>
+              <a:defRPr/>
+            </a:pPr>
+            <a:endParaRPr kumimoji="0" lang="en-US" sz="1800" b="0" i="0" u="none" strike="noStrike" kern="1200" cap="none" spc="0" normalizeH="0" baseline="0" noProof="0" dirty="0">
+              <a:ln>
+                <a:noFill/>
+              </a:ln>
+              <a:solidFill>
+                <a:prstClr val="white"/>
+              </a:solidFill>
+              <a:effectLst/>
+              <a:uLnTx/>
+              <a:uFillTx/>
+              <a:latin typeface="Montserrat"/>
+              <a:ea typeface="+mn-ea"/>
+              <a:cs typeface="+mn-cs"/>
+            </a:endParaRPr>
+          </a:p>
+        </p:txBody>
+      </p:sp>
+      <p:sp>
+        <p:nvSpPr>
+          <p:cNvPr id="55" name="TextBox 54">
+            <a:extLst>
+              <a:ext uri="{FF2B5EF4-FFF2-40B4-BE49-F238E27FC236}">
+                <a16:creationId xmlns:a16="http://schemas.microsoft.com/office/drawing/2014/main" id="{E293866C-A9ED-43DE-807A-A9F13875F9F5}"/>
+              </a:ext>
+            </a:extLst>
+          </p:cNvPr>
+          <p:cNvSpPr txBox="1"/>
+          <p:nvPr/>
+        </p:nvSpPr>
+        <p:spPr>
+          <a:xfrm>
+            <a:off x="3291908" y="104747"/>
+            <a:ext cx="5608183" cy="830997"/>
+          </a:xfrm>
+          <a:prstGeom prst="rect">
+            <a:avLst/>
+          </a:prstGeom>
+          <a:noFill/>
+        </p:spPr>
+        <p:txBody>
+          <a:bodyPr wrap="square" rtlCol="0">
+            <a:spAutoFit/>
+          </a:bodyPr>
+          <a:lstStyle/>
+          <a:p>
+            <a:pPr marL="0" marR="0" lvl="0" indent="0" algn="ctr" defTabSz="914400" rtl="0" eaLnBrk="1" fontAlgn="auto" latinLnBrk="0" hangingPunct="1">
+              <a:lnSpc>
+                <a:spcPct val="100000"/>
+              </a:lnSpc>
+              <a:spcBef>
+                <a:spcPts val="0"/>
+              </a:spcBef>
+              <a:spcAft>
+                <a:spcPts val="0"/>
+              </a:spcAft>
+              <a:buClrTx/>
+              <a:buSzTx/>
+              <a:buFontTx/>
+              <a:buNone/>
+              <a:tabLst/>
+              <a:defRPr/>
+            </a:pPr>
+            <a:r>
+              <a:rPr lang="en-US" sz="4800" b="1" dirty="0">
+                <a:ln>
+                  <a:solidFill>
+                    <a:schemeClr val="bg2">
+                      <a:lumMod val="50000"/>
+                    </a:schemeClr>
+                  </a:solidFill>
+                </a:ln>
+                <a:solidFill>
+                  <a:prstClr val="white">
+                    <a:lumMod val="95000"/>
+                  </a:prstClr>
+                </a:solidFill>
+                <a:latin typeface="Tw Cen MT" panose="020B0602020104020603" pitchFamily="34" charset="0"/>
+              </a:rPr>
+              <a:t>Project Management</a:t>
+            </a:r>
+            <a:endParaRPr kumimoji="0" lang="en-US" sz="4800" b="1" i="0" u="none" strike="noStrike" kern="1200" cap="none" spc="0" normalizeH="0" baseline="0" noProof="0" dirty="0">
+              <a:ln>
+                <a:solidFill>
+                  <a:schemeClr val="bg2">
+                    <a:lumMod val="50000"/>
+                  </a:schemeClr>
+                </a:solidFill>
+              </a:ln>
+              <a:solidFill>
+                <a:prstClr val="white">
+                  <a:lumMod val="95000"/>
+                </a:prstClr>
+              </a:solidFill>
+              <a:effectLst/>
+              <a:uLnTx/>
+              <a:uFillTx/>
+              <a:latin typeface="Tw Cen MT" panose="020B0602020104020603" pitchFamily="34" charset="0"/>
+              <a:ea typeface="+mn-ea"/>
+              <a:cs typeface="+mn-cs"/>
+            </a:endParaRPr>
+          </a:p>
+        </p:txBody>
+      </p:sp>
+      <p:sp>
+        <p:nvSpPr>
+          <p:cNvPr id="18" name="TextBox 17">
+            <a:extLst>
+              <a:ext uri="{FF2B5EF4-FFF2-40B4-BE49-F238E27FC236}">
+                <a16:creationId xmlns:a16="http://schemas.microsoft.com/office/drawing/2014/main" id="{768DF04A-2573-2965-403D-B3F221A8DA5F}"/>
+              </a:ext>
+            </a:extLst>
+          </p:cNvPr>
+          <p:cNvSpPr txBox="1"/>
+          <p:nvPr/>
+        </p:nvSpPr>
+        <p:spPr>
+          <a:xfrm>
+            <a:off x="1604467" y="1023372"/>
+            <a:ext cx="9502726" cy="5678478"/>
+          </a:xfrm>
+          <a:prstGeom prst="rect">
+            <a:avLst/>
+          </a:prstGeom>
+          <a:noFill/>
+        </p:spPr>
+        <p:txBody>
+          <a:bodyPr wrap="square">
+            <a:spAutoFit/>
+          </a:bodyPr>
+          <a:lstStyle/>
+          <a:p>
+            <a:pPr rtl="0" fontAlgn="base">
+              <a:spcBef>
+                <a:spcPts val="0"/>
+              </a:spcBef>
+              <a:spcAft>
+                <a:spcPts val="0"/>
+              </a:spcAft>
+            </a:pPr>
+            <a:r>
+              <a:rPr lang="en-GB" sz="3200" b="0" i="0" u="none" strike="noStrike" dirty="0">
+                <a:solidFill>
+                  <a:srgbClr val="E3E3E5"/>
+                </a:solidFill>
+                <a:effectLst/>
+                <a:latin typeface="Sorts Mill Goudy"/>
+              </a:rPr>
+              <a:t>Agile </a:t>
+            </a:r>
+            <a:r>
+              <a:rPr lang="en-GB" sz="3200" dirty="0">
+                <a:solidFill>
+                  <a:srgbClr val="E3E3E5"/>
+                </a:solidFill>
+                <a:latin typeface="Sorts Mill Goudy"/>
+              </a:rPr>
+              <a:t>methodology</a:t>
+            </a:r>
+            <a:endParaRPr lang="en-GB" sz="1400" dirty="0">
+              <a:solidFill>
+                <a:srgbClr val="E3E3E5"/>
+              </a:solidFill>
+              <a:latin typeface="Sorts Mill Goudy"/>
+            </a:endParaRPr>
+          </a:p>
+          <a:p>
+            <a:pPr rtl="0" fontAlgn="base">
+              <a:spcBef>
+                <a:spcPts val="0"/>
+              </a:spcBef>
+              <a:spcAft>
+                <a:spcPts val="0"/>
+              </a:spcAft>
+            </a:pPr>
+            <a:endParaRPr lang="en-GB" sz="1400" b="0" i="0" u="none" strike="noStrike" dirty="0">
+              <a:solidFill>
+                <a:srgbClr val="E3E3E5"/>
+              </a:solidFill>
+              <a:effectLst/>
+              <a:latin typeface="Noto Sans" panose="020B0502040504020204" pitchFamily="34" charset="0"/>
+            </a:endParaRPr>
+          </a:p>
+          <a:p>
+            <a:pPr marL="800100" lvl="1" indent="-342900" rtl="0" fontAlgn="base">
+              <a:spcBef>
+                <a:spcPts val="0"/>
+              </a:spcBef>
+              <a:spcAft>
+                <a:spcPts val="0"/>
+              </a:spcAft>
+              <a:buFont typeface="Wingdings" panose="05000000000000000000" pitchFamily="2" charset="2"/>
+              <a:buChar char="Ø"/>
+            </a:pPr>
+            <a:r>
+              <a:rPr lang="en-GB" sz="2300" b="0" i="0" u="none" strike="noStrike" dirty="0">
+                <a:solidFill>
+                  <a:srgbClr val="E3E3E5"/>
+                </a:solidFill>
+                <a:effectLst/>
+                <a:latin typeface="Sorts Mill Goudy"/>
+              </a:rPr>
+              <a:t>Project board on </a:t>
+            </a:r>
+            <a:r>
+              <a:rPr lang="en-GB" sz="2300" dirty="0">
+                <a:solidFill>
+                  <a:srgbClr val="E3E3E5"/>
+                </a:solidFill>
+                <a:latin typeface="Sorts Mill Goudy"/>
+              </a:rPr>
+              <a:t>G</a:t>
+            </a:r>
+            <a:r>
+              <a:rPr lang="en-GB" sz="2300" b="0" i="0" u="none" strike="noStrike" dirty="0">
+                <a:solidFill>
+                  <a:srgbClr val="E3E3E5"/>
+                </a:solidFill>
+                <a:effectLst/>
+                <a:latin typeface="Sorts Mill Goudy"/>
+              </a:rPr>
+              <a:t>ithub</a:t>
+            </a:r>
+          </a:p>
+          <a:p>
+            <a:pPr lvl="1" rtl="0" fontAlgn="base">
+              <a:spcBef>
+                <a:spcPts val="0"/>
+              </a:spcBef>
+              <a:spcAft>
+                <a:spcPts val="0"/>
+              </a:spcAft>
+            </a:pPr>
+            <a:r>
+              <a:rPr lang="en-GB" sz="2100" dirty="0">
+                <a:solidFill>
+                  <a:srgbClr val="E3E3E5"/>
+                </a:solidFill>
+                <a:latin typeface="Sorts Mill Goudy"/>
+              </a:rPr>
+              <a:t>	- Github issue system to distribute tasks</a:t>
+            </a:r>
+          </a:p>
+          <a:p>
+            <a:pPr lvl="1" rtl="0" fontAlgn="base">
+              <a:spcBef>
+                <a:spcPts val="0"/>
+              </a:spcBef>
+              <a:spcAft>
+                <a:spcPts val="0"/>
+              </a:spcAft>
+            </a:pPr>
+            <a:r>
+              <a:rPr lang="en-GB" sz="2100" b="0" i="0" u="none" strike="noStrike" dirty="0">
+                <a:solidFill>
+                  <a:srgbClr val="E3E3E5"/>
+                </a:solidFill>
+                <a:effectLst/>
+                <a:latin typeface="Sorts Mill Goudy"/>
+              </a:rPr>
+              <a:t>	- Timelines and Milestones to gauge progress</a:t>
+            </a:r>
+          </a:p>
+          <a:p>
+            <a:pPr lvl="1" rtl="0" fontAlgn="base">
+              <a:spcBef>
+                <a:spcPts val="0"/>
+              </a:spcBef>
+              <a:spcAft>
+                <a:spcPts val="0"/>
+              </a:spcAft>
+            </a:pPr>
+            <a:endParaRPr lang="en-GB" sz="2100" b="0" i="0" u="none" strike="noStrike" dirty="0">
+              <a:solidFill>
+                <a:srgbClr val="E3E3E5"/>
+              </a:solidFill>
+              <a:effectLst/>
+              <a:latin typeface="Sorts Mill Goudy"/>
+            </a:endParaRPr>
+          </a:p>
+          <a:p>
+            <a:pPr marL="800100" lvl="1" indent="-342900" rtl="0" fontAlgn="base">
+              <a:spcBef>
+                <a:spcPts val="0"/>
+              </a:spcBef>
+              <a:spcAft>
+                <a:spcPts val="0"/>
+              </a:spcAft>
+              <a:buFont typeface="Wingdings" panose="05000000000000000000" pitchFamily="2" charset="2"/>
+              <a:buChar char="Ø"/>
+            </a:pPr>
+            <a:r>
+              <a:rPr lang="en-GB" sz="2300" dirty="0">
+                <a:solidFill>
+                  <a:srgbClr val="E3E3E5"/>
+                </a:solidFill>
+                <a:latin typeface="Sorts Mill Goudy"/>
+              </a:rPr>
+              <a:t>Resource assessment and Risk management</a:t>
+            </a:r>
+          </a:p>
+          <a:p>
+            <a:pPr lvl="1" rtl="0" fontAlgn="base">
+              <a:spcBef>
+                <a:spcPts val="0"/>
+              </a:spcBef>
+              <a:spcAft>
+                <a:spcPts val="0"/>
+              </a:spcAft>
+            </a:pPr>
+            <a:r>
+              <a:rPr lang="en-GB" sz="2100" b="0" i="0" u="none" strike="noStrike" dirty="0">
+                <a:solidFill>
+                  <a:srgbClr val="E3E3E5"/>
+                </a:solidFill>
+                <a:effectLst/>
+                <a:latin typeface="Sorts Mill Goudy"/>
+              </a:rPr>
+              <a:t>	- Task size and effort estimation per use case</a:t>
+            </a:r>
+          </a:p>
+          <a:p>
+            <a:pPr lvl="1" rtl="0" fontAlgn="base">
+              <a:spcBef>
+                <a:spcPts val="0"/>
+              </a:spcBef>
+              <a:spcAft>
+                <a:spcPts val="0"/>
+              </a:spcAft>
+            </a:pPr>
+            <a:r>
+              <a:rPr lang="en-GB" sz="2100" dirty="0">
+                <a:solidFill>
+                  <a:srgbClr val="E3E3E5"/>
+                </a:solidFill>
+                <a:latin typeface="Sorts Mill Goudy"/>
+              </a:rPr>
+              <a:t>	- Contingency plans for unforeseen circumstances</a:t>
+            </a:r>
+            <a:endParaRPr lang="en-GB" sz="2100" b="0" i="0" u="none" strike="noStrike" dirty="0">
+              <a:solidFill>
+                <a:srgbClr val="E3E3E5"/>
+              </a:solidFill>
+              <a:effectLst/>
+              <a:latin typeface="Sorts Mill Goudy"/>
+            </a:endParaRPr>
+          </a:p>
+          <a:p>
+            <a:pPr lvl="1" rtl="0" fontAlgn="base">
+              <a:spcBef>
+                <a:spcPts val="0"/>
+              </a:spcBef>
+              <a:spcAft>
+                <a:spcPts val="0"/>
+              </a:spcAft>
+            </a:pPr>
+            <a:endParaRPr lang="en-GB" sz="2300" b="0" i="0" u="none" strike="noStrike" dirty="0">
+              <a:solidFill>
+                <a:srgbClr val="E3E3E5"/>
+              </a:solidFill>
+              <a:effectLst/>
+              <a:latin typeface="Sorts Mill Goudy"/>
+            </a:endParaRPr>
+          </a:p>
+          <a:p>
+            <a:pPr marL="800100" lvl="1" indent="-342900" fontAlgn="base">
+              <a:buFont typeface="Wingdings" panose="05000000000000000000" pitchFamily="2" charset="2"/>
+              <a:buChar char="Ø"/>
+            </a:pPr>
+            <a:r>
+              <a:rPr lang="en-GB" sz="2300" b="0" i="0" u="none" strike="noStrike" dirty="0">
+                <a:solidFill>
+                  <a:srgbClr val="E3E3E5"/>
+                </a:solidFill>
+                <a:effectLst/>
+                <a:latin typeface="Sorts Mill Goudy"/>
+              </a:rPr>
+              <a:t>Meetings</a:t>
+            </a:r>
+          </a:p>
+          <a:p>
+            <a:pPr lvl="2" fontAlgn="base">
+              <a:defRPr/>
+            </a:pPr>
+            <a:r>
+              <a:rPr kumimoji="0" lang="en-GB" sz="2100" b="0" i="0" u="none" strike="noStrike" kern="1200" cap="none" spc="0" normalizeH="0" baseline="0" noProof="0" dirty="0">
+                <a:ln>
+                  <a:noFill/>
+                </a:ln>
+                <a:solidFill>
+                  <a:srgbClr val="E3E3E5"/>
+                </a:solidFill>
+                <a:effectLst/>
+                <a:uLnTx/>
+                <a:uFillTx/>
+                <a:latin typeface="Sorts Mill Goudy"/>
+                <a:ea typeface="+mn-ea"/>
+                <a:cs typeface="+mn-cs"/>
+              </a:rPr>
+              <a:t>- Team meetings every Monday </a:t>
+            </a:r>
+            <a:endParaRPr lang="en-GB" sz="1260" b="0" i="0" u="none" strike="noStrike" dirty="0">
+              <a:solidFill>
+                <a:srgbClr val="E3E3E5"/>
+              </a:solidFill>
+              <a:effectLst/>
+              <a:latin typeface="Noto Sans" panose="020B0502040504020204" pitchFamily="34" charset="0"/>
+            </a:endParaRPr>
+          </a:p>
+          <a:p>
+            <a:pPr lvl="2" fontAlgn="base"/>
+            <a:r>
+              <a:rPr lang="en-GB" sz="2100" b="0" i="0" u="none" strike="noStrike" dirty="0">
+                <a:solidFill>
+                  <a:srgbClr val="E3E3E5"/>
+                </a:solidFill>
+                <a:effectLst/>
+                <a:latin typeface="Sorts Mill Goudy"/>
+              </a:rPr>
+              <a:t>- Weekly meeting with </a:t>
+            </a:r>
+            <a:r>
+              <a:rPr lang="en-GB" sz="2100" dirty="0">
+                <a:solidFill>
+                  <a:srgbClr val="E3E3E5"/>
+                </a:solidFill>
+                <a:latin typeface="Sorts Mill Goudy"/>
+              </a:rPr>
+              <a:t>clients</a:t>
+            </a:r>
+            <a:r>
+              <a:rPr lang="en-GB" sz="2100" b="0" i="0" u="none" strike="noStrike" dirty="0">
+                <a:solidFill>
+                  <a:srgbClr val="E3E3E5"/>
+                </a:solidFill>
+                <a:effectLst/>
+                <a:latin typeface="Sorts Mill Goudy"/>
+              </a:rPr>
+              <a:t> on Wednesdays</a:t>
+            </a:r>
+            <a:endParaRPr lang="en-GB" sz="1260" b="0" i="0" u="none" strike="noStrike" dirty="0">
+              <a:solidFill>
+                <a:srgbClr val="E3E3E5"/>
+              </a:solidFill>
+              <a:effectLst/>
+              <a:latin typeface="Noto Sans" panose="020B0502040504020204" pitchFamily="34" charset="0"/>
+            </a:endParaRPr>
+          </a:p>
+          <a:p>
+            <a:pPr lvl="2" fontAlgn="base"/>
+            <a:r>
+              <a:rPr lang="en-GB" sz="2100" b="0" i="0" u="none" strike="noStrike" dirty="0">
+                <a:solidFill>
+                  <a:srgbClr val="E3E3E5"/>
+                </a:solidFill>
+                <a:effectLst/>
+                <a:latin typeface="Sorts Mill Goudy"/>
+              </a:rPr>
+              <a:t>- Weekly meeting with Maryam on Fridays</a:t>
+            </a:r>
+            <a:endParaRPr lang="en-GB" sz="1260" b="0" i="0" u="none" strike="noStrike" dirty="0">
+              <a:solidFill>
+                <a:srgbClr val="E3E3E5"/>
+              </a:solidFill>
+              <a:effectLst/>
+              <a:latin typeface="Noto Sans" panose="020B0502040504020204" pitchFamily="34" charset="0"/>
+            </a:endParaRPr>
+          </a:p>
+          <a:p>
+            <a:pPr lvl="2" fontAlgn="base"/>
+            <a:r>
+              <a:rPr lang="en-GB" sz="2100" dirty="0">
+                <a:solidFill>
+                  <a:srgbClr val="E3E3E5"/>
+                </a:solidFill>
+                <a:latin typeface="Sorts Mill Goudy"/>
+              </a:rPr>
+              <a:t>- </a:t>
+            </a:r>
+            <a:r>
+              <a:rPr lang="en-GB" sz="2100" b="0" i="0" u="none" strike="noStrike" dirty="0">
+                <a:solidFill>
+                  <a:srgbClr val="E3E3E5"/>
+                </a:solidFill>
+                <a:effectLst/>
+                <a:latin typeface="Sorts Mill Goudy"/>
+              </a:rPr>
+              <a:t>Project feedback meetings with the other lecturers when necessary</a:t>
+            </a:r>
+            <a:endParaRPr lang="en-GB" sz="1260" b="0" i="0" u="none" strike="noStrike" dirty="0">
+              <a:solidFill>
+                <a:srgbClr val="E3E3E5"/>
+              </a:solidFill>
+              <a:effectLst/>
+              <a:latin typeface="Noto Sans" panose="020B0502040504020204" pitchFamily="34" charset="0"/>
+            </a:endParaRPr>
+          </a:p>
+          <a:p>
+            <a:br>
+              <a:rPr lang="en-GB" b="0" dirty="0">
+                <a:effectLst/>
+              </a:rPr>
+            </a:br>
+            <a:endParaRPr lang="en-ZA" dirty="0"/>
+          </a:p>
+        </p:txBody>
+      </p:sp>
+    </p:spTree>
+    <p:extLst>
+      <p:ext uri="{BB962C8B-B14F-4D97-AF65-F5344CB8AC3E}">
+        <p14:creationId xmlns:p14="http://schemas.microsoft.com/office/powerpoint/2010/main" val="1962552319"/>
       </p:ext>
     </p:extLst>
   </p:cSld>
